--- a/FinalCourseAssignment/Lunar.pptx
+++ b/FinalCourseAssignment/Lunar.pptx
@@ -5,7 +5,7 @@
     <p:sldMasterId id="2147483648" r:id="rId1"/>
   </p:sldMasterIdLst>
   <p:notesMasterIdLst>
-    <p:notesMasterId r:id="rId30"/>
+    <p:notesMasterId r:id="rId27"/>
   </p:notesMasterIdLst>
   <p:sldIdLst>
     <p:sldId id="257" r:id="rId2"/>
@@ -15,27 +15,24 @@
     <p:sldId id="264" r:id="rId6"/>
     <p:sldId id="302" r:id="rId7"/>
     <p:sldId id="303" r:id="rId8"/>
-    <p:sldId id="265" r:id="rId9"/>
-    <p:sldId id="267" r:id="rId10"/>
-    <p:sldId id="271" r:id="rId11"/>
-    <p:sldId id="273" r:id="rId12"/>
-    <p:sldId id="274" r:id="rId13"/>
-    <p:sldId id="276" r:id="rId14"/>
-    <p:sldId id="287" r:id="rId15"/>
-    <p:sldId id="289" r:id="rId16"/>
-    <p:sldId id="268" r:id="rId17"/>
-    <p:sldId id="282" r:id="rId18"/>
-    <p:sldId id="283" r:id="rId19"/>
-    <p:sldId id="290" r:id="rId20"/>
-    <p:sldId id="291" r:id="rId21"/>
-    <p:sldId id="292" r:id="rId22"/>
-    <p:sldId id="293" r:id="rId23"/>
-    <p:sldId id="301" r:id="rId24"/>
-    <p:sldId id="295" r:id="rId25"/>
-    <p:sldId id="296" r:id="rId26"/>
-    <p:sldId id="297" r:id="rId27"/>
-    <p:sldId id="299" r:id="rId28"/>
-    <p:sldId id="298" r:id="rId29"/>
+    <p:sldId id="299" r:id="rId9"/>
+    <p:sldId id="265" r:id="rId10"/>
+    <p:sldId id="276" r:id="rId11"/>
+    <p:sldId id="287" r:id="rId12"/>
+    <p:sldId id="289" r:id="rId13"/>
+    <p:sldId id="268" r:id="rId14"/>
+    <p:sldId id="282" r:id="rId15"/>
+    <p:sldId id="283" r:id="rId16"/>
+    <p:sldId id="290" r:id="rId17"/>
+    <p:sldId id="291" r:id="rId18"/>
+    <p:sldId id="292" r:id="rId19"/>
+    <p:sldId id="293" r:id="rId20"/>
+    <p:sldId id="301" r:id="rId21"/>
+    <p:sldId id="295" r:id="rId22"/>
+    <p:sldId id="296" r:id="rId23"/>
+    <p:sldId id="297" r:id="rId24"/>
+    <p:sldId id="305" r:id="rId25"/>
+    <p:sldId id="306" r:id="rId26"/>
   </p:sldIdLst>
   <p:sldSz cx="12192000" cy="6858000"/>
   <p:notesSz cx="6858000" cy="9144000"/>
@@ -136,7 +133,18 @@
   </p:defaultTextStyle>
   <p:extLst>
     <p:ext uri="{EFAFB233-063F-42B5-8137-9DF3F51BA10A}">
-      <p15:sldGuideLst xmlns:p15="http://schemas.microsoft.com/office/powerpoint/2012/main"/>
+      <p15:sldGuideLst xmlns:p15="http://schemas.microsoft.com/office/powerpoint/2012/main">
+        <p15:guide id="1" orient="horz" pos="2160" userDrawn="1">
+          <p15:clr>
+            <a:srgbClr val="A4A3A4"/>
+          </p15:clr>
+        </p15:guide>
+        <p15:guide id="2" pos="801" userDrawn="1">
+          <p15:clr>
+            <a:srgbClr val="A4A3A4"/>
+          </p15:clr>
+        </p15:guide>
+      </p15:sldGuideLst>
     </p:ext>
   </p:extLst>
 </p:presentation>
@@ -224,7 +232,7 @@
           <a:p>
             <a:fld id="{1BC5129B-4CA0-4DA5-9DDA-918E3856A56D}" type="datetimeFigureOut">
               <a:rPr lang="pt-BR" smtClean="0"/>
-              <a:t>14/05/2018</a:t>
+              <a:t>07/06/2018</a:t>
             </a:fld>
             <a:endParaRPr lang="pt-BR"/>
           </a:p>
@@ -722,7 +730,7 @@
           <a:p>
             <a:fld id="{E40C39F9-72AE-470B-BCF0-DD0A60F35D16}" type="datetimeFigureOut">
               <a:rPr lang="pt-BR" smtClean="0"/>
-              <a:t>14/05/2018</a:t>
+              <a:t>07/06/2018</a:t>
             </a:fld>
             <a:endParaRPr lang="pt-BR"/>
           </a:p>
@@ -920,7 +928,7 @@
           <a:p>
             <a:fld id="{E40C39F9-72AE-470B-BCF0-DD0A60F35D16}" type="datetimeFigureOut">
               <a:rPr lang="pt-BR" smtClean="0"/>
-              <a:t>14/05/2018</a:t>
+              <a:t>07/06/2018</a:t>
             </a:fld>
             <a:endParaRPr lang="pt-BR"/>
           </a:p>
@@ -1128,7 +1136,7 @@
           <a:p>
             <a:fld id="{E40C39F9-72AE-470B-BCF0-DD0A60F35D16}" type="datetimeFigureOut">
               <a:rPr lang="pt-BR" smtClean="0"/>
-              <a:t>14/05/2018</a:t>
+              <a:t>07/06/2018</a:t>
             </a:fld>
             <a:endParaRPr lang="pt-BR"/>
           </a:p>
@@ -1326,7 +1334,7 @@
           <a:p>
             <a:fld id="{E40C39F9-72AE-470B-BCF0-DD0A60F35D16}" type="datetimeFigureOut">
               <a:rPr lang="pt-BR" smtClean="0"/>
-              <a:t>14/05/2018</a:t>
+              <a:t>07/06/2018</a:t>
             </a:fld>
             <a:endParaRPr lang="pt-BR"/>
           </a:p>
@@ -1601,7 +1609,7 @@
           <a:p>
             <a:fld id="{E40C39F9-72AE-470B-BCF0-DD0A60F35D16}" type="datetimeFigureOut">
               <a:rPr lang="pt-BR" smtClean="0"/>
-              <a:t>14/05/2018</a:t>
+              <a:t>07/06/2018</a:t>
             </a:fld>
             <a:endParaRPr lang="pt-BR"/>
           </a:p>
@@ -1866,7 +1874,7 @@
           <a:p>
             <a:fld id="{E40C39F9-72AE-470B-BCF0-DD0A60F35D16}" type="datetimeFigureOut">
               <a:rPr lang="pt-BR" smtClean="0"/>
-              <a:t>14/05/2018</a:t>
+              <a:t>07/06/2018</a:t>
             </a:fld>
             <a:endParaRPr lang="pt-BR"/>
           </a:p>
@@ -2278,7 +2286,7 @@
           <a:p>
             <a:fld id="{E40C39F9-72AE-470B-BCF0-DD0A60F35D16}" type="datetimeFigureOut">
               <a:rPr lang="pt-BR" smtClean="0"/>
-              <a:t>14/05/2018</a:t>
+              <a:t>07/06/2018</a:t>
             </a:fld>
             <a:endParaRPr lang="pt-BR"/>
           </a:p>
@@ -2419,7 +2427,7 @@
           <a:p>
             <a:fld id="{E40C39F9-72AE-470B-BCF0-DD0A60F35D16}" type="datetimeFigureOut">
               <a:rPr lang="pt-BR" smtClean="0"/>
-              <a:t>14/05/2018</a:t>
+              <a:t>07/06/2018</a:t>
             </a:fld>
             <a:endParaRPr lang="pt-BR"/>
           </a:p>
@@ -2532,7 +2540,7 @@
           <a:p>
             <a:fld id="{E40C39F9-72AE-470B-BCF0-DD0A60F35D16}" type="datetimeFigureOut">
               <a:rPr lang="pt-BR" smtClean="0"/>
-              <a:t>14/05/2018</a:t>
+              <a:t>07/06/2018</a:t>
             </a:fld>
             <a:endParaRPr lang="pt-BR"/>
           </a:p>
@@ -2843,7 +2851,7 @@
           <a:p>
             <a:fld id="{E40C39F9-72AE-470B-BCF0-DD0A60F35D16}" type="datetimeFigureOut">
               <a:rPr lang="pt-BR" smtClean="0"/>
-              <a:t>14/05/2018</a:t>
+              <a:t>07/06/2018</a:t>
             </a:fld>
             <a:endParaRPr lang="pt-BR"/>
           </a:p>
@@ -3131,7 +3139,7 @@
           <a:p>
             <a:fld id="{E40C39F9-72AE-470B-BCF0-DD0A60F35D16}" type="datetimeFigureOut">
               <a:rPr lang="pt-BR" smtClean="0"/>
-              <a:t>14/05/2018</a:t>
+              <a:t>07/06/2018</a:t>
             </a:fld>
             <a:endParaRPr lang="pt-BR"/>
           </a:p>
@@ -3372,7 +3380,7 @@
           <a:p>
             <a:fld id="{E40C39F9-72AE-470B-BCF0-DD0A60F35D16}" type="datetimeFigureOut">
               <a:rPr lang="pt-BR" smtClean="0"/>
-              <a:t>14/05/2018</a:t>
+              <a:t>07/06/2018</a:t>
             </a:fld>
             <a:endParaRPr lang="pt-BR"/>
           </a:p>
@@ -3797,8 +3805,8 @@
         </p:nvSpPr>
         <p:spPr>
           <a:xfrm>
-            <a:off x="1150071" y="740547"/>
-            <a:ext cx="9891858" cy="2585323"/>
+            <a:off x="1053921" y="883749"/>
+            <a:ext cx="9891858" cy="1754326"/>
           </a:xfrm>
           <a:prstGeom prst="rect">
             <a:avLst/>
@@ -3816,7 +3824,7 @@
                 <a:ea typeface="Arial Narrow" charset="0"/>
                 <a:cs typeface="Arial Narrow" charset="0"/>
               </a:rPr>
-              <a:t>IDENTIFICAÇÃO DE OBSTÁCULOS EM VIAS PAVIMENTADAS POR MEIO DA AQUISIÇÃO DE DADOS</a:t>
+              <a:t>IDENTIFICAÇÃO DE OBSTÁCULOS EM VIAS PAVIMENTADAS</a:t>
             </a:r>
             <a:endParaRPr lang="en-US" sz="5400" b="1" dirty="0">
               <a:latin typeface="Arial Narrow" charset="0"/>
@@ -3835,7 +3843,7 @@
         <p:spPr>
           <a:xfrm>
             <a:off x="731520" y="740547"/>
-            <a:ext cx="192307" cy="3772204"/>
+            <a:ext cx="192307" cy="4114788"/>
           </a:xfrm>
           <a:prstGeom prst="rect">
             <a:avLst/>
@@ -3886,8 +3894,8 @@
         </p:nvSpPr>
         <p:spPr>
           <a:xfrm>
-            <a:off x="1187778" y="3620199"/>
-            <a:ext cx="10058400" cy="892552"/>
+            <a:off x="1053921" y="2676178"/>
+            <a:ext cx="10058400" cy="954107"/>
           </a:xfrm>
           <a:prstGeom prst="rect">
             <a:avLst/>
@@ -3901,14 +3909,14 @@
           <a:lstStyle/>
           <a:p>
             <a:r>
-              <a:rPr lang="pt-BR" sz="2600" dirty="0">
+              <a:rPr lang="pt-BR" sz="2800" dirty="0">
                 <a:latin typeface="Arial Narrow" charset="0"/>
                 <a:ea typeface="Arial Narrow" charset="0"/>
                 <a:cs typeface="Arial Narrow" charset="0"/>
               </a:rPr>
-              <a:t>VIA APLICATIVO ANDROID COM USO DE ALGORITMO DE APRENDIZADO DE MÁQUINA</a:t>
-            </a:r>
-            <a:endParaRPr lang="en-US" sz="2600" dirty="0">
+              <a:t>POR MEIO DA AQUISIÇÃO DE DADOS VIA APLICATIVO ANDROID COM USO DE ALGORITMO DE APRENDIZADO DE MÁQUINA</a:t>
+            </a:r>
+            <a:endParaRPr lang="en-US" sz="2800" dirty="0">
               <a:latin typeface="Arial Narrow" panose="020B0606020202030204" pitchFamily="34" charset="0"/>
             </a:endParaRPr>
           </a:p>
@@ -3928,7 +3936,7 @@
         </p:nvSpPr>
         <p:spPr>
           <a:xfrm>
-            <a:off x="1187778" y="4604982"/>
+            <a:off x="1066800" y="3818718"/>
             <a:ext cx="10058400" cy="892552"/>
           </a:xfrm>
           <a:prstGeom prst="rect">
@@ -3946,7 +3954,7 @@
               <a:rPr lang="pt-BR" sz="2600" dirty="0">
                 <a:latin typeface="Arial Narrow" panose="020B0606020202030204" pitchFamily="34" charset="0"/>
               </a:rPr>
-              <a:t>Lucas Cavalcanti Adorno			Orientadores: Flávio Luís de Mello</a:t>
+              <a:t>Lucas Cavalcanti Adorno			Orientador: Flávio Luís de Mello</a:t>
             </a:r>
           </a:p>
           <a:p>
@@ -3954,7 +3962,7 @@
               <a:rPr lang="pt-BR" sz="2600" dirty="0">
                 <a:latin typeface="Arial Narrow" panose="020B0606020202030204" pitchFamily="34" charset="0"/>
               </a:rPr>
-              <a:t>Engenharia Eletrônica e de Computação                               Fabrício Firmino</a:t>
+              <a:t>Engenharia Eletrônica e de Computação</a:t>
             </a:r>
             <a:endParaRPr lang="en-US" sz="2600" dirty="0">
               <a:latin typeface="Arial Narrow" panose="020B0606020202030204" pitchFamily="34" charset="0"/>
@@ -4067,7 +4075,7 @@
         <p:spPr>
           <a:xfrm>
             <a:off x="1188720" y="219456"/>
-            <a:ext cx="3039486" cy="646331"/>
+            <a:ext cx="2961067" cy="646331"/>
           </a:xfrm>
           <a:prstGeom prst="rect">
             <a:avLst/>
@@ -4086,7 +4094,7 @@
                 <a:ea typeface="Arial Narrow" charset="0"/>
                 <a:cs typeface="Arial Narrow" charset="0"/>
               </a:rPr>
-              <a:t>METODOLOGIA</a:t>
+              <a:t>TECNOLOGIAS</a:t>
             </a:r>
           </a:p>
         </p:txBody>
@@ -4141,8 +4149,8 @@
         </p:nvSpPr>
         <p:spPr>
           <a:xfrm>
-            <a:off x="914400" y="1856286"/>
-            <a:ext cx="6261315" cy="3293209"/>
+            <a:off x="1175916" y="2376550"/>
+            <a:ext cx="5424407" cy="1692771"/>
           </a:xfrm>
           <a:prstGeom prst="rect">
             <a:avLst/>
@@ -4155,101 +4163,78 @@
           </a:bodyPr>
           <a:lstStyle/>
           <a:p>
-            <a:pPr marL="285750" indent="-285750">
-              <a:buFont typeface="Wingdings" panose="05000000000000000000" pitchFamily="2" charset="2"/>
-              <a:buChar char="§"/>
+            <a:pPr marL="457200" indent="-457200">
+              <a:buFont typeface="Arial" panose="020B0604020202020204" pitchFamily="34" charset="0"/>
+              <a:buChar char="•"/>
             </a:pPr>
             <a:r>
               <a:rPr lang="pt-BR" sz="2600" dirty="0">
-                <a:solidFill>
-                  <a:schemeClr val="bg1">
-                    <a:lumMod val="75000"/>
-                  </a:schemeClr>
-                </a:solidFill>
                 <a:latin typeface="Arial Narrow" panose="020B0606020202030204" pitchFamily="34" charset="0"/>
               </a:rPr>
-              <a:t>Estudo do sensor Acelerômetro e GPS</a:t>
-            </a:r>
-          </a:p>
-          <a:p>
+              <a:t>Banco de Dados </a:t>
+            </a:r>
+            <a:r>
+              <a:rPr lang="pt-BR" sz="2600" dirty="0" err="1">
+                <a:latin typeface="Arial Narrow" panose="020B0606020202030204" pitchFamily="34" charset="0"/>
+              </a:rPr>
+              <a:t>NoSQL</a:t>
+            </a:r>
+            <a:r>
+              <a:rPr lang="pt-BR" sz="2600" dirty="0">
+                <a:latin typeface="Arial Narrow" panose="020B0606020202030204" pitchFamily="34" charset="0"/>
+              </a:rPr>
+              <a:t> (</a:t>
+            </a:r>
+            <a:r>
+              <a:rPr lang="pt-BR" sz="2600" dirty="0" err="1">
+                <a:latin typeface="Arial Narrow" panose="020B0606020202030204" pitchFamily="34" charset="0"/>
+              </a:rPr>
+              <a:t>MongoDb</a:t>
+            </a:r>
+            <a:r>
+              <a:rPr lang="pt-BR" sz="2600" dirty="0">
+                <a:latin typeface="Arial Narrow" panose="020B0606020202030204" pitchFamily="34" charset="0"/>
+              </a:rPr>
+              <a:t>)</a:t>
+            </a:r>
+          </a:p>
+          <a:p>
+            <a:pPr marL="457200" indent="-457200">
+              <a:buFont typeface="Arial" panose="020B0604020202020204" pitchFamily="34" charset="0"/>
+              <a:buChar char="•"/>
+            </a:pPr>
             <a:endParaRPr lang="pt-BR" sz="2600" dirty="0">
               <a:latin typeface="Arial Narrow" panose="020B0606020202030204" pitchFamily="34" charset="0"/>
             </a:endParaRPr>
           </a:p>
           <a:p>
-            <a:pPr marL="285750" indent="-285750">
-              <a:buFont typeface="Wingdings" panose="05000000000000000000" pitchFamily="2" charset="2"/>
-              <a:buChar char="§"/>
+            <a:pPr marL="457200" indent="-457200">
+              <a:buFont typeface="Arial" panose="020B0604020202020204" pitchFamily="34" charset="0"/>
+              <a:buChar char="•"/>
             </a:pPr>
             <a:r>
               <a:rPr lang="pt-BR" sz="2600" dirty="0">
                 <a:latin typeface="Arial Narrow" panose="020B0606020202030204" pitchFamily="34" charset="0"/>
               </a:rPr>
-              <a:t>Estudo de artigos científicos</a:t>
-            </a:r>
-          </a:p>
-          <a:p>
-            <a:endParaRPr lang="pt-BR" sz="2600" dirty="0">
-              <a:solidFill>
-                <a:schemeClr val="bg1">
-                  <a:lumMod val="75000"/>
-                </a:schemeClr>
-              </a:solidFill>
-              <a:latin typeface="Arial Narrow" panose="020B0606020202030204" pitchFamily="34" charset="0"/>
-            </a:endParaRPr>
-          </a:p>
-          <a:p>
-            <a:pPr marL="285750" indent="-285750">
-              <a:buFont typeface="Wingdings" panose="05000000000000000000" pitchFamily="2" charset="2"/>
-              <a:buChar char="§"/>
-            </a:pPr>
-            <a:r>
-              <a:rPr lang="pt-BR" sz="2600" dirty="0">
-                <a:solidFill>
-                  <a:schemeClr val="bg1">
-                    <a:lumMod val="75000"/>
-                  </a:schemeClr>
-                </a:solidFill>
+              <a:t>EC2 e SQS da </a:t>
+            </a:r>
+            <a:r>
+              <a:rPr lang="pt-BR" sz="2600" dirty="0" err="1">
                 <a:latin typeface="Arial Narrow" panose="020B0606020202030204" pitchFamily="34" charset="0"/>
               </a:rPr>
-              <a:t>Estudo de técnicas de aprendizado de máquina</a:t>
-            </a:r>
-          </a:p>
-          <a:p>
-            <a:pPr marL="285750" indent="-285750">
-              <a:buFont typeface="Wingdings" panose="05000000000000000000" pitchFamily="2" charset="2"/>
-              <a:buChar char="§"/>
-            </a:pPr>
-            <a:endParaRPr lang="pt-BR" sz="2600" dirty="0">
-              <a:solidFill>
-                <a:schemeClr val="bg1">
-                  <a:lumMod val="75000"/>
-                </a:schemeClr>
-              </a:solidFill>
-              <a:latin typeface="Arial Narrow" panose="020B0606020202030204" pitchFamily="34" charset="0"/>
-            </a:endParaRPr>
-          </a:p>
-          <a:p>
-            <a:pPr marL="285750" indent="-285750">
-              <a:buFont typeface="Wingdings" panose="05000000000000000000" pitchFamily="2" charset="2"/>
-              <a:buChar char="§"/>
-            </a:pPr>
+              <a:t>Amazon</a:t>
+            </a:r>
             <a:r>
               <a:rPr lang="pt-BR" sz="2600" dirty="0">
-                <a:solidFill>
-                  <a:schemeClr val="bg1">
-                    <a:lumMod val="75000"/>
-                  </a:schemeClr>
-                </a:solidFill>
                 <a:latin typeface="Arial Narrow" panose="020B0606020202030204" pitchFamily="34" charset="0"/>
               </a:rPr>
-              <a:t>Elaboração de uma Web API</a:t>
-            </a:r>
-          </a:p>
-          <a:p>
-            <a:pPr marL="285750" indent="-285750">
-              <a:buFont typeface="Wingdings" panose="05000000000000000000" pitchFamily="2" charset="2"/>
-              <a:buChar char="§"/>
+              <a:t> Web Services</a:t>
+            </a:r>
+          </a:p>
+          <a:p>
+            <a:pPr marL="457200" indent="-457200">
+              <a:buFont typeface="Arial" panose="020B0604020202020204" pitchFamily="34" charset="0"/>
+              <a:buChar char="•"/>
             </a:pPr>
             <a:endParaRPr lang="pt-BR" sz="2600" dirty="0">
               <a:latin typeface="Arial Narrow" panose="020B0606020202030204" pitchFamily="34" charset="0"/>
@@ -4403,7 +4388,7 @@
     </p:spTree>
     <p:extLst>
       <p:ext uri="{BB962C8B-B14F-4D97-AF65-F5344CB8AC3E}">
-        <p14:creationId xmlns:p14="http://schemas.microsoft.com/office/powerpoint/2010/main" val="4209796851"/>
+        <p14:creationId xmlns:p14="http://schemas.microsoft.com/office/powerpoint/2010/main" val="2440430668"/>
       </p:ext>
     </p:extLst>
   </p:cSld>
@@ -4439,7 +4424,7 @@
         <p:spPr>
           <a:xfrm>
             <a:off x="1188720" y="219456"/>
-            <a:ext cx="3039486" cy="646331"/>
+            <a:ext cx="5501827" cy="646331"/>
           </a:xfrm>
           <a:prstGeom prst="rect">
             <a:avLst/>
@@ -4458,7 +4443,7 @@
                 <a:ea typeface="Arial Narrow" charset="0"/>
                 <a:cs typeface="Arial Narrow" charset="0"/>
               </a:rPr>
-              <a:t>METODOLOGIA</a:t>
+              <a:t>APRENDIZADO DE MÁQUINA</a:t>
             </a:r>
           </a:p>
         </p:txBody>
@@ -4499,164 +4484,6 @@
           </a:prstGeom>
         </p:spPr>
       </p:pic>
-      <p:sp>
-        <p:nvSpPr>
-          <p:cNvPr id="5" name="CaixaDeTexto 4">
-            <a:extLst>
-              <a:ext uri="{FF2B5EF4-FFF2-40B4-BE49-F238E27FC236}">
-                <a16:creationId xmlns:a16="http://schemas.microsoft.com/office/drawing/2014/main" id="{ADABFED9-0ED1-4026-9510-CF4F12C17582}"/>
-              </a:ext>
-            </a:extLst>
-          </p:cNvPr>
-          <p:cNvSpPr txBox="1"/>
-          <p:nvPr/>
-        </p:nvSpPr>
-        <p:spPr>
-          <a:xfrm>
-            <a:off x="914400" y="1856286"/>
-            <a:ext cx="6416298" cy="4093428"/>
-          </a:xfrm>
-          <a:prstGeom prst="rect">
-            <a:avLst/>
-          </a:prstGeom>
-          <a:noFill/>
-        </p:spPr>
-        <p:txBody>
-          <a:bodyPr wrap="square" rtlCol="0">
-            <a:spAutoFit/>
-          </a:bodyPr>
-          <a:lstStyle/>
-          <a:p>
-            <a:pPr marL="285750" indent="-285750">
-              <a:buFont typeface="Wingdings" panose="05000000000000000000" pitchFamily="2" charset="2"/>
-              <a:buChar char="§"/>
-            </a:pPr>
-            <a:r>
-              <a:rPr lang="pt-BR" sz="2600" dirty="0">
-                <a:solidFill>
-                  <a:schemeClr val="bg1">
-                    <a:lumMod val="65000"/>
-                  </a:schemeClr>
-                </a:solidFill>
-                <a:latin typeface="Arial Narrow" panose="020B0606020202030204" pitchFamily="34" charset="0"/>
-              </a:rPr>
-              <a:t>Estudo do sensor Acelerômetro e GPS</a:t>
-            </a:r>
-          </a:p>
-          <a:p>
-            <a:endParaRPr lang="pt-BR" sz="2600" dirty="0">
-              <a:latin typeface="Arial Narrow" panose="020B0606020202030204" pitchFamily="34" charset="0"/>
-            </a:endParaRPr>
-          </a:p>
-          <a:p>
-            <a:pPr marL="285750" indent="-285750">
-              <a:buFont typeface="Wingdings" panose="05000000000000000000" pitchFamily="2" charset="2"/>
-              <a:buChar char="§"/>
-            </a:pPr>
-            <a:r>
-              <a:rPr lang="pt-BR" sz="2600" dirty="0">
-                <a:solidFill>
-                  <a:schemeClr val="bg1">
-                    <a:lumMod val="75000"/>
-                  </a:schemeClr>
-                </a:solidFill>
-                <a:latin typeface="Arial Narrow" panose="020B0606020202030204" pitchFamily="34" charset="0"/>
-              </a:rPr>
-              <a:t>Estudo de artigos científicos</a:t>
-            </a:r>
-          </a:p>
-          <a:p>
-            <a:pPr marL="285750" indent="-285750">
-              <a:buFont typeface="Wingdings" panose="05000000000000000000" pitchFamily="2" charset="2"/>
-              <a:buChar char="§"/>
-            </a:pPr>
-            <a:endParaRPr lang="pt-BR" sz="2600" dirty="0">
-              <a:solidFill>
-                <a:schemeClr val="bg1">
-                  <a:lumMod val="75000"/>
-                </a:schemeClr>
-              </a:solidFill>
-              <a:latin typeface="Arial Narrow" panose="020B0606020202030204" pitchFamily="34" charset="0"/>
-            </a:endParaRPr>
-          </a:p>
-          <a:p>
-            <a:pPr marL="285750" indent="-285750">
-              <a:buFont typeface="Wingdings" panose="05000000000000000000" pitchFamily="2" charset="2"/>
-              <a:buChar char="§"/>
-            </a:pPr>
-            <a:r>
-              <a:rPr lang="pt-BR" sz="2600" dirty="0">
-                <a:latin typeface="Arial Narrow" panose="020B0606020202030204" pitchFamily="34" charset="0"/>
-              </a:rPr>
-              <a:t>Estudo de técnicas de aprendizado de máquina</a:t>
-            </a:r>
-          </a:p>
-          <a:p>
-            <a:pPr marL="742950" lvl="1" indent="-285750">
-              <a:buFont typeface="Wingdings" panose="05000000000000000000" pitchFamily="2" charset="2"/>
-              <a:buChar char="§"/>
-            </a:pPr>
-            <a:r>
-              <a:rPr lang="pt-BR" sz="2600" dirty="0">
-                <a:latin typeface="Arial Narrow" panose="020B0606020202030204" pitchFamily="34" charset="0"/>
-              </a:rPr>
-              <a:t>Algoritmos</a:t>
-            </a:r>
-          </a:p>
-          <a:p>
-            <a:pPr marL="742950" lvl="1" indent="-285750">
-              <a:buFont typeface="Wingdings" panose="05000000000000000000" pitchFamily="2" charset="2"/>
-              <a:buChar char="§"/>
-            </a:pPr>
-            <a:r>
-              <a:rPr lang="pt-BR" sz="2600" dirty="0">
-                <a:latin typeface="Arial Narrow" panose="020B0606020202030204" pitchFamily="34" charset="0"/>
-              </a:rPr>
-              <a:t>Otimização de hiperparâmetros</a:t>
-            </a:r>
-          </a:p>
-          <a:p>
-            <a:pPr marL="285750" indent="-285750">
-              <a:buFont typeface="Wingdings" panose="05000000000000000000" pitchFamily="2" charset="2"/>
-              <a:buChar char="§"/>
-            </a:pPr>
-            <a:endParaRPr lang="pt-BR" sz="2600" dirty="0">
-              <a:solidFill>
-                <a:schemeClr val="bg1">
-                  <a:lumMod val="75000"/>
-                </a:schemeClr>
-              </a:solidFill>
-              <a:latin typeface="Arial Narrow" panose="020B0606020202030204" pitchFamily="34" charset="0"/>
-            </a:endParaRPr>
-          </a:p>
-          <a:p>
-            <a:pPr marL="285750" indent="-285750">
-              <a:buFont typeface="Wingdings" panose="05000000000000000000" pitchFamily="2" charset="2"/>
-              <a:buChar char="§"/>
-            </a:pPr>
-            <a:r>
-              <a:rPr lang="pt-BR" sz="2600" dirty="0">
-                <a:solidFill>
-                  <a:schemeClr val="bg1">
-                    <a:lumMod val="75000"/>
-                  </a:schemeClr>
-                </a:solidFill>
-                <a:latin typeface="Arial Narrow" panose="020B0606020202030204" pitchFamily="34" charset="0"/>
-              </a:rPr>
-              <a:t>Elaboração de uma Web API</a:t>
-            </a:r>
-          </a:p>
-          <a:p>
-            <a:pPr marL="285750" indent="-285750">
-              <a:buFont typeface="Wingdings" panose="05000000000000000000" pitchFamily="2" charset="2"/>
-              <a:buChar char="§"/>
-            </a:pPr>
-            <a:endParaRPr lang="pt-BR" sz="2600" dirty="0">
-              <a:latin typeface="Arial Narrow" panose="020B0606020202030204" pitchFamily="34" charset="0"/>
-            </a:endParaRPr>
-          </a:p>
-        </p:txBody>
-      </p:sp>
       <p:sp>
         <p:nvSpPr>
           <p:cNvPr id="10" name="Rectangle 25">
@@ -4800,10 +4627,118 @@
           </a:prstGeom>
         </p:spPr>
       </p:pic>
+      <p:sp>
+        <p:nvSpPr>
+          <p:cNvPr id="8" name="CaixaDeTexto 7">
+            <a:extLst>
+              <a:ext uri="{FF2B5EF4-FFF2-40B4-BE49-F238E27FC236}">
+                <a16:creationId xmlns:a16="http://schemas.microsoft.com/office/drawing/2014/main" id="{44EC10C3-726A-4E09-A43C-AD4E5E3FD1B1}"/>
+              </a:ext>
+            </a:extLst>
+          </p:cNvPr>
+          <p:cNvSpPr txBox="1"/>
+          <p:nvPr/>
+        </p:nvSpPr>
+        <p:spPr>
+          <a:xfrm>
+            <a:off x="1170689" y="1188068"/>
+            <a:ext cx="6448926" cy="892552"/>
+          </a:xfrm>
+          <a:prstGeom prst="rect">
+            <a:avLst/>
+          </a:prstGeom>
+          <a:noFill/>
+        </p:spPr>
+        <p:txBody>
+          <a:bodyPr wrap="square" rtlCol="0">
+            <a:spAutoFit/>
+          </a:bodyPr>
+          <a:lstStyle/>
+          <a:p>
+            <a:pPr marL="457200" indent="-457200">
+              <a:buFont typeface="Arial" panose="020B0604020202020204" pitchFamily="34" charset="0"/>
+              <a:buChar char="•"/>
+            </a:pPr>
+            <a:r>
+              <a:rPr lang="pt-BR" sz="2600" dirty="0" err="1">
+                <a:latin typeface="Arial Narrow" panose="020B0606020202030204" pitchFamily="34" charset="0"/>
+              </a:rPr>
+              <a:t>Long</a:t>
+            </a:r>
+            <a:r>
+              <a:rPr lang="pt-BR" sz="2600" dirty="0">
+                <a:latin typeface="Arial Narrow" panose="020B0606020202030204" pitchFamily="34" charset="0"/>
+              </a:rPr>
+              <a:t> Short-</a:t>
+            </a:r>
+            <a:r>
+              <a:rPr lang="pt-BR" sz="2600" dirty="0" err="1">
+                <a:latin typeface="Arial Narrow" panose="020B0606020202030204" pitchFamily="34" charset="0"/>
+              </a:rPr>
+              <a:t>Term</a:t>
+            </a:r>
+            <a:r>
+              <a:rPr lang="pt-BR" sz="2600" dirty="0">
+                <a:latin typeface="Arial Narrow" panose="020B0606020202030204" pitchFamily="34" charset="0"/>
+              </a:rPr>
+              <a:t> </a:t>
+            </a:r>
+            <a:r>
+              <a:rPr lang="pt-BR" sz="2600" dirty="0" err="1">
+                <a:latin typeface="Arial Narrow" panose="020B0606020202030204" pitchFamily="34" charset="0"/>
+              </a:rPr>
+              <a:t>Memory</a:t>
+            </a:r>
+            <a:r>
+              <a:rPr lang="pt-BR" sz="2600" dirty="0">
+                <a:latin typeface="Arial Narrow" panose="020B0606020202030204" pitchFamily="34" charset="0"/>
+              </a:rPr>
+              <a:t> (LSTM)</a:t>
+            </a:r>
+          </a:p>
+          <a:p>
+            <a:pPr marL="457200" indent="-457200">
+              <a:buFont typeface="Arial" panose="020B0604020202020204" pitchFamily="34" charset="0"/>
+              <a:buChar char="•"/>
+            </a:pPr>
+            <a:endParaRPr lang="pt-BR" sz="2600" dirty="0">
+              <a:latin typeface="Arial Narrow" panose="020B0606020202030204" pitchFamily="34" charset="0"/>
+            </a:endParaRPr>
+          </a:p>
+        </p:txBody>
+      </p:sp>
+      <p:pic>
+        <p:nvPicPr>
+          <p:cNvPr id="12" name="Imagem 11">
+            <a:extLst>
+              <a:ext uri="{FF2B5EF4-FFF2-40B4-BE49-F238E27FC236}">
+                <a16:creationId xmlns:a16="http://schemas.microsoft.com/office/drawing/2014/main" id="{2F9EFF46-B2DD-494C-8A64-4E9CC19E458D}"/>
+              </a:ext>
+            </a:extLst>
+          </p:cNvPr>
+          <p:cNvPicPr/>
+          <p:nvPr/>
+        </p:nvPicPr>
+        <p:blipFill>
+          <a:blip r:embed="rId4"/>
+          <a:stretch>
+            <a:fillRect/>
+          </a:stretch>
+        </p:blipFill>
+        <p:spPr>
+          <a:xfrm>
+            <a:off x="1130355" y="1973349"/>
+            <a:ext cx="6448926" cy="4742469"/>
+          </a:xfrm>
+          <a:prstGeom prst="rect">
+            <a:avLst/>
+          </a:prstGeom>
+        </p:spPr>
+      </p:pic>
     </p:spTree>
     <p:extLst>
       <p:ext uri="{BB962C8B-B14F-4D97-AF65-F5344CB8AC3E}">
-        <p14:creationId xmlns:p14="http://schemas.microsoft.com/office/powerpoint/2010/main" val="3107562028"/>
+        <p14:creationId xmlns:p14="http://schemas.microsoft.com/office/powerpoint/2010/main" val="1364320263"/>
       </p:ext>
     </p:extLst>
   </p:cSld>
@@ -4839,7 +4774,7 @@
         <p:spPr>
           <a:xfrm>
             <a:off x="1188720" y="219456"/>
-            <a:ext cx="3039486" cy="646331"/>
+            <a:ext cx="3414589" cy="646331"/>
           </a:xfrm>
           <a:prstGeom prst="rect">
             <a:avLst/>
@@ -4858,7 +4793,7 @@
                 <a:ea typeface="Arial Narrow" charset="0"/>
                 <a:cs typeface="Arial Narrow" charset="0"/>
               </a:rPr>
-              <a:t>METODOLOGIA</a:t>
+              <a:t>PROJETO LUNAR</a:t>
             </a:r>
           </a:p>
         </p:txBody>
@@ -4899,136 +4834,6 @@
           </a:prstGeom>
         </p:spPr>
       </p:pic>
-      <p:sp>
-        <p:nvSpPr>
-          <p:cNvPr id="5" name="CaixaDeTexto 4">
-            <a:extLst>
-              <a:ext uri="{FF2B5EF4-FFF2-40B4-BE49-F238E27FC236}">
-                <a16:creationId xmlns:a16="http://schemas.microsoft.com/office/drawing/2014/main" id="{ADABFED9-0ED1-4026-9510-CF4F12C17582}"/>
-              </a:ext>
-            </a:extLst>
-          </p:cNvPr>
-          <p:cNvSpPr txBox="1"/>
-          <p:nvPr/>
-        </p:nvSpPr>
-        <p:spPr>
-          <a:xfrm>
-            <a:off x="914400" y="1856286"/>
-            <a:ext cx="6416298" cy="3293209"/>
-          </a:xfrm>
-          <a:prstGeom prst="rect">
-            <a:avLst/>
-          </a:prstGeom>
-          <a:noFill/>
-        </p:spPr>
-        <p:txBody>
-          <a:bodyPr wrap="square" rtlCol="0">
-            <a:spAutoFit/>
-          </a:bodyPr>
-          <a:lstStyle/>
-          <a:p>
-            <a:pPr marL="285750" indent="-285750">
-              <a:buFont typeface="Wingdings" panose="05000000000000000000" pitchFamily="2" charset="2"/>
-              <a:buChar char="§"/>
-            </a:pPr>
-            <a:r>
-              <a:rPr lang="pt-BR" sz="2600" dirty="0">
-                <a:solidFill>
-                  <a:schemeClr val="bg1">
-                    <a:lumMod val="65000"/>
-                  </a:schemeClr>
-                </a:solidFill>
-                <a:latin typeface="Arial Narrow" panose="020B0606020202030204" pitchFamily="34" charset="0"/>
-              </a:rPr>
-              <a:t>Estudo do sensor Acelerômetro e GPS</a:t>
-            </a:r>
-          </a:p>
-          <a:p>
-            <a:endParaRPr lang="pt-BR" sz="2600" dirty="0">
-              <a:latin typeface="Arial Narrow" panose="020B0606020202030204" pitchFamily="34" charset="0"/>
-            </a:endParaRPr>
-          </a:p>
-          <a:p>
-            <a:pPr marL="285750" indent="-285750">
-              <a:buFont typeface="Wingdings" panose="05000000000000000000" pitchFamily="2" charset="2"/>
-              <a:buChar char="§"/>
-            </a:pPr>
-            <a:r>
-              <a:rPr lang="pt-BR" sz="2600" dirty="0">
-                <a:solidFill>
-                  <a:schemeClr val="bg1">
-                    <a:lumMod val="75000"/>
-                  </a:schemeClr>
-                </a:solidFill>
-                <a:latin typeface="Arial Narrow" panose="020B0606020202030204" pitchFamily="34" charset="0"/>
-              </a:rPr>
-              <a:t>Estudo de artigos científicos</a:t>
-            </a:r>
-          </a:p>
-          <a:p>
-            <a:pPr marL="285750" indent="-285750">
-              <a:buFont typeface="Wingdings" panose="05000000000000000000" pitchFamily="2" charset="2"/>
-              <a:buChar char="§"/>
-            </a:pPr>
-            <a:endParaRPr lang="pt-BR" sz="2600" dirty="0">
-              <a:solidFill>
-                <a:schemeClr val="bg1">
-                  <a:lumMod val="75000"/>
-                </a:schemeClr>
-              </a:solidFill>
-              <a:latin typeface="Arial Narrow" panose="020B0606020202030204" pitchFamily="34" charset="0"/>
-            </a:endParaRPr>
-          </a:p>
-          <a:p>
-            <a:pPr marL="285750" indent="-285750">
-              <a:buFont typeface="Wingdings" panose="05000000000000000000" pitchFamily="2" charset="2"/>
-              <a:buChar char="§"/>
-            </a:pPr>
-            <a:r>
-              <a:rPr lang="pt-BR" sz="2600" dirty="0">
-                <a:solidFill>
-                  <a:schemeClr val="bg1">
-                    <a:lumMod val="65000"/>
-                  </a:schemeClr>
-                </a:solidFill>
-                <a:latin typeface="Arial Narrow" panose="020B0606020202030204" pitchFamily="34" charset="0"/>
-              </a:rPr>
-              <a:t>Estudo de técnicas de aprendizado de máquina</a:t>
-            </a:r>
-          </a:p>
-          <a:p>
-            <a:endParaRPr lang="pt-BR" sz="2600" dirty="0">
-              <a:solidFill>
-                <a:schemeClr val="bg1">
-                  <a:lumMod val="75000"/>
-                </a:schemeClr>
-              </a:solidFill>
-              <a:latin typeface="Arial Narrow" panose="020B0606020202030204" pitchFamily="34" charset="0"/>
-            </a:endParaRPr>
-          </a:p>
-          <a:p>
-            <a:pPr marL="285750" indent="-285750">
-              <a:buFont typeface="Wingdings" panose="05000000000000000000" pitchFamily="2" charset="2"/>
-              <a:buChar char="§"/>
-            </a:pPr>
-            <a:r>
-              <a:rPr lang="pt-BR" sz="2600" dirty="0">
-                <a:latin typeface="Arial Narrow" panose="020B0606020202030204" pitchFamily="34" charset="0"/>
-              </a:rPr>
-              <a:t>Elaboração de uma Web API</a:t>
-            </a:r>
-          </a:p>
-          <a:p>
-            <a:pPr marL="285750" indent="-285750">
-              <a:buFont typeface="Wingdings" panose="05000000000000000000" pitchFamily="2" charset="2"/>
-              <a:buChar char="§"/>
-            </a:pPr>
-            <a:endParaRPr lang="pt-BR" sz="2600" dirty="0">
-              <a:latin typeface="Arial Narrow" panose="020B0606020202030204" pitchFamily="34" charset="0"/>
-            </a:endParaRPr>
-          </a:p>
-        </p:txBody>
-      </p:sp>
       <p:sp>
         <p:nvSpPr>
           <p:cNvPr id="10" name="Rectangle 25">
@@ -5172,10 +4977,165 @@
           </a:prstGeom>
         </p:spPr>
       </p:pic>
+      <p:sp>
+        <p:nvSpPr>
+          <p:cNvPr id="8" name="CaixaDeTexto 7">
+            <a:extLst>
+              <a:ext uri="{FF2B5EF4-FFF2-40B4-BE49-F238E27FC236}">
+                <a16:creationId xmlns:a16="http://schemas.microsoft.com/office/drawing/2014/main" id="{C9421C42-9616-4B7A-966A-215BA0D5F0C0}"/>
+              </a:ext>
+            </a:extLst>
+          </p:cNvPr>
+          <p:cNvSpPr txBox="1"/>
+          <p:nvPr/>
+        </p:nvSpPr>
+        <p:spPr>
+          <a:xfrm>
+            <a:off x="1174770" y="1364526"/>
+            <a:ext cx="4227917" cy="4893647"/>
+          </a:xfrm>
+          <a:prstGeom prst="rect">
+            <a:avLst/>
+          </a:prstGeom>
+          <a:noFill/>
+        </p:spPr>
+        <p:txBody>
+          <a:bodyPr wrap="square" rtlCol="0">
+            <a:spAutoFit/>
+          </a:bodyPr>
+          <a:lstStyle/>
+          <a:p>
+            <a:pPr marL="457200" indent="-457200">
+              <a:buFont typeface="Arial" panose="020B0604020202020204" pitchFamily="34" charset="0"/>
+              <a:buChar char="•"/>
+            </a:pPr>
+            <a:r>
+              <a:rPr lang="pt-BR" sz="2600" dirty="0">
+                <a:latin typeface="Arial Narrow" panose="020B0606020202030204" pitchFamily="34" charset="0"/>
+              </a:rPr>
+              <a:t>Método de captura</a:t>
+            </a:r>
+          </a:p>
+          <a:p>
+            <a:pPr marL="457200" indent="-457200">
+              <a:buFont typeface="Arial" panose="020B0604020202020204" pitchFamily="34" charset="0"/>
+              <a:buChar char="•"/>
+            </a:pPr>
+            <a:endParaRPr lang="pt-BR" sz="2600" dirty="0">
+              <a:latin typeface="Arial Narrow" panose="020B0606020202030204" pitchFamily="34" charset="0"/>
+            </a:endParaRPr>
+          </a:p>
+          <a:p>
+            <a:pPr marL="457200" indent="-457200">
+              <a:buFont typeface="Arial" panose="020B0604020202020204" pitchFamily="34" charset="0"/>
+              <a:buChar char="•"/>
+            </a:pPr>
+            <a:r>
+              <a:rPr lang="pt-BR" sz="2600" dirty="0">
+                <a:latin typeface="Arial Narrow" panose="020B0606020202030204" pitchFamily="34" charset="0"/>
+              </a:rPr>
+              <a:t>Análise diagnóstica</a:t>
+            </a:r>
+          </a:p>
+          <a:p>
+            <a:pPr marL="457200" indent="-457200">
+              <a:buFont typeface="Arial" panose="020B0604020202020204" pitchFamily="34" charset="0"/>
+              <a:buChar char="•"/>
+            </a:pPr>
+            <a:endParaRPr lang="pt-BR" sz="2600" dirty="0">
+              <a:latin typeface="Arial Narrow" panose="020B0606020202030204" pitchFamily="34" charset="0"/>
+            </a:endParaRPr>
+          </a:p>
+          <a:p>
+            <a:pPr marL="457200" indent="-457200">
+              <a:buFont typeface="Arial" panose="020B0604020202020204" pitchFamily="34" charset="0"/>
+              <a:buChar char="•"/>
+            </a:pPr>
+            <a:r>
+              <a:rPr lang="pt-BR" sz="2600" dirty="0">
+                <a:latin typeface="Arial Narrow" panose="020B0606020202030204" pitchFamily="34" charset="0"/>
+              </a:rPr>
+              <a:t>Estrutura do projeto</a:t>
+            </a:r>
+          </a:p>
+          <a:p>
+            <a:pPr marL="457200" indent="-457200">
+              <a:buFont typeface="Arial" panose="020B0604020202020204" pitchFamily="34" charset="0"/>
+              <a:buChar char="•"/>
+            </a:pPr>
+            <a:endParaRPr lang="pt-BR" sz="2600" dirty="0">
+              <a:latin typeface="Arial Narrow" panose="020B0606020202030204" pitchFamily="34" charset="0"/>
+            </a:endParaRPr>
+          </a:p>
+          <a:p>
+            <a:pPr marL="457200" indent="-457200">
+              <a:buFont typeface="Arial" panose="020B0604020202020204" pitchFamily="34" charset="0"/>
+              <a:buChar char="•"/>
+            </a:pPr>
+            <a:r>
+              <a:rPr lang="pt-BR" sz="2600" dirty="0">
+                <a:latin typeface="Arial Narrow" panose="020B0606020202030204" pitchFamily="34" charset="0"/>
+              </a:rPr>
+              <a:t>Processamento dos dados</a:t>
+            </a:r>
+          </a:p>
+          <a:p>
+            <a:pPr marL="457200" indent="-457200">
+              <a:buFont typeface="Arial" panose="020B0604020202020204" pitchFamily="34" charset="0"/>
+              <a:buChar char="•"/>
+            </a:pPr>
+            <a:endParaRPr lang="pt-BR" sz="2600" dirty="0">
+              <a:latin typeface="Arial Narrow" panose="020B0606020202030204" pitchFamily="34" charset="0"/>
+            </a:endParaRPr>
+          </a:p>
+          <a:p>
+            <a:pPr marL="457200" indent="-457200">
+              <a:buFont typeface="Arial" panose="020B0604020202020204" pitchFamily="34" charset="0"/>
+              <a:buChar char="•"/>
+            </a:pPr>
+            <a:r>
+              <a:rPr lang="pt-BR" sz="2600" dirty="0">
+                <a:latin typeface="Arial Narrow" panose="020B0606020202030204" pitchFamily="34" charset="0"/>
+              </a:rPr>
+              <a:t>Resultado do algoritmo</a:t>
+            </a:r>
+          </a:p>
+          <a:p>
+            <a:pPr marL="457200" indent="-457200">
+              <a:buFont typeface="Arial" panose="020B0604020202020204" pitchFamily="34" charset="0"/>
+              <a:buChar char="•"/>
+            </a:pPr>
+            <a:endParaRPr lang="pt-BR" sz="2600" dirty="0">
+              <a:latin typeface="Arial Narrow" panose="020B0606020202030204" pitchFamily="34" charset="0"/>
+            </a:endParaRPr>
+          </a:p>
+          <a:p>
+            <a:pPr marL="457200" indent="-457200">
+              <a:buFont typeface="Arial" panose="020B0604020202020204" pitchFamily="34" charset="0"/>
+              <a:buChar char="•"/>
+            </a:pPr>
+            <a:r>
+              <a:rPr lang="pt-BR" sz="2600" dirty="0">
+                <a:latin typeface="Arial Narrow" panose="020B0606020202030204" pitchFamily="34" charset="0"/>
+              </a:rPr>
+              <a:t>Disponibilização dos dados</a:t>
+            </a:r>
+          </a:p>
+          <a:p>
+            <a:pPr marL="457200" indent="-457200">
+              <a:buFont typeface="Arial" panose="020B0604020202020204" pitchFamily="34" charset="0"/>
+              <a:buChar char="•"/>
+            </a:pPr>
+            <a:endParaRPr lang="pt-BR" sz="2600" dirty="0">
+              <a:latin typeface="Arial Narrow" panose="020B0606020202030204" pitchFamily="34" charset="0"/>
+            </a:endParaRPr>
+          </a:p>
+        </p:txBody>
+      </p:sp>
     </p:spTree>
     <p:extLst>
       <p:ext uri="{BB962C8B-B14F-4D97-AF65-F5344CB8AC3E}">
-        <p14:creationId xmlns:p14="http://schemas.microsoft.com/office/powerpoint/2010/main" val="4128216651"/>
+        <p14:creationId xmlns:p14="http://schemas.microsoft.com/office/powerpoint/2010/main" val="488946730"/>
       </p:ext>
     </p:extLst>
   </p:cSld>
@@ -5211,7 +5171,7 @@
         <p:spPr>
           <a:xfrm>
             <a:off x="1188720" y="219456"/>
-            <a:ext cx="2961067" cy="646331"/>
+            <a:ext cx="3414589" cy="646331"/>
           </a:xfrm>
           <a:prstGeom prst="rect">
             <a:avLst/>
@@ -5230,7 +5190,7 @@
                 <a:ea typeface="Arial Narrow" charset="0"/>
                 <a:cs typeface="Arial Narrow" charset="0"/>
               </a:rPr>
-              <a:t>TECNOLOGIAS</a:t>
+              <a:t>PROJETO LUNAR</a:t>
             </a:r>
           </a:p>
         </p:txBody>
@@ -5285,8 +5245,8 @@
         </p:nvSpPr>
         <p:spPr>
           <a:xfrm>
-            <a:off x="944094" y="2582614"/>
-            <a:ext cx="5424407" cy="1692771"/>
+            <a:off x="1183569" y="1230215"/>
+            <a:ext cx="6261315" cy="492443"/>
           </a:xfrm>
           <a:prstGeom prst="rect">
             <a:avLst/>
@@ -5299,78 +5259,16 @@
           </a:bodyPr>
           <a:lstStyle/>
           <a:p>
-            <a:pPr marL="285750" indent="-285750">
-              <a:buFont typeface="Wingdings" panose="05000000000000000000" pitchFamily="2" charset="2"/>
-              <a:buChar char="§"/>
+            <a:pPr marL="457200" indent="-457200">
+              <a:buFont typeface="Arial" panose="020B0604020202020204" pitchFamily="34" charset="0"/>
+              <a:buChar char="•"/>
             </a:pPr>
             <a:r>
               <a:rPr lang="pt-BR" sz="2600" dirty="0">
                 <a:latin typeface="Arial Narrow" panose="020B0606020202030204" pitchFamily="34" charset="0"/>
               </a:rPr>
-              <a:t>Banco de Dados </a:t>
-            </a:r>
-            <a:r>
-              <a:rPr lang="pt-BR" sz="2600" dirty="0" err="1">
-                <a:latin typeface="Arial Narrow" panose="020B0606020202030204" pitchFamily="34" charset="0"/>
-              </a:rPr>
-              <a:t>NoSQL</a:t>
-            </a:r>
-            <a:r>
-              <a:rPr lang="pt-BR" sz="2600" dirty="0">
-                <a:latin typeface="Arial Narrow" panose="020B0606020202030204" pitchFamily="34" charset="0"/>
-              </a:rPr>
-              <a:t> (</a:t>
-            </a:r>
-            <a:r>
-              <a:rPr lang="pt-BR" sz="2600" dirty="0" err="1">
-                <a:latin typeface="Arial Narrow" panose="020B0606020202030204" pitchFamily="34" charset="0"/>
-              </a:rPr>
-              <a:t>MongoDb</a:t>
-            </a:r>
-            <a:r>
-              <a:rPr lang="pt-BR" sz="2600" dirty="0">
-                <a:latin typeface="Arial Narrow" panose="020B0606020202030204" pitchFamily="34" charset="0"/>
-              </a:rPr>
-              <a:t>)</a:t>
-            </a:r>
-          </a:p>
-          <a:p>
-            <a:pPr marL="285750" indent="-285750">
-              <a:buFont typeface="Wingdings" panose="05000000000000000000" pitchFamily="2" charset="2"/>
-              <a:buChar char="§"/>
-            </a:pPr>
-            <a:endParaRPr lang="pt-BR" sz="2600" dirty="0">
-              <a:latin typeface="Arial Narrow" panose="020B0606020202030204" pitchFamily="34" charset="0"/>
-            </a:endParaRPr>
-          </a:p>
-          <a:p>
-            <a:pPr marL="285750" indent="-285750">
-              <a:buFont typeface="Wingdings" panose="05000000000000000000" pitchFamily="2" charset="2"/>
-              <a:buChar char="§"/>
-            </a:pPr>
-            <a:r>
-              <a:rPr lang="pt-BR" sz="2600" dirty="0">
-                <a:latin typeface="Arial Narrow" panose="020B0606020202030204" pitchFamily="34" charset="0"/>
-              </a:rPr>
-              <a:t>EC2 e SQS da </a:t>
-            </a:r>
-            <a:r>
-              <a:rPr lang="pt-BR" sz="2600" dirty="0" err="1">
-                <a:latin typeface="Arial Narrow" panose="020B0606020202030204" pitchFamily="34" charset="0"/>
-              </a:rPr>
-              <a:t>Amazon</a:t>
-            </a:r>
-            <a:r>
-              <a:rPr lang="pt-BR" sz="2600" dirty="0">
-                <a:latin typeface="Arial Narrow" panose="020B0606020202030204" pitchFamily="34" charset="0"/>
-              </a:rPr>
-              <a:t> Web Services</a:t>
-            </a:r>
-          </a:p>
-          <a:p>
-            <a:endParaRPr lang="pt-BR" sz="2600" dirty="0">
-              <a:latin typeface="Arial Narrow" panose="020B0606020202030204" pitchFamily="34" charset="0"/>
-            </a:endParaRPr>
+              <a:t>Método de captura</a:t>
+            </a:r>
           </a:p>
         </p:txBody>
       </p:sp>
@@ -5517,1032 +5415,6 @@
           </a:prstGeom>
         </p:spPr>
       </p:pic>
-    </p:spTree>
-    <p:extLst>
-      <p:ext uri="{BB962C8B-B14F-4D97-AF65-F5344CB8AC3E}">
-        <p14:creationId xmlns:p14="http://schemas.microsoft.com/office/powerpoint/2010/main" val="2440430668"/>
-      </p:ext>
-    </p:extLst>
-  </p:cSld>
-  <p:clrMapOvr>
-    <a:masterClrMapping/>
-  </p:clrMapOvr>
-</p:sld>
-</file>
-
-<file path=ppt/slides/slide14.xml><?xml version="1.0" encoding="utf-8"?>
-<p:sld xmlns:a="http://schemas.openxmlformats.org/drawingml/2006/main" xmlns:r="http://schemas.openxmlformats.org/officeDocument/2006/relationships" xmlns:p="http://schemas.openxmlformats.org/presentationml/2006/main">
-  <p:cSld>
-    <p:spTree>
-      <p:nvGrpSpPr>
-        <p:cNvPr id="1" name=""/>
-        <p:cNvGrpSpPr/>
-        <p:nvPr/>
-      </p:nvGrpSpPr>
-      <p:grpSpPr>
-        <a:xfrm>
-          <a:off x="0" y="0"/>
-          <a:ext cx="0" cy="0"/>
-          <a:chOff x="0" y="0"/>
-          <a:chExt cx="0" cy="0"/>
-        </a:xfrm>
-      </p:grpSpPr>
-      <p:sp>
-        <p:nvSpPr>
-          <p:cNvPr id="2" name="CaixaDeTexto 1"/>
-          <p:cNvSpPr txBox="1"/>
-          <p:nvPr/>
-        </p:nvSpPr>
-        <p:spPr>
-          <a:xfrm>
-            <a:off x="1188720" y="219456"/>
-            <a:ext cx="4030270" cy="646331"/>
-          </a:xfrm>
-          <a:prstGeom prst="rect">
-            <a:avLst/>
-          </a:prstGeom>
-          <a:noFill/>
-        </p:spPr>
-        <p:txBody>
-          <a:bodyPr wrap="none" rtlCol="0">
-            <a:spAutoFit/>
-          </a:bodyPr>
-          <a:lstStyle/>
-          <a:p>
-            <a:r>
-              <a:rPr lang="pt-BR" sz="3600" b="1" dirty="0">
-                <a:latin typeface="Arial Narrow" charset="0"/>
-                <a:ea typeface="Arial Narrow" charset="0"/>
-                <a:cs typeface="Arial Narrow" charset="0"/>
-              </a:rPr>
-              <a:t>MACHINE LEARNING</a:t>
-            </a:r>
-          </a:p>
-        </p:txBody>
-      </p:sp>
-      <p:pic>
-        <p:nvPicPr>
-          <p:cNvPr id="4" name="Imagem 3">
-            <a:extLst>
-              <a:ext uri="{FF2B5EF4-FFF2-40B4-BE49-F238E27FC236}">
-                <a16:creationId xmlns:a16="http://schemas.microsoft.com/office/drawing/2014/main" id="{2430799C-8C4C-41F3-A73F-C2ADBE783964}"/>
-              </a:ext>
-            </a:extLst>
-          </p:cNvPr>
-          <p:cNvPicPr>
-            <a:picLocks noChangeAspect="1"/>
-          </p:cNvPicPr>
-          <p:nvPr/>
-        </p:nvPicPr>
-        <p:blipFill>
-          <a:blip r:embed="rId2">
-            <a:extLst>
-              <a:ext uri="{28A0092B-C50C-407E-A947-70E740481C1C}">
-                <a14:useLocalDpi xmlns:a14="http://schemas.microsoft.com/office/drawing/2010/main" val="0"/>
-              </a:ext>
-            </a:extLst>
-          </a:blip>
-          <a:stretch>
-            <a:fillRect/>
-          </a:stretch>
-        </p:blipFill>
-        <p:spPr>
-          <a:xfrm>
-            <a:off x="10488168" y="192024"/>
-            <a:ext cx="657143" cy="780952"/>
-          </a:xfrm>
-          <a:prstGeom prst="rect">
-            <a:avLst/>
-          </a:prstGeom>
-        </p:spPr>
-      </p:pic>
-      <p:sp>
-        <p:nvSpPr>
-          <p:cNvPr id="10" name="Rectangle 25">
-            <a:extLst>
-              <a:ext uri="{FF2B5EF4-FFF2-40B4-BE49-F238E27FC236}">
-                <a16:creationId xmlns:a16="http://schemas.microsoft.com/office/drawing/2014/main" id="{9CD1090A-B977-45A9-819B-D980E4BCE7A7}"/>
-              </a:ext>
-            </a:extLst>
-          </p:cNvPr>
-          <p:cNvSpPr/>
-          <p:nvPr/>
-        </p:nvSpPr>
-        <p:spPr>
-          <a:xfrm>
-            <a:off x="822960" y="0"/>
-            <a:ext cx="242269" cy="1028733"/>
-          </a:xfrm>
-          <a:prstGeom prst="rect">
-            <a:avLst/>
-          </a:prstGeom>
-          <a:solidFill>
-            <a:srgbClr val="F9423A"/>
-          </a:solidFill>
-          <a:ln>
-            <a:noFill/>
-          </a:ln>
-        </p:spPr>
-        <p:style>
-          <a:lnRef idx="2">
-            <a:schemeClr val="accent1">
-              <a:shade val="50000"/>
-            </a:schemeClr>
-          </a:lnRef>
-          <a:fillRef idx="1">
-            <a:schemeClr val="accent1"/>
-          </a:fillRef>
-          <a:effectRef idx="0">
-            <a:schemeClr val="accent1"/>
-          </a:effectRef>
-          <a:fontRef idx="minor">
-            <a:schemeClr val="lt1"/>
-          </a:fontRef>
-        </p:style>
-        <p:txBody>
-          <a:bodyPr rtlCol="0" anchor="ctr"/>
-          <a:lstStyle/>
-          <a:p>
-            <a:pPr algn="ctr"/>
-            <a:endParaRPr lang="en-US" sz="2400"/>
-          </a:p>
-        </p:txBody>
-      </p:sp>
-      <p:sp>
-        <p:nvSpPr>
-          <p:cNvPr id="11" name="Retângulo 10">
-            <a:extLst>
-              <a:ext uri="{FF2B5EF4-FFF2-40B4-BE49-F238E27FC236}">
-                <a16:creationId xmlns:a16="http://schemas.microsoft.com/office/drawing/2014/main" id="{0292B074-CF6C-4186-A0D0-583E2F224EAB}"/>
-              </a:ext>
-            </a:extLst>
-          </p:cNvPr>
-          <p:cNvSpPr/>
-          <p:nvPr/>
-        </p:nvSpPr>
-        <p:spPr>
-          <a:xfrm>
-            <a:off x="0" y="0"/>
-            <a:ext cx="801283" cy="1028733"/>
-          </a:xfrm>
-          <a:prstGeom prst="rect">
-            <a:avLst/>
-          </a:prstGeom>
-          <a:solidFill>
-            <a:schemeClr val="tx1">
-              <a:lumMod val="75000"/>
-              <a:lumOff val="25000"/>
-            </a:schemeClr>
-          </a:solidFill>
-          <a:ln>
-            <a:noFill/>
-          </a:ln>
-        </p:spPr>
-        <p:style>
-          <a:lnRef idx="2">
-            <a:schemeClr val="accent1">
-              <a:shade val="50000"/>
-            </a:schemeClr>
-          </a:lnRef>
-          <a:fillRef idx="1">
-            <a:schemeClr val="accent1"/>
-          </a:fillRef>
-          <a:effectRef idx="0">
-            <a:schemeClr val="accent1"/>
-          </a:effectRef>
-          <a:fontRef idx="minor">
-            <a:schemeClr val="lt1"/>
-          </a:fontRef>
-        </p:style>
-        <p:txBody>
-          <a:bodyPr rtlCol="0" anchor="ctr"/>
-          <a:lstStyle/>
-          <a:p>
-            <a:pPr algn="ctr"/>
-            <a:endParaRPr lang="en-US" sz="2400"/>
-          </a:p>
-        </p:txBody>
-      </p:sp>
-      <p:pic>
-        <p:nvPicPr>
-          <p:cNvPr id="9" name="Imagem 8">
-            <a:extLst>
-              <a:ext uri="{FF2B5EF4-FFF2-40B4-BE49-F238E27FC236}">
-                <a16:creationId xmlns:a16="http://schemas.microsoft.com/office/drawing/2014/main" id="{2F69AAB5-E7AA-41D6-83EB-9C06711B2B46}"/>
-              </a:ext>
-            </a:extLst>
-          </p:cNvPr>
-          <p:cNvPicPr>
-            <a:picLocks noChangeAspect="1"/>
-          </p:cNvPicPr>
-          <p:nvPr/>
-        </p:nvPicPr>
-        <p:blipFill>
-          <a:blip r:embed="rId3">
-            <a:extLst>
-              <a:ext uri="{28A0092B-C50C-407E-A947-70E740481C1C}">
-                <a14:useLocalDpi xmlns:a14="http://schemas.microsoft.com/office/drawing/2010/main" val="0"/>
-              </a:ext>
-            </a:extLst>
-          </a:blip>
-          <a:stretch>
-            <a:fillRect/>
-          </a:stretch>
-        </p:blipFill>
-        <p:spPr>
-          <a:xfrm>
-            <a:off x="9379507" y="181752"/>
-            <a:ext cx="949469" cy="791224"/>
-          </a:xfrm>
-          <a:prstGeom prst="rect">
-            <a:avLst/>
-          </a:prstGeom>
-        </p:spPr>
-      </p:pic>
-      <p:sp>
-        <p:nvSpPr>
-          <p:cNvPr id="8" name="CaixaDeTexto 7">
-            <a:extLst>
-              <a:ext uri="{FF2B5EF4-FFF2-40B4-BE49-F238E27FC236}">
-                <a16:creationId xmlns:a16="http://schemas.microsoft.com/office/drawing/2014/main" id="{44EC10C3-726A-4E09-A43C-AD4E5E3FD1B1}"/>
-              </a:ext>
-            </a:extLst>
-          </p:cNvPr>
-          <p:cNvSpPr txBox="1"/>
-          <p:nvPr/>
-        </p:nvSpPr>
-        <p:spPr>
-          <a:xfrm>
-            <a:off x="822960" y="1316858"/>
-            <a:ext cx="6448926" cy="892552"/>
-          </a:xfrm>
-          <a:prstGeom prst="rect">
-            <a:avLst/>
-          </a:prstGeom>
-          <a:noFill/>
-        </p:spPr>
-        <p:txBody>
-          <a:bodyPr wrap="square" rtlCol="0">
-            <a:spAutoFit/>
-          </a:bodyPr>
-          <a:lstStyle/>
-          <a:p>
-            <a:pPr marL="285750" indent="-285750">
-              <a:buFont typeface="Wingdings" panose="05000000000000000000" pitchFamily="2" charset="2"/>
-              <a:buChar char="§"/>
-            </a:pPr>
-            <a:r>
-              <a:rPr lang="pt-BR" sz="2600" dirty="0" err="1">
-                <a:latin typeface="Arial Narrow" panose="020B0606020202030204" pitchFamily="34" charset="0"/>
-              </a:rPr>
-              <a:t>Long</a:t>
-            </a:r>
-            <a:r>
-              <a:rPr lang="pt-BR" sz="2600" dirty="0">
-                <a:latin typeface="Arial Narrow" panose="020B0606020202030204" pitchFamily="34" charset="0"/>
-              </a:rPr>
-              <a:t> Short-</a:t>
-            </a:r>
-            <a:r>
-              <a:rPr lang="pt-BR" sz="2600" dirty="0" err="1">
-                <a:latin typeface="Arial Narrow" panose="020B0606020202030204" pitchFamily="34" charset="0"/>
-              </a:rPr>
-              <a:t>Term</a:t>
-            </a:r>
-            <a:r>
-              <a:rPr lang="pt-BR" sz="2600" dirty="0">
-                <a:latin typeface="Arial Narrow" panose="020B0606020202030204" pitchFamily="34" charset="0"/>
-              </a:rPr>
-              <a:t> </a:t>
-            </a:r>
-            <a:r>
-              <a:rPr lang="pt-BR" sz="2600" dirty="0" err="1">
-                <a:latin typeface="Arial Narrow" panose="020B0606020202030204" pitchFamily="34" charset="0"/>
-              </a:rPr>
-              <a:t>Memory</a:t>
-            </a:r>
-            <a:r>
-              <a:rPr lang="pt-BR" sz="2600" dirty="0">
-                <a:latin typeface="Arial Narrow" panose="020B0606020202030204" pitchFamily="34" charset="0"/>
-              </a:rPr>
-              <a:t> (LSTM)</a:t>
-            </a:r>
-          </a:p>
-          <a:p>
-            <a:pPr marL="285750" indent="-285750">
-              <a:buFont typeface="Wingdings" panose="05000000000000000000" pitchFamily="2" charset="2"/>
-              <a:buChar char="§"/>
-            </a:pPr>
-            <a:endParaRPr lang="pt-BR" sz="2600" dirty="0">
-              <a:latin typeface="Arial Narrow" panose="020B0606020202030204" pitchFamily="34" charset="0"/>
-            </a:endParaRPr>
-          </a:p>
-        </p:txBody>
-      </p:sp>
-      <p:pic>
-        <p:nvPicPr>
-          <p:cNvPr id="12" name="Imagem 11">
-            <a:extLst>
-              <a:ext uri="{FF2B5EF4-FFF2-40B4-BE49-F238E27FC236}">
-                <a16:creationId xmlns:a16="http://schemas.microsoft.com/office/drawing/2014/main" id="{2F9EFF46-B2DD-494C-8A64-4E9CC19E458D}"/>
-              </a:ext>
-            </a:extLst>
-          </p:cNvPr>
-          <p:cNvPicPr/>
-          <p:nvPr/>
-        </p:nvPicPr>
-        <p:blipFill>
-          <a:blip r:embed="rId4"/>
-          <a:stretch>
-            <a:fillRect/>
-          </a:stretch>
-        </p:blipFill>
-        <p:spPr>
-          <a:xfrm>
-            <a:off x="3203855" y="1896075"/>
-            <a:ext cx="6448926" cy="4742469"/>
-          </a:xfrm>
-          <a:prstGeom prst="rect">
-            <a:avLst/>
-          </a:prstGeom>
-        </p:spPr>
-      </p:pic>
-    </p:spTree>
-    <p:extLst>
-      <p:ext uri="{BB962C8B-B14F-4D97-AF65-F5344CB8AC3E}">
-        <p14:creationId xmlns:p14="http://schemas.microsoft.com/office/powerpoint/2010/main" val="1364320263"/>
-      </p:ext>
-    </p:extLst>
-  </p:cSld>
-  <p:clrMapOvr>
-    <a:masterClrMapping/>
-  </p:clrMapOvr>
-</p:sld>
-</file>
-
-<file path=ppt/slides/slide15.xml><?xml version="1.0" encoding="utf-8"?>
-<p:sld xmlns:a="http://schemas.openxmlformats.org/drawingml/2006/main" xmlns:r="http://schemas.openxmlformats.org/officeDocument/2006/relationships" xmlns:p="http://schemas.openxmlformats.org/presentationml/2006/main">
-  <p:cSld>
-    <p:spTree>
-      <p:nvGrpSpPr>
-        <p:cNvPr id="1" name=""/>
-        <p:cNvGrpSpPr/>
-        <p:nvPr/>
-      </p:nvGrpSpPr>
-      <p:grpSpPr>
-        <a:xfrm>
-          <a:off x="0" y="0"/>
-          <a:ext cx="0" cy="0"/>
-          <a:chOff x="0" y="0"/>
-          <a:chExt cx="0" cy="0"/>
-        </a:xfrm>
-      </p:grpSpPr>
-      <p:sp>
-        <p:nvSpPr>
-          <p:cNvPr id="2" name="CaixaDeTexto 1"/>
-          <p:cNvSpPr txBox="1"/>
-          <p:nvPr/>
-        </p:nvSpPr>
-        <p:spPr>
-          <a:xfrm>
-            <a:off x="1188720" y="219456"/>
-            <a:ext cx="3414589" cy="646331"/>
-          </a:xfrm>
-          <a:prstGeom prst="rect">
-            <a:avLst/>
-          </a:prstGeom>
-          <a:noFill/>
-        </p:spPr>
-        <p:txBody>
-          <a:bodyPr wrap="none" rtlCol="0">
-            <a:spAutoFit/>
-          </a:bodyPr>
-          <a:lstStyle/>
-          <a:p>
-            <a:r>
-              <a:rPr lang="pt-BR" sz="3600" b="1" dirty="0">
-                <a:latin typeface="Arial Narrow" charset="0"/>
-                <a:ea typeface="Arial Narrow" charset="0"/>
-                <a:cs typeface="Arial Narrow" charset="0"/>
-              </a:rPr>
-              <a:t>PROJETO LUNAR</a:t>
-            </a:r>
-          </a:p>
-        </p:txBody>
-      </p:sp>
-      <p:pic>
-        <p:nvPicPr>
-          <p:cNvPr id="4" name="Imagem 3">
-            <a:extLst>
-              <a:ext uri="{FF2B5EF4-FFF2-40B4-BE49-F238E27FC236}">
-                <a16:creationId xmlns:a16="http://schemas.microsoft.com/office/drawing/2014/main" id="{2430799C-8C4C-41F3-A73F-C2ADBE783964}"/>
-              </a:ext>
-            </a:extLst>
-          </p:cNvPr>
-          <p:cNvPicPr>
-            <a:picLocks noChangeAspect="1"/>
-          </p:cNvPicPr>
-          <p:nvPr/>
-        </p:nvPicPr>
-        <p:blipFill>
-          <a:blip r:embed="rId2">
-            <a:extLst>
-              <a:ext uri="{28A0092B-C50C-407E-A947-70E740481C1C}">
-                <a14:useLocalDpi xmlns:a14="http://schemas.microsoft.com/office/drawing/2010/main" val="0"/>
-              </a:ext>
-            </a:extLst>
-          </a:blip>
-          <a:stretch>
-            <a:fillRect/>
-          </a:stretch>
-        </p:blipFill>
-        <p:spPr>
-          <a:xfrm>
-            <a:off x="10488168" y="192024"/>
-            <a:ext cx="657143" cy="780952"/>
-          </a:xfrm>
-          <a:prstGeom prst="rect">
-            <a:avLst/>
-          </a:prstGeom>
-        </p:spPr>
-      </p:pic>
-      <p:sp>
-        <p:nvSpPr>
-          <p:cNvPr id="10" name="Rectangle 25">
-            <a:extLst>
-              <a:ext uri="{FF2B5EF4-FFF2-40B4-BE49-F238E27FC236}">
-                <a16:creationId xmlns:a16="http://schemas.microsoft.com/office/drawing/2014/main" id="{9CD1090A-B977-45A9-819B-D980E4BCE7A7}"/>
-              </a:ext>
-            </a:extLst>
-          </p:cNvPr>
-          <p:cNvSpPr/>
-          <p:nvPr/>
-        </p:nvSpPr>
-        <p:spPr>
-          <a:xfrm>
-            <a:off x="822960" y="0"/>
-            <a:ext cx="242269" cy="1028733"/>
-          </a:xfrm>
-          <a:prstGeom prst="rect">
-            <a:avLst/>
-          </a:prstGeom>
-          <a:solidFill>
-            <a:srgbClr val="F9423A"/>
-          </a:solidFill>
-          <a:ln>
-            <a:noFill/>
-          </a:ln>
-        </p:spPr>
-        <p:style>
-          <a:lnRef idx="2">
-            <a:schemeClr val="accent1">
-              <a:shade val="50000"/>
-            </a:schemeClr>
-          </a:lnRef>
-          <a:fillRef idx="1">
-            <a:schemeClr val="accent1"/>
-          </a:fillRef>
-          <a:effectRef idx="0">
-            <a:schemeClr val="accent1"/>
-          </a:effectRef>
-          <a:fontRef idx="minor">
-            <a:schemeClr val="lt1"/>
-          </a:fontRef>
-        </p:style>
-        <p:txBody>
-          <a:bodyPr rtlCol="0" anchor="ctr"/>
-          <a:lstStyle/>
-          <a:p>
-            <a:pPr algn="ctr"/>
-            <a:endParaRPr lang="en-US" sz="2400"/>
-          </a:p>
-        </p:txBody>
-      </p:sp>
-      <p:sp>
-        <p:nvSpPr>
-          <p:cNvPr id="11" name="Retângulo 10">
-            <a:extLst>
-              <a:ext uri="{FF2B5EF4-FFF2-40B4-BE49-F238E27FC236}">
-                <a16:creationId xmlns:a16="http://schemas.microsoft.com/office/drawing/2014/main" id="{0292B074-CF6C-4186-A0D0-583E2F224EAB}"/>
-              </a:ext>
-            </a:extLst>
-          </p:cNvPr>
-          <p:cNvSpPr/>
-          <p:nvPr/>
-        </p:nvSpPr>
-        <p:spPr>
-          <a:xfrm>
-            <a:off x="0" y="0"/>
-            <a:ext cx="801283" cy="1028733"/>
-          </a:xfrm>
-          <a:prstGeom prst="rect">
-            <a:avLst/>
-          </a:prstGeom>
-          <a:solidFill>
-            <a:schemeClr val="tx1">
-              <a:lumMod val="75000"/>
-              <a:lumOff val="25000"/>
-            </a:schemeClr>
-          </a:solidFill>
-          <a:ln>
-            <a:noFill/>
-          </a:ln>
-        </p:spPr>
-        <p:style>
-          <a:lnRef idx="2">
-            <a:schemeClr val="accent1">
-              <a:shade val="50000"/>
-            </a:schemeClr>
-          </a:lnRef>
-          <a:fillRef idx="1">
-            <a:schemeClr val="accent1"/>
-          </a:fillRef>
-          <a:effectRef idx="0">
-            <a:schemeClr val="accent1"/>
-          </a:effectRef>
-          <a:fontRef idx="minor">
-            <a:schemeClr val="lt1"/>
-          </a:fontRef>
-        </p:style>
-        <p:txBody>
-          <a:bodyPr rtlCol="0" anchor="ctr"/>
-          <a:lstStyle/>
-          <a:p>
-            <a:pPr algn="ctr"/>
-            <a:endParaRPr lang="en-US" sz="2400"/>
-          </a:p>
-        </p:txBody>
-      </p:sp>
-      <p:pic>
-        <p:nvPicPr>
-          <p:cNvPr id="9" name="Imagem 8">
-            <a:extLst>
-              <a:ext uri="{FF2B5EF4-FFF2-40B4-BE49-F238E27FC236}">
-                <a16:creationId xmlns:a16="http://schemas.microsoft.com/office/drawing/2014/main" id="{2F69AAB5-E7AA-41D6-83EB-9C06711B2B46}"/>
-              </a:ext>
-            </a:extLst>
-          </p:cNvPr>
-          <p:cNvPicPr>
-            <a:picLocks noChangeAspect="1"/>
-          </p:cNvPicPr>
-          <p:nvPr/>
-        </p:nvPicPr>
-        <p:blipFill>
-          <a:blip r:embed="rId3">
-            <a:extLst>
-              <a:ext uri="{28A0092B-C50C-407E-A947-70E740481C1C}">
-                <a14:useLocalDpi xmlns:a14="http://schemas.microsoft.com/office/drawing/2010/main" val="0"/>
-              </a:ext>
-            </a:extLst>
-          </a:blip>
-          <a:stretch>
-            <a:fillRect/>
-          </a:stretch>
-        </p:blipFill>
-        <p:spPr>
-          <a:xfrm>
-            <a:off x="9379507" y="181752"/>
-            <a:ext cx="949469" cy="791224"/>
-          </a:xfrm>
-          <a:prstGeom prst="rect">
-            <a:avLst/>
-          </a:prstGeom>
-        </p:spPr>
-      </p:pic>
-      <p:sp>
-        <p:nvSpPr>
-          <p:cNvPr id="8" name="CaixaDeTexto 7">
-            <a:extLst>
-              <a:ext uri="{FF2B5EF4-FFF2-40B4-BE49-F238E27FC236}">
-                <a16:creationId xmlns:a16="http://schemas.microsoft.com/office/drawing/2014/main" id="{C9421C42-9616-4B7A-966A-215BA0D5F0C0}"/>
-              </a:ext>
-            </a:extLst>
-          </p:cNvPr>
-          <p:cNvSpPr txBox="1"/>
-          <p:nvPr/>
-        </p:nvSpPr>
-        <p:spPr>
-          <a:xfrm>
-            <a:off x="801283" y="1544832"/>
-            <a:ext cx="4227917" cy="4893647"/>
-          </a:xfrm>
-          <a:prstGeom prst="rect">
-            <a:avLst/>
-          </a:prstGeom>
-          <a:noFill/>
-        </p:spPr>
-        <p:txBody>
-          <a:bodyPr wrap="square" rtlCol="0">
-            <a:spAutoFit/>
-          </a:bodyPr>
-          <a:lstStyle/>
-          <a:p>
-            <a:pPr marL="285750" indent="-285750">
-              <a:buFont typeface="Wingdings" panose="05000000000000000000" pitchFamily="2" charset="2"/>
-              <a:buChar char="§"/>
-            </a:pPr>
-            <a:r>
-              <a:rPr lang="pt-BR" sz="2600" dirty="0">
-                <a:latin typeface="Arial Narrow" panose="020B0606020202030204" pitchFamily="34" charset="0"/>
-              </a:rPr>
-              <a:t>Método de captura</a:t>
-            </a:r>
-          </a:p>
-          <a:p>
-            <a:pPr marL="285750" indent="-285750">
-              <a:buFont typeface="Wingdings" panose="05000000000000000000" pitchFamily="2" charset="2"/>
-              <a:buChar char="§"/>
-            </a:pPr>
-            <a:endParaRPr lang="pt-BR" sz="2600" dirty="0">
-              <a:latin typeface="Arial Narrow" panose="020B0606020202030204" pitchFamily="34" charset="0"/>
-            </a:endParaRPr>
-          </a:p>
-          <a:p>
-            <a:pPr marL="285750" indent="-285750">
-              <a:buFont typeface="Wingdings" panose="05000000000000000000" pitchFamily="2" charset="2"/>
-              <a:buChar char="§"/>
-            </a:pPr>
-            <a:r>
-              <a:rPr lang="pt-BR" sz="2600" dirty="0">
-                <a:latin typeface="Arial Narrow" panose="020B0606020202030204" pitchFamily="34" charset="0"/>
-              </a:rPr>
-              <a:t>Análise diagnóstica</a:t>
-            </a:r>
-          </a:p>
-          <a:p>
-            <a:pPr marL="285750" indent="-285750">
-              <a:buFont typeface="Wingdings" panose="05000000000000000000" pitchFamily="2" charset="2"/>
-              <a:buChar char="§"/>
-            </a:pPr>
-            <a:endParaRPr lang="pt-BR" sz="2600" dirty="0">
-              <a:latin typeface="Arial Narrow" panose="020B0606020202030204" pitchFamily="34" charset="0"/>
-            </a:endParaRPr>
-          </a:p>
-          <a:p>
-            <a:pPr marL="285750" indent="-285750">
-              <a:buFont typeface="Wingdings" panose="05000000000000000000" pitchFamily="2" charset="2"/>
-              <a:buChar char="§"/>
-            </a:pPr>
-            <a:r>
-              <a:rPr lang="pt-BR" sz="2600" dirty="0">
-                <a:latin typeface="Arial Narrow" panose="020B0606020202030204" pitchFamily="34" charset="0"/>
-              </a:rPr>
-              <a:t>Estrutura do projeto</a:t>
-            </a:r>
-          </a:p>
-          <a:p>
-            <a:endParaRPr lang="pt-BR" sz="2600" dirty="0">
-              <a:latin typeface="Arial Narrow" panose="020B0606020202030204" pitchFamily="34" charset="0"/>
-            </a:endParaRPr>
-          </a:p>
-          <a:p>
-            <a:pPr marL="285750" indent="-285750">
-              <a:buFont typeface="Wingdings" panose="05000000000000000000" pitchFamily="2" charset="2"/>
-              <a:buChar char="§"/>
-            </a:pPr>
-            <a:r>
-              <a:rPr lang="pt-BR" sz="2600" dirty="0">
-                <a:latin typeface="Arial Narrow" panose="020B0606020202030204" pitchFamily="34" charset="0"/>
-              </a:rPr>
-              <a:t>Processamento dos dados</a:t>
-            </a:r>
-          </a:p>
-          <a:p>
-            <a:pPr marL="285750" indent="-285750">
-              <a:buFont typeface="Wingdings" panose="05000000000000000000" pitchFamily="2" charset="2"/>
-              <a:buChar char="§"/>
-            </a:pPr>
-            <a:endParaRPr lang="pt-BR" sz="2600" dirty="0">
-              <a:latin typeface="Arial Narrow" panose="020B0606020202030204" pitchFamily="34" charset="0"/>
-            </a:endParaRPr>
-          </a:p>
-          <a:p>
-            <a:pPr marL="285750" indent="-285750">
-              <a:buFont typeface="Wingdings" panose="05000000000000000000" pitchFamily="2" charset="2"/>
-              <a:buChar char="§"/>
-            </a:pPr>
-            <a:r>
-              <a:rPr lang="pt-BR" sz="2600" dirty="0">
-                <a:latin typeface="Arial Narrow" panose="020B0606020202030204" pitchFamily="34" charset="0"/>
-              </a:rPr>
-              <a:t>Resultado do algoritmo</a:t>
-            </a:r>
-          </a:p>
-          <a:p>
-            <a:pPr marL="285750" indent="-285750">
-              <a:buFont typeface="Wingdings" panose="05000000000000000000" pitchFamily="2" charset="2"/>
-              <a:buChar char="§"/>
-            </a:pPr>
-            <a:endParaRPr lang="pt-BR" sz="2600" dirty="0">
-              <a:latin typeface="Arial Narrow" panose="020B0606020202030204" pitchFamily="34" charset="0"/>
-            </a:endParaRPr>
-          </a:p>
-          <a:p>
-            <a:pPr marL="285750" indent="-285750">
-              <a:buFont typeface="Wingdings" panose="05000000000000000000" pitchFamily="2" charset="2"/>
-              <a:buChar char="§"/>
-            </a:pPr>
-            <a:r>
-              <a:rPr lang="pt-BR" sz="2600" dirty="0">
-                <a:latin typeface="Arial Narrow" panose="020B0606020202030204" pitchFamily="34" charset="0"/>
-              </a:rPr>
-              <a:t>Disponibilização dos dados</a:t>
-            </a:r>
-          </a:p>
-          <a:p>
-            <a:pPr marL="285750" indent="-285750">
-              <a:buFont typeface="Wingdings" panose="05000000000000000000" pitchFamily="2" charset="2"/>
-              <a:buChar char="§"/>
-            </a:pPr>
-            <a:endParaRPr lang="pt-BR" sz="2600" dirty="0">
-              <a:latin typeface="Arial Narrow" panose="020B0606020202030204" pitchFamily="34" charset="0"/>
-            </a:endParaRPr>
-          </a:p>
-        </p:txBody>
-      </p:sp>
-    </p:spTree>
-    <p:extLst>
-      <p:ext uri="{BB962C8B-B14F-4D97-AF65-F5344CB8AC3E}">
-        <p14:creationId xmlns:p14="http://schemas.microsoft.com/office/powerpoint/2010/main" val="488946730"/>
-      </p:ext>
-    </p:extLst>
-  </p:cSld>
-  <p:clrMapOvr>
-    <a:masterClrMapping/>
-  </p:clrMapOvr>
-</p:sld>
-</file>
-
-<file path=ppt/slides/slide16.xml><?xml version="1.0" encoding="utf-8"?>
-<p:sld xmlns:a="http://schemas.openxmlformats.org/drawingml/2006/main" xmlns:r="http://schemas.openxmlformats.org/officeDocument/2006/relationships" xmlns:p="http://schemas.openxmlformats.org/presentationml/2006/main">
-  <p:cSld>
-    <p:spTree>
-      <p:nvGrpSpPr>
-        <p:cNvPr id="1" name=""/>
-        <p:cNvGrpSpPr/>
-        <p:nvPr/>
-      </p:nvGrpSpPr>
-      <p:grpSpPr>
-        <a:xfrm>
-          <a:off x="0" y="0"/>
-          <a:ext cx="0" cy="0"/>
-          <a:chOff x="0" y="0"/>
-          <a:chExt cx="0" cy="0"/>
-        </a:xfrm>
-      </p:grpSpPr>
-      <p:sp>
-        <p:nvSpPr>
-          <p:cNvPr id="2" name="CaixaDeTexto 1"/>
-          <p:cNvSpPr txBox="1"/>
-          <p:nvPr/>
-        </p:nvSpPr>
-        <p:spPr>
-          <a:xfrm>
-            <a:off x="1188720" y="219456"/>
-            <a:ext cx="3414589" cy="646331"/>
-          </a:xfrm>
-          <a:prstGeom prst="rect">
-            <a:avLst/>
-          </a:prstGeom>
-          <a:noFill/>
-        </p:spPr>
-        <p:txBody>
-          <a:bodyPr wrap="none" rtlCol="0">
-            <a:spAutoFit/>
-          </a:bodyPr>
-          <a:lstStyle/>
-          <a:p>
-            <a:r>
-              <a:rPr lang="pt-BR" sz="3600" b="1" dirty="0">
-                <a:latin typeface="Arial Narrow" charset="0"/>
-                <a:ea typeface="Arial Narrow" charset="0"/>
-                <a:cs typeface="Arial Narrow" charset="0"/>
-              </a:rPr>
-              <a:t>PROJETO LUNAR</a:t>
-            </a:r>
-          </a:p>
-        </p:txBody>
-      </p:sp>
-      <p:pic>
-        <p:nvPicPr>
-          <p:cNvPr id="4" name="Imagem 3">
-            <a:extLst>
-              <a:ext uri="{FF2B5EF4-FFF2-40B4-BE49-F238E27FC236}">
-                <a16:creationId xmlns:a16="http://schemas.microsoft.com/office/drawing/2014/main" id="{2430799C-8C4C-41F3-A73F-C2ADBE783964}"/>
-              </a:ext>
-            </a:extLst>
-          </p:cNvPr>
-          <p:cNvPicPr>
-            <a:picLocks noChangeAspect="1"/>
-          </p:cNvPicPr>
-          <p:nvPr/>
-        </p:nvPicPr>
-        <p:blipFill>
-          <a:blip r:embed="rId2">
-            <a:extLst>
-              <a:ext uri="{28A0092B-C50C-407E-A947-70E740481C1C}">
-                <a14:useLocalDpi xmlns:a14="http://schemas.microsoft.com/office/drawing/2010/main" val="0"/>
-              </a:ext>
-            </a:extLst>
-          </a:blip>
-          <a:stretch>
-            <a:fillRect/>
-          </a:stretch>
-        </p:blipFill>
-        <p:spPr>
-          <a:xfrm>
-            <a:off x="10488168" y="192024"/>
-            <a:ext cx="657143" cy="780952"/>
-          </a:xfrm>
-          <a:prstGeom prst="rect">
-            <a:avLst/>
-          </a:prstGeom>
-        </p:spPr>
-      </p:pic>
-      <p:sp>
-        <p:nvSpPr>
-          <p:cNvPr id="5" name="CaixaDeTexto 4">
-            <a:extLst>
-              <a:ext uri="{FF2B5EF4-FFF2-40B4-BE49-F238E27FC236}">
-                <a16:creationId xmlns:a16="http://schemas.microsoft.com/office/drawing/2014/main" id="{ADABFED9-0ED1-4026-9510-CF4F12C17582}"/>
-              </a:ext>
-            </a:extLst>
-          </p:cNvPr>
-          <p:cNvSpPr txBox="1"/>
-          <p:nvPr/>
-        </p:nvSpPr>
-        <p:spPr>
-          <a:xfrm>
-            <a:off x="822960" y="1243094"/>
-            <a:ext cx="6261315" cy="492443"/>
-          </a:xfrm>
-          <a:prstGeom prst="rect">
-            <a:avLst/>
-          </a:prstGeom>
-          <a:noFill/>
-        </p:spPr>
-        <p:txBody>
-          <a:bodyPr wrap="square" rtlCol="0">
-            <a:spAutoFit/>
-          </a:bodyPr>
-          <a:lstStyle/>
-          <a:p>
-            <a:pPr marL="285750" indent="-285750">
-              <a:buFont typeface="Wingdings" panose="05000000000000000000" pitchFamily="2" charset="2"/>
-              <a:buChar char="§"/>
-            </a:pPr>
-            <a:r>
-              <a:rPr lang="pt-BR" sz="2600" dirty="0">
-                <a:latin typeface="Arial Narrow" panose="020B0606020202030204" pitchFamily="34" charset="0"/>
-              </a:rPr>
-              <a:t>Método de captura</a:t>
-            </a:r>
-          </a:p>
-        </p:txBody>
-      </p:sp>
-      <p:sp>
-        <p:nvSpPr>
-          <p:cNvPr id="10" name="Rectangle 25">
-            <a:extLst>
-              <a:ext uri="{FF2B5EF4-FFF2-40B4-BE49-F238E27FC236}">
-                <a16:creationId xmlns:a16="http://schemas.microsoft.com/office/drawing/2014/main" id="{9CD1090A-B977-45A9-819B-D980E4BCE7A7}"/>
-              </a:ext>
-            </a:extLst>
-          </p:cNvPr>
-          <p:cNvSpPr/>
-          <p:nvPr/>
-        </p:nvSpPr>
-        <p:spPr>
-          <a:xfrm>
-            <a:off x="822960" y="0"/>
-            <a:ext cx="242269" cy="1028733"/>
-          </a:xfrm>
-          <a:prstGeom prst="rect">
-            <a:avLst/>
-          </a:prstGeom>
-          <a:solidFill>
-            <a:srgbClr val="F9423A"/>
-          </a:solidFill>
-          <a:ln>
-            <a:noFill/>
-          </a:ln>
-        </p:spPr>
-        <p:style>
-          <a:lnRef idx="2">
-            <a:schemeClr val="accent1">
-              <a:shade val="50000"/>
-            </a:schemeClr>
-          </a:lnRef>
-          <a:fillRef idx="1">
-            <a:schemeClr val="accent1"/>
-          </a:fillRef>
-          <a:effectRef idx="0">
-            <a:schemeClr val="accent1"/>
-          </a:effectRef>
-          <a:fontRef idx="minor">
-            <a:schemeClr val="lt1"/>
-          </a:fontRef>
-        </p:style>
-        <p:txBody>
-          <a:bodyPr rtlCol="0" anchor="ctr"/>
-          <a:lstStyle/>
-          <a:p>
-            <a:pPr algn="ctr"/>
-            <a:endParaRPr lang="en-US" sz="2400"/>
-          </a:p>
-        </p:txBody>
-      </p:sp>
-      <p:sp>
-        <p:nvSpPr>
-          <p:cNvPr id="11" name="Retângulo 10">
-            <a:extLst>
-              <a:ext uri="{FF2B5EF4-FFF2-40B4-BE49-F238E27FC236}">
-                <a16:creationId xmlns:a16="http://schemas.microsoft.com/office/drawing/2014/main" id="{0292B074-CF6C-4186-A0D0-583E2F224EAB}"/>
-              </a:ext>
-            </a:extLst>
-          </p:cNvPr>
-          <p:cNvSpPr/>
-          <p:nvPr/>
-        </p:nvSpPr>
-        <p:spPr>
-          <a:xfrm>
-            <a:off x="0" y="0"/>
-            <a:ext cx="801283" cy="1028733"/>
-          </a:xfrm>
-          <a:prstGeom prst="rect">
-            <a:avLst/>
-          </a:prstGeom>
-          <a:solidFill>
-            <a:schemeClr val="tx1">
-              <a:lumMod val="75000"/>
-              <a:lumOff val="25000"/>
-            </a:schemeClr>
-          </a:solidFill>
-          <a:ln>
-            <a:noFill/>
-          </a:ln>
-        </p:spPr>
-        <p:style>
-          <a:lnRef idx="2">
-            <a:schemeClr val="accent1">
-              <a:shade val="50000"/>
-            </a:schemeClr>
-          </a:lnRef>
-          <a:fillRef idx="1">
-            <a:schemeClr val="accent1"/>
-          </a:fillRef>
-          <a:effectRef idx="0">
-            <a:schemeClr val="accent1"/>
-          </a:effectRef>
-          <a:fontRef idx="minor">
-            <a:schemeClr val="lt1"/>
-          </a:fontRef>
-        </p:style>
-        <p:txBody>
-          <a:bodyPr rtlCol="0" anchor="ctr"/>
-          <a:lstStyle/>
-          <a:p>
-            <a:pPr algn="ctr"/>
-            <a:endParaRPr lang="en-US" sz="2400"/>
-          </a:p>
-        </p:txBody>
-      </p:sp>
-      <p:pic>
-        <p:nvPicPr>
-          <p:cNvPr id="9" name="Imagem 8">
-            <a:extLst>
-              <a:ext uri="{FF2B5EF4-FFF2-40B4-BE49-F238E27FC236}">
-                <a16:creationId xmlns:a16="http://schemas.microsoft.com/office/drawing/2014/main" id="{2F69AAB5-E7AA-41D6-83EB-9C06711B2B46}"/>
-              </a:ext>
-            </a:extLst>
-          </p:cNvPr>
-          <p:cNvPicPr>
-            <a:picLocks noChangeAspect="1"/>
-          </p:cNvPicPr>
-          <p:nvPr/>
-        </p:nvPicPr>
-        <p:blipFill>
-          <a:blip r:embed="rId3">
-            <a:extLst>
-              <a:ext uri="{28A0092B-C50C-407E-A947-70E740481C1C}">
-                <a14:useLocalDpi xmlns:a14="http://schemas.microsoft.com/office/drawing/2010/main" val="0"/>
-              </a:ext>
-            </a:extLst>
-          </a:blip>
-          <a:stretch>
-            <a:fillRect/>
-          </a:stretch>
-        </p:blipFill>
-        <p:spPr>
-          <a:xfrm>
-            <a:off x="9379507" y="181752"/>
-            <a:ext cx="949469" cy="791224"/>
-          </a:xfrm>
-          <a:prstGeom prst="rect">
-            <a:avLst/>
-          </a:prstGeom>
-        </p:spPr>
-      </p:pic>
       <p:pic>
         <p:nvPicPr>
           <p:cNvPr id="12" name="Imagem 11">
@@ -6580,8 +5452,8 @@
         </p:blipFill>
         <p:spPr bwMode="auto">
           <a:xfrm>
-            <a:off x="1065229" y="1949898"/>
-            <a:ext cx="3204845" cy="4706620"/>
+            <a:off x="1204275" y="1949898"/>
+            <a:ext cx="3065799" cy="4502417"/>
           </a:xfrm>
           <a:prstGeom prst="rect">
             <a:avLst/>
@@ -6635,7 +5507,7 @@
           <p:cNvPicPr/>
           <p:nvPr/>
         </p:nvPicPr>
-        <p:blipFill>
+        <p:blipFill rotWithShape="1">
           <a:blip r:embed="rId6">
             <a:extLst>
               <a:ext uri="{28A0092B-C50C-407E-A947-70E740481C1C}">
@@ -6643,15 +5515,13 @@
               </a:ext>
             </a:extLst>
           </a:blip>
-          <a:srcRect/>
-          <a:stretch>
-            <a:fillRect/>
-          </a:stretch>
+          <a:srcRect r="6647"/>
+          <a:stretch/>
         </p:blipFill>
         <p:spPr bwMode="auto">
           <a:xfrm>
-            <a:off x="4729308" y="1949898"/>
-            <a:ext cx="6569096" cy="3879369"/>
+            <a:off x="4525134" y="1949898"/>
+            <a:ext cx="7117368" cy="4502417"/>
           </a:xfrm>
           <a:prstGeom prst="rect">
             <a:avLst/>
@@ -6701,7 +5571,7 @@
 </p:sld>
 </file>
 
-<file path=ppt/slides/slide17.xml><?xml version="1.0" encoding="utf-8"?>
+<file path=ppt/slides/slide14.xml><?xml version="1.0" encoding="utf-8"?>
 <p:sld xmlns:a="http://schemas.openxmlformats.org/drawingml/2006/main" xmlns:r="http://schemas.openxmlformats.org/officeDocument/2006/relationships" xmlns:p="http://schemas.openxmlformats.org/presentationml/2006/main">
   <p:cSld>
     <p:spTree>
@@ -6973,8 +5843,8 @@
         </p:nvSpPr>
         <p:spPr>
           <a:xfrm>
-            <a:off x="801283" y="1265659"/>
-            <a:ext cx="2752677" cy="492443"/>
+            <a:off x="1174771" y="1265659"/>
+            <a:ext cx="2925801" cy="492443"/>
           </a:xfrm>
           <a:prstGeom prst="rect">
             <a:avLst/>
@@ -6986,9 +5856,9 @@
           </a:bodyPr>
           <a:lstStyle/>
           <a:p>
-            <a:pPr marL="285750" indent="-285750">
-              <a:buFont typeface="Wingdings" panose="05000000000000000000" pitchFamily="2" charset="2"/>
-              <a:buChar char="§"/>
+            <a:pPr marL="457200" indent="-457200">
+              <a:buFont typeface="Arial" panose="020B0604020202020204" pitchFamily="34" charset="0"/>
+              <a:buChar char="•"/>
             </a:pPr>
             <a:r>
               <a:rPr lang="pt-BR" sz="2600" dirty="0">
@@ -7003,6 +5873,1413 @@
     <p:extLst>
       <p:ext uri="{BB962C8B-B14F-4D97-AF65-F5344CB8AC3E}">
         <p14:creationId xmlns:p14="http://schemas.microsoft.com/office/powerpoint/2010/main" val="255720136"/>
+      </p:ext>
+    </p:extLst>
+  </p:cSld>
+  <p:clrMapOvr>
+    <a:masterClrMapping/>
+  </p:clrMapOvr>
+</p:sld>
+</file>
+
+<file path=ppt/slides/slide15.xml><?xml version="1.0" encoding="utf-8"?>
+<p:sld xmlns:a="http://schemas.openxmlformats.org/drawingml/2006/main" xmlns:r="http://schemas.openxmlformats.org/officeDocument/2006/relationships" xmlns:p="http://schemas.openxmlformats.org/presentationml/2006/main">
+  <p:cSld>
+    <p:spTree>
+      <p:nvGrpSpPr>
+        <p:cNvPr id="1" name=""/>
+        <p:cNvGrpSpPr/>
+        <p:nvPr/>
+      </p:nvGrpSpPr>
+      <p:grpSpPr>
+        <a:xfrm>
+          <a:off x="0" y="0"/>
+          <a:ext cx="0" cy="0"/>
+          <a:chOff x="0" y="0"/>
+          <a:chExt cx="0" cy="0"/>
+        </a:xfrm>
+      </p:grpSpPr>
+      <p:sp>
+        <p:nvSpPr>
+          <p:cNvPr id="2" name="CaixaDeTexto 1"/>
+          <p:cNvSpPr txBox="1"/>
+          <p:nvPr/>
+        </p:nvSpPr>
+        <p:spPr>
+          <a:xfrm>
+            <a:off x="1188720" y="219456"/>
+            <a:ext cx="6246646" cy="646331"/>
+          </a:xfrm>
+          <a:prstGeom prst="rect">
+            <a:avLst/>
+          </a:prstGeom>
+          <a:noFill/>
+        </p:spPr>
+        <p:txBody>
+          <a:bodyPr wrap="none" rtlCol="0">
+            <a:spAutoFit/>
+          </a:bodyPr>
+          <a:lstStyle/>
+          <a:p>
+            <a:r>
+              <a:rPr lang="pt-BR" sz="3600" b="1" dirty="0">
+                <a:latin typeface="Arial Narrow" charset="0"/>
+                <a:ea typeface="Arial Narrow" charset="0"/>
+                <a:cs typeface="Arial Narrow" charset="0"/>
+              </a:rPr>
+              <a:t>PROJETO LUNAR (Fase de Teste)</a:t>
+            </a:r>
+          </a:p>
+        </p:txBody>
+      </p:sp>
+      <p:pic>
+        <p:nvPicPr>
+          <p:cNvPr id="4" name="Imagem 3">
+            <a:extLst>
+              <a:ext uri="{FF2B5EF4-FFF2-40B4-BE49-F238E27FC236}">
+                <a16:creationId xmlns:a16="http://schemas.microsoft.com/office/drawing/2014/main" id="{2430799C-8C4C-41F3-A73F-C2ADBE783964}"/>
+              </a:ext>
+            </a:extLst>
+          </p:cNvPr>
+          <p:cNvPicPr>
+            <a:picLocks noChangeAspect="1"/>
+          </p:cNvPicPr>
+          <p:nvPr/>
+        </p:nvPicPr>
+        <p:blipFill>
+          <a:blip r:embed="rId2">
+            <a:extLst>
+              <a:ext uri="{28A0092B-C50C-407E-A947-70E740481C1C}">
+                <a14:useLocalDpi xmlns:a14="http://schemas.microsoft.com/office/drawing/2010/main" val="0"/>
+              </a:ext>
+            </a:extLst>
+          </a:blip>
+          <a:stretch>
+            <a:fillRect/>
+          </a:stretch>
+        </p:blipFill>
+        <p:spPr>
+          <a:xfrm>
+            <a:off x="10488168" y="192024"/>
+            <a:ext cx="657143" cy="780952"/>
+          </a:xfrm>
+          <a:prstGeom prst="rect">
+            <a:avLst/>
+          </a:prstGeom>
+        </p:spPr>
+      </p:pic>
+      <p:sp>
+        <p:nvSpPr>
+          <p:cNvPr id="10" name="Rectangle 25">
+            <a:extLst>
+              <a:ext uri="{FF2B5EF4-FFF2-40B4-BE49-F238E27FC236}">
+                <a16:creationId xmlns:a16="http://schemas.microsoft.com/office/drawing/2014/main" id="{9CD1090A-B977-45A9-819B-D980E4BCE7A7}"/>
+              </a:ext>
+            </a:extLst>
+          </p:cNvPr>
+          <p:cNvSpPr/>
+          <p:nvPr/>
+        </p:nvSpPr>
+        <p:spPr>
+          <a:xfrm>
+            <a:off x="822960" y="0"/>
+            <a:ext cx="242269" cy="1028733"/>
+          </a:xfrm>
+          <a:prstGeom prst="rect">
+            <a:avLst/>
+          </a:prstGeom>
+          <a:solidFill>
+            <a:srgbClr val="F9423A"/>
+          </a:solidFill>
+          <a:ln>
+            <a:noFill/>
+          </a:ln>
+        </p:spPr>
+        <p:style>
+          <a:lnRef idx="2">
+            <a:schemeClr val="accent1">
+              <a:shade val="50000"/>
+            </a:schemeClr>
+          </a:lnRef>
+          <a:fillRef idx="1">
+            <a:schemeClr val="accent1"/>
+          </a:fillRef>
+          <a:effectRef idx="0">
+            <a:schemeClr val="accent1"/>
+          </a:effectRef>
+          <a:fontRef idx="minor">
+            <a:schemeClr val="lt1"/>
+          </a:fontRef>
+        </p:style>
+        <p:txBody>
+          <a:bodyPr rtlCol="0" anchor="ctr"/>
+          <a:lstStyle/>
+          <a:p>
+            <a:pPr algn="ctr"/>
+            <a:endParaRPr lang="en-US" sz="2400"/>
+          </a:p>
+        </p:txBody>
+      </p:sp>
+      <p:sp>
+        <p:nvSpPr>
+          <p:cNvPr id="11" name="Retângulo 10">
+            <a:extLst>
+              <a:ext uri="{FF2B5EF4-FFF2-40B4-BE49-F238E27FC236}">
+                <a16:creationId xmlns:a16="http://schemas.microsoft.com/office/drawing/2014/main" id="{0292B074-CF6C-4186-A0D0-583E2F224EAB}"/>
+              </a:ext>
+            </a:extLst>
+          </p:cNvPr>
+          <p:cNvSpPr/>
+          <p:nvPr/>
+        </p:nvSpPr>
+        <p:spPr>
+          <a:xfrm>
+            <a:off x="0" y="0"/>
+            <a:ext cx="801283" cy="1028733"/>
+          </a:xfrm>
+          <a:prstGeom prst="rect">
+            <a:avLst/>
+          </a:prstGeom>
+          <a:solidFill>
+            <a:schemeClr val="tx1">
+              <a:lumMod val="75000"/>
+              <a:lumOff val="25000"/>
+            </a:schemeClr>
+          </a:solidFill>
+          <a:ln>
+            <a:noFill/>
+          </a:ln>
+        </p:spPr>
+        <p:style>
+          <a:lnRef idx="2">
+            <a:schemeClr val="accent1">
+              <a:shade val="50000"/>
+            </a:schemeClr>
+          </a:lnRef>
+          <a:fillRef idx="1">
+            <a:schemeClr val="accent1"/>
+          </a:fillRef>
+          <a:effectRef idx="0">
+            <a:schemeClr val="accent1"/>
+          </a:effectRef>
+          <a:fontRef idx="minor">
+            <a:schemeClr val="lt1"/>
+          </a:fontRef>
+        </p:style>
+        <p:txBody>
+          <a:bodyPr rtlCol="0" anchor="ctr"/>
+          <a:lstStyle/>
+          <a:p>
+            <a:pPr algn="ctr"/>
+            <a:endParaRPr lang="en-US" sz="2400"/>
+          </a:p>
+        </p:txBody>
+      </p:sp>
+      <p:pic>
+        <p:nvPicPr>
+          <p:cNvPr id="9" name="Imagem 8">
+            <a:extLst>
+              <a:ext uri="{FF2B5EF4-FFF2-40B4-BE49-F238E27FC236}">
+                <a16:creationId xmlns:a16="http://schemas.microsoft.com/office/drawing/2014/main" id="{2F69AAB5-E7AA-41D6-83EB-9C06711B2B46}"/>
+              </a:ext>
+            </a:extLst>
+          </p:cNvPr>
+          <p:cNvPicPr>
+            <a:picLocks noChangeAspect="1"/>
+          </p:cNvPicPr>
+          <p:nvPr/>
+        </p:nvPicPr>
+        <p:blipFill>
+          <a:blip r:embed="rId3">
+            <a:extLst>
+              <a:ext uri="{28A0092B-C50C-407E-A947-70E740481C1C}">
+                <a14:useLocalDpi xmlns:a14="http://schemas.microsoft.com/office/drawing/2010/main" val="0"/>
+              </a:ext>
+            </a:extLst>
+          </a:blip>
+          <a:stretch>
+            <a:fillRect/>
+          </a:stretch>
+        </p:blipFill>
+        <p:spPr>
+          <a:xfrm>
+            <a:off x="9379507" y="181752"/>
+            <a:ext cx="949469" cy="791224"/>
+          </a:xfrm>
+          <a:prstGeom prst="rect">
+            <a:avLst/>
+          </a:prstGeom>
+        </p:spPr>
+      </p:pic>
+      <p:pic>
+        <p:nvPicPr>
+          <p:cNvPr id="6" name="Imagem 5">
+            <a:extLst>
+              <a:ext uri="{FF2B5EF4-FFF2-40B4-BE49-F238E27FC236}">
+                <a16:creationId xmlns:a16="http://schemas.microsoft.com/office/drawing/2014/main" id="{7AFADA3E-34AA-4FC6-84D4-C21EC1E3DA13}"/>
+              </a:ext>
+            </a:extLst>
+          </p:cNvPr>
+          <p:cNvPicPr>
+            <a:picLocks noChangeAspect="1"/>
+          </p:cNvPicPr>
+          <p:nvPr/>
+        </p:nvPicPr>
+        <p:blipFill>
+          <a:blip r:embed="rId4">
+            <a:extLst>
+              <a:ext uri="{28A0092B-C50C-407E-A947-70E740481C1C}">
+                <a14:useLocalDpi xmlns:a14="http://schemas.microsoft.com/office/drawing/2010/main" val="0"/>
+              </a:ext>
+            </a:extLst>
+          </a:blip>
+          <a:stretch>
+            <a:fillRect/>
+          </a:stretch>
+        </p:blipFill>
+        <p:spPr>
+          <a:xfrm>
+            <a:off x="411488" y="1512120"/>
+            <a:ext cx="7112542" cy="5126424"/>
+          </a:xfrm>
+          <a:prstGeom prst="rect">
+            <a:avLst/>
+          </a:prstGeom>
+        </p:spPr>
+      </p:pic>
+      <p:sp>
+        <p:nvSpPr>
+          <p:cNvPr id="12" name="CaixaDeTexto 11">
+            <a:extLst>
+              <a:ext uri="{FF2B5EF4-FFF2-40B4-BE49-F238E27FC236}">
+                <a16:creationId xmlns:a16="http://schemas.microsoft.com/office/drawing/2014/main" id="{90000C2D-8384-46C7-9F02-9C745AFC240C}"/>
+              </a:ext>
+            </a:extLst>
+          </p:cNvPr>
+          <p:cNvSpPr txBox="1"/>
+          <p:nvPr/>
+        </p:nvSpPr>
+        <p:spPr>
+          <a:xfrm>
+            <a:off x="389811" y="1081233"/>
+            <a:ext cx="1672253" cy="430887"/>
+          </a:xfrm>
+          <a:prstGeom prst="rect">
+            <a:avLst/>
+          </a:prstGeom>
+          <a:noFill/>
+        </p:spPr>
+        <p:txBody>
+          <a:bodyPr wrap="none" rtlCol="0">
+            <a:spAutoFit/>
+          </a:bodyPr>
+          <a:lstStyle/>
+          <a:p>
+            <a:r>
+              <a:rPr lang="pt-BR" sz="2200" b="1" dirty="0">
+                <a:latin typeface="Arial Narrow" charset="0"/>
+                <a:ea typeface="Arial Narrow" charset="0"/>
+                <a:cs typeface="Arial Narrow" charset="0"/>
+              </a:rPr>
+              <a:t>Acelerômetro</a:t>
+            </a:r>
+          </a:p>
+        </p:txBody>
+      </p:sp>
+      <p:cxnSp>
+        <p:nvCxnSpPr>
+          <p:cNvPr id="13" name="Conector de Seta Reta 12">
+            <a:extLst>
+              <a:ext uri="{FF2B5EF4-FFF2-40B4-BE49-F238E27FC236}">
+                <a16:creationId xmlns:a16="http://schemas.microsoft.com/office/drawing/2014/main" id="{3DC40E53-E3BD-4E13-9A4B-C123AB70B9DD}"/>
+              </a:ext>
+            </a:extLst>
+          </p:cNvPr>
+          <p:cNvCxnSpPr>
+            <a:cxnSpLocks/>
+          </p:cNvCxnSpPr>
+          <p:nvPr/>
+        </p:nvCxnSpPr>
+        <p:spPr>
+          <a:xfrm flipV="1">
+            <a:off x="6922089" y="3374170"/>
+            <a:ext cx="958539" cy="435054"/>
+          </a:xfrm>
+          <a:prstGeom prst="straightConnector1">
+            <a:avLst/>
+          </a:prstGeom>
+          <a:ln w="38100">
+            <a:tailEnd type="triangle"/>
+          </a:ln>
+        </p:spPr>
+        <p:style>
+          <a:lnRef idx="3">
+            <a:schemeClr val="accent1"/>
+          </a:lnRef>
+          <a:fillRef idx="0">
+            <a:schemeClr val="accent1"/>
+          </a:fillRef>
+          <a:effectRef idx="2">
+            <a:schemeClr val="accent1"/>
+          </a:effectRef>
+          <a:fontRef idx="minor">
+            <a:schemeClr val="tx1"/>
+          </a:fontRef>
+        </p:style>
+      </p:cxnSp>
+      <p:cxnSp>
+        <p:nvCxnSpPr>
+          <p:cNvPr id="14" name="Conector de Seta Reta 13">
+            <a:extLst>
+              <a:ext uri="{FF2B5EF4-FFF2-40B4-BE49-F238E27FC236}">
+                <a16:creationId xmlns:a16="http://schemas.microsoft.com/office/drawing/2014/main" id="{832AAB2B-41F0-4946-B219-029085EC93C0}"/>
+              </a:ext>
+            </a:extLst>
+          </p:cNvPr>
+          <p:cNvCxnSpPr>
+            <a:cxnSpLocks/>
+          </p:cNvCxnSpPr>
+          <p:nvPr/>
+        </p:nvCxnSpPr>
+        <p:spPr>
+          <a:xfrm>
+            <a:off x="6922089" y="3809223"/>
+            <a:ext cx="838279" cy="591833"/>
+          </a:xfrm>
+          <a:prstGeom prst="straightConnector1">
+            <a:avLst/>
+          </a:prstGeom>
+          <a:ln w="38100">
+            <a:tailEnd type="triangle"/>
+          </a:ln>
+        </p:spPr>
+        <p:style>
+          <a:lnRef idx="3">
+            <a:schemeClr val="accent1"/>
+          </a:lnRef>
+          <a:fillRef idx="0">
+            <a:schemeClr val="accent1"/>
+          </a:fillRef>
+          <a:effectRef idx="2">
+            <a:schemeClr val="accent1"/>
+          </a:effectRef>
+          <a:fontRef idx="minor">
+            <a:schemeClr val="tx1"/>
+          </a:fontRef>
+        </p:style>
+      </p:cxnSp>
+      <p:pic>
+        <p:nvPicPr>
+          <p:cNvPr id="17" name="Imagem 16">
+            <a:extLst>
+              <a:ext uri="{FF2B5EF4-FFF2-40B4-BE49-F238E27FC236}">
+                <a16:creationId xmlns:a16="http://schemas.microsoft.com/office/drawing/2014/main" id="{AD423564-3DA6-4B07-AB48-EC780CAA55AD}"/>
+              </a:ext>
+            </a:extLst>
+          </p:cNvPr>
+          <p:cNvPicPr>
+            <a:picLocks/>
+          </p:cNvPicPr>
+          <p:nvPr/>
+        </p:nvPicPr>
+        <p:blipFill>
+          <a:blip r:embed="rId5">
+            <a:extLst>
+              <a:ext uri="{28A0092B-C50C-407E-A947-70E740481C1C}">
+                <a14:useLocalDpi xmlns:a14="http://schemas.microsoft.com/office/drawing/2010/main" val="0"/>
+              </a:ext>
+            </a:extLst>
+          </a:blip>
+          <a:stretch>
+            <a:fillRect/>
+          </a:stretch>
+        </p:blipFill>
+        <p:spPr>
+          <a:xfrm>
+            <a:off x="7976880" y="2038156"/>
+            <a:ext cx="3947225" cy="1390844"/>
+          </a:xfrm>
+          <a:prstGeom prst="rect">
+            <a:avLst/>
+          </a:prstGeom>
+        </p:spPr>
+      </p:pic>
+      <p:sp>
+        <p:nvSpPr>
+          <p:cNvPr id="26" name="CaixaDeTexto 25">
+            <a:extLst>
+              <a:ext uri="{FF2B5EF4-FFF2-40B4-BE49-F238E27FC236}">
+                <a16:creationId xmlns:a16="http://schemas.microsoft.com/office/drawing/2014/main" id="{E800CB26-2D29-4127-A861-39EB15728BBE}"/>
+              </a:ext>
+            </a:extLst>
+          </p:cNvPr>
+          <p:cNvSpPr txBox="1"/>
+          <p:nvPr/>
+        </p:nvSpPr>
+        <p:spPr>
+          <a:xfrm>
+            <a:off x="7976880" y="1607269"/>
+            <a:ext cx="1107996" cy="430887"/>
+          </a:xfrm>
+          <a:prstGeom prst="rect">
+            <a:avLst/>
+          </a:prstGeom>
+          <a:noFill/>
+        </p:spPr>
+        <p:txBody>
+          <a:bodyPr wrap="none" rtlCol="0">
+            <a:spAutoFit/>
+          </a:bodyPr>
+          <a:lstStyle/>
+          <a:p>
+            <a:r>
+              <a:rPr lang="pt-BR" sz="2200" b="1" dirty="0">
+                <a:latin typeface="Arial Narrow" charset="0"/>
+                <a:ea typeface="Arial Narrow" charset="0"/>
+                <a:cs typeface="Arial Narrow" charset="0"/>
+              </a:rPr>
+              <a:t>Buracos</a:t>
+            </a:r>
+          </a:p>
+        </p:txBody>
+      </p:sp>
+      <p:pic>
+        <p:nvPicPr>
+          <p:cNvPr id="28" name="Imagem 27">
+            <a:extLst>
+              <a:ext uri="{FF2B5EF4-FFF2-40B4-BE49-F238E27FC236}">
+                <a16:creationId xmlns:a16="http://schemas.microsoft.com/office/drawing/2014/main" id="{E60996EE-E501-4C8F-97E7-DC4D583019EC}"/>
+              </a:ext>
+            </a:extLst>
+          </p:cNvPr>
+          <p:cNvPicPr>
+            <a:picLocks/>
+          </p:cNvPicPr>
+          <p:nvPr/>
+        </p:nvPicPr>
+        <p:blipFill>
+          <a:blip r:embed="rId6">
+            <a:extLst>
+              <a:ext uri="{28A0092B-C50C-407E-A947-70E740481C1C}">
+                <a14:useLocalDpi xmlns:a14="http://schemas.microsoft.com/office/drawing/2010/main" val="0"/>
+              </a:ext>
+            </a:extLst>
+          </a:blip>
+          <a:stretch>
+            <a:fillRect/>
+          </a:stretch>
+        </p:blipFill>
+        <p:spPr>
+          <a:xfrm>
+            <a:off x="7976880" y="4358997"/>
+            <a:ext cx="3949200" cy="1389600"/>
+          </a:xfrm>
+          <a:prstGeom prst="rect">
+            <a:avLst/>
+          </a:prstGeom>
+        </p:spPr>
+      </p:pic>
+      <p:sp>
+        <p:nvSpPr>
+          <p:cNvPr id="29" name="CaixaDeTexto 28">
+            <a:extLst>
+              <a:ext uri="{FF2B5EF4-FFF2-40B4-BE49-F238E27FC236}">
+                <a16:creationId xmlns:a16="http://schemas.microsoft.com/office/drawing/2014/main" id="{A90A4745-70DC-430C-BF02-BF020FB51BF0}"/>
+              </a:ext>
+            </a:extLst>
+          </p:cNvPr>
+          <p:cNvSpPr txBox="1"/>
+          <p:nvPr/>
+        </p:nvSpPr>
+        <p:spPr>
+          <a:xfrm>
+            <a:off x="7976880" y="3809223"/>
+            <a:ext cx="1723549" cy="430887"/>
+          </a:xfrm>
+          <a:prstGeom prst="rect">
+            <a:avLst/>
+          </a:prstGeom>
+          <a:noFill/>
+        </p:spPr>
+        <p:txBody>
+          <a:bodyPr wrap="none" rtlCol="0">
+            <a:spAutoFit/>
+          </a:bodyPr>
+          <a:lstStyle/>
+          <a:p>
+            <a:r>
+              <a:rPr lang="pt-BR" sz="2200" b="1" dirty="0">
+                <a:latin typeface="Arial Narrow" charset="0"/>
+                <a:ea typeface="Arial Narrow" charset="0"/>
+                <a:cs typeface="Arial Narrow" charset="0"/>
+              </a:rPr>
+              <a:t>Quebra-Molas</a:t>
+            </a:r>
+          </a:p>
+        </p:txBody>
+      </p:sp>
+    </p:spTree>
+    <p:extLst>
+      <p:ext uri="{BB962C8B-B14F-4D97-AF65-F5344CB8AC3E}">
+        <p14:creationId xmlns:p14="http://schemas.microsoft.com/office/powerpoint/2010/main" val="3760968755"/>
+      </p:ext>
+    </p:extLst>
+  </p:cSld>
+  <p:clrMapOvr>
+    <a:masterClrMapping/>
+  </p:clrMapOvr>
+</p:sld>
+</file>
+
+<file path=ppt/slides/slide16.xml><?xml version="1.0" encoding="utf-8"?>
+<p:sld xmlns:a="http://schemas.openxmlformats.org/drawingml/2006/main" xmlns:r="http://schemas.openxmlformats.org/officeDocument/2006/relationships" xmlns:p="http://schemas.openxmlformats.org/presentationml/2006/main">
+  <p:cSld>
+    <p:spTree>
+      <p:nvGrpSpPr>
+        <p:cNvPr id="1" name=""/>
+        <p:cNvGrpSpPr/>
+        <p:nvPr/>
+      </p:nvGrpSpPr>
+      <p:grpSpPr>
+        <a:xfrm>
+          <a:off x="0" y="0"/>
+          <a:ext cx="0" cy="0"/>
+          <a:chOff x="0" y="0"/>
+          <a:chExt cx="0" cy="0"/>
+        </a:xfrm>
+      </p:grpSpPr>
+      <p:sp>
+        <p:nvSpPr>
+          <p:cNvPr id="2" name="CaixaDeTexto 1"/>
+          <p:cNvSpPr txBox="1"/>
+          <p:nvPr/>
+        </p:nvSpPr>
+        <p:spPr>
+          <a:xfrm>
+            <a:off x="1188720" y="219456"/>
+            <a:ext cx="3414589" cy="646331"/>
+          </a:xfrm>
+          <a:prstGeom prst="rect">
+            <a:avLst/>
+          </a:prstGeom>
+          <a:noFill/>
+        </p:spPr>
+        <p:txBody>
+          <a:bodyPr wrap="none" rtlCol="0">
+            <a:spAutoFit/>
+          </a:bodyPr>
+          <a:lstStyle/>
+          <a:p>
+            <a:r>
+              <a:rPr lang="pt-BR" sz="3600" b="1" dirty="0">
+                <a:latin typeface="Arial Narrow" charset="0"/>
+                <a:ea typeface="Arial Narrow" charset="0"/>
+                <a:cs typeface="Arial Narrow" charset="0"/>
+              </a:rPr>
+              <a:t>PROJETO LUNAR</a:t>
+            </a:r>
+          </a:p>
+        </p:txBody>
+      </p:sp>
+      <p:pic>
+        <p:nvPicPr>
+          <p:cNvPr id="4" name="Imagem 3">
+            <a:extLst>
+              <a:ext uri="{FF2B5EF4-FFF2-40B4-BE49-F238E27FC236}">
+                <a16:creationId xmlns:a16="http://schemas.microsoft.com/office/drawing/2014/main" id="{2430799C-8C4C-41F3-A73F-C2ADBE783964}"/>
+              </a:ext>
+            </a:extLst>
+          </p:cNvPr>
+          <p:cNvPicPr>
+            <a:picLocks noChangeAspect="1"/>
+          </p:cNvPicPr>
+          <p:nvPr/>
+        </p:nvPicPr>
+        <p:blipFill>
+          <a:blip r:embed="rId2">
+            <a:extLst>
+              <a:ext uri="{28A0092B-C50C-407E-A947-70E740481C1C}">
+                <a14:useLocalDpi xmlns:a14="http://schemas.microsoft.com/office/drawing/2010/main" val="0"/>
+              </a:ext>
+            </a:extLst>
+          </a:blip>
+          <a:stretch>
+            <a:fillRect/>
+          </a:stretch>
+        </p:blipFill>
+        <p:spPr>
+          <a:xfrm>
+            <a:off x="10488168" y="192024"/>
+            <a:ext cx="657143" cy="780952"/>
+          </a:xfrm>
+          <a:prstGeom prst="rect">
+            <a:avLst/>
+          </a:prstGeom>
+        </p:spPr>
+      </p:pic>
+      <p:sp>
+        <p:nvSpPr>
+          <p:cNvPr id="10" name="Rectangle 25">
+            <a:extLst>
+              <a:ext uri="{FF2B5EF4-FFF2-40B4-BE49-F238E27FC236}">
+                <a16:creationId xmlns:a16="http://schemas.microsoft.com/office/drawing/2014/main" id="{9CD1090A-B977-45A9-819B-D980E4BCE7A7}"/>
+              </a:ext>
+            </a:extLst>
+          </p:cNvPr>
+          <p:cNvSpPr/>
+          <p:nvPr/>
+        </p:nvSpPr>
+        <p:spPr>
+          <a:xfrm>
+            <a:off x="822960" y="0"/>
+            <a:ext cx="242269" cy="1028733"/>
+          </a:xfrm>
+          <a:prstGeom prst="rect">
+            <a:avLst/>
+          </a:prstGeom>
+          <a:solidFill>
+            <a:srgbClr val="F9423A"/>
+          </a:solidFill>
+          <a:ln>
+            <a:noFill/>
+          </a:ln>
+        </p:spPr>
+        <p:style>
+          <a:lnRef idx="2">
+            <a:schemeClr val="accent1">
+              <a:shade val="50000"/>
+            </a:schemeClr>
+          </a:lnRef>
+          <a:fillRef idx="1">
+            <a:schemeClr val="accent1"/>
+          </a:fillRef>
+          <a:effectRef idx="0">
+            <a:schemeClr val="accent1"/>
+          </a:effectRef>
+          <a:fontRef idx="minor">
+            <a:schemeClr val="lt1"/>
+          </a:fontRef>
+        </p:style>
+        <p:txBody>
+          <a:bodyPr rtlCol="0" anchor="ctr"/>
+          <a:lstStyle/>
+          <a:p>
+            <a:pPr algn="ctr"/>
+            <a:endParaRPr lang="en-US" sz="2400"/>
+          </a:p>
+        </p:txBody>
+      </p:sp>
+      <p:sp>
+        <p:nvSpPr>
+          <p:cNvPr id="11" name="Retângulo 10">
+            <a:extLst>
+              <a:ext uri="{FF2B5EF4-FFF2-40B4-BE49-F238E27FC236}">
+                <a16:creationId xmlns:a16="http://schemas.microsoft.com/office/drawing/2014/main" id="{0292B074-CF6C-4186-A0D0-583E2F224EAB}"/>
+              </a:ext>
+            </a:extLst>
+          </p:cNvPr>
+          <p:cNvSpPr/>
+          <p:nvPr/>
+        </p:nvSpPr>
+        <p:spPr>
+          <a:xfrm>
+            <a:off x="0" y="0"/>
+            <a:ext cx="801283" cy="1028733"/>
+          </a:xfrm>
+          <a:prstGeom prst="rect">
+            <a:avLst/>
+          </a:prstGeom>
+          <a:solidFill>
+            <a:schemeClr val="tx1">
+              <a:lumMod val="75000"/>
+              <a:lumOff val="25000"/>
+            </a:schemeClr>
+          </a:solidFill>
+          <a:ln>
+            <a:noFill/>
+          </a:ln>
+        </p:spPr>
+        <p:style>
+          <a:lnRef idx="2">
+            <a:schemeClr val="accent1">
+              <a:shade val="50000"/>
+            </a:schemeClr>
+          </a:lnRef>
+          <a:fillRef idx="1">
+            <a:schemeClr val="accent1"/>
+          </a:fillRef>
+          <a:effectRef idx="0">
+            <a:schemeClr val="accent1"/>
+          </a:effectRef>
+          <a:fontRef idx="minor">
+            <a:schemeClr val="lt1"/>
+          </a:fontRef>
+        </p:style>
+        <p:txBody>
+          <a:bodyPr rtlCol="0" anchor="ctr"/>
+          <a:lstStyle/>
+          <a:p>
+            <a:pPr algn="ctr"/>
+            <a:endParaRPr lang="en-US" sz="2400"/>
+          </a:p>
+        </p:txBody>
+      </p:sp>
+      <p:pic>
+        <p:nvPicPr>
+          <p:cNvPr id="9" name="Imagem 8">
+            <a:extLst>
+              <a:ext uri="{FF2B5EF4-FFF2-40B4-BE49-F238E27FC236}">
+                <a16:creationId xmlns:a16="http://schemas.microsoft.com/office/drawing/2014/main" id="{2F69AAB5-E7AA-41D6-83EB-9C06711B2B46}"/>
+              </a:ext>
+            </a:extLst>
+          </p:cNvPr>
+          <p:cNvPicPr>
+            <a:picLocks noChangeAspect="1"/>
+          </p:cNvPicPr>
+          <p:nvPr/>
+        </p:nvPicPr>
+        <p:blipFill>
+          <a:blip r:embed="rId3">
+            <a:extLst>
+              <a:ext uri="{28A0092B-C50C-407E-A947-70E740481C1C}">
+                <a14:useLocalDpi xmlns:a14="http://schemas.microsoft.com/office/drawing/2010/main" val="0"/>
+              </a:ext>
+            </a:extLst>
+          </a:blip>
+          <a:stretch>
+            <a:fillRect/>
+          </a:stretch>
+        </p:blipFill>
+        <p:spPr>
+          <a:xfrm>
+            <a:off x="9379507" y="181752"/>
+            <a:ext cx="949469" cy="791224"/>
+          </a:xfrm>
+          <a:prstGeom prst="rect">
+            <a:avLst/>
+          </a:prstGeom>
+        </p:spPr>
+      </p:pic>
+      <p:sp>
+        <p:nvSpPr>
+          <p:cNvPr id="8" name="CaixaDeTexto 7">
+            <a:extLst>
+              <a:ext uri="{FF2B5EF4-FFF2-40B4-BE49-F238E27FC236}">
+                <a16:creationId xmlns:a16="http://schemas.microsoft.com/office/drawing/2014/main" id="{C9421C42-9616-4B7A-966A-215BA0D5F0C0}"/>
+              </a:ext>
+            </a:extLst>
+          </p:cNvPr>
+          <p:cNvSpPr txBox="1"/>
+          <p:nvPr/>
+        </p:nvSpPr>
+        <p:spPr>
+          <a:xfrm>
+            <a:off x="1161895" y="1274373"/>
+            <a:ext cx="4227917" cy="4893647"/>
+          </a:xfrm>
+          <a:prstGeom prst="rect">
+            <a:avLst/>
+          </a:prstGeom>
+          <a:noFill/>
+        </p:spPr>
+        <p:txBody>
+          <a:bodyPr wrap="square" rtlCol="0">
+            <a:spAutoFit/>
+          </a:bodyPr>
+          <a:lstStyle/>
+          <a:p>
+            <a:pPr marL="457200" indent="-457200">
+              <a:buFont typeface="Arial" panose="020B0604020202020204" pitchFamily="34" charset="0"/>
+              <a:buChar char="•"/>
+            </a:pPr>
+            <a:r>
+              <a:rPr lang="pt-BR" sz="2600" dirty="0">
+                <a:solidFill>
+                  <a:schemeClr val="bg1">
+                    <a:lumMod val="75000"/>
+                  </a:schemeClr>
+                </a:solidFill>
+                <a:latin typeface="Arial Narrow" panose="020B0606020202030204" pitchFamily="34" charset="0"/>
+              </a:rPr>
+              <a:t>Método de captura</a:t>
+            </a:r>
+          </a:p>
+          <a:p>
+            <a:pPr marL="457200" indent="-457200">
+              <a:buFont typeface="Arial" panose="020B0604020202020204" pitchFamily="34" charset="0"/>
+              <a:buChar char="•"/>
+            </a:pPr>
+            <a:endParaRPr lang="pt-BR" sz="2600" dirty="0">
+              <a:latin typeface="Arial Narrow" panose="020B0606020202030204" pitchFamily="34" charset="0"/>
+            </a:endParaRPr>
+          </a:p>
+          <a:p>
+            <a:pPr marL="457200" indent="-457200">
+              <a:buFont typeface="Arial" panose="020B0604020202020204" pitchFamily="34" charset="0"/>
+              <a:buChar char="•"/>
+            </a:pPr>
+            <a:r>
+              <a:rPr lang="pt-BR" sz="2600" b="1" dirty="0">
+                <a:latin typeface="Arial Narrow" panose="020B0606020202030204" pitchFamily="34" charset="0"/>
+              </a:rPr>
+              <a:t>Análise Diagnóstica</a:t>
+            </a:r>
+          </a:p>
+          <a:p>
+            <a:pPr marL="457200" indent="-457200">
+              <a:buFont typeface="Arial" panose="020B0604020202020204" pitchFamily="34" charset="0"/>
+              <a:buChar char="•"/>
+            </a:pPr>
+            <a:endParaRPr lang="pt-BR" sz="2600" dirty="0">
+              <a:latin typeface="Arial Narrow" panose="020B0606020202030204" pitchFamily="34" charset="0"/>
+            </a:endParaRPr>
+          </a:p>
+          <a:p>
+            <a:pPr marL="457200" indent="-457200">
+              <a:buFont typeface="Arial" panose="020B0604020202020204" pitchFamily="34" charset="0"/>
+              <a:buChar char="•"/>
+            </a:pPr>
+            <a:r>
+              <a:rPr lang="pt-BR" sz="2600" dirty="0">
+                <a:solidFill>
+                  <a:schemeClr val="bg1">
+                    <a:lumMod val="75000"/>
+                  </a:schemeClr>
+                </a:solidFill>
+                <a:latin typeface="Arial Narrow" panose="020B0606020202030204" pitchFamily="34" charset="0"/>
+              </a:rPr>
+              <a:t>Estrutura do projeto</a:t>
+            </a:r>
+          </a:p>
+          <a:p>
+            <a:pPr marL="457200" indent="-457200">
+              <a:buFont typeface="Arial" panose="020B0604020202020204" pitchFamily="34" charset="0"/>
+              <a:buChar char="•"/>
+            </a:pPr>
+            <a:endParaRPr lang="pt-BR" sz="2600" dirty="0">
+              <a:latin typeface="Arial Narrow" panose="020B0606020202030204" pitchFamily="34" charset="0"/>
+            </a:endParaRPr>
+          </a:p>
+          <a:p>
+            <a:pPr marL="457200" indent="-457200">
+              <a:buFont typeface="Arial" panose="020B0604020202020204" pitchFamily="34" charset="0"/>
+              <a:buChar char="•"/>
+            </a:pPr>
+            <a:r>
+              <a:rPr lang="pt-BR" sz="2600" dirty="0">
+                <a:solidFill>
+                  <a:schemeClr val="bg1">
+                    <a:lumMod val="75000"/>
+                  </a:schemeClr>
+                </a:solidFill>
+                <a:latin typeface="Arial Narrow" panose="020B0606020202030204" pitchFamily="34" charset="0"/>
+              </a:rPr>
+              <a:t>Processamento dos dados</a:t>
+            </a:r>
+          </a:p>
+          <a:p>
+            <a:pPr marL="457200" indent="-457200">
+              <a:buFont typeface="Arial" panose="020B0604020202020204" pitchFamily="34" charset="0"/>
+              <a:buChar char="•"/>
+            </a:pPr>
+            <a:endParaRPr lang="pt-BR" sz="2600" dirty="0">
+              <a:solidFill>
+                <a:schemeClr val="bg1">
+                  <a:lumMod val="75000"/>
+                </a:schemeClr>
+              </a:solidFill>
+              <a:latin typeface="Arial Narrow" panose="020B0606020202030204" pitchFamily="34" charset="0"/>
+            </a:endParaRPr>
+          </a:p>
+          <a:p>
+            <a:pPr marL="457200" indent="-457200">
+              <a:buFont typeface="Arial" panose="020B0604020202020204" pitchFamily="34" charset="0"/>
+              <a:buChar char="•"/>
+            </a:pPr>
+            <a:r>
+              <a:rPr lang="pt-BR" sz="2600" dirty="0">
+                <a:solidFill>
+                  <a:schemeClr val="bg1">
+                    <a:lumMod val="75000"/>
+                  </a:schemeClr>
+                </a:solidFill>
+                <a:latin typeface="Arial Narrow" panose="020B0606020202030204" pitchFamily="34" charset="0"/>
+              </a:rPr>
+              <a:t>Resultado do algoritmo</a:t>
+            </a:r>
+          </a:p>
+          <a:p>
+            <a:pPr marL="457200" indent="-457200">
+              <a:buFont typeface="Arial" panose="020B0604020202020204" pitchFamily="34" charset="0"/>
+              <a:buChar char="•"/>
+            </a:pPr>
+            <a:endParaRPr lang="pt-BR" sz="2600" dirty="0">
+              <a:solidFill>
+                <a:schemeClr val="bg1">
+                  <a:lumMod val="75000"/>
+                </a:schemeClr>
+              </a:solidFill>
+              <a:latin typeface="Arial Narrow" panose="020B0606020202030204" pitchFamily="34" charset="0"/>
+            </a:endParaRPr>
+          </a:p>
+          <a:p>
+            <a:pPr marL="457200" indent="-457200">
+              <a:buFont typeface="Arial" panose="020B0604020202020204" pitchFamily="34" charset="0"/>
+              <a:buChar char="•"/>
+            </a:pPr>
+            <a:r>
+              <a:rPr lang="pt-BR" sz="2600" dirty="0">
+                <a:solidFill>
+                  <a:schemeClr val="bg1">
+                    <a:lumMod val="75000"/>
+                  </a:schemeClr>
+                </a:solidFill>
+                <a:latin typeface="Arial Narrow" panose="020B0606020202030204" pitchFamily="34" charset="0"/>
+              </a:rPr>
+              <a:t>Disponibilização dos dados</a:t>
+            </a:r>
+          </a:p>
+          <a:p>
+            <a:pPr marL="457200" indent="-457200">
+              <a:buFont typeface="Arial" panose="020B0604020202020204" pitchFamily="34" charset="0"/>
+              <a:buChar char="•"/>
+            </a:pPr>
+            <a:endParaRPr lang="pt-BR" sz="2600" dirty="0">
+              <a:latin typeface="Arial Narrow" panose="020B0606020202030204" pitchFamily="34" charset="0"/>
+            </a:endParaRPr>
+          </a:p>
+        </p:txBody>
+      </p:sp>
+    </p:spTree>
+    <p:extLst>
+      <p:ext uri="{BB962C8B-B14F-4D97-AF65-F5344CB8AC3E}">
+        <p14:creationId xmlns:p14="http://schemas.microsoft.com/office/powerpoint/2010/main" val="1714475313"/>
+      </p:ext>
+    </p:extLst>
+  </p:cSld>
+  <p:clrMapOvr>
+    <a:masterClrMapping/>
+  </p:clrMapOvr>
+</p:sld>
+</file>
+
+<file path=ppt/slides/slide17.xml><?xml version="1.0" encoding="utf-8"?>
+<p:sld xmlns:a="http://schemas.openxmlformats.org/drawingml/2006/main" xmlns:r="http://schemas.openxmlformats.org/officeDocument/2006/relationships" xmlns:p="http://schemas.openxmlformats.org/presentationml/2006/main">
+  <p:cSld>
+    <p:spTree>
+      <p:nvGrpSpPr>
+        <p:cNvPr id="1" name=""/>
+        <p:cNvGrpSpPr/>
+        <p:nvPr/>
+      </p:nvGrpSpPr>
+      <p:grpSpPr>
+        <a:xfrm>
+          <a:off x="0" y="0"/>
+          <a:ext cx="0" cy="0"/>
+          <a:chOff x="0" y="0"/>
+          <a:chExt cx="0" cy="0"/>
+        </a:xfrm>
+      </p:grpSpPr>
+      <p:sp>
+        <p:nvSpPr>
+          <p:cNvPr id="2" name="CaixaDeTexto 1"/>
+          <p:cNvSpPr txBox="1"/>
+          <p:nvPr/>
+        </p:nvSpPr>
+        <p:spPr>
+          <a:xfrm>
+            <a:off x="1188720" y="219456"/>
+            <a:ext cx="3414589" cy="646331"/>
+          </a:xfrm>
+          <a:prstGeom prst="rect">
+            <a:avLst/>
+          </a:prstGeom>
+          <a:noFill/>
+        </p:spPr>
+        <p:txBody>
+          <a:bodyPr wrap="none" rtlCol="0">
+            <a:spAutoFit/>
+          </a:bodyPr>
+          <a:lstStyle/>
+          <a:p>
+            <a:r>
+              <a:rPr lang="pt-BR" sz="3600" b="1" dirty="0">
+                <a:latin typeface="Arial Narrow" charset="0"/>
+                <a:ea typeface="Arial Narrow" charset="0"/>
+                <a:cs typeface="Arial Narrow" charset="0"/>
+              </a:rPr>
+              <a:t>PROJETO LUNAR</a:t>
+            </a:r>
+          </a:p>
+        </p:txBody>
+      </p:sp>
+      <p:pic>
+        <p:nvPicPr>
+          <p:cNvPr id="4" name="Imagem 3">
+            <a:extLst>
+              <a:ext uri="{FF2B5EF4-FFF2-40B4-BE49-F238E27FC236}">
+                <a16:creationId xmlns:a16="http://schemas.microsoft.com/office/drawing/2014/main" id="{2430799C-8C4C-41F3-A73F-C2ADBE783964}"/>
+              </a:ext>
+            </a:extLst>
+          </p:cNvPr>
+          <p:cNvPicPr>
+            <a:picLocks noChangeAspect="1"/>
+          </p:cNvPicPr>
+          <p:nvPr/>
+        </p:nvPicPr>
+        <p:blipFill>
+          <a:blip r:embed="rId2">
+            <a:extLst>
+              <a:ext uri="{28A0092B-C50C-407E-A947-70E740481C1C}">
+                <a14:useLocalDpi xmlns:a14="http://schemas.microsoft.com/office/drawing/2010/main" val="0"/>
+              </a:ext>
+            </a:extLst>
+          </a:blip>
+          <a:stretch>
+            <a:fillRect/>
+          </a:stretch>
+        </p:blipFill>
+        <p:spPr>
+          <a:xfrm>
+            <a:off x="10488168" y="192024"/>
+            <a:ext cx="657143" cy="780952"/>
+          </a:xfrm>
+          <a:prstGeom prst="rect">
+            <a:avLst/>
+          </a:prstGeom>
+        </p:spPr>
+      </p:pic>
+      <p:pic>
+        <p:nvPicPr>
+          <p:cNvPr id="5" name="Imagem 4">
+            <a:extLst>
+              <a:ext uri="{FF2B5EF4-FFF2-40B4-BE49-F238E27FC236}">
+                <a16:creationId xmlns:a16="http://schemas.microsoft.com/office/drawing/2014/main" id="{84985305-4C1B-4DFB-A3D9-078736BD3FF4}"/>
+              </a:ext>
+            </a:extLst>
+          </p:cNvPr>
+          <p:cNvPicPr>
+            <a:picLocks/>
+          </p:cNvPicPr>
+          <p:nvPr/>
+        </p:nvPicPr>
+        <p:blipFill>
+          <a:blip r:embed="rId3">
+            <a:extLst>
+              <a:ext uri="{28A0092B-C50C-407E-A947-70E740481C1C}">
+                <a14:useLocalDpi xmlns:a14="http://schemas.microsoft.com/office/drawing/2010/main" val="0"/>
+              </a:ext>
+            </a:extLst>
+          </a:blip>
+          <a:stretch>
+            <a:fillRect/>
+          </a:stretch>
+        </p:blipFill>
+        <p:spPr>
+          <a:xfrm>
+            <a:off x="915874" y="1777727"/>
+            <a:ext cx="10622534" cy="4389120"/>
+          </a:xfrm>
+          <a:prstGeom prst="rect">
+            <a:avLst/>
+          </a:prstGeom>
+        </p:spPr>
+      </p:pic>
+      <p:sp>
+        <p:nvSpPr>
+          <p:cNvPr id="16" name="Rectangle 25">
+            <a:extLst>
+              <a:ext uri="{FF2B5EF4-FFF2-40B4-BE49-F238E27FC236}">
+                <a16:creationId xmlns:a16="http://schemas.microsoft.com/office/drawing/2014/main" id="{05234529-1A7D-40D7-8029-F36D9D5F6652}"/>
+              </a:ext>
+            </a:extLst>
+          </p:cNvPr>
+          <p:cNvSpPr/>
+          <p:nvPr/>
+        </p:nvSpPr>
+        <p:spPr>
+          <a:xfrm>
+            <a:off x="822960" y="0"/>
+            <a:ext cx="242269" cy="1028733"/>
+          </a:xfrm>
+          <a:prstGeom prst="rect">
+            <a:avLst/>
+          </a:prstGeom>
+          <a:solidFill>
+            <a:srgbClr val="F9423A"/>
+          </a:solidFill>
+          <a:ln>
+            <a:noFill/>
+          </a:ln>
+        </p:spPr>
+        <p:style>
+          <a:lnRef idx="2">
+            <a:schemeClr val="accent1">
+              <a:shade val="50000"/>
+            </a:schemeClr>
+          </a:lnRef>
+          <a:fillRef idx="1">
+            <a:schemeClr val="accent1"/>
+          </a:fillRef>
+          <a:effectRef idx="0">
+            <a:schemeClr val="accent1"/>
+          </a:effectRef>
+          <a:fontRef idx="minor">
+            <a:schemeClr val="lt1"/>
+          </a:fontRef>
+        </p:style>
+        <p:txBody>
+          <a:bodyPr rtlCol="0" anchor="ctr"/>
+          <a:lstStyle/>
+          <a:p>
+            <a:pPr algn="ctr"/>
+            <a:endParaRPr lang="en-US" sz="2400"/>
+          </a:p>
+        </p:txBody>
+      </p:sp>
+      <p:sp>
+        <p:nvSpPr>
+          <p:cNvPr id="17" name="Retângulo 16">
+            <a:extLst>
+              <a:ext uri="{FF2B5EF4-FFF2-40B4-BE49-F238E27FC236}">
+                <a16:creationId xmlns:a16="http://schemas.microsoft.com/office/drawing/2014/main" id="{89730974-21F5-4D6B-AE68-4B5027ACF22B}"/>
+              </a:ext>
+            </a:extLst>
+          </p:cNvPr>
+          <p:cNvSpPr/>
+          <p:nvPr/>
+        </p:nvSpPr>
+        <p:spPr>
+          <a:xfrm>
+            <a:off x="0" y="0"/>
+            <a:ext cx="801283" cy="1028733"/>
+          </a:xfrm>
+          <a:prstGeom prst="rect">
+            <a:avLst/>
+          </a:prstGeom>
+          <a:solidFill>
+            <a:schemeClr val="tx1">
+              <a:lumMod val="75000"/>
+              <a:lumOff val="25000"/>
+            </a:schemeClr>
+          </a:solidFill>
+          <a:ln>
+            <a:noFill/>
+          </a:ln>
+        </p:spPr>
+        <p:style>
+          <a:lnRef idx="2">
+            <a:schemeClr val="accent1">
+              <a:shade val="50000"/>
+            </a:schemeClr>
+          </a:lnRef>
+          <a:fillRef idx="1">
+            <a:schemeClr val="accent1"/>
+          </a:fillRef>
+          <a:effectRef idx="0">
+            <a:schemeClr val="accent1"/>
+          </a:effectRef>
+          <a:fontRef idx="minor">
+            <a:schemeClr val="lt1"/>
+          </a:fontRef>
+        </p:style>
+        <p:txBody>
+          <a:bodyPr rtlCol="0" anchor="ctr"/>
+          <a:lstStyle/>
+          <a:p>
+            <a:pPr algn="ctr"/>
+            <a:endParaRPr lang="en-US" sz="2400"/>
+          </a:p>
+        </p:txBody>
+      </p:sp>
+      <p:pic>
+        <p:nvPicPr>
+          <p:cNvPr id="8" name="Imagem 7">
+            <a:extLst>
+              <a:ext uri="{FF2B5EF4-FFF2-40B4-BE49-F238E27FC236}">
+                <a16:creationId xmlns:a16="http://schemas.microsoft.com/office/drawing/2014/main" id="{490FD425-60EF-4D87-BE22-0FD8ED456D64}"/>
+              </a:ext>
+            </a:extLst>
+          </p:cNvPr>
+          <p:cNvPicPr>
+            <a:picLocks noChangeAspect="1"/>
+          </p:cNvPicPr>
+          <p:nvPr/>
+        </p:nvPicPr>
+        <p:blipFill>
+          <a:blip r:embed="rId4">
+            <a:extLst>
+              <a:ext uri="{28A0092B-C50C-407E-A947-70E740481C1C}">
+                <a14:useLocalDpi xmlns:a14="http://schemas.microsoft.com/office/drawing/2010/main" val="0"/>
+              </a:ext>
+            </a:extLst>
+          </a:blip>
+          <a:stretch>
+            <a:fillRect/>
+          </a:stretch>
+        </p:blipFill>
+        <p:spPr>
+          <a:xfrm>
+            <a:off x="1426551" y="1281669"/>
+            <a:ext cx="161948" cy="381053"/>
+          </a:xfrm>
+          <a:prstGeom prst="rect">
+            <a:avLst/>
+          </a:prstGeom>
+        </p:spPr>
+      </p:pic>
+      <p:sp>
+        <p:nvSpPr>
+          <p:cNvPr id="9" name="CaixaDeTexto 8">
+            <a:extLst>
+              <a:ext uri="{FF2B5EF4-FFF2-40B4-BE49-F238E27FC236}">
+                <a16:creationId xmlns:a16="http://schemas.microsoft.com/office/drawing/2014/main" id="{E22AAD0F-DA46-4849-A99F-6E117055AA62}"/>
+              </a:ext>
+            </a:extLst>
+          </p:cNvPr>
+          <p:cNvSpPr txBox="1"/>
+          <p:nvPr/>
+        </p:nvSpPr>
+        <p:spPr>
+          <a:xfrm>
+            <a:off x="1588499" y="1166662"/>
+            <a:ext cx="1458097" cy="611065"/>
+          </a:xfrm>
+          <a:prstGeom prst="rect">
+            <a:avLst/>
+          </a:prstGeom>
+          <a:noFill/>
+        </p:spPr>
+        <p:txBody>
+          <a:bodyPr wrap="square" rtlCol="0">
+            <a:spAutoFit/>
+          </a:bodyPr>
+          <a:lstStyle/>
+          <a:p>
+            <a:pPr>
+              <a:lnSpc>
+                <a:spcPct val="150000"/>
+              </a:lnSpc>
+            </a:pPr>
+            <a:r>
+              <a:rPr lang="pt-BR" sz="1200" b="1" dirty="0">
+                <a:latin typeface="Arial Narrow" panose="020B0606020202030204" pitchFamily="34" charset="0"/>
+              </a:rPr>
+              <a:t>Quebra-Mola</a:t>
+            </a:r>
+          </a:p>
+          <a:p>
+            <a:pPr>
+              <a:lnSpc>
+                <a:spcPct val="150000"/>
+              </a:lnSpc>
+            </a:pPr>
+            <a:r>
+              <a:rPr lang="pt-BR" sz="1200" b="1" dirty="0">
+                <a:latin typeface="Arial Narrow" panose="020B0606020202030204" pitchFamily="34" charset="0"/>
+              </a:rPr>
+              <a:t>Buraco</a:t>
+            </a:r>
+            <a:endParaRPr lang="en-US" sz="1200" b="1" dirty="0">
+              <a:latin typeface="Arial Narrow" panose="020B0606020202030204" pitchFamily="34" charset="0"/>
+            </a:endParaRPr>
+          </a:p>
+        </p:txBody>
+      </p:sp>
+      <p:sp>
+        <p:nvSpPr>
+          <p:cNvPr id="10" name="Retângulo 9">
+            <a:extLst>
+              <a:ext uri="{FF2B5EF4-FFF2-40B4-BE49-F238E27FC236}">
+                <a16:creationId xmlns:a16="http://schemas.microsoft.com/office/drawing/2014/main" id="{43F35882-B4AD-40AC-B628-3ED12C667CBF}"/>
+              </a:ext>
+            </a:extLst>
+          </p:cNvPr>
+          <p:cNvSpPr/>
+          <p:nvPr/>
+        </p:nvSpPr>
+        <p:spPr>
+          <a:xfrm>
+            <a:off x="1351006" y="1166662"/>
+            <a:ext cx="1186249" cy="673385"/>
+          </a:xfrm>
+          <a:prstGeom prst="rect">
+            <a:avLst/>
+          </a:prstGeom>
+          <a:noFill/>
+          <a:ln>
+            <a:solidFill>
+              <a:schemeClr val="tx2">
+                <a:lumMod val="75000"/>
+              </a:schemeClr>
+            </a:solidFill>
+          </a:ln>
+        </p:spPr>
+        <p:style>
+          <a:lnRef idx="2">
+            <a:schemeClr val="accent1">
+              <a:shade val="50000"/>
+            </a:schemeClr>
+          </a:lnRef>
+          <a:fillRef idx="1">
+            <a:schemeClr val="accent1"/>
+          </a:fillRef>
+          <a:effectRef idx="0">
+            <a:schemeClr val="accent1"/>
+          </a:effectRef>
+          <a:fontRef idx="minor">
+            <a:schemeClr val="lt1"/>
+          </a:fontRef>
+        </p:style>
+        <p:txBody>
+          <a:bodyPr rtlCol="0" anchor="ctr"/>
+          <a:lstStyle/>
+          <a:p>
+            <a:pPr algn="ctr"/>
+            <a:endParaRPr lang="en-US" sz="2400"/>
+          </a:p>
+        </p:txBody>
+      </p:sp>
+      <p:pic>
+        <p:nvPicPr>
+          <p:cNvPr id="11" name="Imagem 10">
+            <a:extLst>
+              <a:ext uri="{FF2B5EF4-FFF2-40B4-BE49-F238E27FC236}">
+                <a16:creationId xmlns:a16="http://schemas.microsoft.com/office/drawing/2014/main" id="{6CD73CFC-7178-4083-AD29-BDA0EDE579AA}"/>
+              </a:ext>
+            </a:extLst>
+          </p:cNvPr>
+          <p:cNvPicPr>
+            <a:picLocks noChangeAspect="1"/>
+          </p:cNvPicPr>
+          <p:nvPr/>
+        </p:nvPicPr>
+        <p:blipFill>
+          <a:blip r:embed="rId5">
+            <a:extLst>
+              <a:ext uri="{28A0092B-C50C-407E-A947-70E740481C1C}">
+                <a14:useLocalDpi xmlns:a14="http://schemas.microsoft.com/office/drawing/2010/main" val="0"/>
+              </a:ext>
+            </a:extLst>
+          </a:blip>
+          <a:stretch>
+            <a:fillRect/>
+          </a:stretch>
+        </p:blipFill>
+        <p:spPr>
+          <a:xfrm>
+            <a:off x="9379507" y="181752"/>
+            <a:ext cx="949469" cy="791224"/>
+          </a:xfrm>
+          <a:prstGeom prst="rect">
+            <a:avLst/>
+          </a:prstGeom>
+        </p:spPr>
+      </p:pic>
+    </p:spTree>
+    <p:extLst>
+      <p:ext uri="{BB962C8B-B14F-4D97-AF65-F5344CB8AC3E}">
+        <p14:creationId xmlns:p14="http://schemas.microsoft.com/office/powerpoint/2010/main" val="3853053218"/>
       </p:ext>
     </p:extLst>
   </p:cSld>
@@ -7038,7 +7315,7 @@
         <p:spPr>
           <a:xfrm>
             <a:off x="1188720" y="219456"/>
-            <a:ext cx="6246646" cy="646331"/>
+            <a:ext cx="3414589" cy="646331"/>
           </a:xfrm>
           <a:prstGeom prst="rect">
             <a:avLst/>
@@ -7057,7 +7334,7 @@
                 <a:ea typeface="Arial Narrow" charset="0"/>
                 <a:cs typeface="Arial Narrow" charset="0"/>
               </a:rPr>
-              <a:t>PROJETO LUNAR (Fase de Teste)</a:t>
+              <a:t>PROJETO LUNAR</a:t>
             </a:r>
           </a:p>
         </p:txBody>
@@ -7098,12 +7375,48 @@
           </a:prstGeom>
         </p:spPr>
       </p:pic>
+      <p:pic>
+        <p:nvPicPr>
+          <p:cNvPr id="6" name="Imagem 5">
+            <a:extLst>
+              <a:ext uri="{FF2B5EF4-FFF2-40B4-BE49-F238E27FC236}">
+                <a16:creationId xmlns:a16="http://schemas.microsoft.com/office/drawing/2014/main" id="{A2B8EC8A-B86B-4A05-81A6-0AFDE39D6588}"/>
+              </a:ext>
+            </a:extLst>
+          </p:cNvPr>
+          <p:cNvPicPr>
+            <a:picLocks/>
+          </p:cNvPicPr>
+          <p:nvPr/>
+        </p:nvPicPr>
+        <p:blipFill>
+          <a:blip r:embed="rId3">
+            <a:extLst>
+              <a:ext uri="{28A0092B-C50C-407E-A947-70E740481C1C}">
+                <a14:useLocalDpi xmlns:a14="http://schemas.microsoft.com/office/drawing/2010/main" val="0"/>
+              </a:ext>
+            </a:extLst>
+          </a:blip>
+          <a:stretch>
+            <a:fillRect/>
+          </a:stretch>
+        </p:blipFill>
+        <p:spPr>
+          <a:xfrm>
+            <a:off x="932691" y="1837400"/>
+            <a:ext cx="10213848" cy="4251960"/>
+          </a:xfrm>
+          <a:prstGeom prst="rect">
+            <a:avLst/>
+          </a:prstGeom>
+        </p:spPr>
+      </p:pic>
       <p:sp>
         <p:nvSpPr>
-          <p:cNvPr id="10" name="Rectangle 25">
-            <a:extLst>
-              <a:ext uri="{FF2B5EF4-FFF2-40B4-BE49-F238E27FC236}">
-                <a16:creationId xmlns:a16="http://schemas.microsoft.com/office/drawing/2014/main" id="{9CD1090A-B977-45A9-819B-D980E4BCE7A7}"/>
+          <p:cNvPr id="8" name="Rectangle 25">
+            <a:extLst>
+              <a:ext uri="{FF2B5EF4-FFF2-40B4-BE49-F238E27FC236}">
+                <a16:creationId xmlns:a16="http://schemas.microsoft.com/office/drawing/2014/main" id="{C410C43D-55D8-441D-947E-F76C2F69A9F6}"/>
               </a:ext>
             </a:extLst>
           </p:cNvPr>
@@ -7152,10 +7465,10 @@
       </p:sp>
       <p:sp>
         <p:nvSpPr>
-          <p:cNvPr id="11" name="Retângulo 10">
-            <a:extLst>
-              <a:ext uri="{FF2B5EF4-FFF2-40B4-BE49-F238E27FC236}">
-                <a16:creationId xmlns:a16="http://schemas.microsoft.com/office/drawing/2014/main" id="{0292B074-CF6C-4186-A0D0-583E2F224EAB}"/>
+          <p:cNvPr id="9" name="Retângulo 8">
+            <a:extLst>
+              <a:ext uri="{FF2B5EF4-FFF2-40B4-BE49-F238E27FC236}">
+                <a16:creationId xmlns:a16="http://schemas.microsoft.com/office/drawing/2014/main" id="{37608E85-EA9F-472B-8083-E9681A9E0B69}"/>
               </a:ext>
             </a:extLst>
           </p:cNvPr>
@@ -7207,46 +7520,10 @@
       </p:sp>
       <p:pic>
         <p:nvPicPr>
-          <p:cNvPr id="9" name="Imagem 8">
-            <a:extLst>
-              <a:ext uri="{FF2B5EF4-FFF2-40B4-BE49-F238E27FC236}">
-                <a16:creationId xmlns:a16="http://schemas.microsoft.com/office/drawing/2014/main" id="{2F69AAB5-E7AA-41D6-83EB-9C06711B2B46}"/>
-              </a:ext>
-            </a:extLst>
-          </p:cNvPr>
-          <p:cNvPicPr>
-            <a:picLocks noChangeAspect="1"/>
-          </p:cNvPicPr>
-          <p:nvPr/>
-        </p:nvPicPr>
-        <p:blipFill>
-          <a:blip r:embed="rId3">
-            <a:extLst>
-              <a:ext uri="{28A0092B-C50C-407E-A947-70E740481C1C}">
-                <a14:useLocalDpi xmlns:a14="http://schemas.microsoft.com/office/drawing/2010/main" val="0"/>
-              </a:ext>
-            </a:extLst>
-          </a:blip>
-          <a:stretch>
-            <a:fillRect/>
-          </a:stretch>
-        </p:blipFill>
-        <p:spPr>
-          <a:xfrm>
-            <a:off x="9379507" y="181752"/>
-            <a:ext cx="949469" cy="791224"/>
-          </a:xfrm>
-          <a:prstGeom prst="rect">
-            <a:avLst/>
-          </a:prstGeom>
-        </p:spPr>
-      </p:pic>
-      <p:pic>
-        <p:nvPicPr>
-          <p:cNvPr id="6" name="Imagem 5">
-            <a:extLst>
-              <a:ext uri="{FF2B5EF4-FFF2-40B4-BE49-F238E27FC236}">
-                <a16:creationId xmlns:a16="http://schemas.microsoft.com/office/drawing/2014/main" id="{7AFADA3E-34AA-4FC6-84D4-C21EC1E3DA13}"/>
+          <p:cNvPr id="7" name="Imagem 6">
+            <a:extLst>
+              <a:ext uri="{FF2B5EF4-FFF2-40B4-BE49-F238E27FC236}">
+                <a16:creationId xmlns:a16="http://schemas.microsoft.com/office/drawing/2014/main" id="{E2958AFC-C730-42F2-B317-B5512344402E}"/>
               </a:ext>
             </a:extLst>
           </p:cNvPr>
@@ -7269,8 +7546,8 @@
         </p:blipFill>
         <p:spPr>
           <a:xfrm>
-            <a:off x="411488" y="1512120"/>
-            <a:ext cx="7112542" cy="5126424"/>
+            <a:off x="1426551" y="1281669"/>
+            <a:ext cx="161948" cy="381053"/>
           </a:xfrm>
           <a:prstGeom prst="rect">
             <a:avLst/>
@@ -7279,10 +7556,10 @@
       </p:pic>
       <p:sp>
         <p:nvSpPr>
-          <p:cNvPr id="12" name="CaixaDeTexto 11">
-            <a:extLst>
-              <a:ext uri="{FF2B5EF4-FFF2-40B4-BE49-F238E27FC236}">
-                <a16:creationId xmlns:a16="http://schemas.microsoft.com/office/drawing/2014/main" id="{90000C2D-8384-46C7-9F02-9C745AFC240C}"/>
+          <p:cNvPr id="10" name="CaixaDeTexto 9">
+            <a:extLst>
+              <a:ext uri="{FF2B5EF4-FFF2-40B4-BE49-F238E27FC236}">
+                <a16:creationId xmlns:a16="http://schemas.microsoft.com/office/drawing/2014/main" id="{112EC79C-AA4C-45DC-AA96-7C2DB6EA58C2}"/>
               </a:ext>
             </a:extLst>
           </p:cNvPr>
@@ -7291,8 +7568,8 @@
         </p:nvSpPr>
         <p:spPr>
           <a:xfrm>
-            <a:off x="389811" y="1081233"/>
-            <a:ext cx="1672253" cy="430887"/>
+            <a:off x="1588499" y="1166662"/>
+            <a:ext cx="1458097" cy="611065"/>
           </a:xfrm>
           <a:prstGeom prst="rect">
             <a:avLst/>
@@ -7300,115 +7577,106 @@
           <a:noFill/>
         </p:spPr>
         <p:txBody>
-          <a:bodyPr wrap="none" rtlCol="0">
+          <a:bodyPr wrap="square" rtlCol="0">
             <a:spAutoFit/>
           </a:bodyPr>
           <a:lstStyle/>
           <a:p>
-            <a:r>
-              <a:rPr lang="pt-BR" sz="2200" b="1" dirty="0">
-                <a:latin typeface="Arial Narrow" charset="0"/>
-                <a:ea typeface="Arial Narrow" charset="0"/>
-                <a:cs typeface="Arial Narrow" charset="0"/>
+            <a:pPr>
+              <a:lnSpc>
+                <a:spcPct val="150000"/>
+              </a:lnSpc>
+            </a:pPr>
+            <a:r>
+              <a:rPr lang="pt-BR" sz="1200" b="1" dirty="0">
+                <a:latin typeface="Arial Narrow" panose="020B0606020202030204" pitchFamily="34" charset="0"/>
               </a:rPr>
-              <a:t>Acelerômetro</a:t>
-            </a:r>
+              <a:t>Quebra-Mola</a:t>
+            </a:r>
+          </a:p>
+          <a:p>
+            <a:pPr>
+              <a:lnSpc>
+                <a:spcPct val="150000"/>
+              </a:lnSpc>
+            </a:pPr>
+            <a:r>
+              <a:rPr lang="pt-BR" sz="1200" b="1" dirty="0">
+                <a:latin typeface="Arial Narrow" panose="020B0606020202030204" pitchFamily="34" charset="0"/>
+              </a:rPr>
+              <a:t>Buraco</a:t>
+            </a:r>
+            <a:endParaRPr lang="en-US" sz="1200" b="1" dirty="0">
+              <a:latin typeface="Arial Narrow" panose="020B0606020202030204" pitchFamily="34" charset="0"/>
+            </a:endParaRPr>
           </a:p>
         </p:txBody>
       </p:sp>
-      <p:cxnSp>
-        <p:nvCxnSpPr>
-          <p:cNvPr id="13" name="Conector de Seta Reta 12">
-            <a:extLst>
-              <a:ext uri="{FF2B5EF4-FFF2-40B4-BE49-F238E27FC236}">
-                <a16:creationId xmlns:a16="http://schemas.microsoft.com/office/drawing/2014/main" id="{3DC40E53-E3BD-4E13-9A4B-C123AB70B9DD}"/>
-              </a:ext>
-            </a:extLst>
-          </p:cNvPr>
-          <p:cNvCxnSpPr>
-            <a:cxnSpLocks/>
-          </p:cNvCxnSpPr>
+      <p:sp>
+        <p:nvSpPr>
+          <p:cNvPr id="11" name="Retângulo 10">
+            <a:extLst>
+              <a:ext uri="{FF2B5EF4-FFF2-40B4-BE49-F238E27FC236}">
+                <a16:creationId xmlns:a16="http://schemas.microsoft.com/office/drawing/2014/main" id="{DDBEC2E3-69C9-4179-8BC1-F4AEFC240415}"/>
+              </a:ext>
+            </a:extLst>
+          </p:cNvPr>
+          <p:cNvSpPr/>
           <p:nvPr/>
-        </p:nvCxnSpPr>
-        <p:spPr>
-          <a:xfrm flipV="1">
-            <a:off x="6922089" y="3374170"/>
-            <a:ext cx="958539" cy="435054"/>
-          </a:xfrm>
-          <a:prstGeom prst="straightConnector1">
+        </p:nvSpPr>
+        <p:spPr>
+          <a:xfrm>
+            <a:off x="1351006" y="1166662"/>
+            <a:ext cx="1186249" cy="673385"/>
+          </a:xfrm>
+          <a:prstGeom prst="rect">
             <a:avLst/>
           </a:prstGeom>
-          <a:ln w="38100">
-            <a:tailEnd type="triangle"/>
+          <a:noFill/>
+          <a:ln>
+            <a:solidFill>
+              <a:schemeClr val="tx2">
+                <a:lumMod val="75000"/>
+              </a:schemeClr>
+            </a:solidFill>
           </a:ln>
         </p:spPr>
         <p:style>
-          <a:lnRef idx="3">
-            <a:schemeClr val="accent1"/>
+          <a:lnRef idx="2">
+            <a:schemeClr val="accent1">
+              <a:shade val="50000"/>
+            </a:schemeClr>
           </a:lnRef>
-          <a:fillRef idx="0">
+          <a:fillRef idx="1">
             <a:schemeClr val="accent1"/>
           </a:fillRef>
-          <a:effectRef idx="2">
+          <a:effectRef idx="0">
             <a:schemeClr val="accent1"/>
           </a:effectRef>
           <a:fontRef idx="minor">
-            <a:schemeClr val="tx1"/>
+            <a:schemeClr val="lt1"/>
           </a:fontRef>
         </p:style>
-      </p:cxnSp>
-      <p:cxnSp>
-        <p:nvCxnSpPr>
-          <p:cNvPr id="14" name="Conector de Seta Reta 13">
-            <a:extLst>
-              <a:ext uri="{FF2B5EF4-FFF2-40B4-BE49-F238E27FC236}">
-                <a16:creationId xmlns:a16="http://schemas.microsoft.com/office/drawing/2014/main" id="{832AAB2B-41F0-4946-B219-029085EC93C0}"/>
-              </a:ext>
-            </a:extLst>
-          </p:cNvPr>
-          <p:cNvCxnSpPr>
-            <a:cxnSpLocks/>
-          </p:cNvCxnSpPr>
-          <p:nvPr/>
-        </p:nvCxnSpPr>
-        <p:spPr>
-          <a:xfrm>
-            <a:off x="6922089" y="3809223"/>
-            <a:ext cx="838279" cy="591833"/>
-          </a:xfrm>
-          <a:prstGeom prst="straightConnector1">
-            <a:avLst/>
-          </a:prstGeom>
-          <a:ln w="38100">
-            <a:tailEnd type="triangle"/>
-          </a:ln>
-        </p:spPr>
-        <p:style>
-          <a:lnRef idx="3">
-            <a:schemeClr val="accent1"/>
-          </a:lnRef>
-          <a:fillRef idx="0">
-            <a:schemeClr val="accent1"/>
-          </a:fillRef>
-          <a:effectRef idx="2">
-            <a:schemeClr val="accent1"/>
-          </a:effectRef>
-          <a:fontRef idx="minor">
-            <a:schemeClr val="tx1"/>
-          </a:fontRef>
-        </p:style>
-      </p:cxnSp>
+        <p:txBody>
+          <a:bodyPr rtlCol="0" anchor="ctr"/>
+          <a:lstStyle/>
+          <a:p>
+            <a:pPr algn="ctr"/>
+            <a:endParaRPr lang="en-US" sz="2400"/>
+          </a:p>
+        </p:txBody>
+      </p:sp>
       <p:pic>
         <p:nvPicPr>
-          <p:cNvPr id="17" name="Imagem 16">
-            <a:extLst>
-              <a:ext uri="{FF2B5EF4-FFF2-40B4-BE49-F238E27FC236}">
-                <a16:creationId xmlns:a16="http://schemas.microsoft.com/office/drawing/2014/main" id="{AD423564-3DA6-4B07-AB48-EC780CAA55AD}"/>
+          <p:cNvPr id="12" name="Imagem 11">
+            <a:extLst>
+              <a:ext uri="{FF2B5EF4-FFF2-40B4-BE49-F238E27FC236}">
+                <a16:creationId xmlns:a16="http://schemas.microsoft.com/office/drawing/2014/main" id="{A9B295DB-F18D-4497-B3F6-F162C6A5C1CD}"/>
               </a:ext>
             </a:extLst>
           </p:cNvPr>
           <p:cNvPicPr>
-            <a:picLocks/>
+            <a:picLocks noChangeAspect="1"/>
           </p:cNvPicPr>
           <p:nvPr/>
         </p:nvPicPr>
@@ -7426,132 +7694,18 @@
         </p:blipFill>
         <p:spPr>
           <a:xfrm>
-            <a:off x="7976880" y="2038156"/>
-            <a:ext cx="3947225" cy="1390844"/>
+            <a:off x="9379507" y="181752"/>
+            <a:ext cx="949469" cy="791224"/>
           </a:xfrm>
           <a:prstGeom prst="rect">
             <a:avLst/>
           </a:prstGeom>
         </p:spPr>
       </p:pic>
-      <p:sp>
-        <p:nvSpPr>
-          <p:cNvPr id="26" name="CaixaDeTexto 25">
-            <a:extLst>
-              <a:ext uri="{FF2B5EF4-FFF2-40B4-BE49-F238E27FC236}">
-                <a16:creationId xmlns:a16="http://schemas.microsoft.com/office/drawing/2014/main" id="{E800CB26-2D29-4127-A861-39EB15728BBE}"/>
-              </a:ext>
-            </a:extLst>
-          </p:cNvPr>
-          <p:cNvSpPr txBox="1"/>
-          <p:nvPr/>
-        </p:nvSpPr>
-        <p:spPr>
-          <a:xfrm>
-            <a:off x="7976880" y="1607269"/>
-            <a:ext cx="1107996" cy="430887"/>
-          </a:xfrm>
-          <a:prstGeom prst="rect">
-            <a:avLst/>
-          </a:prstGeom>
-          <a:noFill/>
-        </p:spPr>
-        <p:txBody>
-          <a:bodyPr wrap="none" rtlCol="0">
-            <a:spAutoFit/>
-          </a:bodyPr>
-          <a:lstStyle/>
-          <a:p>
-            <a:r>
-              <a:rPr lang="pt-BR" sz="2200" b="1" dirty="0">
-                <a:latin typeface="Arial Narrow" charset="0"/>
-                <a:ea typeface="Arial Narrow" charset="0"/>
-                <a:cs typeface="Arial Narrow" charset="0"/>
-              </a:rPr>
-              <a:t>Buracos</a:t>
-            </a:r>
-          </a:p>
-        </p:txBody>
-      </p:sp>
-      <p:pic>
-        <p:nvPicPr>
-          <p:cNvPr id="28" name="Imagem 27">
-            <a:extLst>
-              <a:ext uri="{FF2B5EF4-FFF2-40B4-BE49-F238E27FC236}">
-                <a16:creationId xmlns:a16="http://schemas.microsoft.com/office/drawing/2014/main" id="{E60996EE-E501-4C8F-97E7-DC4D583019EC}"/>
-              </a:ext>
-            </a:extLst>
-          </p:cNvPr>
-          <p:cNvPicPr>
-            <a:picLocks/>
-          </p:cNvPicPr>
-          <p:nvPr/>
-        </p:nvPicPr>
-        <p:blipFill>
-          <a:blip r:embed="rId6">
-            <a:extLst>
-              <a:ext uri="{28A0092B-C50C-407E-A947-70E740481C1C}">
-                <a14:useLocalDpi xmlns:a14="http://schemas.microsoft.com/office/drawing/2010/main" val="0"/>
-              </a:ext>
-            </a:extLst>
-          </a:blip>
-          <a:stretch>
-            <a:fillRect/>
-          </a:stretch>
-        </p:blipFill>
-        <p:spPr>
-          <a:xfrm>
-            <a:off x="7976880" y="4358997"/>
-            <a:ext cx="3949200" cy="1389600"/>
-          </a:xfrm>
-          <a:prstGeom prst="rect">
-            <a:avLst/>
-          </a:prstGeom>
-        </p:spPr>
-      </p:pic>
-      <p:sp>
-        <p:nvSpPr>
-          <p:cNvPr id="29" name="CaixaDeTexto 28">
-            <a:extLst>
-              <a:ext uri="{FF2B5EF4-FFF2-40B4-BE49-F238E27FC236}">
-                <a16:creationId xmlns:a16="http://schemas.microsoft.com/office/drawing/2014/main" id="{A90A4745-70DC-430C-BF02-BF020FB51BF0}"/>
-              </a:ext>
-            </a:extLst>
-          </p:cNvPr>
-          <p:cNvSpPr txBox="1"/>
-          <p:nvPr/>
-        </p:nvSpPr>
-        <p:spPr>
-          <a:xfrm>
-            <a:off x="7976880" y="3809223"/>
-            <a:ext cx="1723549" cy="430887"/>
-          </a:xfrm>
-          <a:prstGeom prst="rect">
-            <a:avLst/>
-          </a:prstGeom>
-          <a:noFill/>
-        </p:spPr>
-        <p:txBody>
-          <a:bodyPr wrap="none" rtlCol="0">
-            <a:spAutoFit/>
-          </a:bodyPr>
-          <a:lstStyle/>
-          <a:p>
-            <a:r>
-              <a:rPr lang="pt-BR" sz="2200" b="1" dirty="0">
-                <a:latin typeface="Arial Narrow" charset="0"/>
-                <a:ea typeface="Arial Narrow" charset="0"/>
-                <a:cs typeface="Arial Narrow" charset="0"/>
-              </a:rPr>
-              <a:t>Quebra-Molas</a:t>
-            </a:r>
-          </a:p>
-        </p:txBody>
-      </p:sp>
     </p:spTree>
     <p:extLst>
       <p:ext uri="{BB962C8B-B14F-4D97-AF65-F5344CB8AC3E}">
-        <p14:creationId xmlns:p14="http://schemas.microsoft.com/office/powerpoint/2010/main" val="3760968755"/>
+        <p14:creationId xmlns:p14="http://schemas.microsoft.com/office/powerpoint/2010/main" val="2298702066"/>
       </p:ext>
     </p:extLst>
   </p:cSld>
@@ -7647,12 +7801,48 @@
           </a:prstGeom>
         </p:spPr>
       </p:pic>
+      <p:pic>
+        <p:nvPicPr>
+          <p:cNvPr id="6" name="Imagem 5">
+            <a:extLst>
+              <a:ext uri="{FF2B5EF4-FFF2-40B4-BE49-F238E27FC236}">
+                <a16:creationId xmlns:a16="http://schemas.microsoft.com/office/drawing/2014/main" id="{849393B0-DE1E-4E99-8B32-B11B9178E0E2}"/>
+              </a:ext>
+            </a:extLst>
+          </p:cNvPr>
+          <p:cNvPicPr>
+            <a:picLocks/>
+          </p:cNvPicPr>
+          <p:nvPr/>
+        </p:nvPicPr>
+        <p:blipFill>
+          <a:blip r:embed="rId3">
+            <a:extLst>
+              <a:ext uri="{28A0092B-C50C-407E-A947-70E740481C1C}">
+                <a14:useLocalDpi xmlns:a14="http://schemas.microsoft.com/office/drawing/2010/main" val="0"/>
+              </a:ext>
+            </a:extLst>
+          </a:blip>
+          <a:stretch>
+            <a:fillRect/>
+          </a:stretch>
+        </p:blipFill>
+        <p:spPr>
+          <a:xfrm>
+            <a:off x="923260" y="1856258"/>
+            <a:ext cx="10445465" cy="4251960"/>
+          </a:xfrm>
+          <a:prstGeom prst="rect">
+            <a:avLst/>
+          </a:prstGeom>
+        </p:spPr>
+      </p:pic>
       <p:sp>
         <p:nvSpPr>
-          <p:cNvPr id="10" name="Rectangle 25">
-            <a:extLst>
-              <a:ext uri="{FF2B5EF4-FFF2-40B4-BE49-F238E27FC236}">
-                <a16:creationId xmlns:a16="http://schemas.microsoft.com/office/drawing/2014/main" id="{9CD1090A-B977-45A9-819B-D980E4BCE7A7}"/>
+          <p:cNvPr id="8" name="Rectangle 25">
+            <a:extLst>
+              <a:ext uri="{FF2B5EF4-FFF2-40B4-BE49-F238E27FC236}">
+                <a16:creationId xmlns:a16="http://schemas.microsoft.com/office/drawing/2014/main" id="{C19B2681-4BFD-4466-9CD9-8AD3D7AFD2F7}"/>
               </a:ext>
             </a:extLst>
           </p:cNvPr>
@@ -7701,10 +7891,10 @@
       </p:sp>
       <p:sp>
         <p:nvSpPr>
-          <p:cNvPr id="11" name="Retângulo 10">
-            <a:extLst>
-              <a:ext uri="{FF2B5EF4-FFF2-40B4-BE49-F238E27FC236}">
-                <a16:creationId xmlns:a16="http://schemas.microsoft.com/office/drawing/2014/main" id="{0292B074-CF6C-4186-A0D0-583E2F224EAB}"/>
+          <p:cNvPr id="9" name="Retângulo 8">
+            <a:extLst>
+              <a:ext uri="{FF2B5EF4-FFF2-40B4-BE49-F238E27FC236}">
+                <a16:creationId xmlns:a16="http://schemas.microsoft.com/office/drawing/2014/main" id="{7A3E741E-359C-433B-80F2-2BB2E93AE666}"/>
               </a:ext>
             </a:extLst>
           </p:cNvPr>
@@ -7756,10 +7946,10 @@
       </p:sp>
       <p:pic>
         <p:nvPicPr>
-          <p:cNvPr id="9" name="Imagem 8">
-            <a:extLst>
-              <a:ext uri="{FF2B5EF4-FFF2-40B4-BE49-F238E27FC236}">
-                <a16:creationId xmlns:a16="http://schemas.microsoft.com/office/drawing/2014/main" id="{2F69AAB5-E7AA-41D6-83EB-9C06711B2B46}"/>
+          <p:cNvPr id="7" name="Imagem 6">
+            <a:extLst>
+              <a:ext uri="{FF2B5EF4-FFF2-40B4-BE49-F238E27FC236}">
+                <a16:creationId xmlns:a16="http://schemas.microsoft.com/office/drawing/2014/main" id="{FAEE5319-B698-41E8-B304-57F5337654CC}"/>
               </a:ext>
             </a:extLst>
           </p:cNvPr>
@@ -7769,7 +7959,7 @@
           <p:nvPr/>
         </p:nvPicPr>
         <p:blipFill>
-          <a:blip r:embed="rId3">
+          <a:blip r:embed="rId4">
             <a:extLst>
               <a:ext uri="{28A0092B-C50C-407E-A947-70E740481C1C}">
                 <a14:useLocalDpi xmlns:a14="http://schemas.microsoft.com/office/drawing/2010/main" val="0"/>
@@ -7782,8 +7972,8 @@
         </p:blipFill>
         <p:spPr>
           <a:xfrm>
-            <a:off x="9379507" y="181752"/>
-            <a:ext cx="949469" cy="791224"/>
+            <a:off x="1426551" y="1281669"/>
+            <a:ext cx="161948" cy="381053"/>
           </a:xfrm>
           <a:prstGeom prst="rect">
             <a:avLst/>
@@ -7792,10 +7982,10 @@
       </p:pic>
       <p:sp>
         <p:nvSpPr>
-          <p:cNvPr id="8" name="CaixaDeTexto 7">
-            <a:extLst>
-              <a:ext uri="{FF2B5EF4-FFF2-40B4-BE49-F238E27FC236}">
-                <a16:creationId xmlns:a16="http://schemas.microsoft.com/office/drawing/2014/main" id="{C9421C42-9616-4B7A-966A-215BA0D5F0C0}"/>
+          <p:cNvPr id="10" name="CaixaDeTexto 9">
+            <a:extLst>
+              <a:ext uri="{FF2B5EF4-FFF2-40B4-BE49-F238E27FC236}">
+                <a16:creationId xmlns:a16="http://schemas.microsoft.com/office/drawing/2014/main" id="{D148AA4A-B229-4DF2-9BB1-DBDB3414671B}"/>
               </a:ext>
             </a:extLst>
           </p:cNvPr>
@@ -7804,8 +7994,8 @@
         </p:nvSpPr>
         <p:spPr>
           <a:xfrm>
-            <a:off x="801283" y="1544832"/>
-            <a:ext cx="4227917" cy="4893647"/>
+            <a:off x="1588499" y="1166662"/>
+            <a:ext cx="1458097" cy="611065"/>
           </a:xfrm>
           <a:prstGeom prst="rect">
             <a:avLst/>
@@ -7818,168 +8008,130 @@
           </a:bodyPr>
           <a:lstStyle/>
           <a:p>
-            <a:pPr marL="285750" indent="-285750">
-              <a:buFont typeface="Wingdings" panose="05000000000000000000" pitchFamily="2" charset="2"/>
-              <a:buChar char="§"/>
+            <a:pPr>
+              <a:lnSpc>
+                <a:spcPct val="150000"/>
+              </a:lnSpc>
             </a:pPr>
             <a:r>
-              <a:rPr lang="pt-BR" sz="2600" dirty="0">
-                <a:solidFill>
-                  <a:schemeClr val="bg1">
-                    <a:lumMod val="75000"/>
-                  </a:schemeClr>
-                </a:solidFill>
+              <a:rPr lang="pt-BR" sz="1200" b="1" dirty="0">
                 <a:latin typeface="Arial Narrow" panose="020B0606020202030204" pitchFamily="34" charset="0"/>
               </a:rPr>
-              <a:t>Método de captura</a:t>
-            </a:r>
-          </a:p>
-          <a:p>
-            <a:pPr marL="285750" indent="-285750">
-              <a:buFont typeface="Wingdings" panose="05000000000000000000" pitchFamily="2" charset="2"/>
-              <a:buChar char="§"/>
+              <a:t>Quebra-Mola</a:t>
+            </a:r>
+          </a:p>
+          <a:p>
+            <a:pPr>
+              <a:lnSpc>
+                <a:spcPct val="150000"/>
+              </a:lnSpc>
             </a:pPr>
-            <a:endParaRPr lang="pt-BR" sz="2600" dirty="0">
+            <a:r>
+              <a:rPr lang="pt-BR" sz="1200" b="1" dirty="0">
+                <a:latin typeface="Arial Narrow" panose="020B0606020202030204" pitchFamily="34" charset="0"/>
+              </a:rPr>
+              <a:t>Buraco</a:t>
+            </a:r>
+            <a:endParaRPr lang="en-US" sz="1200" b="1" dirty="0">
               <a:latin typeface="Arial Narrow" panose="020B0606020202030204" pitchFamily="34" charset="0"/>
             </a:endParaRPr>
           </a:p>
-          <a:p>
-            <a:pPr marL="285750" indent="-285750">
-              <a:buFont typeface="Wingdings" panose="05000000000000000000" pitchFamily="2" charset="2"/>
-              <a:buChar char="§"/>
-            </a:pPr>
-            <a:r>
-              <a:rPr lang="pt-BR" sz="2600" dirty="0">
-                <a:latin typeface="Arial Narrow" panose="020B0606020202030204" pitchFamily="34" charset="0"/>
-              </a:rPr>
-              <a:t>Análise Diagnóstica</a:t>
-            </a:r>
-          </a:p>
-          <a:p>
-            <a:pPr marL="285750" indent="-285750">
-              <a:buFont typeface="Wingdings" panose="05000000000000000000" pitchFamily="2" charset="2"/>
-              <a:buChar char="§"/>
-            </a:pPr>
-            <a:endParaRPr lang="pt-BR" sz="2600" dirty="0">
-              <a:latin typeface="Arial Narrow" panose="020B0606020202030204" pitchFamily="34" charset="0"/>
-            </a:endParaRPr>
-          </a:p>
-          <a:p>
-            <a:pPr marL="285750" indent="-285750">
-              <a:buFont typeface="Wingdings" panose="05000000000000000000" pitchFamily="2" charset="2"/>
-              <a:buChar char="§"/>
-            </a:pPr>
-            <a:r>
-              <a:rPr lang="pt-BR" sz="2600" dirty="0">
-                <a:solidFill>
-                  <a:schemeClr val="bg1">
-                    <a:lumMod val="75000"/>
-                  </a:schemeClr>
-                </a:solidFill>
-                <a:latin typeface="Arial Narrow" panose="020B0606020202030204" pitchFamily="34" charset="0"/>
-              </a:rPr>
-              <a:t>Estrutura do projeto</a:t>
-            </a:r>
-          </a:p>
-          <a:p>
-            <a:endParaRPr lang="pt-BR" sz="2600" dirty="0">
-              <a:latin typeface="Arial Narrow" panose="020B0606020202030204" pitchFamily="34" charset="0"/>
-            </a:endParaRPr>
-          </a:p>
-          <a:p>
-            <a:pPr marL="285750" indent="-285750">
-              <a:buFont typeface="Wingdings" panose="05000000000000000000" pitchFamily="2" charset="2"/>
-              <a:buChar char="§"/>
-            </a:pPr>
-            <a:r>
-              <a:rPr lang="pt-BR" sz="2600" dirty="0">
-                <a:solidFill>
-                  <a:schemeClr val="bg1">
-                    <a:lumMod val="75000"/>
-                  </a:schemeClr>
-                </a:solidFill>
-                <a:latin typeface="Arial Narrow" panose="020B0606020202030204" pitchFamily="34" charset="0"/>
-              </a:rPr>
-              <a:t>Processamento dos dados</a:t>
-            </a:r>
-          </a:p>
-          <a:p>
-            <a:pPr marL="285750" indent="-285750">
-              <a:buFont typeface="Wingdings" panose="05000000000000000000" pitchFamily="2" charset="2"/>
-              <a:buChar char="§"/>
-            </a:pPr>
-            <a:endParaRPr lang="pt-BR" sz="2600" dirty="0">
-              <a:solidFill>
-                <a:schemeClr val="bg1">
-                  <a:lumMod val="75000"/>
-                </a:schemeClr>
-              </a:solidFill>
-              <a:latin typeface="Arial Narrow" panose="020B0606020202030204" pitchFamily="34" charset="0"/>
-            </a:endParaRPr>
-          </a:p>
-          <a:p>
-            <a:pPr marL="285750" indent="-285750">
-              <a:buFont typeface="Wingdings" panose="05000000000000000000" pitchFamily="2" charset="2"/>
-              <a:buChar char="§"/>
-            </a:pPr>
-            <a:r>
-              <a:rPr lang="pt-BR" sz="2600" dirty="0">
-                <a:solidFill>
-                  <a:schemeClr val="bg1">
-                    <a:lumMod val="75000"/>
-                  </a:schemeClr>
-                </a:solidFill>
-                <a:latin typeface="Arial Narrow" panose="020B0606020202030204" pitchFamily="34" charset="0"/>
-              </a:rPr>
-              <a:t>Resultado do algoritmo</a:t>
-            </a:r>
-          </a:p>
-          <a:p>
-            <a:pPr marL="285750" indent="-285750">
-              <a:buFont typeface="Wingdings" panose="05000000000000000000" pitchFamily="2" charset="2"/>
-              <a:buChar char="§"/>
-            </a:pPr>
-            <a:endParaRPr lang="pt-BR" sz="2600" dirty="0">
-              <a:solidFill>
-                <a:schemeClr val="bg1">
-                  <a:lumMod val="75000"/>
-                </a:schemeClr>
-              </a:solidFill>
-              <a:latin typeface="Arial Narrow" panose="020B0606020202030204" pitchFamily="34" charset="0"/>
-            </a:endParaRPr>
-          </a:p>
-          <a:p>
-            <a:pPr marL="285750" indent="-285750">
-              <a:buFont typeface="Wingdings" panose="05000000000000000000" pitchFamily="2" charset="2"/>
-              <a:buChar char="§"/>
-            </a:pPr>
-            <a:r>
-              <a:rPr lang="pt-BR" sz="2600" dirty="0">
-                <a:solidFill>
-                  <a:schemeClr val="bg1">
-                    <a:lumMod val="75000"/>
-                  </a:schemeClr>
-                </a:solidFill>
-                <a:latin typeface="Arial Narrow" panose="020B0606020202030204" pitchFamily="34" charset="0"/>
-              </a:rPr>
-              <a:t>Disponibilização dos dados</a:t>
-            </a:r>
-          </a:p>
-          <a:p>
-            <a:pPr marL="285750" indent="-285750">
-              <a:buFont typeface="Wingdings" panose="05000000000000000000" pitchFamily="2" charset="2"/>
-              <a:buChar char="§"/>
-            </a:pPr>
-            <a:endParaRPr lang="pt-BR" sz="2600" dirty="0">
-              <a:latin typeface="Arial Narrow" panose="020B0606020202030204" pitchFamily="34" charset="0"/>
-            </a:endParaRPr>
-          </a:p>
         </p:txBody>
       </p:sp>
+      <p:sp>
+        <p:nvSpPr>
+          <p:cNvPr id="11" name="Retângulo 10">
+            <a:extLst>
+              <a:ext uri="{FF2B5EF4-FFF2-40B4-BE49-F238E27FC236}">
+                <a16:creationId xmlns:a16="http://schemas.microsoft.com/office/drawing/2014/main" id="{29D5AF84-507F-4009-ABD2-309792A0CFC5}"/>
+              </a:ext>
+            </a:extLst>
+          </p:cNvPr>
+          <p:cNvSpPr/>
+          <p:nvPr/>
+        </p:nvSpPr>
+        <p:spPr>
+          <a:xfrm>
+            <a:off x="1351006" y="1166662"/>
+            <a:ext cx="1186249" cy="673385"/>
+          </a:xfrm>
+          <a:prstGeom prst="rect">
+            <a:avLst/>
+          </a:prstGeom>
+          <a:noFill/>
+          <a:ln>
+            <a:solidFill>
+              <a:schemeClr val="tx2">
+                <a:lumMod val="75000"/>
+              </a:schemeClr>
+            </a:solidFill>
+          </a:ln>
+        </p:spPr>
+        <p:style>
+          <a:lnRef idx="2">
+            <a:schemeClr val="accent1">
+              <a:shade val="50000"/>
+            </a:schemeClr>
+          </a:lnRef>
+          <a:fillRef idx="1">
+            <a:schemeClr val="accent1"/>
+          </a:fillRef>
+          <a:effectRef idx="0">
+            <a:schemeClr val="accent1"/>
+          </a:effectRef>
+          <a:fontRef idx="minor">
+            <a:schemeClr val="lt1"/>
+          </a:fontRef>
+        </p:style>
+        <p:txBody>
+          <a:bodyPr rtlCol="0" anchor="ctr"/>
+          <a:lstStyle/>
+          <a:p>
+            <a:pPr algn="ctr"/>
+            <a:endParaRPr lang="en-US" sz="2400"/>
+          </a:p>
+        </p:txBody>
+      </p:sp>
+      <p:pic>
+        <p:nvPicPr>
+          <p:cNvPr id="12" name="Imagem 11">
+            <a:extLst>
+              <a:ext uri="{FF2B5EF4-FFF2-40B4-BE49-F238E27FC236}">
+                <a16:creationId xmlns:a16="http://schemas.microsoft.com/office/drawing/2014/main" id="{497BB4A5-5018-4E10-B972-E56F4B6626E6}"/>
+              </a:ext>
+            </a:extLst>
+          </p:cNvPr>
+          <p:cNvPicPr>
+            <a:picLocks noChangeAspect="1"/>
+          </p:cNvPicPr>
+          <p:nvPr/>
+        </p:nvPicPr>
+        <p:blipFill>
+          <a:blip r:embed="rId5">
+            <a:extLst>
+              <a:ext uri="{28A0092B-C50C-407E-A947-70E740481C1C}">
+                <a14:useLocalDpi xmlns:a14="http://schemas.microsoft.com/office/drawing/2010/main" val="0"/>
+              </a:ext>
+            </a:extLst>
+          </a:blip>
+          <a:stretch>
+            <a:fillRect/>
+          </a:stretch>
+        </p:blipFill>
+        <p:spPr>
+          <a:xfrm>
+            <a:off x="9379507" y="181752"/>
+            <a:ext cx="949469" cy="791224"/>
+          </a:xfrm>
+          <a:prstGeom prst="rect">
+            <a:avLst/>
+          </a:prstGeom>
+        </p:spPr>
+      </p:pic>
     </p:spTree>
     <p:extLst>
       <p:ext uri="{BB962C8B-B14F-4D97-AF65-F5344CB8AC3E}">
-        <p14:creationId xmlns:p14="http://schemas.microsoft.com/office/powerpoint/2010/main" val="1714475313"/>
+        <p14:creationId xmlns:p14="http://schemas.microsoft.com/office/powerpoint/2010/main" val="2890843661"/>
       </p:ext>
     </p:extLst>
   </p:cSld>
@@ -8232,7 +8384,7 @@
         </p:nvSpPr>
         <p:spPr>
           <a:xfrm>
-            <a:off x="1065229" y="1903535"/>
+            <a:off x="1188720" y="1427012"/>
             <a:ext cx="7396600" cy="4893647"/>
           </a:xfrm>
           <a:prstGeom prst="rect">
@@ -8246,9 +8398,9 @@
           </a:bodyPr>
           <a:lstStyle/>
           <a:p>
-            <a:pPr marL="285750" indent="-285750">
-              <a:buFont typeface="Wingdings" panose="05000000000000000000" pitchFamily="2" charset="2"/>
-              <a:buChar char="§"/>
+            <a:pPr marL="457200" indent="-457200">
+              <a:buFont typeface="Arial" panose="020B0604020202020204" pitchFamily="34" charset="0"/>
+              <a:buChar char="•"/>
             </a:pPr>
             <a:r>
               <a:rPr lang="pt-BR" sz="2600" dirty="0">
@@ -8258,18 +8410,18 @@
             </a:r>
           </a:p>
           <a:p>
-            <a:pPr marL="285750" indent="-285750">
-              <a:buFont typeface="Wingdings" panose="05000000000000000000" pitchFamily="2" charset="2"/>
-              <a:buChar char="§"/>
+            <a:pPr marL="457200" indent="-457200">
+              <a:buFont typeface="Arial" panose="020B0604020202020204" pitchFamily="34" charset="0"/>
+              <a:buChar char="•"/>
             </a:pPr>
             <a:endParaRPr lang="pt-BR" sz="2600" dirty="0">
               <a:latin typeface="Arial Narrow" panose="020B0606020202030204" pitchFamily="34" charset="0"/>
             </a:endParaRPr>
           </a:p>
           <a:p>
-            <a:pPr marL="285750" indent="-285750">
-              <a:buFont typeface="Wingdings" panose="05000000000000000000" pitchFamily="2" charset="2"/>
-              <a:buChar char="§"/>
+            <a:pPr marL="457200" indent="-457200">
+              <a:buFont typeface="Arial" panose="020B0604020202020204" pitchFamily="34" charset="0"/>
+              <a:buChar char="•"/>
             </a:pPr>
             <a:r>
               <a:rPr lang="pt-BR" sz="2600" dirty="0">
@@ -8279,14 +8431,18 @@
             </a:r>
           </a:p>
           <a:p>
+            <a:pPr marL="457200" indent="-457200">
+              <a:buFont typeface="Arial" panose="020B0604020202020204" pitchFamily="34" charset="0"/>
+              <a:buChar char="•"/>
+            </a:pPr>
             <a:endParaRPr lang="pt-BR" sz="2600" dirty="0">
               <a:latin typeface="Arial Narrow" panose="020B0606020202030204" pitchFamily="34" charset="0"/>
             </a:endParaRPr>
           </a:p>
           <a:p>
-            <a:pPr marL="285750" indent="-285750">
-              <a:buFont typeface="Wingdings" panose="05000000000000000000" pitchFamily="2" charset="2"/>
-              <a:buChar char="§"/>
+            <a:pPr marL="457200" indent="-457200">
+              <a:buFont typeface="Arial" panose="020B0604020202020204" pitchFamily="34" charset="0"/>
+              <a:buChar char="•"/>
             </a:pPr>
             <a:r>
               <a:rPr lang="pt-BR" sz="2600" dirty="0">
@@ -8296,39 +8452,39 @@
             </a:r>
           </a:p>
           <a:p>
-            <a:pPr marL="285750" indent="-285750">
-              <a:buFont typeface="Wingdings" panose="05000000000000000000" pitchFamily="2" charset="2"/>
-              <a:buChar char="§"/>
+            <a:pPr marL="457200" indent="-457200">
+              <a:buFont typeface="Arial" panose="020B0604020202020204" pitchFamily="34" charset="0"/>
+              <a:buChar char="•"/>
             </a:pPr>
             <a:endParaRPr lang="pt-BR" sz="2600" dirty="0">
               <a:latin typeface="Arial Narrow" panose="020B0606020202030204" pitchFamily="34" charset="0"/>
             </a:endParaRPr>
           </a:p>
           <a:p>
-            <a:pPr marL="285750" indent="-285750">
-              <a:buFont typeface="Wingdings" panose="05000000000000000000" pitchFamily="2" charset="2"/>
-              <a:buChar char="§"/>
+            <a:pPr marL="457200" indent="-457200">
+              <a:buFont typeface="Arial" panose="020B0604020202020204" pitchFamily="34" charset="0"/>
+              <a:buChar char="•"/>
             </a:pPr>
             <a:r>
               <a:rPr lang="pt-BR" sz="2600" dirty="0">
                 <a:latin typeface="Arial Narrow" panose="020B0606020202030204" pitchFamily="34" charset="0"/>
               </a:rPr>
-              <a:t>Machine Learning</a:t>
-            </a:r>
-          </a:p>
-          <a:p>
-            <a:pPr marL="285750" indent="-285750">
-              <a:buFont typeface="Wingdings" panose="05000000000000000000" pitchFamily="2" charset="2"/>
-              <a:buChar char="§"/>
+              <a:t>Aprendizado de máquina</a:t>
+            </a:r>
+          </a:p>
+          <a:p>
+            <a:pPr marL="457200" indent="-457200">
+              <a:buFont typeface="Arial" panose="020B0604020202020204" pitchFamily="34" charset="0"/>
+              <a:buChar char="•"/>
             </a:pPr>
             <a:endParaRPr lang="pt-BR" sz="2600" dirty="0">
               <a:latin typeface="Arial Narrow" panose="020B0606020202030204" pitchFamily="34" charset="0"/>
             </a:endParaRPr>
           </a:p>
           <a:p>
-            <a:pPr marL="285750" indent="-285750">
-              <a:buFont typeface="Wingdings" panose="05000000000000000000" pitchFamily="2" charset="2"/>
-              <a:buChar char="§"/>
+            <a:pPr marL="457200" indent="-457200">
+              <a:buFont typeface="Arial" panose="020B0604020202020204" pitchFamily="34" charset="0"/>
+              <a:buChar char="•"/>
             </a:pPr>
             <a:r>
               <a:rPr lang="pt-BR" sz="2600" dirty="0">
@@ -8338,18 +8494,18 @@
             </a:r>
           </a:p>
           <a:p>
-            <a:pPr marL="285750" indent="-285750">
-              <a:buFont typeface="Wingdings" panose="05000000000000000000" pitchFamily="2" charset="2"/>
-              <a:buChar char="§"/>
+            <a:pPr marL="457200" indent="-457200">
+              <a:buFont typeface="Arial" panose="020B0604020202020204" pitchFamily="34" charset="0"/>
+              <a:buChar char="•"/>
             </a:pPr>
             <a:endParaRPr lang="pt-BR" sz="2600" dirty="0">
               <a:latin typeface="Arial Narrow" panose="020B0606020202030204" pitchFamily="34" charset="0"/>
             </a:endParaRPr>
           </a:p>
           <a:p>
-            <a:pPr marL="285750" indent="-285750">
-              <a:buFont typeface="Wingdings" panose="05000000000000000000" pitchFamily="2" charset="2"/>
-              <a:buChar char="§"/>
+            <a:pPr marL="457200" indent="-457200">
+              <a:buFont typeface="Arial" panose="020B0604020202020204" pitchFamily="34" charset="0"/>
+              <a:buChar char="•"/>
             </a:pPr>
             <a:r>
               <a:rPr lang="pt-BR" sz="2600" dirty="0">
@@ -8359,9 +8515,9 @@
             </a:r>
           </a:p>
           <a:p>
-            <a:pPr marL="285750" indent="-285750">
-              <a:buFont typeface="Wingdings" panose="05000000000000000000" pitchFamily="2" charset="2"/>
-              <a:buChar char="§"/>
+            <a:pPr marL="457200" indent="-457200">
+              <a:buFont typeface="Arial" panose="020B0604020202020204" pitchFamily="34" charset="0"/>
+              <a:buChar char="•"/>
             </a:pPr>
             <a:endParaRPr lang="pt-BR" sz="2600" dirty="0">
               <a:latin typeface="Arial Narrow" panose="020B0606020202030204" pitchFamily="34" charset="0"/>
@@ -8468,48 +8624,12 @@
           </a:prstGeom>
         </p:spPr>
       </p:pic>
-      <p:pic>
-        <p:nvPicPr>
-          <p:cNvPr id="5" name="Imagem 4">
-            <a:extLst>
-              <a:ext uri="{FF2B5EF4-FFF2-40B4-BE49-F238E27FC236}">
-                <a16:creationId xmlns:a16="http://schemas.microsoft.com/office/drawing/2014/main" id="{84985305-4C1B-4DFB-A3D9-078736BD3FF4}"/>
-              </a:ext>
-            </a:extLst>
-          </p:cNvPr>
-          <p:cNvPicPr>
-            <a:picLocks/>
-          </p:cNvPicPr>
-          <p:nvPr/>
-        </p:nvPicPr>
-        <p:blipFill>
-          <a:blip r:embed="rId3">
-            <a:extLst>
-              <a:ext uri="{28A0092B-C50C-407E-A947-70E740481C1C}">
-                <a14:useLocalDpi xmlns:a14="http://schemas.microsoft.com/office/drawing/2010/main" val="0"/>
-              </a:ext>
-            </a:extLst>
-          </a:blip>
-          <a:stretch>
-            <a:fillRect/>
-          </a:stretch>
-        </p:blipFill>
-        <p:spPr>
-          <a:xfrm>
-            <a:off x="915874" y="1777727"/>
-            <a:ext cx="10622534" cy="4389120"/>
-          </a:xfrm>
-          <a:prstGeom prst="rect">
-            <a:avLst/>
-          </a:prstGeom>
-        </p:spPr>
-      </p:pic>
       <p:sp>
         <p:nvSpPr>
-          <p:cNvPr id="16" name="Rectangle 25">
-            <a:extLst>
-              <a:ext uri="{FF2B5EF4-FFF2-40B4-BE49-F238E27FC236}">
-                <a16:creationId xmlns:a16="http://schemas.microsoft.com/office/drawing/2014/main" id="{05234529-1A7D-40D7-8029-F36D9D5F6652}"/>
+          <p:cNvPr id="10" name="Rectangle 25">
+            <a:extLst>
+              <a:ext uri="{FF2B5EF4-FFF2-40B4-BE49-F238E27FC236}">
+                <a16:creationId xmlns:a16="http://schemas.microsoft.com/office/drawing/2014/main" id="{9CD1090A-B977-45A9-819B-D980E4BCE7A7}"/>
               </a:ext>
             </a:extLst>
           </p:cNvPr>
@@ -8558,10 +8678,10 @@
       </p:sp>
       <p:sp>
         <p:nvSpPr>
-          <p:cNvPr id="17" name="Retângulo 16">
-            <a:extLst>
-              <a:ext uri="{FF2B5EF4-FFF2-40B4-BE49-F238E27FC236}">
-                <a16:creationId xmlns:a16="http://schemas.microsoft.com/office/drawing/2014/main" id="{89730974-21F5-4D6B-AE68-4B5027ACF22B}"/>
+          <p:cNvPr id="11" name="Retângulo 10">
+            <a:extLst>
+              <a:ext uri="{FF2B5EF4-FFF2-40B4-BE49-F238E27FC236}">
+                <a16:creationId xmlns:a16="http://schemas.microsoft.com/office/drawing/2014/main" id="{0292B074-CF6C-4186-A0D0-583E2F224EAB}"/>
               </a:ext>
             </a:extLst>
           </p:cNvPr>
@@ -8613,10 +8733,87 @@
       </p:sp>
       <p:pic>
         <p:nvPicPr>
-          <p:cNvPr id="8" name="Imagem 7">
-            <a:extLst>
-              <a:ext uri="{FF2B5EF4-FFF2-40B4-BE49-F238E27FC236}">
-                <a16:creationId xmlns:a16="http://schemas.microsoft.com/office/drawing/2014/main" id="{490FD425-60EF-4D87-BE22-0FD8ED456D64}"/>
+          <p:cNvPr id="9" name="Imagem 8">
+            <a:extLst>
+              <a:ext uri="{FF2B5EF4-FFF2-40B4-BE49-F238E27FC236}">
+                <a16:creationId xmlns:a16="http://schemas.microsoft.com/office/drawing/2014/main" id="{2F69AAB5-E7AA-41D6-83EB-9C06711B2B46}"/>
+              </a:ext>
+            </a:extLst>
+          </p:cNvPr>
+          <p:cNvPicPr>
+            <a:picLocks noChangeAspect="1"/>
+          </p:cNvPicPr>
+          <p:nvPr/>
+        </p:nvPicPr>
+        <p:blipFill>
+          <a:blip r:embed="rId3">
+            <a:extLst>
+              <a:ext uri="{28A0092B-C50C-407E-A947-70E740481C1C}">
+                <a14:useLocalDpi xmlns:a14="http://schemas.microsoft.com/office/drawing/2010/main" val="0"/>
+              </a:ext>
+            </a:extLst>
+          </a:blip>
+          <a:stretch>
+            <a:fillRect/>
+          </a:stretch>
+        </p:blipFill>
+        <p:spPr>
+          <a:xfrm>
+            <a:off x="9379507" y="181752"/>
+            <a:ext cx="949469" cy="791224"/>
+          </a:xfrm>
+          <a:prstGeom prst="rect">
+            <a:avLst/>
+          </a:prstGeom>
+        </p:spPr>
+      </p:pic>
+      <p:sp>
+        <p:nvSpPr>
+          <p:cNvPr id="8" name="CaixaDeTexto 7">
+            <a:extLst>
+              <a:ext uri="{FF2B5EF4-FFF2-40B4-BE49-F238E27FC236}">
+                <a16:creationId xmlns:a16="http://schemas.microsoft.com/office/drawing/2014/main" id="{C9421C42-9616-4B7A-966A-215BA0D5F0C0}"/>
+              </a:ext>
+            </a:extLst>
+          </p:cNvPr>
+          <p:cNvSpPr txBox="1"/>
+          <p:nvPr/>
+        </p:nvSpPr>
+        <p:spPr>
+          <a:xfrm>
+            <a:off x="1188720" y="1255114"/>
+            <a:ext cx="4227917" cy="492443"/>
+          </a:xfrm>
+          <a:prstGeom prst="rect">
+            <a:avLst/>
+          </a:prstGeom>
+          <a:noFill/>
+        </p:spPr>
+        <p:txBody>
+          <a:bodyPr wrap="square" rtlCol="0">
+            <a:spAutoFit/>
+          </a:bodyPr>
+          <a:lstStyle/>
+          <a:p>
+            <a:pPr marL="457200" indent="-457200">
+              <a:buFont typeface="Arial" panose="020B0604020202020204" pitchFamily="34" charset="0"/>
+              <a:buChar char="•"/>
+            </a:pPr>
+            <a:r>
+              <a:rPr lang="pt-BR" sz="2600" dirty="0">
+                <a:latin typeface="Arial Narrow" panose="020B0606020202030204" pitchFamily="34" charset="0"/>
+              </a:rPr>
+              <a:t>Estrutura do projeto</a:t>
+            </a:r>
+          </a:p>
+        </p:txBody>
+      </p:sp>
+      <p:pic>
+        <p:nvPicPr>
+          <p:cNvPr id="5" name="Imagem 4">
+            <a:extLst>
+              <a:ext uri="{FF2B5EF4-FFF2-40B4-BE49-F238E27FC236}">
+                <a16:creationId xmlns:a16="http://schemas.microsoft.com/office/drawing/2014/main" id="{2D9E085A-CE36-492D-A245-B9E14889A217}"/>
               </a:ext>
             </a:extLst>
           </p:cNvPr>
@@ -8639,156 +8836,8 @@
         </p:blipFill>
         <p:spPr>
           <a:xfrm>
-            <a:off x="1426551" y="1281669"/>
-            <a:ext cx="161948" cy="381053"/>
-          </a:xfrm>
-          <a:prstGeom prst="rect">
-            <a:avLst/>
-          </a:prstGeom>
-        </p:spPr>
-      </p:pic>
-      <p:sp>
-        <p:nvSpPr>
-          <p:cNvPr id="9" name="CaixaDeTexto 8">
-            <a:extLst>
-              <a:ext uri="{FF2B5EF4-FFF2-40B4-BE49-F238E27FC236}">
-                <a16:creationId xmlns:a16="http://schemas.microsoft.com/office/drawing/2014/main" id="{E22AAD0F-DA46-4849-A99F-6E117055AA62}"/>
-              </a:ext>
-            </a:extLst>
-          </p:cNvPr>
-          <p:cNvSpPr txBox="1"/>
-          <p:nvPr/>
-        </p:nvSpPr>
-        <p:spPr>
-          <a:xfrm>
-            <a:off x="1588499" y="1166662"/>
-            <a:ext cx="1458097" cy="611065"/>
-          </a:xfrm>
-          <a:prstGeom prst="rect">
-            <a:avLst/>
-          </a:prstGeom>
-          <a:noFill/>
-        </p:spPr>
-        <p:txBody>
-          <a:bodyPr wrap="square" rtlCol="0">
-            <a:spAutoFit/>
-          </a:bodyPr>
-          <a:lstStyle/>
-          <a:p>
-            <a:pPr>
-              <a:lnSpc>
-                <a:spcPct val="150000"/>
-              </a:lnSpc>
-            </a:pPr>
-            <a:r>
-              <a:rPr lang="pt-BR" sz="1200" b="1" dirty="0">
-                <a:latin typeface="Arial Narrow" panose="020B0606020202030204" pitchFamily="34" charset="0"/>
-              </a:rPr>
-              <a:t>Quebra-Mola</a:t>
-            </a:r>
-          </a:p>
-          <a:p>
-            <a:pPr>
-              <a:lnSpc>
-                <a:spcPct val="150000"/>
-              </a:lnSpc>
-            </a:pPr>
-            <a:r>
-              <a:rPr lang="pt-BR" sz="1200" b="1" dirty="0">
-                <a:latin typeface="Arial Narrow" panose="020B0606020202030204" pitchFamily="34" charset="0"/>
-              </a:rPr>
-              <a:t>Buraco</a:t>
-            </a:r>
-            <a:endParaRPr lang="en-US" sz="1200" b="1" dirty="0">
-              <a:latin typeface="Arial Narrow" panose="020B0606020202030204" pitchFamily="34" charset="0"/>
-            </a:endParaRPr>
-          </a:p>
-        </p:txBody>
-      </p:sp>
-      <p:sp>
-        <p:nvSpPr>
-          <p:cNvPr id="10" name="Retângulo 9">
-            <a:extLst>
-              <a:ext uri="{FF2B5EF4-FFF2-40B4-BE49-F238E27FC236}">
-                <a16:creationId xmlns:a16="http://schemas.microsoft.com/office/drawing/2014/main" id="{43F35882-B4AD-40AC-B628-3ED12C667CBF}"/>
-              </a:ext>
-            </a:extLst>
-          </p:cNvPr>
-          <p:cNvSpPr/>
-          <p:nvPr/>
-        </p:nvSpPr>
-        <p:spPr>
-          <a:xfrm>
-            <a:off x="1351006" y="1166662"/>
-            <a:ext cx="1186249" cy="673385"/>
-          </a:xfrm>
-          <a:prstGeom prst="rect">
-            <a:avLst/>
-          </a:prstGeom>
-          <a:noFill/>
-          <a:ln>
-            <a:solidFill>
-              <a:schemeClr val="tx2">
-                <a:lumMod val="75000"/>
-              </a:schemeClr>
-            </a:solidFill>
-          </a:ln>
-        </p:spPr>
-        <p:style>
-          <a:lnRef idx="2">
-            <a:schemeClr val="accent1">
-              <a:shade val="50000"/>
-            </a:schemeClr>
-          </a:lnRef>
-          <a:fillRef idx="1">
-            <a:schemeClr val="accent1"/>
-          </a:fillRef>
-          <a:effectRef idx="0">
-            <a:schemeClr val="accent1"/>
-          </a:effectRef>
-          <a:fontRef idx="minor">
-            <a:schemeClr val="lt1"/>
-          </a:fontRef>
-        </p:style>
-        <p:txBody>
-          <a:bodyPr rtlCol="0" anchor="ctr"/>
-          <a:lstStyle/>
-          <a:p>
-            <a:pPr algn="ctr"/>
-            <a:endParaRPr lang="en-US" sz="2400"/>
-          </a:p>
-        </p:txBody>
-      </p:sp>
-      <p:pic>
-        <p:nvPicPr>
-          <p:cNvPr id="11" name="Imagem 10">
-            <a:extLst>
-              <a:ext uri="{FF2B5EF4-FFF2-40B4-BE49-F238E27FC236}">
-                <a16:creationId xmlns:a16="http://schemas.microsoft.com/office/drawing/2014/main" id="{6CD73CFC-7178-4083-AD29-BDA0EDE579AA}"/>
-              </a:ext>
-            </a:extLst>
-          </p:cNvPr>
-          <p:cNvPicPr>
-            <a:picLocks noChangeAspect="1"/>
-          </p:cNvPicPr>
-          <p:nvPr/>
-        </p:nvPicPr>
-        <p:blipFill>
-          <a:blip r:embed="rId5">
-            <a:extLst>
-              <a:ext uri="{28A0092B-C50C-407E-A947-70E740481C1C}">
-                <a14:useLocalDpi xmlns:a14="http://schemas.microsoft.com/office/drawing/2010/main" val="0"/>
-              </a:ext>
-            </a:extLst>
-          </a:blip>
-          <a:stretch>
-            <a:fillRect/>
-          </a:stretch>
-        </p:blipFill>
-        <p:spPr>
-          <a:xfrm>
-            <a:off x="9379507" y="181752"/>
-            <a:ext cx="949469" cy="791224"/>
+            <a:off x="426443" y="2136884"/>
+            <a:ext cx="11339113" cy="3944039"/>
           </a:xfrm>
           <a:prstGeom prst="rect">
             <a:avLst/>
@@ -8798,7 +8847,7 @@
     </p:spTree>
     <p:extLst>
       <p:ext uri="{BB962C8B-B14F-4D97-AF65-F5344CB8AC3E}">
-        <p14:creationId xmlns:p14="http://schemas.microsoft.com/office/powerpoint/2010/main" val="3853053218"/>
+        <p14:creationId xmlns:p14="http://schemas.microsoft.com/office/powerpoint/2010/main" val="3841886570"/>
       </p:ext>
     </p:extLst>
   </p:cSld>
@@ -8894,48 +8943,12 @@
           </a:prstGeom>
         </p:spPr>
       </p:pic>
-      <p:pic>
-        <p:nvPicPr>
-          <p:cNvPr id="6" name="Imagem 5">
-            <a:extLst>
-              <a:ext uri="{FF2B5EF4-FFF2-40B4-BE49-F238E27FC236}">
-                <a16:creationId xmlns:a16="http://schemas.microsoft.com/office/drawing/2014/main" id="{A2B8EC8A-B86B-4A05-81A6-0AFDE39D6588}"/>
-              </a:ext>
-            </a:extLst>
-          </p:cNvPr>
-          <p:cNvPicPr>
-            <a:picLocks/>
-          </p:cNvPicPr>
-          <p:nvPr/>
-        </p:nvPicPr>
-        <p:blipFill>
-          <a:blip r:embed="rId3">
-            <a:extLst>
-              <a:ext uri="{28A0092B-C50C-407E-A947-70E740481C1C}">
-                <a14:useLocalDpi xmlns:a14="http://schemas.microsoft.com/office/drawing/2010/main" val="0"/>
-              </a:ext>
-            </a:extLst>
-          </a:blip>
-          <a:stretch>
-            <a:fillRect/>
-          </a:stretch>
-        </p:blipFill>
-        <p:spPr>
-          <a:xfrm>
-            <a:off x="932691" y="1837400"/>
-            <a:ext cx="10213848" cy="4251960"/>
-          </a:xfrm>
-          <a:prstGeom prst="rect">
-            <a:avLst/>
-          </a:prstGeom>
-        </p:spPr>
-      </p:pic>
       <p:sp>
         <p:nvSpPr>
-          <p:cNvPr id="8" name="Rectangle 25">
-            <a:extLst>
-              <a:ext uri="{FF2B5EF4-FFF2-40B4-BE49-F238E27FC236}">
-                <a16:creationId xmlns:a16="http://schemas.microsoft.com/office/drawing/2014/main" id="{C410C43D-55D8-441D-947E-F76C2F69A9F6}"/>
+          <p:cNvPr id="10" name="Rectangle 25">
+            <a:extLst>
+              <a:ext uri="{FF2B5EF4-FFF2-40B4-BE49-F238E27FC236}">
+                <a16:creationId xmlns:a16="http://schemas.microsoft.com/office/drawing/2014/main" id="{9CD1090A-B977-45A9-819B-D980E4BCE7A7}"/>
               </a:ext>
             </a:extLst>
           </p:cNvPr>
@@ -8984,10 +8997,10 @@
       </p:sp>
       <p:sp>
         <p:nvSpPr>
-          <p:cNvPr id="9" name="Retângulo 8">
-            <a:extLst>
-              <a:ext uri="{FF2B5EF4-FFF2-40B4-BE49-F238E27FC236}">
-                <a16:creationId xmlns:a16="http://schemas.microsoft.com/office/drawing/2014/main" id="{37608E85-EA9F-472B-8083-E9681A9E0B69}"/>
+          <p:cNvPr id="11" name="Retângulo 10">
+            <a:extLst>
+              <a:ext uri="{FF2B5EF4-FFF2-40B4-BE49-F238E27FC236}">
+                <a16:creationId xmlns:a16="http://schemas.microsoft.com/office/drawing/2014/main" id="{0292B074-CF6C-4186-A0D0-583E2F224EAB}"/>
               </a:ext>
             </a:extLst>
           </p:cNvPr>
@@ -9039,10 +9052,10 @@
       </p:sp>
       <p:pic>
         <p:nvPicPr>
-          <p:cNvPr id="7" name="Imagem 6">
-            <a:extLst>
-              <a:ext uri="{FF2B5EF4-FFF2-40B4-BE49-F238E27FC236}">
-                <a16:creationId xmlns:a16="http://schemas.microsoft.com/office/drawing/2014/main" id="{E2958AFC-C730-42F2-B317-B5512344402E}"/>
+          <p:cNvPr id="9" name="Imagem 8">
+            <a:extLst>
+              <a:ext uri="{FF2B5EF4-FFF2-40B4-BE49-F238E27FC236}">
+                <a16:creationId xmlns:a16="http://schemas.microsoft.com/office/drawing/2014/main" id="{2F69AAB5-E7AA-41D6-83EB-9C06711B2B46}"/>
               </a:ext>
             </a:extLst>
           </p:cNvPr>
@@ -9052,7 +9065,7 @@
           <p:nvPr/>
         </p:nvPicPr>
         <p:blipFill>
-          <a:blip r:embed="rId4">
+          <a:blip r:embed="rId3">
             <a:extLst>
               <a:ext uri="{28A0092B-C50C-407E-A947-70E740481C1C}">
                 <a14:useLocalDpi xmlns:a14="http://schemas.microsoft.com/office/drawing/2010/main" val="0"/>
@@ -9065,8 +9078,8 @@
         </p:blipFill>
         <p:spPr>
           <a:xfrm>
-            <a:off x="1426551" y="1281669"/>
-            <a:ext cx="161948" cy="381053"/>
+            <a:off x="9379507" y="181752"/>
+            <a:ext cx="949469" cy="791224"/>
           </a:xfrm>
           <a:prstGeom prst="rect">
             <a:avLst/>
@@ -9075,10 +9088,10 @@
       </p:pic>
       <p:sp>
         <p:nvSpPr>
-          <p:cNvPr id="10" name="CaixaDeTexto 9">
-            <a:extLst>
-              <a:ext uri="{FF2B5EF4-FFF2-40B4-BE49-F238E27FC236}">
-                <a16:creationId xmlns:a16="http://schemas.microsoft.com/office/drawing/2014/main" id="{112EC79C-AA4C-45DC-AA96-7C2DB6EA58C2}"/>
+          <p:cNvPr id="8" name="CaixaDeTexto 7">
+            <a:extLst>
+              <a:ext uri="{FF2B5EF4-FFF2-40B4-BE49-F238E27FC236}">
+                <a16:creationId xmlns:a16="http://schemas.microsoft.com/office/drawing/2014/main" id="{C9421C42-9616-4B7A-966A-215BA0D5F0C0}"/>
               </a:ext>
             </a:extLst>
           </p:cNvPr>
@@ -9087,8 +9100,8 @@
         </p:nvSpPr>
         <p:spPr>
           <a:xfrm>
-            <a:off x="1588499" y="1166662"/>
-            <a:ext cx="1458097" cy="611065"/>
+            <a:off x="1160308" y="1211973"/>
+            <a:ext cx="9327860" cy="492443"/>
           </a:xfrm>
           <a:prstGeom prst="rect">
             <a:avLst/>
@@ -9101,87 +9114,40 @@
           </a:bodyPr>
           <a:lstStyle/>
           <a:p>
-            <a:pPr>
-              <a:lnSpc>
-                <a:spcPct val="150000"/>
-              </a:lnSpc>
+            <a:pPr marL="457200" indent="-457200">
+              <a:buFont typeface="Arial" panose="020B0604020202020204" pitchFamily="34" charset="0"/>
+              <a:buChar char="•"/>
             </a:pPr>
             <a:r>
-              <a:rPr lang="pt-BR" sz="1200" b="1" dirty="0">
+              <a:rPr lang="pt-BR" sz="2600" dirty="0">
                 <a:latin typeface="Arial Narrow" panose="020B0606020202030204" pitchFamily="34" charset="0"/>
               </a:rPr>
-              <a:t>Quebra-Mola</a:t>
-            </a:r>
-          </a:p>
-          <a:p>
-            <a:pPr>
-              <a:lnSpc>
-                <a:spcPct val="150000"/>
-              </a:lnSpc>
-            </a:pPr>
-            <a:r>
-              <a:rPr lang="pt-BR" sz="1200" b="1" dirty="0">
+              <a:t>Processamento dos dados – Fase de teste (</a:t>
+            </a:r>
+            <a:r>
+              <a:rPr lang="pt-BR" sz="2600" dirty="0" err="1">
                 <a:latin typeface="Arial Narrow" panose="020B0606020202030204" pitchFamily="34" charset="0"/>
               </a:rPr>
-              <a:t>Buraco</a:t>
-            </a:r>
-            <a:endParaRPr lang="en-US" sz="1200" b="1" dirty="0">
-              <a:latin typeface="Arial Narrow" panose="020B0606020202030204" pitchFamily="34" charset="0"/>
-            </a:endParaRPr>
-          </a:p>
-        </p:txBody>
-      </p:sp>
-      <p:sp>
-        <p:nvSpPr>
-          <p:cNvPr id="11" name="Retângulo 10">
-            <a:extLst>
-              <a:ext uri="{FF2B5EF4-FFF2-40B4-BE49-F238E27FC236}">
-                <a16:creationId xmlns:a16="http://schemas.microsoft.com/office/drawing/2014/main" id="{DDBEC2E3-69C9-4179-8BC1-F4AEFC240415}"/>
-              </a:ext>
-            </a:extLst>
-          </p:cNvPr>
-          <p:cNvSpPr/>
-          <p:nvPr/>
-        </p:nvSpPr>
-        <p:spPr>
-          <a:xfrm>
-            <a:off x="1351006" y="1166662"/>
-            <a:ext cx="1186249" cy="673385"/>
-          </a:xfrm>
-          <a:prstGeom prst="rect">
-            <a:avLst/>
-          </a:prstGeom>
-          <a:noFill/>
-          <a:ln>
-            <a:solidFill>
-              <a:schemeClr val="tx2">
-                <a:lumMod val="75000"/>
-              </a:schemeClr>
-            </a:solidFill>
-          </a:ln>
-        </p:spPr>
-        <p:style>
-          <a:lnRef idx="2">
-            <a:schemeClr val="accent1">
-              <a:shade val="50000"/>
-            </a:schemeClr>
-          </a:lnRef>
-          <a:fillRef idx="1">
-            <a:schemeClr val="accent1"/>
-          </a:fillRef>
-          <a:effectRef idx="0">
-            <a:schemeClr val="accent1"/>
-          </a:effectRef>
-          <a:fontRef idx="minor">
-            <a:schemeClr val="lt1"/>
-          </a:fontRef>
-        </p:style>
-        <p:txBody>
-          <a:bodyPr rtlCol="0" anchor="ctr"/>
-          <a:lstStyle/>
-          <a:p>
-            <a:pPr algn="ctr"/>
-            <a:endParaRPr lang="en-US" sz="2400"/>
+              <a:t>Machine</a:t>
+            </a:r>
+            <a:r>
+              <a:rPr lang="pt-BR" sz="2600" dirty="0">
+                <a:latin typeface="Arial Narrow" panose="020B0606020202030204" pitchFamily="34" charset="0"/>
+              </a:rPr>
+              <a:t> Learning </a:t>
+            </a:r>
+            <a:r>
+              <a:rPr lang="pt-BR" sz="2600" dirty="0" err="1">
+                <a:latin typeface="Arial Narrow" panose="020B0606020202030204" pitchFamily="34" charset="0"/>
+              </a:rPr>
+              <a:t>Process</a:t>
+            </a:r>
+            <a:r>
+              <a:rPr lang="pt-BR" sz="2600" dirty="0">
+                <a:latin typeface="Arial Narrow" panose="020B0606020202030204" pitchFamily="34" charset="0"/>
+              </a:rPr>
+              <a:t>)</a:t>
+            </a:r>
           </a:p>
         </p:txBody>
       </p:sp>
@@ -9190,31 +9156,23 @@
           <p:cNvPr id="12" name="Imagem 11">
             <a:extLst>
               <a:ext uri="{FF2B5EF4-FFF2-40B4-BE49-F238E27FC236}">
-                <a16:creationId xmlns:a16="http://schemas.microsoft.com/office/drawing/2014/main" id="{A9B295DB-F18D-4497-B3F6-F162C6A5C1CD}"/>
-              </a:ext>
-            </a:extLst>
-          </p:cNvPr>
-          <p:cNvPicPr>
-            <a:picLocks noChangeAspect="1"/>
-          </p:cNvPicPr>
+                <a16:creationId xmlns:a16="http://schemas.microsoft.com/office/drawing/2014/main" id="{2E3AA74C-80E3-4531-A32D-9A197E793AC4}"/>
+              </a:ext>
+            </a:extLst>
+          </p:cNvPr>
+          <p:cNvPicPr/>
           <p:nvPr/>
         </p:nvPicPr>
         <p:blipFill>
-          <a:blip r:embed="rId5">
-            <a:extLst>
-              <a:ext uri="{28A0092B-C50C-407E-A947-70E740481C1C}">
-                <a14:useLocalDpi xmlns:a14="http://schemas.microsoft.com/office/drawing/2010/main" val="0"/>
-              </a:ext>
-            </a:extLst>
-          </a:blip>
+          <a:blip r:embed="rId4"/>
           <a:stretch>
             <a:fillRect/>
           </a:stretch>
         </p:blipFill>
         <p:spPr>
           <a:xfrm>
-            <a:off x="9379507" y="181752"/>
-            <a:ext cx="949469" cy="791224"/>
+            <a:off x="1364935" y="1704416"/>
+            <a:ext cx="7779065" cy="4934127"/>
           </a:xfrm>
           <a:prstGeom prst="rect">
             <a:avLst/>
@@ -9224,7 +9182,7 @@
     </p:spTree>
     <p:extLst>
       <p:ext uri="{BB962C8B-B14F-4D97-AF65-F5344CB8AC3E}">
-        <p14:creationId xmlns:p14="http://schemas.microsoft.com/office/powerpoint/2010/main" val="2298702066"/>
+        <p14:creationId xmlns:p14="http://schemas.microsoft.com/office/powerpoint/2010/main" val="203112458"/>
       </p:ext>
     </p:extLst>
   </p:cSld>
@@ -9320,48 +9278,12 @@
           </a:prstGeom>
         </p:spPr>
       </p:pic>
-      <p:pic>
-        <p:nvPicPr>
-          <p:cNvPr id="6" name="Imagem 5">
-            <a:extLst>
-              <a:ext uri="{FF2B5EF4-FFF2-40B4-BE49-F238E27FC236}">
-                <a16:creationId xmlns:a16="http://schemas.microsoft.com/office/drawing/2014/main" id="{849393B0-DE1E-4E99-8B32-B11B9178E0E2}"/>
-              </a:ext>
-            </a:extLst>
-          </p:cNvPr>
-          <p:cNvPicPr>
-            <a:picLocks/>
-          </p:cNvPicPr>
-          <p:nvPr/>
-        </p:nvPicPr>
-        <p:blipFill>
-          <a:blip r:embed="rId3">
-            <a:extLst>
-              <a:ext uri="{28A0092B-C50C-407E-A947-70E740481C1C}">
-                <a14:useLocalDpi xmlns:a14="http://schemas.microsoft.com/office/drawing/2010/main" val="0"/>
-              </a:ext>
-            </a:extLst>
-          </a:blip>
-          <a:stretch>
-            <a:fillRect/>
-          </a:stretch>
-        </p:blipFill>
-        <p:spPr>
-          <a:xfrm>
-            <a:off x="923260" y="1856258"/>
-            <a:ext cx="10445465" cy="4251960"/>
-          </a:xfrm>
-          <a:prstGeom prst="rect">
-            <a:avLst/>
-          </a:prstGeom>
-        </p:spPr>
-      </p:pic>
       <p:sp>
         <p:nvSpPr>
-          <p:cNvPr id="8" name="Rectangle 25">
-            <a:extLst>
-              <a:ext uri="{FF2B5EF4-FFF2-40B4-BE49-F238E27FC236}">
-                <a16:creationId xmlns:a16="http://schemas.microsoft.com/office/drawing/2014/main" id="{C19B2681-4BFD-4466-9CD9-8AD3D7AFD2F7}"/>
+          <p:cNvPr id="10" name="Rectangle 25">
+            <a:extLst>
+              <a:ext uri="{FF2B5EF4-FFF2-40B4-BE49-F238E27FC236}">
+                <a16:creationId xmlns:a16="http://schemas.microsoft.com/office/drawing/2014/main" id="{9CD1090A-B977-45A9-819B-D980E4BCE7A7}"/>
               </a:ext>
             </a:extLst>
           </p:cNvPr>
@@ -9410,10 +9332,10 @@
       </p:sp>
       <p:sp>
         <p:nvSpPr>
-          <p:cNvPr id="9" name="Retângulo 8">
-            <a:extLst>
-              <a:ext uri="{FF2B5EF4-FFF2-40B4-BE49-F238E27FC236}">
-                <a16:creationId xmlns:a16="http://schemas.microsoft.com/office/drawing/2014/main" id="{7A3E741E-359C-433B-80F2-2BB2E93AE666}"/>
+          <p:cNvPr id="11" name="Retângulo 10">
+            <a:extLst>
+              <a:ext uri="{FF2B5EF4-FFF2-40B4-BE49-F238E27FC236}">
+                <a16:creationId xmlns:a16="http://schemas.microsoft.com/office/drawing/2014/main" id="{0292B074-CF6C-4186-A0D0-583E2F224EAB}"/>
               </a:ext>
             </a:extLst>
           </p:cNvPr>
@@ -9465,396 +9387,6 @@
       </p:sp>
       <p:pic>
         <p:nvPicPr>
-          <p:cNvPr id="7" name="Imagem 6">
-            <a:extLst>
-              <a:ext uri="{FF2B5EF4-FFF2-40B4-BE49-F238E27FC236}">
-                <a16:creationId xmlns:a16="http://schemas.microsoft.com/office/drawing/2014/main" id="{FAEE5319-B698-41E8-B304-57F5337654CC}"/>
-              </a:ext>
-            </a:extLst>
-          </p:cNvPr>
-          <p:cNvPicPr>
-            <a:picLocks noChangeAspect="1"/>
-          </p:cNvPicPr>
-          <p:nvPr/>
-        </p:nvPicPr>
-        <p:blipFill>
-          <a:blip r:embed="rId4">
-            <a:extLst>
-              <a:ext uri="{28A0092B-C50C-407E-A947-70E740481C1C}">
-                <a14:useLocalDpi xmlns:a14="http://schemas.microsoft.com/office/drawing/2010/main" val="0"/>
-              </a:ext>
-            </a:extLst>
-          </a:blip>
-          <a:stretch>
-            <a:fillRect/>
-          </a:stretch>
-        </p:blipFill>
-        <p:spPr>
-          <a:xfrm>
-            <a:off x="1426551" y="1281669"/>
-            <a:ext cx="161948" cy="381053"/>
-          </a:xfrm>
-          <a:prstGeom prst="rect">
-            <a:avLst/>
-          </a:prstGeom>
-        </p:spPr>
-      </p:pic>
-      <p:sp>
-        <p:nvSpPr>
-          <p:cNvPr id="10" name="CaixaDeTexto 9">
-            <a:extLst>
-              <a:ext uri="{FF2B5EF4-FFF2-40B4-BE49-F238E27FC236}">
-                <a16:creationId xmlns:a16="http://schemas.microsoft.com/office/drawing/2014/main" id="{D148AA4A-B229-4DF2-9BB1-DBDB3414671B}"/>
-              </a:ext>
-            </a:extLst>
-          </p:cNvPr>
-          <p:cNvSpPr txBox="1"/>
-          <p:nvPr/>
-        </p:nvSpPr>
-        <p:spPr>
-          <a:xfrm>
-            <a:off x="1588499" y="1166662"/>
-            <a:ext cx="1458097" cy="611065"/>
-          </a:xfrm>
-          <a:prstGeom prst="rect">
-            <a:avLst/>
-          </a:prstGeom>
-          <a:noFill/>
-        </p:spPr>
-        <p:txBody>
-          <a:bodyPr wrap="square" rtlCol="0">
-            <a:spAutoFit/>
-          </a:bodyPr>
-          <a:lstStyle/>
-          <a:p>
-            <a:pPr>
-              <a:lnSpc>
-                <a:spcPct val="150000"/>
-              </a:lnSpc>
-            </a:pPr>
-            <a:r>
-              <a:rPr lang="pt-BR" sz="1200" b="1" dirty="0">
-                <a:latin typeface="Arial Narrow" panose="020B0606020202030204" pitchFamily="34" charset="0"/>
-              </a:rPr>
-              <a:t>Quebra-Mola</a:t>
-            </a:r>
-          </a:p>
-          <a:p>
-            <a:pPr>
-              <a:lnSpc>
-                <a:spcPct val="150000"/>
-              </a:lnSpc>
-            </a:pPr>
-            <a:r>
-              <a:rPr lang="pt-BR" sz="1200" b="1" dirty="0">
-                <a:latin typeface="Arial Narrow" panose="020B0606020202030204" pitchFamily="34" charset="0"/>
-              </a:rPr>
-              <a:t>Buraco</a:t>
-            </a:r>
-            <a:endParaRPr lang="en-US" sz="1200" b="1" dirty="0">
-              <a:latin typeface="Arial Narrow" panose="020B0606020202030204" pitchFamily="34" charset="0"/>
-            </a:endParaRPr>
-          </a:p>
-        </p:txBody>
-      </p:sp>
-      <p:sp>
-        <p:nvSpPr>
-          <p:cNvPr id="11" name="Retângulo 10">
-            <a:extLst>
-              <a:ext uri="{FF2B5EF4-FFF2-40B4-BE49-F238E27FC236}">
-                <a16:creationId xmlns:a16="http://schemas.microsoft.com/office/drawing/2014/main" id="{29D5AF84-507F-4009-ABD2-309792A0CFC5}"/>
-              </a:ext>
-            </a:extLst>
-          </p:cNvPr>
-          <p:cNvSpPr/>
-          <p:nvPr/>
-        </p:nvSpPr>
-        <p:spPr>
-          <a:xfrm>
-            <a:off x="1351006" y="1166662"/>
-            <a:ext cx="1186249" cy="673385"/>
-          </a:xfrm>
-          <a:prstGeom prst="rect">
-            <a:avLst/>
-          </a:prstGeom>
-          <a:noFill/>
-          <a:ln>
-            <a:solidFill>
-              <a:schemeClr val="tx2">
-                <a:lumMod val="75000"/>
-              </a:schemeClr>
-            </a:solidFill>
-          </a:ln>
-        </p:spPr>
-        <p:style>
-          <a:lnRef idx="2">
-            <a:schemeClr val="accent1">
-              <a:shade val="50000"/>
-            </a:schemeClr>
-          </a:lnRef>
-          <a:fillRef idx="1">
-            <a:schemeClr val="accent1"/>
-          </a:fillRef>
-          <a:effectRef idx="0">
-            <a:schemeClr val="accent1"/>
-          </a:effectRef>
-          <a:fontRef idx="minor">
-            <a:schemeClr val="lt1"/>
-          </a:fontRef>
-        </p:style>
-        <p:txBody>
-          <a:bodyPr rtlCol="0" anchor="ctr"/>
-          <a:lstStyle/>
-          <a:p>
-            <a:pPr algn="ctr"/>
-            <a:endParaRPr lang="en-US" sz="2400"/>
-          </a:p>
-        </p:txBody>
-      </p:sp>
-      <p:pic>
-        <p:nvPicPr>
-          <p:cNvPr id="12" name="Imagem 11">
-            <a:extLst>
-              <a:ext uri="{FF2B5EF4-FFF2-40B4-BE49-F238E27FC236}">
-                <a16:creationId xmlns:a16="http://schemas.microsoft.com/office/drawing/2014/main" id="{497BB4A5-5018-4E10-B972-E56F4B6626E6}"/>
-              </a:ext>
-            </a:extLst>
-          </p:cNvPr>
-          <p:cNvPicPr>
-            <a:picLocks noChangeAspect="1"/>
-          </p:cNvPicPr>
-          <p:nvPr/>
-        </p:nvPicPr>
-        <p:blipFill>
-          <a:blip r:embed="rId5">
-            <a:extLst>
-              <a:ext uri="{28A0092B-C50C-407E-A947-70E740481C1C}">
-                <a14:useLocalDpi xmlns:a14="http://schemas.microsoft.com/office/drawing/2010/main" val="0"/>
-              </a:ext>
-            </a:extLst>
-          </a:blip>
-          <a:stretch>
-            <a:fillRect/>
-          </a:stretch>
-        </p:blipFill>
-        <p:spPr>
-          <a:xfrm>
-            <a:off x="9379507" y="181752"/>
-            <a:ext cx="949469" cy="791224"/>
-          </a:xfrm>
-          <a:prstGeom prst="rect">
-            <a:avLst/>
-          </a:prstGeom>
-        </p:spPr>
-      </p:pic>
-    </p:spTree>
-    <p:extLst>
-      <p:ext uri="{BB962C8B-B14F-4D97-AF65-F5344CB8AC3E}">
-        <p14:creationId xmlns:p14="http://schemas.microsoft.com/office/powerpoint/2010/main" val="2890843661"/>
-      </p:ext>
-    </p:extLst>
-  </p:cSld>
-  <p:clrMapOvr>
-    <a:masterClrMapping/>
-  </p:clrMapOvr>
-</p:sld>
-</file>
-
-<file path=ppt/slides/slide23.xml><?xml version="1.0" encoding="utf-8"?>
-<p:sld xmlns:a="http://schemas.openxmlformats.org/drawingml/2006/main" xmlns:r="http://schemas.openxmlformats.org/officeDocument/2006/relationships" xmlns:p="http://schemas.openxmlformats.org/presentationml/2006/main">
-  <p:cSld>
-    <p:spTree>
-      <p:nvGrpSpPr>
-        <p:cNvPr id="1" name=""/>
-        <p:cNvGrpSpPr/>
-        <p:nvPr/>
-      </p:nvGrpSpPr>
-      <p:grpSpPr>
-        <a:xfrm>
-          <a:off x="0" y="0"/>
-          <a:ext cx="0" cy="0"/>
-          <a:chOff x="0" y="0"/>
-          <a:chExt cx="0" cy="0"/>
-        </a:xfrm>
-      </p:grpSpPr>
-      <p:sp>
-        <p:nvSpPr>
-          <p:cNvPr id="2" name="CaixaDeTexto 1"/>
-          <p:cNvSpPr txBox="1"/>
-          <p:nvPr/>
-        </p:nvSpPr>
-        <p:spPr>
-          <a:xfrm>
-            <a:off x="1188720" y="219456"/>
-            <a:ext cx="3414589" cy="646331"/>
-          </a:xfrm>
-          <a:prstGeom prst="rect">
-            <a:avLst/>
-          </a:prstGeom>
-          <a:noFill/>
-        </p:spPr>
-        <p:txBody>
-          <a:bodyPr wrap="none" rtlCol="0">
-            <a:spAutoFit/>
-          </a:bodyPr>
-          <a:lstStyle/>
-          <a:p>
-            <a:r>
-              <a:rPr lang="pt-BR" sz="3600" b="1" dirty="0">
-                <a:latin typeface="Arial Narrow" charset="0"/>
-                <a:ea typeface="Arial Narrow" charset="0"/>
-                <a:cs typeface="Arial Narrow" charset="0"/>
-              </a:rPr>
-              <a:t>PROJETO LUNAR</a:t>
-            </a:r>
-          </a:p>
-        </p:txBody>
-      </p:sp>
-      <p:pic>
-        <p:nvPicPr>
-          <p:cNvPr id="4" name="Imagem 3">
-            <a:extLst>
-              <a:ext uri="{FF2B5EF4-FFF2-40B4-BE49-F238E27FC236}">
-                <a16:creationId xmlns:a16="http://schemas.microsoft.com/office/drawing/2014/main" id="{2430799C-8C4C-41F3-A73F-C2ADBE783964}"/>
-              </a:ext>
-            </a:extLst>
-          </p:cNvPr>
-          <p:cNvPicPr>
-            <a:picLocks noChangeAspect="1"/>
-          </p:cNvPicPr>
-          <p:nvPr/>
-        </p:nvPicPr>
-        <p:blipFill>
-          <a:blip r:embed="rId2">
-            <a:extLst>
-              <a:ext uri="{28A0092B-C50C-407E-A947-70E740481C1C}">
-                <a14:useLocalDpi xmlns:a14="http://schemas.microsoft.com/office/drawing/2010/main" val="0"/>
-              </a:ext>
-            </a:extLst>
-          </a:blip>
-          <a:stretch>
-            <a:fillRect/>
-          </a:stretch>
-        </p:blipFill>
-        <p:spPr>
-          <a:xfrm>
-            <a:off x="10488168" y="192024"/>
-            <a:ext cx="657143" cy="780952"/>
-          </a:xfrm>
-          <a:prstGeom prst="rect">
-            <a:avLst/>
-          </a:prstGeom>
-        </p:spPr>
-      </p:pic>
-      <p:sp>
-        <p:nvSpPr>
-          <p:cNvPr id="10" name="Rectangle 25">
-            <a:extLst>
-              <a:ext uri="{FF2B5EF4-FFF2-40B4-BE49-F238E27FC236}">
-                <a16:creationId xmlns:a16="http://schemas.microsoft.com/office/drawing/2014/main" id="{9CD1090A-B977-45A9-819B-D980E4BCE7A7}"/>
-              </a:ext>
-            </a:extLst>
-          </p:cNvPr>
-          <p:cNvSpPr/>
-          <p:nvPr/>
-        </p:nvSpPr>
-        <p:spPr>
-          <a:xfrm>
-            <a:off x="822960" y="0"/>
-            <a:ext cx="242269" cy="1028733"/>
-          </a:xfrm>
-          <a:prstGeom prst="rect">
-            <a:avLst/>
-          </a:prstGeom>
-          <a:solidFill>
-            <a:srgbClr val="F9423A"/>
-          </a:solidFill>
-          <a:ln>
-            <a:noFill/>
-          </a:ln>
-        </p:spPr>
-        <p:style>
-          <a:lnRef idx="2">
-            <a:schemeClr val="accent1">
-              <a:shade val="50000"/>
-            </a:schemeClr>
-          </a:lnRef>
-          <a:fillRef idx="1">
-            <a:schemeClr val="accent1"/>
-          </a:fillRef>
-          <a:effectRef idx="0">
-            <a:schemeClr val="accent1"/>
-          </a:effectRef>
-          <a:fontRef idx="minor">
-            <a:schemeClr val="lt1"/>
-          </a:fontRef>
-        </p:style>
-        <p:txBody>
-          <a:bodyPr rtlCol="0" anchor="ctr"/>
-          <a:lstStyle/>
-          <a:p>
-            <a:pPr algn="ctr"/>
-            <a:endParaRPr lang="en-US" sz="2400"/>
-          </a:p>
-        </p:txBody>
-      </p:sp>
-      <p:sp>
-        <p:nvSpPr>
-          <p:cNvPr id="11" name="Retângulo 10">
-            <a:extLst>
-              <a:ext uri="{FF2B5EF4-FFF2-40B4-BE49-F238E27FC236}">
-                <a16:creationId xmlns:a16="http://schemas.microsoft.com/office/drawing/2014/main" id="{0292B074-CF6C-4186-A0D0-583E2F224EAB}"/>
-              </a:ext>
-            </a:extLst>
-          </p:cNvPr>
-          <p:cNvSpPr/>
-          <p:nvPr/>
-        </p:nvSpPr>
-        <p:spPr>
-          <a:xfrm>
-            <a:off x="0" y="0"/>
-            <a:ext cx="801283" cy="1028733"/>
-          </a:xfrm>
-          <a:prstGeom prst="rect">
-            <a:avLst/>
-          </a:prstGeom>
-          <a:solidFill>
-            <a:schemeClr val="tx1">
-              <a:lumMod val="75000"/>
-              <a:lumOff val="25000"/>
-            </a:schemeClr>
-          </a:solidFill>
-          <a:ln>
-            <a:noFill/>
-          </a:ln>
-        </p:spPr>
-        <p:style>
-          <a:lnRef idx="2">
-            <a:schemeClr val="accent1">
-              <a:shade val="50000"/>
-            </a:schemeClr>
-          </a:lnRef>
-          <a:fillRef idx="1">
-            <a:schemeClr val="accent1"/>
-          </a:fillRef>
-          <a:effectRef idx="0">
-            <a:schemeClr val="accent1"/>
-          </a:effectRef>
-          <a:fontRef idx="minor">
-            <a:schemeClr val="lt1"/>
-          </a:fontRef>
-        </p:style>
-        <p:txBody>
-          <a:bodyPr rtlCol="0" anchor="ctr"/>
-          <a:lstStyle/>
-          <a:p>
-            <a:pPr algn="ctr"/>
-            <a:endParaRPr lang="en-US" sz="2400"/>
-          </a:p>
-        </p:txBody>
-      </p:sp>
-      <p:pic>
-        <p:nvPicPr>
           <p:cNvPr id="9" name="Imagem 8">
             <a:extLst>
               <a:ext uri="{FF2B5EF4-FFF2-40B4-BE49-F238E27FC236}">
@@ -9903,8 +9435,8 @@
         </p:nvSpPr>
         <p:spPr>
           <a:xfrm>
-            <a:off x="782055" y="1244042"/>
-            <a:ext cx="4227917" cy="492443"/>
+            <a:off x="944094" y="1190516"/>
+            <a:ext cx="6689556" cy="492443"/>
           </a:xfrm>
           <a:prstGeom prst="rect">
             <a:avLst/>
@@ -9917,779 +9449,9 @@
           </a:bodyPr>
           <a:lstStyle/>
           <a:p>
-            <a:pPr marL="285750" indent="-285750">
-              <a:buFont typeface="Wingdings" panose="05000000000000000000" pitchFamily="2" charset="2"/>
-              <a:buChar char="§"/>
-            </a:pPr>
-            <a:r>
-              <a:rPr lang="pt-BR" sz="2600" dirty="0">
-                <a:latin typeface="Arial Narrow" panose="020B0606020202030204" pitchFamily="34" charset="0"/>
-              </a:rPr>
-              <a:t>Estrutura do projeto</a:t>
-            </a:r>
-          </a:p>
-        </p:txBody>
-      </p:sp>
-      <p:pic>
-        <p:nvPicPr>
-          <p:cNvPr id="5" name="Imagem 4">
-            <a:extLst>
-              <a:ext uri="{FF2B5EF4-FFF2-40B4-BE49-F238E27FC236}">
-                <a16:creationId xmlns:a16="http://schemas.microsoft.com/office/drawing/2014/main" id="{2D9E085A-CE36-492D-A245-B9E14889A217}"/>
-              </a:ext>
-            </a:extLst>
-          </p:cNvPr>
-          <p:cNvPicPr>
-            <a:picLocks noChangeAspect="1"/>
-          </p:cNvPicPr>
-          <p:nvPr/>
-        </p:nvPicPr>
-        <p:blipFill>
-          <a:blip r:embed="rId4">
-            <a:extLst>
-              <a:ext uri="{28A0092B-C50C-407E-A947-70E740481C1C}">
-                <a14:useLocalDpi xmlns:a14="http://schemas.microsoft.com/office/drawing/2010/main" val="0"/>
-              </a:ext>
-            </a:extLst>
-          </a:blip>
-          <a:stretch>
-            <a:fillRect/>
-          </a:stretch>
-        </p:blipFill>
-        <p:spPr>
-          <a:xfrm>
-            <a:off x="426443" y="2136884"/>
-            <a:ext cx="11339113" cy="3944039"/>
-          </a:xfrm>
-          <a:prstGeom prst="rect">
-            <a:avLst/>
-          </a:prstGeom>
-        </p:spPr>
-      </p:pic>
-    </p:spTree>
-    <p:extLst>
-      <p:ext uri="{BB962C8B-B14F-4D97-AF65-F5344CB8AC3E}">
-        <p14:creationId xmlns:p14="http://schemas.microsoft.com/office/powerpoint/2010/main" val="3841886570"/>
-      </p:ext>
-    </p:extLst>
-  </p:cSld>
-  <p:clrMapOvr>
-    <a:masterClrMapping/>
-  </p:clrMapOvr>
-</p:sld>
-</file>
-
-<file path=ppt/slides/slide24.xml><?xml version="1.0" encoding="utf-8"?>
-<p:sld xmlns:a="http://schemas.openxmlformats.org/drawingml/2006/main" xmlns:r="http://schemas.openxmlformats.org/officeDocument/2006/relationships" xmlns:p="http://schemas.openxmlformats.org/presentationml/2006/main">
-  <p:cSld>
-    <p:spTree>
-      <p:nvGrpSpPr>
-        <p:cNvPr id="1" name=""/>
-        <p:cNvGrpSpPr/>
-        <p:nvPr/>
-      </p:nvGrpSpPr>
-      <p:grpSpPr>
-        <a:xfrm>
-          <a:off x="0" y="0"/>
-          <a:ext cx="0" cy="0"/>
-          <a:chOff x="0" y="0"/>
-          <a:chExt cx="0" cy="0"/>
-        </a:xfrm>
-      </p:grpSpPr>
-      <p:sp>
-        <p:nvSpPr>
-          <p:cNvPr id="2" name="CaixaDeTexto 1"/>
-          <p:cNvSpPr txBox="1"/>
-          <p:nvPr/>
-        </p:nvSpPr>
-        <p:spPr>
-          <a:xfrm>
-            <a:off x="1188720" y="219456"/>
-            <a:ext cx="3414589" cy="646331"/>
-          </a:xfrm>
-          <a:prstGeom prst="rect">
-            <a:avLst/>
-          </a:prstGeom>
-          <a:noFill/>
-        </p:spPr>
-        <p:txBody>
-          <a:bodyPr wrap="none" rtlCol="0">
-            <a:spAutoFit/>
-          </a:bodyPr>
-          <a:lstStyle/>
-          <a:p>
-            <a:r>
-              <a:rPr lang="pt-BR" sz="3600" b="1" dirty="0">
-                <a:latin typeface="Arial Narrow" charset="0"/>
-                <a:ea typeface="Arial Narrow" charset="0"/>
-                <a:cs typeface="Arial Narrow" charset="0"/>
-              </a:rPr>
-              <a:t>PROJETO LUNAR</a:t>
-            </a:r>
-          </a:p>
-        </p:txBody>
-      </p:sp>
-      <p:pic>
-        <p:nvPicPr>
-          <p:cNvPr id="4" name="Imagem 3">
-            <a:extLst>
-              <a:ext uri="{FF2B5EF4-FFF2-40B4-BE49-F238E27FC236}">
-                <a16:creationId xmlns:a16="http://schemas.microsoft.com/office/drawing/2014/main" id="{2430799C-8C4C-41F3-A73F-C2ADBE783964}"/>
-              </a:ext>
-            </a:extLst>
-          </p:cNvPr>
-          <p:cNvPicPr>
-            <a:picLocks noChangeAspect="1"/>
-          </p:cNvPicPr>
-          <p:nvPr/>
-        </p:nvPicPr>
-        <p:blipFill>
-          <a:blip r:embed="rId2">
-            <a:extLst>
-              <a:ext uri="{28A0092B-C50C-407E-A947-70E740481C1C}">
-                <a14:useLocalDpi xmlns:a14="http://schemas.microsoft.com/office/drawing/2010/main" val="0"/>
-              </a:ext>
-            </a:extLst>
-          </a:blip>
-          <a:stretch>
-            <a:fillRect/>
-          </a:stretch>
-        </p:blipFill>
-        <p:spPr>
-          <a:xfrm>
-            <a:off x="10488168" y="192024"/>
-            <a:ext cx="657143" cy="780952"/>
-          </a:xfrm>
-          <a:prstGeom prst="rect">
-            <a:avLst/>
-          </a:prstGeom>
-        </p:spPr>
-      </p:pic>
-      <p:sp>
-        <p:nvSpPr>
-          <p:cNvPr id="10" name="Rectangle 25">
-            <a:extLst>
-              <a:ext uri="{FF2B5EF4-FFF2-40B4-BE49-F238E27FC236}">
-                <a16:creationId xmlns:a16="http://schemas.microsoft.com/office/drawing/2014/main" id="{9CD1090A-B977-45A9-819B-D980E4BCE7A7}"/>
-              </a:ext>
-            </a:extLst>
-          </p:cNvPr>
-          <p:cNvSpPr/>
-          <p:nvPr/>
-        </p:nvSpPr>
-        <p:spPr>
-          <a:xfrm>
-            <a:off x="822960" y="0"/>
-            <a:ext cx="242269" cy="1028733"/>
-          </a:xfrm>
-          <a:prstGeom prst="rect">
-            <a:avLst/>
-          </a:prstGeom>
-          <a:solidFill>
-            <a:srgbClr val="F9423A"/>
-          </a:solidFill>
-          <a:ln>
-            <a:noFill/>
-          </a:ln>
-        </p:spPr>
-        <p:style>
-          <a:lnRef idx="2">
-            <a:schemeClr val="accent1">
-              <a:shade val="50000"/>
-            </a:schemeClr>
-          </a:lnRef>
-          <a:fillRef idx="1">
-            <a:schemeClr val="accent1"/>
-          </a:fillRef>
-          <a:effectRef idx="0">
-            <a:schemeClr val="accent1"/>
-          </a:effectRef>
-          <a:fontRef idx="minor">
-            <a:schemeClr val="lt1"/>
-          </a:fontRef>
-        </p:style>
-        <p:txBody>
-          <a:bodyPr rtlCol="0" anchor="ctr"/>
-          <a:lstStyle/>
-          <a:p>
-            <a:pPr algn="ctr"/>
-            <a:endParaRPr lang="en-US" sz="2400"/>
-          </a:p>
-        </p:txBody>
-      </p:sp>
-      <p:sp>
-        <p:nvSpPr>
-          <p:cNvPr id="11" name="Retângulo 10">
-            <a:extLst>
-              <a:ext uri="{FF2B5EF4-FFF2-40B4-BE49-F238E27FC236}">
-                <a16:creationId xmlns:a16="http://schemas.microsoft.com/office/drawing/2014/main" id="{0292B074-CF6C-4186-A0D0-583E2F224EAB}"/>
-              </a:ext>
-            </a:extLst>
-          </p:cNvPr>
-          <p:cNvSpPr/>
-          <p:nvPr/>
-        </p:nvSpPr>
-        <p:spPr>
-          <a:xfrm>
-            <a:off x="0" y="0"/>
-            <a:ext cx="801283" cy="1028733"/>
-          </a:xfrm>
-          <a:prstGeom prst="rect">
-            <a:avLst/>
-          </a:prstGeom>
-          <a:solidFill>
-            <a:schemeClr val="tx1">
-              <a:lumMod val="75000"/>
-              <a:lumOff val="25000"/>
-            </a:schemeClr>
-          </a:solidFill>
-          <a:ln>
-            <a:noFill/>
-          </a:ln>
-        </p:spPr>
-        <p:style>
-          <a:lnRef idx="2">
-            <a:schemeClr val="accent1">
-              <a:shade val="50000"/>
-            </a:schemeClr>
-          </a:lnRef>
-          <a:fillRef idx="1">
-            <a:schemeClr val="accent1"/>
-          </a:fillRef>
-          <a:effectRef idx="0">
-            <a:schemeClr val="accent1"/>
-          </a:effectRef>
-          <a:fontRef idx="minor">
-            <a:schemeClr val="lt1"/>
-          </a:fontRef>
-        </p:style>
-        <p:txBody>
-          <a:bodyPr rtlCol="0" anchor="ctr"/>
-          <a:lstStyle/>
-          <a:p>
-            <a:pPr algn="ctr"/>
-            <a:endParaRPr lang="en-US" sz="2400"/>
-          </a:p>
-        </p:txBody>
-      </p:sp>
-      <p:pic>
-        <p:nvPicPr>
-          <p:cNvPr id="9" name="Imagem 8">
-            <a:extLst>
-              <a:ext uri="{FF2B5EF4-FFF2-40B4-BE49-F238E27FC236}">
-                <a16:creationId xmlns:a16="http://schemas.microsoft.com/office/drawing/2014/main" id="{2F69AAB5-E7AA-41D6-83EB-9C06711B2B46}"/>
-              </a:ext>
-            </a:extLst>
-          </p:cNvPr>
-          <p:cNvPicPr>
-            <a:picLocks noChangeAspect="1"/>
-          </p:cNvPicPr>
-          <p:nvPr/>
-        </p:nvPicPr>
-        <p:blipFill>
-          <a:blip r:embed="rId3">
-            <a:extLst>
-              <a:ext uri="{28A0092B-C50C-407E-A947-70E740481C1C}">
-                <a14:useLocalDpi xmlns:a14="http://schemas.microsoft.com/office/drawing/2010/main" val="0"/>
-              </a:ext>
-            </a:extLst>
-          </a:blip>
-          <a:stretch>
-            <a:fillRect/>
-          </a:stretch>
-        </p:blipFill>
-        <p:spPr>
-          <a:xfrm>
-            <a:off x="9379507" y="181752"/>
-            <a:ext cx="949469" cy="791224"/>
-          </a:xfrm>
-          <a:prstGeom prst="rect">
-            <a:avLst/>
-          </a:prstGeom>
-        </p:spPr>
-      </p:pic>
-      <p:sp>
-        <p:nvSpPr>
-          <p:cNvPr id="8" name="CaixaDeTexto 7">
-            <a:extLst>
-              <a:ext uri="{FF2B5EF4-FFF2-40B4-BE49-F238E27FC236}">
-                <a16:creationId xmlns:a16="http://schemas.microsoft.com/office/drawing/2014/main" id="{C9421C42-9616-4B7A-966A-215BA0D5F0C0}"/>
-              </a:ext>
-            </a:extLst>
-          </p:cNvPr>
-          <p:cNvSpPr txBox="1"/>
-          <p:nvPr/>
-        </p:nvSpPr>
-        <p:spPr>
-          <a:xfrm>
-            <a:off x="782055" y="1211973"/>
-            <a:ext cx="7473303" cy="492443"/>
-          </a:xfrm>
-          <a:prstGeom prst="rect">
-            <a:avLst/>
-          </a:prstGeom>
-          <a:noFill/>
-        </p:spPr>
-        <p:txBody>
-          <a:bodyPr wrap="square" rtlCol="0">
-            <a:spAutoFit/>
-          </a:bodyPr>
-          <a:lstStyle/>
-          <a:p>
-            <a:pPr marL="285750" indent="-285750">
-              <a:buFont typeface="Wingdings" panose="05000000000000000000" pitchFamily="2" charset="2"/>
-              <a:buChar char="§"/>
-            </a:pPr>
-            <a:r>
-              <a:rPr lang="pt-BR" sz="2600" dirty="0">
-                <a:latin typeface="Arial Narrow" panose="020B0606020202030204" pitchFamily="34" charset="0"/>
-              </a:rPr>
-              <a:t>Processamento dos dados (</a:t>
-            </a:r>
-            <a:r>
-              <a:rPr lang="pt-BR" sz="2600" dirty="0" err="1">
-                <a:latin typeface="Arial Narrow" panose="020B0606020202030204" pitchFamily="34" charset="0"/>
-              </a:rPr>
-              <a:t>Machine</a:t>
-            </a:r>
-            <a:r>
-              <a:rPr lang="pt-BR" sz="2600" dirty="0">
-                <a:latin typeface="Arial Narrow" panose="020B0606020202030204" pitchFamily="34" charset="0"/>
-              </a:rPr>
-              <a:t> Learning </a:t>
-            </a:r>
-            <a:r>
-              <a:rPr lang="pt-BR" sz="2600" dirty="0" err="1">
-                <a:latin typeface="Arial Narrow" panose="020B0606020202030204" pitchFamily="34" charset="0"/>
-              </a:rPr>
-              <a:t>Process</a:t>
-            </a:r>
-            <a:r>
-              <a:rPr lang="pt-BR" sz="2600" dirty="0">
-                <a:latin typeface="Arial Narrow" panose="020B0606020202030204" pitchFamily="34" charset="0"/>
-              </a:rPr>
-              <a:t>)</a:t>
-            </a:r>
-          </a:p>
-        </p:txBody>
-      </p:sp>
-      <p:pic>
-        <p:nvPicPr>
-          <p:cNvPr id="12" name="Imagem 11">
-            <a:extLst>
-              <a:ext uri="{FF2B5EF4-FFF2-40B4-BE49-F238E27FC236}">
-                <a16:creationId xmlns:a16="http://schemas.microsoft.com/office/drawing/2014/main" id="{2E3AA74C-80E3-4531-A32D-9A197E793AC4}"/>
-              </a:ext>
-            </a:extLst>
-          </p:cNvPr>
-          <p:cNvPicPr/>
-          <p:nvPr/>
-        </p:nvPicPr>
-        <p:blipFill>
-          <a:blip r:embed="rId4"/>
-          <a:stretch>
-            <a:fillRect/>
-          </a:stretch>
-        </p:blipFill>
-        <p:spPr>
-          <a:xfrm>
-            <a:off x="1931605" y="1704417"/>
-            <a:ext cx="7779065" cy="4934127"/>
-          </a:xfrm>
-          <a:prstGeom prst="rect">
-            <a:avLst/>
-          </a:prstGeom>
-        </p:spPr>
-      </p:pic>
-      <p:sp>
-        <p:nvSpPr>
-          <p:cNvPr id="3" name="Seta: Curva para a Direita 2">
-            <a:extLst>
-              <a:ext uri="{FF2B5EF4-FFF2-40B4-BE49-F238E27FC236}">
-                <a16:creationId xmlns:a16="http://schemas.microsoft.com/office/drawing/2014/main" id="{AFAC44B4-BC77-41A4-AF73-202805FDACFD}"/>
-              </a:ext>
-            </a:extLst>
-          </p:cNvPr>
-          <p:cNvSpPr/>
-          <p:nvPr/>
-        </p:nvSpPr>
-        <p:spPr>
-          <a:xfrm rot="496893" flipH="1">
-            <a:off x="3721994" y="2691684"/>
-            <a:ext cx="553791" cy="837127"/>
-          </a:xfrm>
-          <a:prstGeom prst="curvedRightArrow">
-            <a:avLst>
-              <a:gd name="adj1" fmla="val 20274"/>
-              <a:gd name="adj2" fmla="val 27080"/>
-              <a:gd name="adj3" fmla="val 27053"/>
-            </a:avLst>
-          </a:prstGeom>
-        </p:spPr>
-        <p:style>
-          <a:lnRef idx="2">
-            <a:schemeClr val="accent1">
-              <a:shade val="50000"/>
-            </a:schemeClr>
-          </a:lnRef>
-          <a:fillRef idx="1">
-            <a:schemeClr val="accent1"/>
-          </a:fillRef>
-          <a:effectRef idx="0">
-            <a:schemeClr val="accent1"/>
-          </a:effectRef>
-          <a:fontRef idx="minor">
-            <a:schemeClr val="lt1"/>
-          </a:fontRef>
-        </p:style>
-        <p:txBody>
-          <a:bodyPr rtlCol="0" anchor="ctr"/>
-          <a:lstStyle/>
-          <a:p>
-            <a:pPr algn="ctr"/>
-            <a:endParaRPr lang="pt-BR">
-              <a:solidFill>
-                <a:schemeClr val="tx1"/>
-              </a:solidFill>
-            </a:endParaRPr>
-          </a:p>
-        </p:txBody>
-      </p:sp>
-      <p:sp>
-        <p:nvSpPr>
-          <p:cNvPr id="5" name="Retângulo: Cantos Arredondados 4">
-            <a:extLst>
-              <a:ext uri="{FF2B5EF4-FFF2-40B4-BE49-F238E27FC236}">
-                <a16:creationId xmlns:a16="http://schemas.microsoft.com/office/drawing/2014/main" id="{F37748A5-9C39-41DE-A1E4-1405401C2272}"/>
-              </a:ext>
-            </a:extLst>
-          </p:cNvPr>
-          <p:cNvSpPr/>
-          <p:nvPr/>
-        </p:nvSpPr>
-        <p:spPr>
-          <a:xfrm>
-            <a:off x="2356834" y="3182778"/>
-            <a:ext cx="1189450" cy="492443"/>
-          </a:xfrm>
-          <a:prstGeom prst="roundRect">
-            <a:avLst/>
-          </a:prstGeom>
-          <a:solidFill>
-            <a:srgbClr val="FFFFCC"/>
-          </a:solidFill>
-          <a:ln>
-            <a:solidFill>
-              <a:schemeClr val="tx1"/>
-            </a:solidFill>
-          </a:ln>
-        </p:spPr>
-        <p:style>
-          <a:lnRef idx="2">
-            <a:schemeClr val="accent1">
-              <a:shade val="50000"/>
-            </a:schemeClr>
-          </a:lnRef>
-          <a:fillRef idx="1">
-            <a:schemeClr val="accent1"/>
-          </a:fillRef>
-          <a:effectRef idx="0">
-            <a:schemeClr val="accent1"/>
-          </a:effectRef>
-          <a:fontRef idx="minor">
-            <a:schemeClr val="lt1"/>
-          </a:fontRef>
-        </p:style>
-        <p:txBody>
-          <a:bodyPr rtlCol="0" anchor="ctr"/>
-          <a:lstStyle/>
-          <a:p>
-            <a:pPr algn="ctr"/>
-            <a:r>
-              <a:rPr lang="pt-BR" sz="1400" dirty="0">
-                <a:solidFill>
-                  <a:schemeClr val="tx1"/>
-                </a:solidFill>
-                <a:latin typeface="Arial Narrow" panose="020B0606020202030204" pitchFamily="34" charset="0"/>
-              </a:rPr>
-              <a:t>Mensagem da ToBe_Tested</a:t>
-            </a:r>
-          </a:p>
-        </p:txBody>
-      </p:sp>
-    </p:spTree>
-    <p:extLst>
-      <p:ext uri="{BB962C8B-B14F-4D97-AF65-F5344CB8AC3E}">
-        <p14:creationId xmlns:p14="http://schemas.microsoft.com/office/powerpoint/2010/main" val="203112458"/>
-      </p:ext>
-    </p:extLst>
-  </p:cSld>
-  <p:clrMapOvr>
-    <a:masterClrMapping/>
-  </p:clrMapOvr>
-</p:sld>
-</file>
-
-<file path=ppt/slides/slide25.xml><?xml version="1.0" encoding="utf-8"?>
-<p:sld xmlns:a="http://schemas.openxmlformats.org/drawingml/2006/main" xmlns:r="http://schemas.openxmlformats.org/officeDocument/2006/relationships" xmlns:p="http://schemas.openxmlformats.org/presentationml/2006/main">
-  <p:cSld>
-    <p:spTree>
-      <p:nvGrpSpPr>
-        <p:cNvPr id="1" name=""/>
-        <p:cNvGrpSpPr/>
-        <p:nvPr/>
-      </p:nvGrpSpPr>
-      <p:grpSpPr>
-        <a:xfrm>
-          <a:off x="0" y="0"/>
-          <a:ext cx="0" cy="0"/>
-          <a:chOff x="0" y="0"/>
-          <a:chExt cx="0" cy="0"/>
-        </a:xfrm>
-      </p:grpSpPr>
-      <p:sp>
-        <p:nvSpPr>
-          <p:cNvPr id="2" name="CaixaDeTexto 1"/>
-          <p:cNvSpPr txBox="1"/>
-          <p:nvPr/>
-        </p:nvSpPr>
-        <p:spPr>
-          <a:xfrm>
-            <a:off x="1188720" y="219456"/>
-            <a:ext cx="3414589" cy="646331"/>
-          </a:xfrm>
-          <a:prstGeom prst="rect">
-            <a:avLst/>
-          </a:prstGeom>
-          <a:noFill/>
-        </p:spPr>
-        <p:txBody>
-          <a:bodyPr wrap="none" rtlCol="0">
-            <a:spAutoFit/>
-          </a:bodyPr>
-          <a:lstStyle/>
-          <a:p>
-            <a:r>
-              <a:rPr lang="pt-BR" sz="3600" b="1" dirty="0">
-                <a:latin typeface="Arial Narrow" charset="0"/>
-                <a:ea typeface="Arial Narrow" charset="0"/>
-                <a:cs typeface="Arial Narrow" charset="0"/>
-              </a:rPr>
-              <a:t>PROJETO LUNAR</a:t>
-            </a:r>
-          </a:p>
-        </p:txBody>
-      </p:sp>
-      <p:pic>
-        <p:nvPicPr>
-          <p:cNvPr id="4" name="Imagem 3">
-            <a:extLst>
-              <a:ext uri="{FF2B5EF4-FFF2-40B4-BE49-F238E27FC236}">
-                <a16:creationId xmlns:a16="http://schemas.microsoft.com/office/drawing/2014/main" id="{2430799C-8C4C-41F3-A73F-C2ADBE783964}"/>
-              </a:ext>
-            </a:extLst>
-          </p:cNvPr>
-          <p:cNvPicPr>
-            <a:picLocks noChangeAspect="1"/>
-          </p:cNvPicPr>
-          <p:nvPr/>
-        </p:nvPicPr>
-        <p:blipFill>
-          <a:blip r:embed="rId2">
-            <a:extLst>
-              <a:ext uri="{28A0092B-C50C-407E-A947-70E740481C1C}">
-                <a14:useLocalDpi xmlns:a14="http://schemas.microsoft.com/office/drawing/2010/main" val="0"/>
-              </a:ext>
-            </a:extLst>
-          </a:blip>
-          <a:stretch>
-            <a:fillRect/>
-          </a:stretch>
-        </p:blipFill>
-        <p:spPr>
-          <a:xfrm>
-            <a:off x="10488168" y="192024"/>
-            <a:ext cx="657143" cy="780952"/>
-          </a:xfrm>
-          <a:prstGeom prst="rect">
-            <a:avLst/>
-          </a:prstGeom>
-        </p:spPr>
-      </p:pic>
-      <p:sp>
-        <p:nvSpPr>
-          <p:cNvPr id="10" name="Rectangle 25">
-            <a:extLst>
-              <a:ext uri="{FF2B5EF4-FFF2-40B4-BE49-F238E27FC236}">
-                <a16:creationId xmlns:a16="http://schemas.microsoft.com/office/drawing/2014/main" id="{9CD1090A-B977-45A9-819B-D980E4BCE7A7}"/>
-              </a:ext>
-            </a:extLst>
-          </p:cNvPr>
-          <p:cNvSpPr/>
-          <p:nvPr/>
-        </p:nvSpPr>
-        <p:spPr>
-          <a:xfrm>
-            <a:off x="822960" y="0"/>
-            <a:ext cx="242269" cy="1028733"/>
-          </a:xfrm>
-          <a:prstGeom prst="rect">
-            <a:avLst/>
-          </a:prstGeom>
-          <a:solidFill>
-            <a:srgbClr val="F9423A"/>
-          </a:solidFill>
-          <a:ln>
-            <a:noFill/>
-          </a:ln>
-        </p:spPr>
-        <p:style>
-          <a:lnRef idx="2">
-            <a:schemeClr val="accent1">
-              <a:shade val="50000"/>
-            </a:schemeClr>
-          </a:lnRef>
-          <a:fillRef idx="1">
-            <a:schemeClr val="accent1"/>
-          </a:fillRef>
-          <a:effectRef idx="0">
-            <a:schemeClr val="accent1"/>
-          </a:effectRef>
-          <a:fontRef idx="minor">
-            <a:schemeClr val="lt1"/>
-          </a:fontRef>
-        </p:style>
-        <p:txBody>
-          <a:bodyPr rtlCol="0" anchor="ctr"/>
-          <a:lstStyle/>
-          <a:p>
-            <a:pPr algn="ctr"/>
-            <a:endParaRPr lang="en-US" sz="2400"/>
-          </a:p>
-        </p:txBody>
-      </p:sp>
-      <p:sp>
-        <p:nvSpPr>
-          <p:cNvPr id="11" name="Retângulo 10">
-            <a:extLst>
-              <a:ext uri="{FF2B5EF4-FFF2-40B4-BE49-F238E27FC236}">
-                <a16:creationId xmlns:a16="http://schemas.microsoft.com/office/drawing/2014/main" id="{0292B074-CF6C-4186-A0D0-583E2F224EAB}"/>
-              </a:ext>
-            </a:extLst>
-          </p:cNvPr>
-          <p:cNvSpPr/>
-          <p:nvPr/>
-        </p:nvSpPr>
-        <p:spPr>
-          <a:xfrm>
-            <a:off x="0" y="0"/>
-            <a:ext cx="801283" cy="1028733"/>
-          </a:xfrm>
-          <a:prstGeom prst="rect">
-            <a:avLst/>
-          </a:prstGeom>
-          <a:solidFill>
-            <a:schemeClr val="tx1">
-              <a:lumMod val="75000"/>
-              <a:lumOff val="25000"/>
-            </a:schemeClr>
-          </a:solidFill>
-          <a:ln>
-            <a:noFill/>
-          </a:ln>
-        </p:spPr>
-        <p:style>
-          <a:lnRef idx="2">
-            <a:schemeClr val="accent1">
-              <a:shade val="50000"/>
-            </a:schemeClr>
-          </a:lnRef>
-          <a:fillRef idx="1">
-            <a:schemeClr val="accent1"/>
-          </a:fillRef>
-          <a:effectRef idx="0">
-            <a:schemeClr val="accent1"/>
-          </a:effectRef>
-          <a:fontRef idx="minor">
-            <a:schemeClr val="lt1"/>
-          </a:fontRef>
-        </p:style>
-        <p:txBody>
-          <a:bodyPr rtlCol="0" anchor="ctr"/>
-          <a:lstStyle/>
-          <a:p>
-            <a:pPr algn="ctr"/>
-            <a:endParaRPr lang="en-US" sz="2400"/>
-          </a:p>
-        </p:txBody>
-      </p:sp>
-      <p:pic>
-        <p:nvPicPr>
-          <p:cNvPr id="9" name="Imagem 8">
-            <a:extLst>
-              <a:ext uri="{FF2B5EF4-FFF2-40B4-BE49-F238E27FC236}">
-                <a16:creationId xmlns:a16="http://schemas.microsoft.com/office/drawing/2014/main" id="{2F69AAB5-E7AA-41D6-83EB-9C06711B2B46}"/>
-              </a:ext>
-            </a:extLst>
-          </p:cNvPr>
-          <p:cNvPicPr>
-            <a:picLocks noChangeAspect="1"/>
-          </p:cNvPicPr>
-          <p:nvPr/>
-        </p:nvPicPr>
-        <p:blipFill>
-          <a:blip r:embed="rId3">
-            <a:extLst>
-              <a:ext uri="{28A0092B-C50C-407E-A947-70E740481C1C}">
-                <a14:useLocalDpi xmlns:a14="http://schemas.microsoft.com/office/drawing/2010/main" val="0"/>
-              </a:ext>
-            </a:extLst>
-          </a:blip>
-          <a:stretch>
-            <a:fillRect/>
-          </a:stretch>
-        </p:blipFill>
-        <p:spPr>
-          <a:xfrm>
-            <a:off x="9379507" y="181752"/>
-            <a:ext cx="949469" cy="791224"/>
-          </a:xfrm>
-          <a:prstGeom prst="rect">
-            <a:avLst/>
-          </a:prstGeom>
-        </p:spPr>
-      </p:pic>
-      <p:sp>
-        <p:nvSpPr>
-          <p:cNvPr id="8" name="CaixaDeTexto 7">
-            <a:extLst>
-              <a:ext uri="{FF2B5EF4-FFF2-40B4-BE49-F238E27FC236}">
-                <a16:creationId xmlns:a16="http://schemas.microsoft.com/office/drawing/2014/main" id="{C9421C42-9616-4B7A-966A-215BA0D5F0C0}"/>
-              </a:ext>
-            </a:extLst>
-          </p:cNvPr>
-          <p:cNvSpPr txBox="1"/>
-          <p:nvPr/>
-        </p:nvSpPr>
-        <p:spPr>
-          <a:xfrm>
-            <a:off x="782055" y="1189354"/>
-            <a:ext cx="6689556" cy="492443"/>
-          </a:xfrm>
-          <a:prstGeom prst="rect">
-            <a:avLst/>
-          </a:prstGeom>
-          <a:noFill/>
-        </p:spPr>
-        <p:txBody>
-          <a:bodyPr wrap="square" rtlCol="0">
-            <a:spAutoFit/>
-          </a:bodyPr>
-          <a:lstStyle/>
-          <a:p>
-            <a:pPr marL="285750" indent="-285750">
-              <a:buFont typeface="Wingdings" panose="05000000000000000000" pitchFamily="2" charset="2"/>
-              <a:buChar char="§"/>
+            <a:pPr marL="457200" indent="-457200">
+              <a:buFont typeface="Arial" panose="020B0604020202020204" pitchFamily="34" charset="0"/>
+              <a:buChar char="•"/>
             </a:pPr>
             <a:r>
               <a:rPr lang="pt-BR" sz="2600" dirty="0">
@@ -10730,7 +9492,7 @@
           <p:nvPr>
             <p:extLst>
               <p:ext uri="{D42A27DB-BD31-4B8C-83A1-F6EECF244321}">
-                <p14:modId xmlns:p14="http://schemas.microsoft.com/office/powerpoint/2010/main" val="1767632213"/>
+                <p14:modId xmlns:p14="http://schemas.microsoft.com/office/powerpoint/2010/main" val="1263340677"/>
               </p:ext>
             </p:extLst>
           </p:nvPr>
@@ -11332,13 +10094,13 @@
                         </a:spcAft>
                       </a:pPr>
                       <a:r>
-                        <a:rPr lang="pt-BR" sz="1400">
+                        <a:rPr lang="pt-BR" sz="1400" dirty="0">
                           <a:effectLst/>
                           <a:latin typeface="Arial Narrow" panose="020B0606020202030204" pitchFamily="34" charset="0"/>
                         </a:rPr>
-                        <a:t>88.1</a:t>
+                        <a:t>88,10%</a:t>
                       </a:r>
-                      <a:endParaRPr lang="pt-BR" sz="1400">
+                      <a:endParaRPr lang="pt-BR" sz="1400" dirty="0">
                         <a:effectLst/>
                         <a:latin typeface="Arial Narrow" panose="020B0606020202030204" pitchFamily="34" charset="0"/>
                         <a:ea typeface="Times New Roman" panose="02020603050405020304" pitchFamily="18" charset="0"/>
@@ -11379,13 +10141,13 @@
                         </a:spcAft>
                       </a:pPr>
                       <a:r>
-                        <a:rPr lang="pt-BR" sz="1400">
+                        <a:rPr lang="pt-BR" sz="1400" b="1" dirty="0">
                           <a:effectLst/>
                           <a:latin typeface="Arial Narrow" panose="020B0606020202030204" pitchFamily="34" charset="0"/>
                         </a:rPr>
                         <a:t>56,30%</a:t>
                       </a:r>
-                      <a:endParaRPr lang="pt-BR" sz="1400">
+                      <a:endParaRPr lang="pt-BR" sz="1400" b="1" dirty="0">
                         <a:effectLst/>
                         <a:latin typeface="Arial Narrow" panose="020B0606020202030204" pitchFamily="34" charset="0"/>
                         <a:ea typeface="Times New Roman" panose="02020603050405020304" pitchFamily="18" charset="0"/>
@@ -11637,7 +10399,7 @@
                           <a:effectLst/>
                           <a:latin typeface="Arial Narrow" panose="020B0606020202030204" pitchFamily="34" charset="0"/>
                         </a:rPr>
-                        <a:t>91.36</a:t>
+                        <a:t>91,36%</a:t>
                       </a:r>
                       <a:endParaRPr lang="pt-BR" sz="1400" dirty="0">
                         <a:effectLst/>
@@ -11938,7 +10700,7 @@
                           <a:effectLst/>
                           <a:latin typeface="Arial Narrow" panose="020B0606020202030204" pitchFamily="34" charset="0"/>
                         </a:rPr>
-                        <a:t>89.67</a:t>
+                        <a:t>89,67%</a:t>
                       </a:r>
                       <a:endParaRPr lang="pt-BR" sz="1400" dirty="0">
                         <a:effectLst/>
@@ -12235,13 +10997,13 @@
                         </a:spcAft>
                       </a:pPr>
                       <a:r>
-                        <a:rPr lang="pt-BR" sz="1400">
+                        <a:rPr lang="pt-BR" sz="1400" dirty="0">
                           <a:effectLst/>
                           <a:latin typeface="Arial Narrow" panose="020B0606020202030204" pitchFamily="34" charset="0"/>
                         </a:rPr>
-                        <a:t>91.49</a:t>
+                        <a:t>91,49%</a:t>
                       </a:r>
-                      <a:endParaRPr lang="pt-BR" sz="1400">
+                      <a:endParaRPr lang="pt-BR" sz="1400" dirty="0">
                         <a:effectLst/>
                         <a:latin typeface="Arial Narrow" panose="020B0606020202030204" pitchFamily="34" charset="0"/>
                         <a:ea typeface="Times New Roman" panose="02020603050405020304" pitchFamily="18" charset="0"/>
@@ -12536,13 +11298,13 @@
                         </a:spcAft>
                       </a:pPr>
                       <a:r>
-                        <a:rPr lang="pt-BR" sz="1400">
+                        <a:rPr lang="pt-BR" sz="1400" dirty="0">
                           <a:effectLst/>
                           <a:latin typeface="Arial Narrow" panose="020B0606020202030204" pitchFamily="34" charset="0"/>
                         </a:rPr>
-                        <a:t>89.19</a:t>
+                        <a:t>89,19%</a:t>
                       </a:r>
-                      <a:endParaRPr lang="pt-BR" sz="1400">
+                      <a:endParaRPr lang="pt-BR" sz="1400" dirty="0">
                         <a:effectLst/>
                         <a:latin typeface="Arial Narrow" panose="020B0606020202030204" pitchFamily="34" charset="0"/>
                         <a:ea typeface="Times New Roman" panose="02020603050405020304" pitchFamily="18" charset="0"/>
@@ -12837,13 +11599,13 @@
                         </a:spcAft>
                       </a:pPr>
                       <a:r>
-                        <a:rPr lang="pt-BR" sz="1400">
+                        <a:rPr lang="pt-BR" sz="1400" b="1" dirty="0">
                           <a:effectLst/>
                           <a:latin typeface="Arial Narrow" panose="020B0606020202030204" pitchFamily="34" charset="0"/>
                         </a:rPr>
-                        <a:t>91.55</a:t>
+                        <a:t>91,55%</a:t>
                       </a:r>
-                      <a:endParaRPr lang="pt-BR" sz="1400">
+                      <a:endParaRPr lang="pt-BR" sz="1400" b="1" dirty="0">
                         <a:effectLst/>
                         <a:latin typeface="Arial Narrow" panose="020B0606020202030204" pitchFamily="34" charset="0"/>
                         <a:ea typeface="Times New Roman" panose="02020603050405020304" pitchFamily="18" charset="0"/>
@@ -13138,13 +11900,13 @@
                         </a:spcAft>
                       </a:pPr>
                       <a:r>
-                        <a:rPr lang="pt-BR" sz="1400">
+                        <a:rPr lang="pt-BR" sz="1400" dirty="0">
                           <a:effectLst/>
                           <a:latin typeface="Arial Narrow" panose="020B0606020202030204" pitchFamily="34" charset="0"/>
                         </a:rPr>
-                        <a:t>91.24</a:t>
+                        <a:t>91,24%</a:t>
                       </a:r>
-                      <a:endParaRPr lang="pt-BR" sz="1400">
+                      <a:endParaRPr lang="pt-BR" sz="1400" dirty="0">
                         <a:effectLst/>
                         <a:latin typeface="Arial Narrow" panose="020B0606020202030204" pitchFamily="34" charset="0"/>
                         <a:ea typeface="Times New Roman" panose="02020603050405020304" pitchFamily="18" charset="0"/>
@@ -13439,13 +12201,13 @@
                         </a:spcAft>
                       </a:pPr>
                       <a:r>
-                        <a:rPr lang="pt-BR" sz="1400">
+                        <a:rPr lang="pt-BR" sz="1400" dirty="0">
                           <a:effectLst/>
                           <a:latin typeface="Arial Narrow" panose="020B0606020202030204" pitchFamily="34" charset="0"/>
                         </a:rPr>
-                        <a:t>89.79</a:t>
+                        <a:t>89,79%</a:t>
                       </a:r>
-                      <a:endParaRPr lang="pt-BR" sz="1400">
+                      <a:endParaRPr lang="pt-BR" sz="1400" dirty="0">
                         <a:effectLst/>
                         <a:latin typeface="Arial Narrow" panose="020B0606020202030204" pitchFamily="34" charset="0"/>
                         <a:ea typeface="Times New Roman" panose="02020603050405020304" pitchFamily="18" charset="0"/>
@@ -13740,13 +12502,13 @@
                         </a:spcAft>
                       </a:pPr>
                       <a:r>
-                        <a:rPr lang="pt-BR" sz="1400">
+                        <a:rPr lang="pt-BR" sz="1400" dirty="0">
                           <a:effectLst/>
                           <a:latin typeface="Arial Narrow" panose="020B0606020202030204" pitchFamily="34" charset="0"/>
                         </a:rPr>
-                        <a:t>90.46</a:t>
+                        <a:t>90,46%</a:t>
                       </a:r>
-                      <a:endParaRPr lang="pt-BR" sz="1400">
+                      <a:endParaRPr lang="pt-BR" sz="1400" dirty="0">
                         <a:effectLst/>
                         <a:latin typeface="Arial Narrow" panose="020B0606020202030204" pitchFamily="34" charset="0"/>
                         <a:ea typeface="Times New Roman" panose="02020603050405020304" pitchFamily="18" charset="0"/>
@@ -14041,13 +12803,13 @@
                         </a:spcAft>
                       </a:pPr>
                       <a:r>
-                        <a:rPr lang="pt-BR" sz="1400">
+                        <a:rPr lang="pt-BR" sz="1400" dirty="0">
                           <a:effectLst/>
                           <a:latin typeface="Arial Narrow" panose="020B0606020202030204" pitchFamily="34" charset="0"/>
                         </a:rPr>
-                        <a:t>91.24</a:t>
+                        <a:t>91,24%</a:t>
                       </a:r>
-                      <a:endParaRPr lang="pt-BR" sz="1400">
+                      <a:endParaRPr lang="pt-BR" sz="1400" dirty="0">
                         <a:effectLst/>
                         <a:latin typeface="Arial Narrow" panose="020B0606020202030204" pitchFamily="34" charset="0"/>
                         <a:ea typeface="Times New Roman" panose="02020603050405020304" pitchFamily="18" charset="0"/>
@@ -14342,13 +13104,13 @@
                         </a:spcAft>
                       </a:pPr>
                       <a:r>
-                        <a:rPr lang="pt-BR" sz="1400">
+                        <a:rPr lang="pt-BR" sz="1400" dirty="0">
                           <a:effectLst/>
                           <a:latin typeface="Arial Narrow" panose="020B0606020202030204" pitchFamily="34" charset="0"/>
                         </a:rPr>
-                        <a:t>91.49</a:t>
+                        <a:t>91,49%</a:t>
                       </a:r>
-                      <a:endParaRPr lang="pt-BR" sz="1400">
+                      <a:endParaRPr lang="pt-BR" sz="1400" dirty="0">
                         <a:effectLst/>
                         <a:latin typeface="Arial Narrow" panose="020B0606020202030204" pitchFamily="34" charset="0"/>
                         <a:ea typeface="Times New Roman" panose="02020603050405020304" pitchFamily="18" charset="0"/>
@@ -14643,13 +13405,13 @@
                         </a:spcAft>
                       </a:pPr>
                       <a:r>
-                        <a:rPr lang="pt-BR" sz="1400">
+                        <a:rPr lang="pt-BR" sz="1400" dirty="0">
                           <a:effectLst/>
                           <a:latin typeface="Arial Narrow" panose="020B0606020202030204" pitchFamily="34" charset="0"/>
                         </a:rPr>
-                        <a:t>89.98</a:t>
+                        <a:t>89,98%</a:t>
                       </a:r>
-                      <a:endParaRPr lang="pt-BR" sz="1400">
+                      <a:endParaRPr lang="pt-BR" sz="1400" dirty="0">
                         <a:effectLst/>
                         <a:latin typeface="Arial Narrow" panose="020B0606020202030204" pitchFamily="34" charset="0"/>
                         <a:ea typeface="Times New Roman" panose="02020603050405020304" pitchFamily="18" charset="0"/>
@@ -14944,13 +13706,13 @@
                         </a:spcAft>
                       </a:pPr>
                       <a:r>
-                        <a:rPr lang="pt-BR" sz="1400">
+                        <a:rPr lang="pt-BR" sz="1400" dirty="0">
                           <a:effectLst/>
                           <a:latin typeface="Arial Narrow" panose="020B0606020202030204" pitchFamily="34" charset="0"/>
                         </a:rPr>
-                        <a:t>90.52</a:t>
+                        <a:t>90,52%</a:t>
                       </a:r>
-                      <a:endParaRPr lang="pt-BR" sz="1400">
+                      <a:endParaRPr lang="pt-BR" sz="1400" dirty="0">
                         <a:effectLst/>
                         <a:latin typeface="Arial Narrow" panose="020B0606020202030204" pitchFamily="34" charset="0"/>
                         <a:ea typeface="Times New Roman" panose="02020603050405020304" pitchFamily="18" charset="0"/>
@@ -15245,13 +14007,13 @@
                         </a:spcAft>
                       </a:pPr>
                       <a:r>
-                        <a:rPr lang="pt-BR" sz="1400">
+                        <a:rPr lang="pt-BR" sz="1400" dirty="0">
                           <a:effectLst/>
                           <a:latin typeface="Arial Narrow" panose="020B0606020202030204" pitchFamily="34" charset="0"/>
                         </a:rPr>
-                        <a:t>90.1</a:t>
+                        <a:t>90,10%</a:t>
                       </a:r>
-                      <a:endParaRPr lang="pt-BR" sz="1400">
+                      <a:endParaRPr lang="pt-BR" sz="1400" dirty="0">
                         <a:effectLst/>
                         <a:latin typeface="Arial Narrow" panose="020B0606020202030204" pitchFamily="34" charset="0"/>
                         <a:ea typeface="Times New Roman" panose="02020603050405020304" pitchFamily="18" charset="0"/>
@@ -15546,13 +14308,13 @@
                         </a:spcAft>
                       </a:pPr>
                       <a:r>
-                        <a:rPr lang="pt-BR" sz="1400">
+                        <a:rPr lang="pt-BR" sz="1400" dirty="0">
                           <a:effectLst/>
                           <a:latin typeface="Arial Narrow" panose="020B0606020202030204" pitchFamily="34" charset="0"/>
                         </a:rPr>
-                        <a:t>90.04</a:t>
+                        <a:t>90,04%</a:t>
                       </a:r>
-                      <a:endParaRPr lang="pt-BR" sz="1400">
+                      <a:endParaRPr lang="pt-BR" sz="1400" dirty="0">
                         <a:effectLst/>
                         <a:latin typeface="Arial Narrow" panose="020B0606020202030204" pitchFamily="34" charset="0"/>
                         <a:ea typeface="Times New Roman" panose="02020603050405020304" pitchFamily="18" charset="0"/>
@@ -15847,13 +14609,13 @@
                         </a:spcAft>
                       </a:pPr>
                       <a:r>
-                        <a:rPr lang="pt-BR" sz="1400">
+                        <a:rPr lang="pt-BR" sz="1400" dirty="0">
                           <a:effectLst/>
                           <a:latin typeface="Arial Narrow" panose="020B0606020202030204" pitchFamily="34" charset="0"/>
                         </a:rPr>
-                        <a:t>90.1</a:t>
+                        <a:t>90,10%</a:t>
                       </a:r>
-                      <a:endParaRPr lang="pt-BR" sz="1400">
+                      <a:endParaRPr lang="pt-BR" sz="1400" dirty="0">
                         <a:effectLst/>
                         <a:latin typeface="Arial Narrow" panose="020B0606020202030204" pitchFamily="34" charset="0"/>
                         <a:ea typeface="Times New Roman" panose="02020603050405020304" pitchFamily="18" charset="0"/>
@@ -16148,13 +14910,13 @@
                         </a:spcAft>
                       </a:pPr>
                       <a:r>
-                        <a:rPr lang="pt-BR" sz="1400">
+                        <a:rPr lang="pt-BR" sz="1400" dirty="0">
                           <a:effectLst/>
                           <a:latin typeface="Arial Narrow" panose="020B0606020202030204" pitchFamily="34" charset="0"/>
                         </a:rPr>
-                        <a:t>91.06</a:t>
+                        <a:t>91,06%</a:t>
                       </a:r>
-                      <a:endParaRPr lang="pt-BR" sz="1400">
+                      <a:endParaRPr lang="pt-BR" sz="1400" dirty="0">
                         <a:effectLst/>
                         <a:latin typeface="Arial Narrow" panose="020B0606020202030204" pitchFamily="34" charset="0"/>
                         <a:ea typeface="Times New Roman" panose="02020603050405020304" pitchFamily="18" charset="0"/>
@@ -16449,13 +15211,13 @@
                         </a:spcAft>
                       </a:pPr>
                       <a:r>
-                        <a:rPr lang="pt-BR" sz="1400">
+                        <a:rPr lang="pt-BR" sz="1400" dirty="0">
                           <a:effectLst/>
                           <a:latin typeface="Arial Narrow" panose="020B0606020202030204" pitchFamily="34" charset="0"/>
                         </a:rPr>
-                        <a:t>91.3</a:t>
+                        <a:t>91,30%</a:t>
                       </a:r>
-                      <a:endParaRPr lang="pt-BR" sz="1400">
+                      <a:endParaRPr lang="pt-BR" sz="1400" dirty="0">
                         <a:effectLst/>
                         <a:latin typeface="Arial Narrow" panose="020B0606020202030204" pitchFamily="34" charset="0"/>
                         <a:ea typeface="Times New Roman" panose="02020603050405020304" pitchFamily="18" charset="0"/>
@@ -16750,13 +15512,13 @@
                         </a:spcAft>
                       </a:pPr>
                       <a:r>
-                        <a:rPr lang="pt-BR" sz="1400">
+                        <a:rPr lang="pt-BR" sz="1400" dirty="0">
                           <a:effectLst/>
                           <a:latin typeface="Arial Narrow" panose="020B0606020202030204" pitchFamily="34" charset="0"/>
                         </a:rPr>
-                        <a:t>91.36</a:t>
+                        <a:t>91,36%</a:t>
                       </a:r>
-                      <a:endParaRPr lang="pt-BR" sz="1400">
+                      <a:endParaRPr lang="pt-BR" sz="1400" dirty="0">
                         <a:effectLst/>
                         <a:latin typeface="Arial Narrow" panose="020B0606020202030204" pitchFamily="34" charset="0"/>
                         <a:ea typeface="Times New Roman" panose="02020603050405020304" pitchFamily="18" charset="0"/>
@@ -17075,13 +15837,13 @@
                         </a:spcAft>
                       </a:pPr>
                       <a:r>
-                        <a:rPr lang="pt-BR" sz="1400">
+                        <a:rPr lang="pt-BR" sz="1400" dirty="0">
                           <a:effectLst/>
                           <a:latin typeface="Arial Narrow" panose="020B0606020202030204" pitchFamily="34" charset="0"/>
                         </a:rPr>
-                        <a:t>90.76</a:t>
+                        <a:t>90,76%</a:t>
                       </a:r>
-                      <a:endParaRPr lang="pt-BR" sz="1400">
+                      <a:endParaRPr lang="pt-BR" sz="1400" dirty="0">
                         <a:effectLst/>
                         <a:latin typeface="Arial Narrow" panose="020B0606020202030204" pitchFamily="34" charset="0"/>
                         <a:ea typeface="Times New Roman" panose="02020603050405020304" pitchFamily="18" charset="0"/>
@@ -17243,7 +16005,7 @@
               <a:buChar char=""/>
             </a:pPr>
             <a:r>
-              <a:rPr lang="pt-BR" sz="2200" i="1" dirty="0" err="1">
+              <a:rPr lang="pt-BR" sz="2200" dirty="0" err="1">
                 <a:latin typeface="Arial Narrow" panose="020B0606020202030204" pitchFamily="34" charset="0"/>
                 <a:ea typeface="Times New Roman" panose="02020603050405020304" pitchFamily="18" charset="0"/>
               </a:rPr>
@@ -17353,6 +16115,61 @@
           </a:prstGeom>
         </p:spPr>
       </p:pic>
+      <p:sp>
+        <p:nvSpPr>
+          <p:cNvPr id="6" name="Retângulo 5">
+            <a:extLst>
+              <a:ext uri="{FF2B5EF4-FFF2-40B4-BE49-F238E27FC236}">
+                <a16:creationId xmlns:a16="http://schemas.microsoft.com/office/drawing/2014/main" id="{6AA81F95-076F-49EA-8C0C-A73F0C360A42}"/>
+              </a:ext>
+            </a:extLst>
+          </p:cNvPr>
+          <p:cNvSpPr/>
+          <p:nvPr/>
+        </p:nvSpPr>
+        <p:spPr>
+          <a:xfrm>
+            <a:off x="1271588" y="2305318"/>
+            <a:ext cx="5541336" cy="257578"/>
+          </a:xfrm>
+          <a:prstGeom prst="rect">
+            <a:avLst/>
+          </a:prstGeom>
+          <a:noFill/>
+          <a:ln w="28575">
+            <a:solidFill>
+              <a:schemeClr val="accent4">
+                <a:lumMod val="60000"/>
+                <a:lumOff val="40000"/>
+              </a:schemeClr>
+            </a:solidFill>
+          </a:ln>
+        </p:spPr>
+        <p:style>
+          <a:lnRef idx="2">
+            <a:schemeClr val="accent1">
+              <a:shade val="50000"/>
+            </a:schemeClr>
+          </a:lnRef>
+          <a:fillRef idx="1">
+            <a:schemeClr val="accent1"/>
+          </a:fillRef>
+          <a:effectRef idx="0">
+            <a:schemeClr val="accent1"/>
+          </a:effectRef>
+          <a:fontRef idx="minor">
+            <a:schemeClr val="lt1"/>
+          </a:fontRef>
+        </p:style>
+        <p:txBody>
+          <a:bodyPr rtlCol="0" anchor="ctr"/>
+          <a:lstStyle/>
+          <a:p>
+            <a:pPr algn="ctr"/>
+            <a:endParaRPr lang="pt-BR"/>
+          </a:p>
+        </p:txBody>
+      </p:sp>
     </p:spTree>
     <p:extLst>
       <p:ext uri="{BB962C8B-B14F-4D97-AF65-F5344CB8AC3E}">
@@ -17366,7 +16183,7 @@
 </p:sld>
 </file>
 
-<file path=ppt/slides/slide26.xml><?xml version="1.0" encoding="utf-8"?>
+<file path=ppt/slides/slide23.xml><?xml version="1.0" encoding="utf-8"?>
 <p:sld xmlns:a="http://schemas.openxmlformats.org/drawingml/2006/main" xmlns:r="http://schemas.openxmlformats.org/officeDocument/2006/relationships" xmlns:p="http://schemas.openxmlformats.org/presentationml/2006/main">
   <p:cSld>
     <p:spTree>
@@ -17617,7 +16434,7 @@
         </p:blipFill>
         <p:spPr>
           <a:xfrm>
-            <a:off x="5050877" y="1194392"/>
+            <a:off x="5501637" y="1285608"/>
             <a:ext cx="6219825" cy="5191125"/>
           </a:xfrm>
           <a:prstGeom prst="rect">
@@ -17639,7 +16456,7 @@
         </p:nvSpPr>
         <p:spPr>
           <a:xfrm>
-            <a:off x="701842" y="1543185"/>
+            <a:off x="1271588" y="1285608"/>
             <a:ext cx="6096000" cy="4493538"/>
           </a:xfrm>
           <a:prstGeom prst="rect">
@@ -17652,9 +16469,9 @@
           </a:bodyPr>
           <a:lstStyle/>
           <a:p>
-            <a:pPr marL="285750" indent="-285750">
-              <a:buFont typeface="Wingdings" panose="05000000000000000000" pitchFamily="2" charset="2"/>
-              <a:buChar char="§"/>
+            <a:pPr marL="457200" indent="-457200">
+              <a:buFont typeface="Arial" panose="020B0604020202020204" pitchFamily="34" charset="0"/>
+              <a:buChar char="•"/>
             </a:pPr>
             <a:r>
               <a:rPr lang="pt-BR" sz="2600" dirty="0">
@@ -17669,18 +16486,18 @@
             </a:r>
           </a:p>
           <a:p>
-            <a:pPr marL="285750" indent="-285750">
-              <a:buFont typeface="Wingdings" panose="05000000000000000000" pitchFamily="2" charset="2"/>
-              <a:buChar char="§"/>
+            <a:pPr marL="457200" indent="-457200">
+              <a:buFont typeface="Arial" panose="020B0604020202020204" pitchFamily="34" charset="0"/>
+              <a:buChar char="•"/>
             </a:pPr>
             <a:endParaRPr lang="pt-BR" sz="2600" dirty="0">
               <a:latin typeface="Arial Narrow" panose="020B0606020202030204" pitchFamily="34" charset="0"/>
             </a:endParaRPr>
           </a:p>
           <a:p>
-            <a:pPr marL="285750" indent="-285750">
-              <a:buFont typeface="Wingdings" panose="05000000000000000000" pitchFamily="2" charset="2"/>
-              <a:buChar char="§"/>
+            <a:pPr marL="457200" indent="-457200">
+              <a:buFont typeface="Arial" panose="020B0604020202020204" pitchFamily="34" charset="0"/>
+              <a:buChar char="•"/>
             </a:pPr>
             <a:r>
               <a:rPr lang="pt-BR" sz="2600" dirty="0">
@@ -17695,18 +16512,18 @@
             </a:r>
           </a:p>
           <a:p>
-            <a:pPr marL="285750" indent="-285750">
-              <a:buFont typeface="Wingdings" panose="05000000000000000000" pitchFamily="2" charset="2"/>
-              <a:buChar char="§"/>
+            <a:pPr marL="457200" indent="-457200">
+              <a:buFont typeface="Arial" panose="020B0604020202020204" pitchFamily="34" charset="0"/>
+              <a:buChar char="•"/>
             </a:pPr>
             <a:endParaRPr lang="pt-BR" sz="2600" dirty="0">
               <a:latin typeface="Arial Narrow" panose="020B0606020202030204" pitchFamily="34" charset="0"/>
             </a:endParaRPr>
           </a:p>
           <a:p>
-            <a:pPr marL="285750" indent="-285750">
-              <a:buFont typeface="Wingdings" panose="05000000000000000000" pitchFamily="2" charset="2"/>
-              <a:buChar char="§"/>
+            <a:pPr marL="457200" indent="-457200">
+              <a:buFont typeface="Arial" panose="020B0604020202020204" pitchFamily="34" charset="0"/>
+              <a:buChar char="•"/>
             </a:pPr>
             <a:r>
               <a:rPr lang="pt-BR" sz="2600" dirty="0">
@@ -17721,14 +16538,18 @@
             </a:r>
           </a:p>
           <a:p>
+            <a:pPr marL="457200" indent="-457200">
+              <a:buFont typeface="Arial" panose="020B0604020202020204" pitchFamily="34" charset="0"/>
+              <a:buChar char="•"/>
+            </a:pPr>
             <a:endParaRPr lang="pt-BR" sz="2600" dirty="0">
               <a:latin typeface="Arial Narrow" panose="020B0606020202030204" pitchFamily="34" charset="0"/>
             </a:endParaRPr>
           </a:p>
           <a:p>
-            <a:pPr marL="285750" indent="-285750">
-              <a:buFont typeface="Wingdings" panose="05000000000000000000" pitchFamily="2" charset="2"/>
-              <a:buChar char="§"/>
+            <a:pPr marL="457200" indent="-457200">
+              <a:buFont typeface="Arial" panose="020B0604020202020204" pitchFamily="34" charset="0"/>
+              <a:buChar char="•"/>
             </a:pPr>
             <a:r>
               <a:rPr lang="pt-BR" sz="2600" dirty="0">
@@ -17743,9 +16564,9 @@
             </a:r>
           </a:p>
           <a:p>
-            <a:pPr marL="285750" indent="-285750">
-              <a:buFont typeface="Wingdings" panose="05000000000000000000" pitchFamily="2" charset="2"/>
-              <a:buChar char="§"/>
+            <a:pPr marL="457200" indent="-457200">
+              <a:buFont typeface="Arial" panose="020B0604020202020204" pitchFamily="34" charset="0"/>
+              <a:buChar char="•"/>
             </a:pPr>
             <a:endParaRPr lang="pt-BR" sz="2600" dirty="0">
               <a:solidFill>
@@ -17757,9 +16578,9 @@
             </a:endParaRPr>
           </a:p>
           <a:p>
-            <a:pPr marL="285750" indent="-285750">
-              <a:buFont typeface="Wingdings" panose="05000000000000000000" pitchFamily="2" charset="2"/>
-              <a:buChar char="§"/>
+            <a:pPr marL="457200" indent="-457200">
+              <a:buFont typeface="Arial" panose="020B0604020202020204" pitchFamily="34" charset="0"/>
+              <a:buChar char="•"/>
             </a:pPr>
             <a:r>
               <a:rPr lang="pt-BR" sz="2600" dirty="0">
@@ -17774,9 +16595,9 @@
             </a:r>
           </a:p>
           <a:p>
-            <a:pPr marL="285750" indent="-285750">
-              <a:buFont typeface="Wingdings" panose="05000000000000000000" pitchFamily="2" charset="2"/>
-              <a:buChar char="§"/>
+            <a:pPr marL="457200" indent="-457200">
+              <a:buFont typeface="Arial" panose="020B0604020202020204" pitchFamily="34" charset="0"/>
+              <a:buChar char="•"/>
             </a:pPr>
             <a:endParaRPr lang="pt-BR" sz="2600" dirty="0">
               <a:solidFill>
@@ -17788,12 +16609,12 @@
             </a:endParaRPr>
           </a:p>
           <a:p>
-            <a:pPr marL="285750" indent="-285750">
-              <a:buFont typeface="Wingdings" panose="05000000000000000000" pitchFamily="2" charset="2"/>
-              <a:buChar char="§"/>
+            <a:pPr marL="457200" indent="-457200">
+              <a:buFont typeface="Arial" panose="020B0604020202020204" pitchFamily="34" charset="0"/>
+              <a:buChar char="•"/>
             </a:pPr>
             <a:r>
-              <a:rPr lang="pt-BR" sz="2600" dirty="0">
+              <a:rPr lang="pt-BR" sz="2600" b="1" dirty="0">
                 <a:latin typeface="Arial Narrow" panose="020B0606020202030204" pitchFamily="34" charset="0"/>
               </a:rPr>
               <a:t>Disponibilização dos dados</a:t>
@@ -17814,7 +16635,7 @@
 </p:sld>
 </file>
 
-<file path=ppt/slides/slide27.xml><?xml version="1.0" encoding="utf-8"?>
+<file path=ppt/slides/slide24.xml><?xml version="1.0" encoding="utf-8"?>
 <p:sld xmlns:a="http://schemas.openxmlformats.org/drawingml/2006/main" xmlns:r="http://schemas.openxmlformats.org/officeDocument/2006/relationships" xmlns:p="http://schemas.openxmlformats.org/presentationml/2006/main">
   <p:cSld>
     <p:spTree>
@@ -18057,8 +16878,8 @@
         </p:nvSpPr>
         <p:spPr>
           <a:xfrm>
-            <a:off x="801283" y="1340295"/>
-            <a:ext cx="9527693" cy="4893647"/>
+            <a:off x="1188720" y="1028733"/>
+            <a:ext cx="9527693" cy="5693866"/>
           </a:xfrm>
           <a:prstGeom prst="rect">
             <a:avLst/>
@@ -18071,26 +16892,9 @@
           </a:bodyPr>
           <a:lstStyle/>
           <a:p>
-            <a:pPr marL="285750" indent="-285750">
-              <a:buFont typeface="Wingdings" panose="05000000000000000000" pitchFamily="2" charset="2"/>
-              <a:buChar char="§"/>
-            </a:pPr>
-            <a:r>
-              <a:rPr lang="pt-BR" sz="2600" dirty="0">
-                <a:latin typeface="Arial Narrow" panose="020B0606020202030204" pitchFamily="34" charset="0"/>
-              </a:rPr>
-              <a:t>Resultado satisfatório</a:t>
-            </a:r>
-          </a:p>
-          <a:p>
-            <a:endParaRPr lang="pt-BR" sz="2600" dirty="0">
-              <a:latin typeface="Arial Narrow" panose="020B0606020202030204" pitchFamily="34" charset="0"/>
-            </a:endParaRPr>
-          </a:p>
-          <a:p>
-            <a:pPr marL="285750" indent="-285750">
-              <a:buFont typeface="Wingdings" panose="05000000000000000000" pitchFamily="2" charset="2"/>
-              <a:buChar char="§"/>
+            <a:pPr marL="457200" indent="-457200">
+              <a:buFont typeface="Arial" panose="020B0604020202020204" pitchFamily="34" charset="0"/>
+              <a:buChar char="•"/>
             </a:pPr>
             <a:r>
               <a:rPr lang="pt-BR" sz="2600" dirty="0">
@@ -18100,6 +16904,10 @@
             </a:r>
           </a:p>
           <a:p>
+            <a:pPr marL="457200" indent="-457200">
+              <a:buFont typeface="Arial" panose="020B0604020202020204" pitchFamily="34" charset="0"/>
+              <a:buChar char="•"/>
+            </a:pPr>
             <a:endParaRPr lang="pt-BR" sz="2600" dirty="0">
               <a:solidFill>
                 <a:schemeClr val="bg1">
@@ -18110,52 +16918,102 @@
             </a:endParaRPr>
           </a:p>
           <a:p>
-            <a:pPr marL="285750" indent="-285750">
-              <a:buFont typeface="Wingdings" panose="05000000000000000000" pitchFamily="2" charset="2"/>
-              <a:buChar char="§"/>
+            <a:pPr marL="457200" indent="-457200">
+              <a:buFont typeface="Arial" panose="020B0604020202020204" pitchFamily="34" charset="0"/>
+              <a:buChar char="•"/>
             </a:pPr>
             <a:r>
               <a:rPr lang="pt-BR" sz="2600" dirty="0">
                 <a:latin typeface="Arial Narrow" panose="020B0606020202030204" pitchFamily="34" charset="0"/>
               </a:rPr>
-              <a:t>Limitação quantitativa e espacial dos testes realizados</a:t>
-            </a:r>
-          </a:p>
-          <a:p>
-            <a:endParaRPr lang="pt-BR" sz="2600" dirty="0">
-              <a:latin typeface="Arial Narrow" panose="020B0606020202030204" pitchFamily="34" charset="0"/>
-            </a:endParaRPr>
-          </a:p>
-          <a:p>
-            <a:pPr marL="285750" indent="-285750">
-              <a:buFont typeface="Wingdings" panose="05000000000000000000" pitchFamily="2" charset="2"/>
-              <a:buChar char="§"/>
+              <a:t>Limitação quantitativa, computacional e espacial dos testes realizados</a:t>
+            </a:r>
+          </a:p>
+          <a:p>
+            <a:pPr marL="457200" indent="-457200">
+              <a:buFont typeface="Arial" panose="020B0604020202020204" pitchFamily="34" charset="0"/>
+              <a:buChar char="•"/>
             </a:pPr>
             <a:endParaRPr lang="pt-BR" sz="2600" dirty="0">
               <a:latin typeface="Arial Narrow" panose="020B0606020202030204" pitchFamily="34" charset="0"/>
             </a:endParaRPr>
           </a:p>
           <a:p>
-            <a:pPr marL="285750" indent="-285750">
-              <a:buFont typeface="Wingdings" panose="05000000000000000000" pitchFamily="2" charset="2"/>
-              <a:buChar char="§"/>
+            <a:pPr marL="457200" indent="-457200">
+              <a:buFont typeface="Arial" panose="020B0604020202020204" pitchFamily="34" charset="0"/>
+              <a:buChar char="•"/>
             </a:pPr>
             <a:r>
               <a:rPr lang="pt-BR" sz="2600" dirty="0">
                 <a:latin typeface="Arial Narrow" panose="020B0606020202030204" pitchFamily="34" charset="0"/>
               </a:rPr>
-              <a:t>Ampliar o pré-processamento; Ampliar a quantidade de testes</a:t>
-            </a:r>
-          </a:p>
-          <a:p>
+              <a:t>Resultado satisfatório</a:t>
+            </a:r>
+          </a:p>
+          <a:p>
+            <a:pPr marL="457200" indent="-457200">
+              <a:buFont typeface="Arial" panose="020B0604020202020204" pitchFamily="34" charset="0"/>
+              <a:buChar char="•"/>
+            </a:pPr>
             <a:endParaRPr lang="pt-BR" sz="2600" dirty="0">
               <a:latin typeface="Arial Narrow" panose="020B0606020202030204" pitchFamily="34" charset="0"/>
             </a:endParaRPr>
           </a:p>
           <a:p>
-            <a:pPr marL="285750" indent="-285750">
-              <a:buFont typeface="Wingdings" panose="05000000000000000000" pitchFamily="2" charset="2"/>
-              <a:buChar char="§"/>
+            <a:pPr marL="457200" indent="-457200">
+              <a:buFont typeface="Arial" panose="020B0604020202020204" pitchFamily="34" charset="0"/>
+              <a:buChar char="•"/>
+            </a:pPr>
+            <a:endParaRPr lang="pt-BR" sz="2600" dirty="0">
+              <a:latin typeface="Arial Narrow" panose="020B0606020202030204" pitchFamily="34" charset="0"/>
+            </a:endParaRPr>
+          </a:p>
+          <a:p>
+            <a:pPr marL="457200" indent="-457200">
+              <a:buFont typeface="Arial" panose="020B0604020202020204" pitchFamily="34" charset="0"/>
+              <a:buChar char="•"/>
+            </a:pPr>
+            <a:r>
+              <a:rPr lang="pt-BR" sz="2600" dirty="0">
+                <a:latin typeface="Arial Narrow" panose="020B0606020202030204" pitchFamily="34" charset="0"/>
+              </a:rPr>
+              <a:t>Criação do identificador único para permitir uso de múltiplos usuários</a:t>
+            </a:r>
+          </a:p>
+          <a:p>
+            <a:pPr marL="457200" indent="-457200">
+              <a:buFont typeface="Arial" panose="020B0604020202020204" pitchFamily="34" charset="0"/>
+              <a:buChar char="•"/>
+            </a:pPr>
+            <a:endParaRPr lang="pt-BR" sz="2600" dirty="0">
+              <a:latin typeface="Arial Narrow" panose="020B0606020202030204" pitchFamily="34" charset="0"/>
+            </a:endParaRPr>
+          </a:p>
+          <a:p>
+            <a:pPr marL="457200" indent="-457200">
+              <a:buFont typeface="Arial" panose="020B0604020202020204" pitchFamily="34" charset="0"/>
+              <a:buChar char="•"/>
+            </a:pPr>
+            <a:r>
+              <a:rPr lang="pt-BR" sz="2600" dirty="0">
+                <a:latin typeface="Arial Narrow" panose="020B0606020202030204" pitchFamily="34" charset="0"/>
+              </a:rPr>
+              <a:t>Ampliar o pré-processamento e a quantidade de testes</a:t>
+            </a:r>
+          </a:p>
+          <a:p>
+            <a:pPr marL="457200" indent="-457200">
+              <a:buFont typeface="Arial" panose="020B0604020202020204" pitchFamily="34" charset="0"/>
+              <a:buChar char="•"/>
+            </a:pPr>
+            <a:endParaRPr lang="pt-BR" sz="2600" dirty="0">
+              <a:latin typeface="Arial Narrow" panose="020B0606020202030204" pitchFamily="34" charset="0"/>
+            </a:endParaRPr>
+          </a:p>
+          <a:p>
+            <a:pPr marL="457200" indent="-457200">
+              <a:buFont typeface="Arial" panose="020B0604020202020204" pitchFamily="34" charset="0"/>
+              <a:buChar char="•"/>
             </a:pPr>
             <a:r>
               <a:rPr lang="pt-BR" sz="2600" dirty="0">
@@ -18165,18 +17023,18 @@
             </a:r>
           </a:p>
           <a:p>
-            <a:pPr marL="285750" indent="-285750">
-              <a:buFont typeface="Wingdings" panose="05000000000000000000" pitchFamily="2" charset="2"/>
-              <a:buChar char="§"/>
+            <a:pPr marL="457200" indent="-457200">
+              <a:buFont typeface="Arial" panose="020B0604020202020204" pitchFamily="34" charset="0"/>
+              <a:buChar char="•"/>
             </a:pPr>
             <a:endParaRPr lang="pt-BR" sz="2600" dirty="0">
               <a:latin typeface="Arial Narrow" panose="020B0606020202030204" pitchFamily="34" charset="0"/>
             </a:endParaRPr>
           </a:p>
           <a:p>
-            <a:pPr marL="285750" indent="-285750">
-              <a:buFont typeface="Wingdings" panose="05000000000000000000" pitchFamily="2" charset="2"/>
-              <a:buChar char="§"/>
+            <a:pPr marL="457200" indent="-457200">
+              <a:buFont typeface="Arial" panose="020B0604020202020204" pitchFamily="34" charset="0"/>
+              <a:buChar char="•"/>
             </a:pPr>
             <a:r>
               <a:rPr lang="pt-BR" sz="2600" dirty="0">
@@ -18190,7 +17048,7 @@
     </p:spTree>
     <p:extLst>
       <p:ext uri="{BB962C8B-B14F-4D97-AF65-F5344CB8AC3E}">
-        <p14:creationId xmlns:p14="http://schemas.microsoft.com/office/powerpoint/2010/main" val="3359639430"/>
+        <p14:creationId xmlns:p14="http://schemas.microsoft.com/office/powerpoint/2010/main" val="2740193933"/>
       </p:ext>
     </p:extLst>
   </p:cSld>
@@ -18200,7 +17058,7 @@
 </p:sld>
 </file>
 
-<file path=ppt/slides/slide28.xml><?xml version="1.0" encoding="utf-8"?>
+<file path=ppt/slides/slide25.xml><?xml version="1.0" encoding="utf-8"?>
 <p:sld xmlns:a="http://schemas.openxmlformats.org/drawingml/2006/main" xmlns:r="http://schemas.openxmlformats.org/officeDocument/2006/relationships" xmlns:p="http://schemas.openxmlformats.org/presentationml/2006/main">
   <p:cSld>
     <p:spTree>
@@ -18225,8 +17083,8 @@
         </p:nvSpPr>
         <p:spPr>
           <a:xfrm>
-            <a:off x="1150071" y="740547"/>
-            <a:ext cx="9891858" cy="2585323"/>
+            <a:off x="1053921" y="883749"/>
+            <a:ext cx="9891858" cy="1754326"/>
           </a:xfrm>
           <a:prstGeom prst="rect">
             <a:avLst/>
@@ -18244,7 +17102,7 @@
                 <a:ea typeface="Arial Narrow" charset="0"/>
                 <a:cs typeface="Arial Narrow" charset="0"/>
               </a:rPr>
-              <a:t>IDENTIFICAÇÃO DE OBSTÁCULOS EM VIAS PAVIMENTADAS POR MEIO DA AQUISIÇÃO DE DADOS</a:t>
+              <a:t>IDENTIFICAÇÃO DE OBSTÁCULOS EM VIAS PAVIMENTADAS</a:t>
             </a:r>
             <a:endParaRPr lang="en-US" sz="5400" b="1" dirty="0">
               <a:latin typeface="Arial Narrow" charset="0"/>
@@ -18263,7 +17121,7 @@
         <p:spPr>
           <a:xfrm>
             <a:off x="731520" y="740547"/>
-            <a:ext cx="192307" cy="3772204"/>
+            <a:ext cx="192307" cy="4114788"/>
           </a:xfrm>
           <a:prstGeom prst="rect">
             <a:avLst/>
@@ -18314,8 +17172,8 @@
         </p:nvSpPr>
         <p:spPr>
           <a:xfrm>
-            <a:off x="1187778" y="3620199"/>
-            <a:ext cx="10058400" cy="892552"/>
+            <a:off x="1053921" y="2676178"/>
+            <a:ext cx="10058400" cy="954107"/>
           </a:xfrm>
           <a:prstGeom prst="rect">
             <a:avLst/>
@@ -18329,14 +17187,14 @@
           <a:lstStyle/>
           <a:p>
             <a:r>
-              <a:rPr lang="pt-BR" sz="2600" dirty="0">
+              <a:rPr lang="pt-BR" sz="2800" dirty="0">
                 <a:latin typeface="Arial Narrow" charset="0"/>
                 <a:ea typeface="Arial Narrow" charset="0"/>
                 <a:cs typeface="Arial Narrow" charset="0"/>
               </a:rPr>
-              <a:t>VIA APLICATIVO ANDROID COM USO DE ALGORITMO DE APRENDIZADO DE MÁQUINA</a:t>
-            </a:r>
-            <a:endParaRPr lang="en-US" sz="2600" dirty="0">
+              <a:t>POR MEIO DA AQUISIÇÃO DE DADOS VIA APLICATIVO ANDROID COM USO DE ALGORITMO DE APRENDIZADO DE MÁQUINA</a:t>
+            </a:r>
+            <a:endParaRPr lang="en-US" sz="2800" dirty="0">
               <a:latin typeface="Arial Narrow" panose="020B0606020202030204" pitchFamily="34" charset="0"/>
             </a:endParaRPr>
           </a:p>
@@ -18356,7 +17214,7 @@
         </p:nvSpPr>
         <p:spPr>
           <a:xfrm>
-            <a:off x="1187778" y="4604982"/>
+            <a:off x="1066800" y="3818718"/>
             <a:ext cx="10058400" cy="892552"/>
           </a:xfrm>
           <a:prstGeom prst="rect">
@@ -18374,7 +17232,7 @@
               <a:rPr lang="pt-BR" sz="2600" dirty="0">
                 <a:latin typeface="Arial Narrow" panose="020B0606020202030204" pitchFamily="34" charset="0"/>
               </a:rPr>
-              <a:t>Lucas Cavalcanti Adorno			Orientadores: Flávio Luís de Mello</a:t>
+              <a:t>Lucas Cavalcanti Adorno			Orientador: Flávio Luís de Mello</a:t>
             </a:r>
           </a:p>
           <a:p>
@@ -18382,7 +17240,7 @@
               <a:rPr lang="pt-BR" sz="2600" dirty="0">
                 <a:latin typeface="Arial Narrow" panose="020B0606020202030204" pitchFamily="34" charset="0"/>
               </a:rPr>
-              <a:t>Engenharia Eletrônica e de Computação                               Fabrício Firmino</a:t>
+              <a:t>Engenharia Eletrônica e de Computação</a:t>
             </a:r>
             <a:endParaRPr lang="en-US" sz="2600" dirty="0">
               <a:latin typeface="Arial Narrow" panose="020B0606020202030204" pitchFamily="34" charset="0"/>
@@ -18459,7 +17317,7 @@
     </p:spTree>
     <p:extLst>
       <p:ext uri="{BB962C8B-B14F-4D97-AF65-F5344CB8AC3E}">
-        <p14:creationId xmlns:p14="http://schemas.microsoft.com/office/powerpoint/2010/main" val="337846819"/>
+        <p14:creationId xmlns:p14="http://schemas.microsoft.com/office/powerpoint/2010/main" val="1739163947"/>
       </p:ext>
     </p:extLst>
   </p:cSld>
@@ -19217,8 +18075,8 @@
         </p:nvSpPr>
         <p:spPr>
           <a:xfrm>
-            <a:off x="1065229" y="2182505"/>
-            <a:ext cx="6182436" cy="2893100"/>
+            <a:off x="1168261" y="2015078"/>
+            <a:ext cx="6182436" cy="3293209"/>
           </a:xfrm>
           <a:prstGeom prst="rect">
             <a:avLst/>
@@ -19231,9 +18089,9 @@
           </a:bodyPr>
           <a:lstStyle/>
           <a:p>
-            <a:pPr marL="285750" indent="-285750">
-              <a:buFont typeface="Wingdings" panose="05000000000000000000" pitchFamily="2" charset="2"/>
-              <a:buChar char="§"/>
+            <a:pPr marL="457200" indent="-457200">
+              <a:buFont typeface="Arial" panose="020B0604020202020204" pitchFamily="34" charset="0"/>
+              <a:buChar char="•"/>
             </a:pPr>
             <a:r>
               <a:rPr lang="pt-BR" sz="2600" dirty="0">
@@ -19243,18 +18101,18 @@
             </a:r>
           </a:p>
           <a:p>
-            <a:pPr marL="285750" indent="-285750">
-              <a:buFont typeface="Wingdings" panose="05000000000000000000" pitchFamily="2" charset="2"/>
-              <a:buChar char="§"/>
+            <a:pPr marL="457200" indent="-457200">
+              <a:buFont typeface="Arial" panose="020B0604020202020204" pitchFamily="34" charset="0"/>
+              <a:buChar char="•"/>
             </a:pPr>
             <a:endParaRPr lang="pt-BR" sz="2600" dirty="0">
               <a:latin typeface="Arial Narrow" panose="020B0606020202030204" pitchFamily="34" charset="0"/>
             </a:endParaRPr>
           </a:p>
           <a:p>
-            <a:pPr marL="285750" indent="-285750">
-              <a:buFont typeface="Wingdings" panose="05000000000000000000" pitchFamily="2" charset="2"/>
-              <a:buChar char="§"/>
+            <a:pPr marL="457200" indent="-457200">
+              <a:buFont typeface="Arial" panose="020B0604020202020204" pitchFamily="34" charset="0"/>
+              <a:buChar char="•"/>
             </a:pPr>
             <a:r>
               <a:rPr lang="pt-BR" sz="2600" dirty="0">
@@ -19264,27 +18122,31 @@
             </a:r>
           </a:p>
           <a:p>
-            <a:pPr marL="285750" indent="-285750">
-              <a:buFont typeface="Wingdings" panose="05000000000000000000" pitchFamily="2" charset="2"/>
-              <a:buChar char="§"/>
+            <a:pPr marL="457200" indent="-457200">
+              <a:buFont typeface="Arial" panose="020B0604020202020204" pitchFamily="34" charset="0"/>
+              <a:buChar char="•"/>
             </a:pPr>
             <a:endParaRPr lang="pt-BR" sz="2600" dirty="0">
               <a:latin typeface="Arial Narrow" panose="020B0606020202030204" pitchFamily="34" charset="0"/>
             </a:endParaRPr>
           </a:p>
           <a:p>
-            <a:pPr marL="285750" indent="-285750">
-              <a:buFont typeface="Wingdings" panose="05000000000000000000" pitchFamily="2" charset="2"/>
-              <a:buChar char="§"/>
+            <a:pPr marL="457200" indent="-457200">
+              <a:buFont typeface="Arial" panose="020B0604020202020204" pitchFamily="34" charset="0"/>
+              <a:buChar char="•"/>
             </a:pPr>
             <a:r>
               <a:rPr lang="pt-BR" sz="2600" dirty="0">
                 <a:latin typeface="Arial Narrow" panose="020B0606020202030204" pitchFamily="34" charset="0"/>
               </a:rPr>
-              <a:t>Primeiro Lugar em número de mortes no trânsito na América do Sul.</a:t>
-            </a:r>
-          </a:p>
-          <a:p>
+              <a:t>Primeiro Lugar em número de mortes no trânsito na América do Sul mesmo com numerosas leis de controle de risco</a:t>
+            </a:r>
+          </a:p>
+          <a:p>
+            <a:pPr marL="457200" indent="-457200">
+              <a:buFont typeface="Arial" panose="020B0604020202020204" pitchFamily="34" charset="0"/>
+              <a:buChar char="•"/>
+            </a:pPr>
             <a:endParaRPr lang="pt-BR" sz="2600" dirty="0">
               <a:latin typeface="Arial Narrow" panose="020B0606020202030204" pitchFamily="34" charset="0"/>
             </a:endParaRPr>
@@ -19404,7 +18266,7 @@
         </p:nvSpPr>
         <p:spPr>
           <a:xfrm>
-            <a:off x="914400" y="1856286"/>
+            <a:off x="1197737" y="1856286"/>
             <a:ext cx="10049378" cy="892552"/>
           </a:xfrm>
           <a:prstGeom prst="rect">
@@ -19418,9 +18280,9 @@
           </a:bodyPr>
           <a:lstStyle/>
           <a:p>
-            <a:pPr marL="285750" indent="-285750">
-              <a:buFont typeface="Wingdings" panose="05000000000000000000" pitchFamily="2" charset="2"/>
-              <a:buChar char="§"/>
+            <a:pPr marL="457200" indent="-457200">
+              <a:buFont typeface="Arial" panose="020B0604020202020204" pitchFamily="34" charset="0"/>
+              <a:buChar char="•"/>
             </a:pPr>
             <a:r>
               <a:rPr lang="pt-BR" sz="2600" dirty="0">
@@ -19963,7 +18825,7 @@
         </p:nvSpPr>
         <p:spPr>
           <a:xfrm>
-            <a:off x="944094" y="1887140"/>
+            <a:off x="1188793" y="1887140"/>
             <a:ext cx="6448926" cy="3693319"/>
           </a:xfrm>
           <a:prstGeom prst="rect">
@@ -19977,9 +18839,9 @@
           </a:bodyPr>
           <a:lstStyle/>
           <a:p>
-            <a:pPr marL="285750" indent="-285750">
-              <a:buFont typeface="Wingdings" panose="05000000000000000000" pitchFamily="2" charset="2"/>
-              <a:buChar char="§"/>
+            <a:pPr marL="457200" indent="-457200">
+              <a:buFont typeface="Arial" panose="020B0604020202020204" pitchFamily="34" charset="0"/>
+              <a:buChar char="•"/>
             </a:pPr>
             <a:r>
               <a:rPr lang="pt-BR" sz="2600" dirty="0">
@@ -19989,9 +18851,9 @@
             </a:r>
           </a:p>
           <a:p>
-            <a:pPr marL="742950" lvl="1" indent="-285750">
-              <a:buFont typeface="Wingdings" panose="05000000000000000000" pitchFamily="2" charset="2"/>
-              <a:buChar char="§"/>
+            <a:pPr marL="914400" lvl="1" indent="-457200">
+              <a:buFont typeface="Arial" panose="020B0604020202020204" pitchFamily="34" charset="0"/>
+              <a:buChar char="•"/>
             </a:pPr>
             <a:r>
               <a:rPr lang="pt-BR" sz="2600" dirty="0">
@@ -20001,9 +18863,9 @@
             </a:r>
           </a:p>
           <a:p>
-            <a:pPr marL="742950" lvl="1" indent="-285750">
-              <a:buFont typeface="Wingdings" panose="05000000000000000000" pitchFamily="2" charset="2"/>
-              <a:buChar char="§"/>
+            <a:pPr marL="914400" lvl="1" indent="-457200">
+              <a:buFont typeface="Arial" panose="020B0604020202020204" pitchFamily="34" charset="0"/>
+              <a:buChar char="•"/>
             </a:pPr>
             <a:r>
               <a:rPr lang="pt-BR" sz="2600" dirty="0">
@@ -20013,9 +18875,9 @@
             </a:r>
           </a:p>
           <a:p>
-            <a:pPr marL="742950" lvl="1" indent="-285750">
-              <a:buFont typeface="Wingdings" panose="05000000000000000000" pitchFamily="2" charset="2"/>
-              <a:buChar char="§"/>
+            <a:pPr marL="914400" lvl="1" indent="-457200">
+              <a:buFont typeface="Arial" panose="020B0604020202020204" pitchFamily="34" charset="0"/>
+              <a:buChar char="•"/>
             </a:pPr>
             <a:r>
               <a:rPr lang="pt-BR" sz="2600" dirty="0">
@@ -20025,18 +18887,18 @@
             </a:r>
           </a:p>
           <a:p>
-            <a:pPr marL="285750" indent="-285750">
-              <a:buFont typeface="Wingdings" panose="05000000000000000000" pitchFamily="2" charset="2"/>
-              <a:buChar char="§"/>
+            <a:pPr marL="457200" indent="-457200">
+              <a:buFont typeface="Arial" panose="020B0604020202020204" pitchFamily="34" charset="0"/>
+              <a:buChar char="•"/>
             </a:pPr>
             <a:endParaRPr lang="pt-BR" sz="2600" dirty="0">
               <a:latin typeface="Arial Narrow" panose="020B0606020202030204" pitchFamily="34" charset="0"/>
             </a:endParaRPr>
           </a:p>
           <a:p>
-            <a:pPr marL="285750" indent="-285750">
-              <a:buFont typeface="Wingdings" panose="05000000000000000000" pitchFamily="2" charset="2"/>
-              <a:buChar char="§"/>
+            <a:pPr marL="457200" indent="-457200">
+              <a:buFont typeface="Arial" panose="020B0604020202020204" pitchFamily="34" charset="0"/>
+              <a:buChar char="•"/>
             </a:pPr>
             <a:r>
               <a:rPr lang="pt-BR" sz="2600" dirty="0">
@@ -20046,14 +18908,18 @@
             </a:r>
           </a:p>
           <a:p>
+            <a:pPr marL="457200" indent="-457200">
+              <a:buFont typeface="Arial" panose="020B0604020202020204" pitchFamily="34" charset="0"/>
+              <a:buChar char="•"/>
+            </a:pPr>
             <a:endParaRPr lang="pt-BR" sz="2600" dirty="0">
               <a:latin typeface="Arial Narrow" panose="020B0606020202030204" pitchFamily="34" charset="0"/>
             </a:endParaRPr>
           </a:p>
           <a:p>
-            <a:pPr marL="285750" indent="-285750">
-              <a:buFont typeface="Wingdings" panose="05000000000000000000" pitchFamily="2" charset="2"/>
-              <a:buChar char="§"/>
+            <a:pPr marL="457200" indent="-457200">
+              <a:buFont typeface="Arial" panose="020B0604020202020204" pitchFamily="34" charset="0"/>
+              <a:buChar char="•"/>
             </a:pPr>
             <a:r>
               <a:rPr lang="pt-BR" sz="2600" dirty="0">
@@ -20063,9 +18929,9 @@
             </a:r>
           </a:p>
           <a:p>
-            <a:pPr marL="285750" indent="-285750">
-              <a:buFont typeface="Wingdings" panose="05000000000000000000" pitchFamily="2" charset="2"/>
-              <a:buChar char="§"/>
+            <a:pPr marL="457200" indent="-457200">
+              <a:buFont typeface="Arial" panose="020B0604020202020204" pitchFamily="34" charset="0"/>
+              <a:buChar char="•"/>
             </a:pPr>
             <a:endParaRPr lang="pt-BR" sz="2600" dirty="0">
               <a:latin typeface="Arial Narrow" panose="020B0606020202030204" pitchFamily="34" charset="0"/>
@@ -20329,8 +19195,8 @@
         </p:nvSpPr>
         <p:spPr>
           <a:xfrm>
-            <a:off x="400641" y="1331419"/>
-            <a:ext cx="5151906" cy="6093976"/>
+            <a:off x="709729" y="1331419"/>
+            <a:ext cx="5731055" cy="4893647"/>
           </a:xfrm>
           <a:prstGeom prst="rect">
             <a:avLst/>
@@ -20343,27 +19209,36 @@
           </a:bodyPr>
           <a:lstStyle/>
           <a:p>
-            <a:pPr marL="742950" lvl="1" indent="-285750">
-              <a:buFont typeface="Wingdings" panose="05000000000000000000" pitchFamily="2" charset="2"/>
-              <a:buChar char="§"/>
+            <a:pPr marL="914400" lvl="1" indent="-457200">
+              <a:buFont typeface="Arial" panose="020B0604020202020204" pitchFamily="34" charset="0"/>
+              <a:buChar char="•"/>
             </a:pPr>
             <a:r>
               <a:rPr lang="pt-BR" sz="2600" dirty="0">
                 <a:latin typeface="Arial Narrow" panose="020B0606020202030204" pitchFamily="34" charset="0"/>
               </a:rPr>
-              <a:t>Laudelino Lima</a:t>
-            </a:r>
-          </a:p>
-          <a:p>
-            <a:pPr marL="1200150" lvl="2" indent="-285750">
-              <a:buFont typeface="Wingdings" panose="05000000000000000000" pitchFamily="2" charset="2"/>
-              <a:buChar char="§"/>
+              <a:t>Koch e </a:t>
+            </a:r>
+            <a:r>
+              <a:rPr lang="pt-BR" sz="2600" dirty="0" err="1">
+                <a:latin typeface="Arial Narrow" panose="020B0606020202030204" pitchFamily="34" charset="0"/>
+              </a:rPr>
+              <a:t>Brilakis</a:t>
+            </a:r>
+            <a:endParaRPr lang="pt-BR" sz="2600" dirty="0">
+              <a:latin typeface="Arial Narrow" panose="020B0606020202030204" pitchFamily="34" charset="0"/>
+            </a:endParaRPr>
+          </a:p>
+          <a:p>
+            <a:pPr marL="1371600" lvl="2" indent="-457200">
+              <a:buFont typeface="Arial" panose="020B0604020202020204" pitchFamily="34" charset="0"/>
+              <a:buChar char="•"/>
             </a:pPr>
             <a:r>
               <a:rPr lang="en-US" sz="2600" dirty="0" err="1">
                 <a:latin typeface="Arial Narrow" panose="020B0606020202030204" pitchFamily="34" charset="0"/>
               </a:rPr>
-              <a:t>Método</a:t>
+              <a:t>Crítica</a:t>
             </a:r>
             <a:r>
               <a:rPr lang="en-US" sz="2600" dirty="0">
@@ -20375,7 +19250,58 @@
               <a:rPr lang="en-US" sz="2600" dirty="0" err="1">
                 <a:latin typeface="Arial Narrow" panose="020B0606020202030204" pitchFamily="34" charset="0"/>
               </a:rPr>
-              <a:t>atual</a:t>
+              <a:t>ao</a:t>
+            </a:r>
+            <a:r>
+              <a:rPr lang="en-US" sz="2600" dirty="0">
+                <a:latin typeface="Arial Narrow" panose="020B0606020202030204" pitchFamily="34" charset="0"/>
+              </a:rPr>
+              <a:t> </a:t>
+            </a:r>
+            <a:r>
+              <a:rPr lang="en-US" sz="2600" dirty="0" err="1">
+                <a:latin typeface="Arial Narrow" panose="020B0606020202030204" pitchFamily="34" charset="0"/>
+              </a:rPr>
+              <a:t>uso</a:t>
+            </a:r>
+            <a:r>
+              <a:rPr lang="en-US" sz="2600" dirty="0">
+                <a:latin typeface="Arial Narrow" panose="020B0606020202030204" pitchFamily="34" charset="0"/>
+              </a:rPr>
+              <a:t> </a:t>
+            </a:r>
+            <a:r>
+              <a:rPr lang="en-US" sz="2600" dirty="0" err="1">
+                <a:latin typeface="Arial Narrow" panose="020B0606020202030204" pitchFamily="34" charset="0"/>
+              </a:rPr>
+              <a:t>exclusivo</a:t>
+            </a:r>
+            <a:r>
+              <a:rPr lang="en-US" sz="2600" dirty="0">
+                <a:latin typeface="Arial Narrow" panose="020B0606020202030204" pitchFamily="34" charset="0"/>
+              </a:rPr>
+              <a:t> do </a:t>
+            </a:r>
+            <a:r>
+              <a:rPr lang="en-US" sz="2600" dirty="0" err="1">
+                <a:latin typeface="Arial Narrow" panose="020B0606020202030204" pitchFamily="34" charset="0"/>
+              </a:rPr>
+              <a:t>Acelerômetro</a:t>
+            </a:r>
+            <a:endParaRPr lang="en-US" sz="2600" dirty="0">
+              <a:latin typeface="Arial Narrow" panose="020B0606020202030204" pitchFamily="34" charset="0"/>
+            </a:endParaRPr>
+          </a:p>
+          <a:p>
+            <a:pPr marL="1371600" lvl="2" indent="-457200">
+              <a:buFont typeface="Arial" panose="020B0604020202020204" pitchFamily="34" charset="0"/>
+              <a:buChar char="•"/>
+            </a:pPr>
+            <a:r>
+              <a:rPr lang="en-US" sz="2600" dirty="0" err="1">
+                <a:latin typeface="Arial Narrow" panose="020B0606020202030204" pitchFamily="34" charset="0"/>
+              </a:rPr>
+              <a:t>Processamento</a:t>
             </a:r>
             <a:r>
               <a:rPr lang="en-US" sz="2600" dirty="0">
@@ -20387,19 +19313,22 @@
               <a:rPr lang="en-US" sz="2600" dirty="0" err="1">
                 <a:latin typeface="Arial Narrow" panose="020B0606020202030204" pitchFamily="34" charset="0"/>
               </a:rPr>
-              <a:t>classificação</a:t>
-            </a:r>
-            <a:r>
-              <a:rPr lang="en-US" sz="2600" dirty="0">
-                <a:latin typeface="Arial Narrow" panose="020B0606020202030204" pitchFamily="34" charset="0"/>
-              </a:rPr>
-              <a:t> das </a:t>
-            </a:r>
+              <a:t>Imagem</a:t>
+            </a:r>
+            <a:endParaRPr lang="en-US" sz="2600" dirty="0">
+              <a:latin typeface="Arial Narrow" panose="020B0606020202030204" pitchFamily="34" charset="0"/>
+            </a:endParaRPr>
+          </a:p>
+          <a:p>
+            <a:pPr marL="1371600" lvl="2" indent="-457200">
+              <a:buFont typeface="Arial" panose="020B0604020202020204" pitchFamily="34" charset="0"/>
+              <a:buChar char="•"/>
+            </a:pPr>
             <a:r>
               <a:rPr lang="en-US" sz="2600" dirty="0" err="1">
                 <a:latin typeface="Arial Narrow" panose="020B0606020202030204" pitchFamily="34" charset="0"/>
               </a:rPr>
-              <a:t>vias</a:t>
+              <a:t>Propriedade</a:t>
             </a:r>
             <a:r>
               <a:rPr lang="en-US" sz="2600" dirty="0">
@@ -20411,67 +19340,100 @@
               <a:rPr lang="en-US" sz="2600" dirty="0" err="1">
                 <a:latin typeface="Arial Narrow" panose="020B0606020202030204" pitchFamily="34" charset="0"/>
               </a:rPr>
-              <a:t>pavimentadas</a:t>
+              <a:t>geométrica</a:t>
+            </a:r>
+            <a:r>
+              <a:rPr lang="en-US" sz="2600" dirty="0">
+                <a:latin typeface="Arial Narrow" panose="020B0606020202030204" pitchFamily="34" charset="0"/>
+              </a:rPr>
+              <a:t> do </a:t>
+            </a:r>
+            <a:r>
+              <a:rPr lang="en-US" sz="2600" dirty="0" err="1">
+                <a:latin typeface="Arial Narrow" panose="020B0606020202030204" pitchFamily="34" charset="0"/>
+              </a:rPr>
+              <a:t>buraco</a:t>
             </a:r>
             <a:endParaRPr lang="en-US" sz="2600" dirty="0">
               <a:latin typeface="Arial Narrow" panose="020B0606020202030204" pitchFamily="34" charset="0"/>
             </a:endParaRPr>
           </a:p>
           <a:p>
-            <a:pPr marL="1200150" lvl="2" indent="-285750">
-              <a:buFont typeface="Wingdings" panose="05000000000000000000" pitchFamily="2" charset="2"/>
-              <a:buChar char="§"/>
+            <a:pPr marL="1371600" lvl="2" indent="-457200">
+              <a:buFont typeface="Arial" panose="020B0604020202020204" pitchFamily="34" charset="0"/>
+              <a:buChar char="•"/>
+            </a:pPr>
+            <a:endParaRPr lang="pt-BR" sz="2600" dirty="0">
+              <a:latin typeface="Arial Narrow" panose="020B0606020202030204" pitchFamily="34" charset="0"/>
+            </a:endParaRPr>
+          </a:p>
+          <a:p>
+            <a:pPr marL="914400" lvl="1" indent="-457200">
+              <a:buFont typeface="Arial" panose="020B0604020202020204" pitchFamily="34" charset="0"/>
+              <a:buChar char="•"/>
+            </a:pPr>
+            <a:r>
+              <a:rPr lang="en-US" sz="2600" dirty="0">
+                <a:latin typeface="Arial Narrow" panose="020B0606020202030204" pitchFamily="34" charset="0"/>
+              </a:rPr>
+              <a:t>N</a:t>
+            </a:r>
+            <a:r>
+              <a:rPr lang="pt-BR" sz="2600" dirty="0" err="1">
+                <a:latin typeface="Arial Narrow" panose="020B0606020202030204" pitchFamily="34" charset="0"/>
+              </a:rPr>
+              <a:t>itsche</a:t>
+            </a:r>
+            <a:r>
+              <a:rPr lang="pt-BR" sz="2600" dirty="0">
+                <a:latin typeface="Arial Narrow" panose="020B0606020202030204" pitchFamily="34" charset="0"/>
+              </a:rPr>
+              <a:t>; </a:t>
+            </a:r>
+            <a:r>
+              <a:rPr lang="pt-BR" sz="2600" dirty="0" err="1">
+                <a:latin typeface="Arial Narrow" panose="020B0606020202030204" pitchFamily="34" charset="0"/>
+              </a:rPr>
+              <a:t>Stutz</a:t>
+            </a:r>
+            <a:r>
+              <a:rPr lang="pt-BR" sz="2600" dirty="0">
+                <a:latin typeface="Arial Narrow" panose="020B0606020202030204" pitchFamily="34" charset="0"/>
+              </a:rPr>
+              <a:t>; </a:t>
+            </a:r>
+            <a:r>
+              <a:rPr lang="pt-BR" sz="2600" dirty="0" err="1">
+                <a:latin typeface="Arial Narrow" panose="020B0606020202030204" pitchFamily="34" charset="0"/>
+              </a:rPr>
+              <a:t>Kammer</a:t>
+            </a:r>
+            <a:r>
+              <a:rPr lang="pt-BR" sz="2600" dirty="0">
+                <a:latin typeface="Arial Narrow" panose="020B0606020202030204" pitchFamily="34" charset="0"/>
+              </a:rPr>
+              <a:t> e </a:t>
+            </a:r>
+            <a:r>
+              <a:rPr lang="pt-BR" sz="2600" dirty="0" err="1">
+                <a:latin typeface="Arial Narrow" panose="020B0606020202030204" pitchFamily="34" charset="0"/>
+              </a:rPr>
+              <a:t>Maurer</a:t>
+            </a:r>
+            <a:endParaRPr lang="pt-BR" sz="2600" dirty="0">
+              <a:latin typeface="Arial Narrow" panose="020B0606020202030204" pitchFamily="34" charset="0"/>
+            </a:endParaRPr>
+          </a:p>
+          <a:p>
+            <a:pPr marL="1371600" lvl="2" indent="-457200">
+              <a:buFont typeface="Arial" panose="020B0604020202020204" pitchFamily="34" charset="0"/>
+              <a:buChar char="•"/>
             </a:pPr>
             <a:r>
               <a:rPr lang="en-US" sz="2600" dirty="0" err="1">
                 <a:latin typeface="Arial Narrow" panose="020B0606020202030204" pitchFamily="34" charset="0"/>
               </a:rPr>
-              <a:t>Coeficiente</a:t>
-            </a:r>
-            <a:r>
-              <a:rPr lang="en-US" sz="2600" dirty="0">
-                <a:latin typeface="Arial Narrow" panose="020B0606020202030204" pitchFamily="34" charset="0"/>
-              </a:rPr>
-              <a:t> Lunar</a:t>
-            </a:r>
-          </a:p>
-          <a:p>
-            <a:pPr lvl="2"/>
-            <a:endParaRPr lang="pt-BR" sz="2600" dirty="0">
-              <a:latin typeface="Arial Narrow" panose="020B0606020202030204" pitchFamily="34" charset="0"/>
-            </a:endParaRPr>
-          </a:p>
-          <a:p>
-            <a:pPr marL="742950" lvl="1" indent="-285750">
-              <a:buFont typeface="Wingdings" panose="05000000000000000000" pitchFamily="2" charset="2"/>
-              <a:buChar char="§"/>
-            </a:pPr>
-            <a:r>
-              <a:rPr lang="pt-BR" sz="2600" dirty="0">
-                <a:latin typeface="Arial Narrow" panose="020B0606020202030204" pitchFamily="34" charset="0"/>
-              </a:rPr>
-              <a:t>Koch e </a:t>
-            </a:r>
-            <a:r>
-              <a:rPr lang="pt-BR" sz="2600" dirty="0" err="1">
-                <a:latin typeface="Arial Narrow" panose="020B0606020202030204" pitchFamily="34" charset="0"/>
-              </a:rPr>
-              <a:t>Brilakis</a:t>
-            </a:r>
-            <a:endParaRPr lang="pt-BR" sz="2600" dirty="0">
-              <a:latin typeface="Arial Narrow" panose="020B0606020202030204" pitchFamily="34" charset="0"/>
-            </a:endParaRPr>
-          </a:p>
-          <a:p>
-            <a:pPr marL="1200150" lvl="2" indent="-285750">
-              <a:buFont typeface="Wingdings" panose="05000000000000000000" pitchFamily="2" charset="2"/>
-              <a:buChar char="§"/>
-            </a:pPr>
-            <a:r>
-              <a:rPr lang="en-US" sz="2600" dirty="0" err="1">
-                <a:latin typeface="Arial Narrow" panose="020B0606020202030204" pitchFamily="34" charset="0"/>
-              </a:rPr>
-              <a:t>Processamento</a:t>
+              <a:t>Uso</a:t>
             </a:r>
             <a:r>
               <a:rPr lang="en-US" sz="2600" dirty="0">
@@ -20483,22 +19445,34 @@
               <a:rPr lang="en-US" sz="2600" dirty="0" err="1">
                 <a:latin typeface="Arial Narrow" panose="020B0606020202030204" pitchFamily="34" charset="0"/>
               </a:rPr>
-              <a:t>Imagem</a:t>
+              <a:t>Acelerômetro</a:t>
+            </a:r>
+            <a:r>
+              <a:rPr lang="en-US" sz="2600" dirty="0">
+                <a:latin typeface="Arial Narrow" panose="020B0606020202030204" pitchFamily="34" charset="0"/>
+              </a:rPr>
+              <a:t> e outros </a:t>
+            </a:r>
+            <a:r>
+              <a:rPr lang="en-US" sz="2600" dirty="0" err="1">
+                <a:latin typeface="Arial Narrow" panose="020B0606020202030204" pitchFamily="34" charset="0"/>
+              </a:rPr>
+              <a:t>sensores</a:t>
             </a:r>
             <a:endParaRPr lang="en-US" sz="2600" dirty="0">
               <a:latin typeface="Arial Narrow" panose="020B0606020202030204" pitchFamily="34" charset="0"/>
             </a:endParaRPr>
           </a:p>
           <a:p>
-            <a:pPr marL="1200150" lvl="2" indent="-285750">
-              <a:buFont typeface="Wingdings" panose="05000000000000000000" pitchFamily="2" charset="2"/>
-              <a:buChar char="§"/>
+            <a:pPr marL="1371600" lvl="2" indent="-457200">
+              <a:buFont typeface="Arial" panose="020B0604020202020204" pitchFamily="34" charset="0"/>
+              <a:buChar char="•"/>
             </a:pPr>
             <a:r>
               <a:rPr lang="en-US" sz="2600" dirty="0" err="1">
                 <a:latin typeface="Arial Narrow" panose="020B0606020202030204" pitchFamily="34" charset="0"/>
               </a:rPr>
-              <a:t>Formato</a:t>
+              <a:t>Tipos</a:t>
             </a:r>
             <a:r>
               <a:rPr lang="en-US" sz="2600" dirty="0">
@@ -20510,163 +19484,26 @@
               <a:rPr lang="en-US" sz="2600" dirty="0" err="1">
                 <a:latin typeface="Arial Narrow" panose="020B0606020202030204" pitchFamily="34" charset="0"/>
               </a:rPr>
-              <a:t>Elipse</a:t>
+              <a:t>Rugosidade</a:t>
             </a:r>
             <a:endParaRPr lang="en-US" sz="2600" dirty="0">
               <a:latin typeface="Arial Narrow" panose="020B0606020202030204" pitchFamily="34" charset="0"/>
             </a:endParaRPr>
           </a:p>
           <a:p>
-            <a:pPr marL="1200150" lvl="2" indent="-285750">
-              <a:buFont typeface="Wingdings" panose="05000000000000000000" pitchFamily="2" charset="2"/>
-              <a:buChar char="§"/>
+            <a:pPr marL="914400" lvl="1" indent="-457200">
+              <a:buFont typeface="Arial" panose="020B0604020202020204" pitchFamily="34" charset="0"/>
+              <a:buChar char="•"/>
             </a:pPr>
-            <a:r>
-              <a:rPr lang="en-US" sz="2600" dirty="0" err="1">
-                <a:latin typeface="Arial Narrow" panose="020B0606020202030204" pitchFamily="34" charset="0"/>
-              </a:rPr>
-              <a:t>Superfície</a:t>
-            </a:r>
-            <a:r>
-              <a:rPr lang="en-US" sz="2600" dirty="0">
-                <a:latin typeface="Arial Narrow" panose="020B0606020202030204" pitchFamily="34" charset="0"/>
-              </a:rPr>
-              <a:t> </a:t>
-            </a:r>
-            <a:r>
-              <a:rPr lang="en-US" sz="2600" dirty="0" err="1">
-                <a:latin typeface="Arial Narrow" panose="020B0606020202030204" pitchFamily="34" charset="0"/>
-              </a:rPr>
-              <a:t>diferenciada</a:t>
-            </a:r>
-            <a:endParaRPr lang="en-US" sz="2600" dirty="0">
-              <a:latin typeface="Arial Narrow" panose="020B0606020202030204" pitchFamily="34" charset="0"/>
-            </a:endParaRPr>
-          </a:p>
-          <a:p>
-            <a:pPr lvl="2"/>
             <a:endParaRPr lang="pt-BR" sz="2600" dirty="0">
               <a:latin typeface="Arial Narrow" panose="020B0606020202030204" pitchFamily="34" charset="0"/>
             </a:endParaRPr>
           </a:p>
           <a:p>
-            <a:pPr marL="742950" lvl="1" indent="-285750">
-              <a:buFont typeface="Wingdings" panose="05000000000000000000" pitchFamily="2" charset="2"/>
-              <a:buChar char="§"/>
+            <a:pPr marL="457200" indent="-457200">
+              <a:buFont typeface="Arial" panose="020B0604020202020204" pitchFamily="34" charset="0"/>
+              <a:buChar char="•"/>
             </a:pPr>
-            <a:r>
-              <a:rPr lang="en-US" sz="2600" dirty="0">
-                <a:latin typeface="Arial Narrow" panose="020B0606020202030204" pitchFamily="34" charset="0"/>
-              </a:rPr>
-              <a:t>N</a:t>
-            </a:r>
-            <a:r>
-              <a:rPr lang="pt-BR" sz="2600" dirty="0" err="1">
-                <a:latin typeface="Arial Narrow" panose="020B0606020202030204" pitchFamily="34" charset="0"/>
-              </a:rPr>
-              <a:t>itsche</a:t>
-            </a:r>
-            <a:r>
-              <a:rPr lang="pt-BR" sz="2600" dirty="0">
-                <a:latin typeface="Arial Narrow" panose="020B0606020202030204" pitchFamily="34" charset="0"/>
-              </a:rPr>
-              <a:t>; </a:t>
-            </a:r>
-            <a:r>
-              <a:rPr lang="pt-BR" sz="2600" dirty="0" err="1">
-                <a:latin typeface="Arial Narrow" panose="020B0606020202030204" pitchFamily="34" charset="0"/>
-              </a:rPr>
-              <a:t>Stutz</a:t>
-            </a:r>
-            <a:r>
-              <a:rPr lang="pt-BR" sz="2600" dirty="0">
-                <a:latin typeface="Arial Narrow" panose="020B0606020202030204" pitchFamily="34" charset="0"/>
-              </a:rPr>
-              <a:t>; </a:t>
-            </a:r>
-            <a:r>
-              <a:rPr lang="pt-BR" sz="2600" dirty="0" err="1">
-                <a:latin typeface="Arial Narrow" panose="020B0606020202030204" pitchFamily="34" charset="0"/>
-              </a:rPr>
-              <a:t>Kammer</a:t>
-            </a:r>
-            <a:r>
-              <a:rPr lang="pt-BR" sz="2600" dirty="0">
-                <a:latin typeface="Arial Narrow" panose="020B0606020202030204" pitchFamily="34" charset="0"/>
-              </a:rPr>
-              <a:t> e </a:t>
-            </a:r>
-            <a:r>
-              <a:rPr lang="pt-BR" sz="2600" dirty="0" err="1">
-                <a:latin typeface="Arial Narrow" panose="020B0606020202030204" pitchFamily="34" charset="0"/>
-              </a:rPr>
-              <a:t>Maurer</a:t>
-            </a:r>
-            <a:endParaRPr lang="pt-BR" sz="2600" dirty="0">
-              <a:latin typeface="Arial Narrow" panose="020B0606020202030204" pitchFamily="34" charset="0"/>
-            </a:endParaRPr>
-          </a:p>
-          <a:p>
-            <a:pPr marL="1200150" lvl="2" indent="-285750">
-              <a:buFont typeface="Wingdings" panose="05000000000000000000" pitchFamily="2" charset="2"/>
-              <a:buChar char="§"/>
-            </a:pPr>
-            <a:r>
-              <a:rPr lang="en-US" sz="2600" dirty="0" err="1">
-                <a:latin typeface="Arial Narrow" panose="020B0606020202030204" pitchFamily="34" charset="0"/>
-              </a:rPr>
-              <a:t>Uso</a:t>
-            </a:r>
-            <a:r>
-              <a:rPr lang="en-US" sz="2600" dirty="0">
-                <a:latin typeface="Arial Narrow" panose="020B0606020202030204" pitchFamily="34" charset="0"/>
-              </a:rPr>
-              <a:t> de </a:t>
-            </a:r>
-            <a:r>
-              <a:rPr lang="en-US" sz="2600" dirty="0" err="1">
-                <a:latin typeface="Arial Narrow" panose="020B0606020202030204" pitchFamily="34" charset="0"/>
-              </a:rPr>
-              <a:t>Acelerômetro</a:t>
-            </a:r>
-            <a:endParaRPr lang="en-US" sz="2600" dirty="0">
-              <a:latin typeface="Arial Narrow" panose="020B0606020202030204" pitchFamily="34" charset="0"/>
-            </a:endParaRPr>
-          </a:p>
-          <a:p>
-            <a:pPr marL="1200150" lvl="2" indent="-285750">
-              <a:buFont typeface="Wingdings" panose="05000000000000000000" pitchFamily="2" charset="2"/>
-              <a:buChar char="§"/>
-            </a:pPr>
-            <a:r>
-              <a:rPr lang="en-US" sz="2600" dirty="0" err="1">
-                <a:latin typeface="Arial Narrow" panose="020B0606020202030204" pitchFamily="34" charset="0"/>
-              </a:rPr>
-              <a:t>Fenômenos</a:t>
-            </a:r>
-            <a:r>
-              <a:rPr lang="en-US" sz="2600" dirty="0">
-                <a:latin typeface="Arial Narrow" panose="020B0606020202030204" pitchFamily="34" charset="0"/>
-              </a:rPr>
-              <a:t> de </a:t>
-            </a:r>
-            <a:r>
-              <a:rPr lang="en-US" sz="2600" dirty="0" err="1">
-                <a:latin typeface="Arial Narrow" panose="020B0606020202030204" pitchFamily="34" charset="0"/>
-              </a:rPr>
-              <a:t>Rugosidade</a:t>
-            </a:r>
-            <a:endParaRPr lang="en-US" sz="2600" dirty="0">
-              <a:latin typeface="Arial Narrow" panose="020B0606020202030204" pitchFamily="34" charset="0"/>
-            </a:endParaRPr>
-          </a:p>
-          <a:p>
-            <a:pPr lvl="1"/>
-            <a:endParaRPr lang="pt-BR" sz="2600" dirty="0">
-              <a:latin typeface="Arial Narrow" panose="020B0606020202030204" pitchFamily="34" charset="0"/>
-            </a:endParaRPr>
-          </a:p>
-          <a:p>
             <a:endParaRPr lang="pt-BR" sz="2600" dirty="0">
               <a:latin typeface="Arial Narrow" panose="020B0606020202030204" pitchFamily="34" charset="0"/>
             </a:endParaRPr>
@@ -20687,8 +19524,8 @@
         </p:nvSpPr>
         <p:spPr>
           <a:xfrm>
-            <a:off x="6096000" y="1331419"/>
-            <a:ext cx="5151906" cy="3693319"/>
+            <a:off x="6405088" y="1331419"/>
+            <a:ext cx="5731055" cy="2893100"/>
           </a:xfrm>
           <a:prstGeom prst="rect">
             <a:avLst/>
@@ -20701,9 +19538,9 @@
           </a:bodyPr>
           <a:lstStyle/>
           <a:p>
-            <a:pPr marL="742950" lvl="1" indent="-285750">
-              <a:buFont typeface="Wingdings" panose="05000000000000000000" pitchFamily="2" charset="2"/>
-              <a:buChar char="§"/>
+            <a:pPr marL="914400" lvl="1" indent="-457200">
+              <a:buFont typeface="Arial" panose="020B0604020202020204" pitchFamily="34" charset="0"/>
+              <a:buChar char="•"/>
             </a:pPr>
             <a:r>
               <a:rPr lang="pt-BR" sz="2600" dirty="0" err="1">
@@ -20728,27 +19565,48 @@
             </a:endParaRPr>
           </a:p>
           <a:p>
-            <a:pPr marL="1200150" lvl="2" indent="-285750">
-              <a:buFont typeface="Wingdings" panose="05000000000000000000" pitchFamily="2" charset="2"/>
-              <a:buChar char="§"/>
+            <a:pPr marL="1371600" lvl="2" indent="-457200">
+              <a:buFont typeface="Arial" panose="020B0604020202020204" pitchFamily="34" charset="0"/>
+              <a:buChar char="•"/>
             </a:pPr>
+            <a:r>
+              <a:rPr lang="en-US" sz="2600" dirty="0" err="1">
+                <a:latin typeface="Arial Narrow" panose="020B0606020202030204" pitchFamily="34" charset="0"/>
+              </a:rPr>
+              <a:t>Análise</a:t>
+            </a:r>
             <a:r>
               <a:rPr lang="en-US" sz="2600" dirty="0">
                 <a:latin typeface="Arial Narrow" panose="020B0606020202030204" pitchFamily="34" charset="0"/>
               </a:rPr>
-              <a:t>IRI</a:t>
-            </a:r>
-          </a:p>
-          <a:p>
-            <a:pPr lvl="2"/>
+              <a:t> </a:t>
+            </a:r>
+            <a:r>
+              <a:rPr lang="en-US" sz="2600" dirty="0" err="1">
+                <a:latin typeface="Arial Narrow" panose="020B0606020202030204" pitchFamily="34" charset="0"/>
+              </a:rPr>
+              <a:t>técnica</a:t>
+            </a:r>
+            <a:r>
+              <a:rPr lang="en-US" sz="2600" dirty="0">
+                <a:latin typeface="Arial Narrow" panose="020B0606020202030204" pitchFamily="34" charset="0"/>
+              </a:rPr>
+              <a:t> do IRI</a:t>
+            </a:r>
+          </a:p>
+          <a:p>
+            <a:pPr marL="1371600" lvl="2" indent="-457200">
+              <a:buFont typeface="Arial" panose="020B0604020202020204" pitchFamily="34" charset="0"/>
+              <a:buChar char="•"/>
+            </a:pPr>
             <a:endParaRPr lang="pt-BR" sz="2600" dirty="0">
               <a:latin typeface="Arial Narrow" panose="020B0606020202030204" pitchFamily="34" charset="0"/>
             </a:endParaRPr>
           </a:p>
           <a:p>
-            <a:pPr marL="742950" lvl="1" indent="-285750">
-              <a:buFont typeface="Wingdings" panose="05000000000000000000" pitchFamily="2" charset="2"/>
-              <a:buChar char="§"/>
+            <a:pPr marL="914400" lvl="1" indent="-457200">
+              <a:buFont typeface="Arial" panose="020B0604020202020204" pitchFamily="34" charset="0"/>
+              <a:buChar char="•"/>
             </a:pPr>
             <a:r>
               <a:rPr lang="pt-BR" sz="2600" dirty="0">
@@ -20758,9 +19616,9 @@
             </a:r>
           </a:p>
           <a:p>
-            <a:pPr marL="1200150" lvl="2" indent="-285750">
-              <a:buFont typeface="Wingdings" panose="05000000000000000000" pitchFamily="2" charset="2"/>
-              <a:buChar char="§"/>
+            <a:pPr marL="1371600" lvl="2" indent="-457200">
+              <a:buFont typeface="Arial" panose="020B0604020202020204" pitchFamily="34" charset="0"/>
+              <a:buChar char="•"/>
             </a:pPr>
             <a:r>
               <a:rPr lang="en-US" sz="2600" dirty="0" err="1">
@@ -20809,33 +19667,10 @@
             </a:endParaRPr>
           </a:p>
           <a:p>
-            <a:pPr lvl="2"/>
-            <a:endParaRPr lang="pt-BR" sz="2600" dirty="0">
-              <a:latin typeface="Arial Narrow" panose="020B0606020202030204" pitchFamily="34" charset="0"/>
-            </a:endParaRPr>
-          </a:p>
-          <a:p>
-            <a:pPr marL="742950" lvl="1" indent="-285750">
-              <a:buFont typeface="Wingdings" panose="05000000000000000000" pitchFamily="2" charset="2"/>
-              <a:buChar char="§"/>
+            <a:pPr marL="1371600" lvl="2" indent="-457200">
+              <a:buFont typeface="Arial" panose="020B0604020202020204" pitchFamily="34" charset="0"/>
+              <a:buChar char="•"/>
             </a:pPr>
-            <a:r>
-              <a:rPr lang="en-US" sz="2600" dirty="0">
-                <a:latin typeface="Arial Narrow" panose="020B0606020202030204" pitchFamily="34" charset="0"/>
-              </a:rPr>
-              <a:t>E</a:t>
-            </a:r>
-            <a:r>
-              <a:rPr lang="pt-BR" sz="2600" dirty="0" err="1">
-                <a:latin typeface="Arial Narrow" panose="020B0606020202030204" pitchFamily="34" charset="0"/>
-              </a:rPr>
-              <a:t>tc</a:t>
-            </a:r>
-            <a:endParaRPr lang="pt-BR" sz="2600" dirty="0">
-              <a:latin typeface="Arial Narrow" panose="020B0606020202030204" pitchFamily="34" charset="0"/>
-            </a:endParaRPr>
-          </a:p>
-          <a:p>
             <a:endParaRPr lang="pt-BR" sz="2600" dirty="0">
               <a:latin typeface="Arial Narrow" panose="020B0606020202030204" pitchFamily="34" charset="0"/>
             </a:endParaRPr>
@@ -20881,7 +19716,7 @@
         <p:spPr>
           <a:xfrm>
             <a:off x="1188720" y="219456"/>
-            <a:ext cx="3039486" cy="646331"/>
+            <a:ext cx="5620000" cy="646331"/>
           </a:xfrm>
           <a:prstGeom prst="rect">
             <a:avLst/>
@@ -20900,7 +19735,7 @@
                 <a:ea typeface="Arial Narrow" charset="0"/>
                 <a:cs typeface="Arial Narrow" charset="0"/>
               </a:rPr>
-              <a:t>METODOLOGIA</a:t>
+              <a:t>TRABALHO COMPLEMENTAR</a:t>
             </a:r>
           </a:p>
         </p:txBody>
@@ -20941,115 +19776,6 @@
           </a:prstGeom>
         </p:spPr>
       </p:pic>
-      <p:sp>
-        <p:nvSpPr>
-          <p:cNvPr id="5" name="CaixaDeTexto 4">
-            <a:extLst>
-              <a:ext uri="{FF2B5EF4-FFF2-40B4-BE49-F238E27FC236}">
-                <a16:creationId xmlns:a16="http://schemas.microsoft.com/office/drawing/2014/main" id="{ADABFED9-0ED1-4026-9510-CF4F12C17582}"/>
-              </a:ext>
-            </a:extLst>
-          </p:cNvPr>
-          <p:cNvSpPr txBox="1"/>
-          <p:nvPr/>
-        </p:nvSpPr>
-        <p:spPr>
-          <a:xfrm>
-            <a:off x="914400" y="1856286"/>
-            <a:ext cx="6448926" cy="3293209"/>
-          </a:xfrm>
-          <a:prstGeom prst="rect">
-            <a:avLst/>
-          </a:prstGeom>
-          <a:noFill/>
-        </p:spPr>
-        <p:txBody>
-          <a:bodyPr wrap="square" rtlCol="0">
-            <a:spAutoFit/>
-          </a:bodyPr>
-          <a:lstStyle/>
-          <a:p>
-            <a:pPr marL="285750" indent="-285750">
-              <a:buFont typeface="Wingdings" panose="05000000000000000000" pitchFamily="2" charset="2"/>
-              <a:buChar char="§"/>
-            </a:pPr>
-            <a:r>
-              <a:rPr lang="pt-BR" sz="2600" dirty="0">
-                <a:latin typeface="Arial Narrow" panose="020B0606020202030204" pitchFamily="34" charset="0"/>
-              </a:rPr>
-              <a:t>Estudo do sensor Acelerômetro e GPS</a:t>
-            </a:r>
-          </a:p>
-          <a:p>
-            <a:endParaRPr lang="pt-BR" sz="2600" dirty="0">
-              <a:latin typeface="Arial Narrow" panose="020B0606020202030204" pitchFamily="34" charset="0"/>
-            </a:endParaRPr>
-          </a:p>
-          <a:p>
-            <a:pPr marL="285750" indent="-285750">
-              <a:buFont typeface="Wingdings" panose="05000000000000000000" pitchFamily="2" charset="2"/>
-              <a:buChar char="§"/>
-            </a:pPr>
-            <a:r>
-              <a:rPr lang="pt-BR" sz="2600" dirty="0">
-                <a:latin typeface="Arial Narrow" panose="020B0606020202030204" pitchFamily="34" charset="0"/>
-              </a:rPr>
-              <a:t>Estudo de artigos científicos</a:t>
-            </a:r>
-          </a:p>
-          <a:p>
-            <a:pPr marL="285750" indent="-285750">
-              <a:buFont typeface="Wingdings" panose="05000000000000000000" pitchFamily="2" charset="2"/>
-              <a:buChar char="§"/>
-            </a:pPr>
-            <a:endParaRPr lang="pt-BR" sz="2600" dirty="0">
-              <a:latin typeface="Arial Narrow" panose="020B0606020202030204" pitchFamily="34" charset="0"/>
-            </a:endParaRPr>
-          </a:p>
-          <a:p>
-            <a:pPr marL="285750" indent="-285750">
-              <a:buFont typeface="Wingdings" panose="05000000000000000000" pitchFamily="2" charset="2"/>
-              <a:buChar char="§"/>
-            </a:pPr>
-            <a:r>
-              <a:rPr lang="pt-BR" sz="2600" dirty="0">
-                <a:latin typeface="Arial Narrow" panose="020B0606020202030204" pitchFamily="34" charset="0"/>
-              </a:rPr>
-              <a:t>Estudo de técnicas de aprendizado de máquina</a:t>
-            </a:r>
-          </a:p>
-          <a:p>
-            <a:pPr marL="285750" indent="-285750">
-              <a:buFont typeface="Wingdings" panose="05000000000000000000" pitchFamily="2" charset="2"/>
-              <a:buChar char="§"/>
-            </a:pPr>
-            <a:endParaRPr lang="pt-BR" sz="2600" dirty="0">
-              <a:latin typeface="Arial Narrow" panose="020B0606020202030204" pitchFamily="34" charset="0"/>
-            </a:endParaRPr>
-          </a:p>
-          <a:p>
-            <a:pPr marL="285750" indent="-285750">
-              <a:buFont typeface="Wingdings" panose="05000000000000000000" pitchFamily="2" charset="2"/>
-              <a:buChar char="§"/>
-            </a:pPr>
-            <a:r>
-              <a:rPr lang="pt-BR" sz="2600" dirty="0">
-                <a:latin typeface="Arial Narrow" panose="020B0606020202030204" pitchFamily="34" charset="0"/>
-              </a:rPr>
-              <a:t>Elaboração de uma Web API</a:t>
-            </a:r>
-          </a:p>
-          <a:p>
-            <a:pPr marL="285750" indent="-285750">
-              <a:buFont typeface="Wingdings" panose="05000000000000000000" pitchFamily="2" charset="2"/>
-              <a:buChar char="§"/>
-            </a:pPr>
-            <a:endParaRPr lang="pt-BR" sz="2600" dirty="0">
-              <a:latin typeface="Arial Narrow" panose="020B0606020202030204" pitchFamily="34" charset="0"/>
-            </a:endParaRPr>
-          </a:p>
-        </p:txBody>
-      </p:sp>
       <p:sp>
         <p:nvSpPr>
           <p:cNvPr id="10" name="Rectangle 25">
@@ -21193,10 +19919,601 @@
           </a:prstGeom>
         </p:spPr>
       </p:pic>
+      <p:sp>
+        <p:nvSpPr>
+          <p:cNvPr id="8" name="CaixaDeTexto 7">
+            <a:extLst>
+              <a:ext uri="{FF2B5EF4-FFF2-40B4-BE49-F238E27FC236}">
+                <a16:creationId xmlns:a16="http://schemas.microsoft.com/office/drawing/2014/main" id="{C9421C42-9616-4B7A-966A-215BA0D5F0C0}"/>
+              </a:ext>
+            </a:extLst>
+          </p:cNvPr>
+          <p:cNvSpPr txBox="1"/>
+          <p:nvPr/>
+        </p:nvSpPr>
+        <p:spPr>
+          <a:xfrm>
+            <a:off x="723648" y="1176682"/>
+            <a:ext cx="4736994" cy="892552"/>
+          </a:xfrm>
+          <a:prstGeom prst="rect">
+            <a:avLst/>
+          </a:prstGeom>
+          <a:noFill/>
+        </p:spPr>
+        <p:txBody>
+          <a:bodyPr wrap="square" rtlCol="0">
+            <a:spAutoFit/>
+          </a:bodyPr>
+          <a:lstStyle/>
+          <a:p>
+            <a:pPr marL="914400" lvl="1" indent="-457200">
+              <a:buFont typeface="Arial" panose="020B0604020202020204" pitchFamily="34" charset="0"/>
+              <a:buChar char="•"/>
+            </a:pPr>
+            <a:r>
+              <a:rPr lang="pt-BR" sz="2600" dirty="0">
+                <a:latin typeface="Arial Narrow" panose="020B0606020202030204" pitchFamily="34" charset="0"/>
+              </a:rPr>
+              <a:t>Laudelino Lima (Março/2016) </a:t>
+            </a:r>
+          </a:p>
+          <a:p>
+            <a:pPr marL="457200" indent="-457200">
+              <a:buFont typeface="Arial" panose="020B0604020202020204" pitchFamily="34" charset="0"/>
+              <a:buChar char="•"/>
+            </a:pPr>
+            <a:endParaRPr lang="pt-BR" sz="2600" dirty="0">
+              <a:latin typeface="Arial Narrow" panose="020B0606020202030204" pitchFamily="34" charset="0"/>
+            </a:endParaRPr>
+          </a:p>
+        </p:txBody>
+      </p:sp>
+      <p:sp>
+        <p:nvSpPr>
+          <p:cNvPr id="3" name="Retângulo: Cantos Arredondados 2">
+            <a:extLst>
+              <a:ext uri="{FF2B5EF4-FFF2-40B4-BE49-F238E27FC236}">
+                <a16:creationId xmlns:a16="http://schemas.microsoft.com/office/drawing/2014/main" id="{E2AE4058-7BB6-4AA8-9D16-9AA1E045C25D}"/>
+              </a:ext>
+            </a:extLst>
+          </p:cNvPr>
+          <p:cNvSpPr/>
+          <p:nvPr/>
+        </p:nvSpPr>
+        <p:spPr>
+          <a:xfrm>
+            <a:off x="4254321" y="2562896"/>
+            <a:ext cx="3683358" cy="2034862"/>
+          </a:xfrm>
+          <a:prstGeom prst="roundRect">
+            <a:avLst/>
+          </a:prstGeom>
+          <a:noFill/>
+        </p:spPr>
+        <p:style>
+          <a:lnRef idx="2">
+            <a:schemeClr val="accent1">
+              <a:shade val="50000"/>
+            </a:schemeClr>
+          </a:lnRef>
+          <a:fillRef idx="1">
+            <a:schemeClr val="accent1"/>
+          </a:fillRef>
+          <a:effectRef idx="0">
+            <a:schemeClr val="accent1"/>
+          </a:effectRef>
+          <a:fontRef idx="minor">
+            <a:schemeClr val="lt1"/>
+          </a:fontRef>
+        </p:style>
+        <p:txBody>
+          <a:bodyPr rtlCol="0" anchor="ctr"/>
+          <a:lstStyle/>
+          <a:p>
+            <a:pPr algn="just"/>
+            <a:r>
+              <a:rPr lang="pt-BR" sz="2400" dirty="0">
+                <a:solidFill>
+                  <a:schemeClr val="tx1"/>
+                </a:solidFill>
+                <a:latin typeface="Arial Narrow" panose="020B0606020202030204" pitchFamily="34" charset="0"/>
+              </a:rPr>
+              <a:t>Sistema de detecção das condições asfálticas das ruas através do uso passivo de </a:t>
+            </a:r>
+            <a:r>
+              <a:rPr lang="pt-BR" sz="2400" i="1" dirty="0">
+                <a:solidFill>
+                  <a:schemeClr val="tx1"/>
+                </a:solidFill>
+                <a:latin typeface="Arial Narrow" panose="020B0606020202030204" pitchFamily="34" charset="0"/>
+              </a:rPr>
+              <a:t>smartphones</a:t>
+            </a:r>
+            <a:r>
+              <a:rPr lang="pt-BR" sz="2400" dirty="0">
+                <a:solidFill>
+                  <a:schemeClr val="tx1"/>
+                </a:solidFill>
+                <a:latin typeface="Arial Narrow" panose="020B0606020202030204" pitchFamily="34" charset="0"/>
+              </a:rPr>
+              <a:t>.</a:t>
+            </a:r>
+          </a:p>
+        </p:txBody>
+      </p:sp>
+      <p:sp>
+        <p:nvSpPr>
+          <p:cNvPr id="5" name="CaixaDeTexto 4">
+            <a:extLst>
+              <a:ext uri="{FF2B5EF4-FFF2-40B4-BE49-F238E27FC236}">
+                <a16:creationId xmlns:a16="http://schemas.microsoft.com/office/drawing/2014/main" id="{1941C1EE-A4E6-45BD-9DBA-1B129B767798}"/>
+              </a:ext>
+            </a:extLst>
+          </p:cNvPr>
+          <p:cNvSpPr txBox="1"/>
+          <p:nvPr/>
+        </p:nvSpPr>
+        <p:spPr>
+          <a:xfrm>
+            <a:off x="1469122" y="2777365"/>
+            <a:ext cx="2150772" cy="400110"/>
+          </a:xfrm>
+          <a:prstGeom prst="rect">
+            <a:avLst/>
+          </a:prstGeom>
+          <a:noFill/>
+        </p:spPr>
+        <p:txBody>
+          <a:bodyPr wrap="square" rtlCol="0">
+            <a:spAutoFit/>
+          </a:bodyPr>
+          <a:lstStyle/>
+          <a:p>
+            <a:r>
+              <a:rPr lang="pt-BR" sz="2000" dirty="0">
+                <a:latin typeface="Arial Narrow" panose="020B0606020202030204" pitchFamily="34" charset="0"/>
+              </a:rPr>
+              <a:t>Estudo de Mercado</a:t>
+            </a:r>
+          </a:p>
+        </p:txBody>
+      </p:sp>
+      <p:sp>
+        <p:nvSpPr>
+          <p:cNvPr id="12" name="CaixaDeTexto 11">
+            <a:extLst>
+              <a:ext uri="{FF2B5EF4-FFF2-40B4-BE49-F238E27FC236}">
+                <a16:creationId xmlns:a16="http://schemas.microsoft.com/office/drawing/2014/main" id="{15F08E41-56F0-4E3B-90BD-A87F65380728}"/>
+              </a:ext>
+            </a:extLst>
+          </p:cNvPr>
+          <p:cNvSpPr txBox="1"/>
+          <p:nvPr/>
+        </p:nvSpPr>
+        <p:spPr>
+          <a:xfrm>
+            <a:off x="879699" y="3377464"/>
+            <a:ext cx="2740195" cy="400110"/>
+          </a:xfrm>
+          <a:prstGeom prst="rect">
+            <a:avLst/>
+          </a:prstGeom>
+          <a:noFill/>
+        </p:spPr>
+        <p:txBody>
+          <a:bodyPr wrap="square" rtlCol="0">
+            <a:spAutoFit/>
+          </a:bodyPr>
+          <a:lstStyle/>
+          <a:p>
+            <a:r>
+              <a:rPr lang="pt-BR" sz="2000" dirty="0">
+                <a:latin typeface="Arial Narrow" panose="020B0606020202030204" pitchFamily="34" charset="0"/>
+              </a:rPr>
+              <a:t>Descrição do cenário atual</a:t>
+            </a:r>
+          </a:p>
+        </p:txBody>
+      </p:sp>
+      <p:sp>
+        <p:nvSpPr>
+          <p:cNvPr id="13" name="CaixaDeTexto 12">
+            <a:extLst>
+              <a:ext uri="{FF2B5EF4-FFF2-40B4-BE49-F238E27FC236}">
+                <a16:creationId xmlns:a16="http://schemas.microsoft.com/office/drawing/2014/main" id="{0A5D6C38-6893-4B17-AF61-AD63A995445A}"/>
+              </a:ext>
+            </a:extLst>
+          </p:cNvPr>
+          <p:cNvSpPr txBox="1"/>
+          <p:nvPr/>
+        </p:nvSpPr>
+        <p:spPr>
+          <a:xfrm>
+            <a:off x="1215480" y="3977563"/>
+            <a:ext cx="2404414" cy="707886"/>
+          </a:xfrm>
+          <a:prstGeom prst="rect">
+            <a:avLst/>
+          </a:prstGeom>
+          <a:noFill/>
+        </p:spPr>
+        <p:txBody>
+          <a:bodyPr wrap="square" rtlCol="0">
+            <a:spAutoFit/>
+          </a:bodyPr>
+          <a:lstStyle/>
+          <a:p>
+            <a:r>
+              <a:rPr lang="pt-BR" sz="2000" dirty="0">
+                <a:latin typeface="Arial Narrow" panose="020B0606020202030204" pitchFamily="34" charset="0"/>
+              </a:rPr>
+              <a:t>Classificação de irregularidades nas vias</a:t>
+            </a:r>
+          </a:p>
+        </p:txBody>
+      </p:sp>
+      <p:sp>
+        <p:nvSpPr>
+          <p:cNvPr id="14" name="CaixaDeTexto 13">
+            <a:extLst>
+              <a:ext uri="{FF2B5EF4-FFF2-40B4-BE49-F238E27FC236}">
+                <a16:creationId xmlns:a16="http://schemas.microsoft.com/office/drawing/2014/main" id="{67069A52-DC7E-4527-9542-AEC3E05F0942}"/>
+              </a:ext>
+            </a:extLst>
+          </p:cNvPr>
+          <p:cNvSpPr txBox="1"/>
+          <p:nvPr/>
+        </p:nvSpPr>
+        <p:spPr>
+          <a:xfrm>
+            <a:off x="8721170" y="2809952"/>
+            <a:ext cx="2150772" cy="400110"/>
+          </a:xfrm>
+          <a:prstGeom prst="rect">
+            <a:avLst/>
+          </a:prstGeom>
+          <a:noFill/>
+        </p:spPr>
+        <p:txBody>
+          <a:bodyPr wrap="square" rtlCol="0">
+            <a:spAutoFit/>
+          </a:bodyPr>
+          <a:lstStyle/>
+          <a:p>
+            <a:r>
+              <a:rPr lang="pt-BR" sz="2000" dirty="0">
+                <a:latin typeface="Arial Narrow" panose="020B0606020202030204" pitchFamily="34" charset="0"/>
+              </a:rPr>
+              <a:t>Modelo de negócio</a:t>
+            </a:r>
+          </a:p>
+        </p:txBody>
+      </p:sp>
+      <p:sp>
+        <p:nvSpPr>
+          <p:cNvPr id="15" name="CaixaDeTexto 14">
+            <a:extLst>
+              <a:ext uri="{FF2B5EF4-FFF2-40B4-BE49-F238E27FC236}">
+                <a16:creationId xmlns:a16="http://schemas.microsoft.com/office/drawing/2014/main" id="{CD0612DB-184A-477E-B72B-443C137FB9AE}"/>
+              </a:ext>
+            </a:extLst>
+          </p:cNvPr>
+          <p:cNvSpPr txBox="1"/>
+          <p:nvPr/>
+        </p:nvSpPr>
+        <p:spPr>
+          <a:xfrm>
+            <a:off x="8721170" y="3418695"/>
+            <a:ext cx="2647870" cy="400110"/>
+          </a:xfrm>
+          <a:prstGeom prst="rect">
+            <a:avLst/>
+          </a:prstGeom>
+          <a:noFill/>
+        </p:spPr>
+        <p:txBody>
+          <a:bodyPr wrap="square" rtlCol="0">
+            <a:spAutoFit/>
+          </a:bodyPr>
+          <a:lstStyle/>
+          <a:p>
+            <a:r>
+              <a:rPr lang="pt-BR" sz="2000" dirty="0">
+                <a:latin typeface="Arial Narrow" panose="020B0606020202030204" pitchFamily="34" charset="0"/>
+              </a:rPr>
+              <a:t>Levantamento de custo</a:t>
+            </a:r>
+          </a:p>
+        </p:txBody>
+      </p:sp>
+      <p:sp>
+        <p:nvSpPr>
+          <p:cNvPr id="16" name="CaixaDeTexto 15">
+            <a:extLst>
+              <a:ext uri="{FF2B5EF4-FFF2-40B4-BE49-F238E27FC236}">
+                <a16:creationId xmlns:a16="http://schemas.microsoft.com/office/drawing/2014/main" id="{20A8F283-299A-4ADB-8A19-6C54AE80A9A1}"/>
+              </a:ext>
+            </a:extLst>
+          </p:cNvPr>
+          <p:cNvSpPr txBox="1"/>
+          <p:nvPr/>
+        </p:nvSpPr>
+        <p:spPr>
+          <a:xfrm>
+            <a:off x="8721170" y="4027438"/>
+            <a:ext cx="1210614" cy="400110"/>
+          </a:xfrm>
+          <a:prstGeom prst="rect">
+            <a:avLst/>
+          </a:prstGeom>
+          <a:noFill/>
+        </p:spPr>
+        <p:txBody>
+          <a:bodyPr wrap="square" rtlCol="0">
+            <a:spAutoFit/>
+          </a:bodyPr>
+          <a:lstStyle/>
+          <a:p>
+            <a:r>
+              <a:rPr lang="pt-BR" sz="2000" dirty="0">
+                <a:latin typeface="Arial Narrow" panose="020B0606020202030204" pitchFamily="34" charset="0"/>
+              </a:rPr>
+              <a:t>Índice IQP</a:t>
+            </a:r>
+          </a:p>
+        </p:txBody>
+      </p:sp>
+      <p:cxnSp>
+        <p:nvCxnSpPr>
+          <p:cNvPr id="7" name="Conector reto 6">
+            <a:extLst>
+              <a:ext uri="{FF2B5EF4-FFF2-40B4-BE49-F238E27FC236}">
+                <a16:creationId xmlns:a16="http://schemas.microsoft.com/office/drawing/2014/main" id="{8F90BF35-EFA1-4B6F-99AE-3E4CEDA74CD0}"/>
+              </a:ext>
+            </a:extLst>
+          </p:cNvPr>
+          <p:cNvCxnSpPr>
+            <a:cxnSpLocks/>
+            <a:stCxn id="5" idx="3"/>
+            <a:endCxn id="3" idx="1"/>
+          </p:cNvCxnSpPr>
+          <p:nvPr/>
+        </p:nvCxnSpPr>
+        <p:spPr>
+          <a:xfrm>
+            <a:off x="3619894" y="2977420"/>
+            <a:ext cx="634427" cy="602907"/>
+          </a:xfrm>
+          <a:prstGeom prst="line">
+            <a:avLst/>
+          </a:prstGeom>
+          <a:ln/>
+        </p:spPr>
+        <p:style>
+          <a:lnRef idx="2">
+            <a:schemeClr val="accent5"/>
+          </a:lnRef>
+          <a:fillRef idx="0">
+            <a:schemeClr val="accent5"/>
+          </a:fillRef>
+          <a:effectRef idx="1">
+            <a:schemeClr val="accent5"/>
+          </a:effectRef>
+          <a:fontRef idx="minor">
+            <a:schemeClr val="tx1"/>
+          </a:fontRef>
+        </p:style>
+      </p:cxnSp>
+      <p:cxnSp>
+        <p:nvCxnSpPr>
+          <p:cNvPr id="19" name="Conector reto 18">
+            <a:extLst>
+              <a:ext uri="{FF2B5EF4-FFF2-40B4-BE49-F238E27FC236}">
+                <a16:creationId xmlns:a16="http://schemas.microsoft.com/office/drawing/2014/main" id="{FCEB2B82-3E9B-4D54-AD92-474D42943F81}"/>
+              </a:ext>
+            </a:extLst>
+          </p:cNvPr>
+          <p:cNvCxnSpPr>
+            <a:cxnSpLocks/>
+            <a:stCxn id="13" idx="3"/>
+            <a:endCxn id="3" idx="1"/>
+          </p:cNvCxnSpPr>
+          <p:nvPr/>
+        </p:nvCxnSpPr>
+        <p:spPr>
+          <a:xfrm flipV="1">
+            <a:off x="3619894" y="3580327"/>
+            <a:ext cx="634427" cy="751179"/>
+          </a:xfrm>
+          <a:prstGeom prst="line">
+            <a:avLst/>
+          </a:prstGeom>
+          <a:ln/>
+        </p:spPr>
+        <p:style>
+          <a:lnRef idx="2">
+            <a:schemeClr val="accent5"/>
+          </a:lnRef>
+          <a:fillRef idx="0">
+            <a:schemeClr val="accent5"/>
+          </a:fillRef>
+          <a:effectRef idx="1">
+            <a:schemeClr val="accent5"/>
+          </a:effectRef>
+          <a:fontRef idx="minor">
+            <a:schemeClr val="tx1"/>
+          </a:fontRef>
+        </p:style>
+      </p:cxnSp>
+      <p:cxnSp>
+        <p:nvCxnSpPr>
+          <p:cNvPr id="20" name="Conector reto 19">
+            <a:extLst>
+              <a:ext uri="{FF2B5EF4-FFF2-40B4-BE49-F238E27FC236}">
+                <a16:creationId xmlns:a16="http://schemas.microsoft.com/office/drawing/2014/main" id="{238CC1AA-329E-49B6-B95B-449D8F8B8938}"/>
+              </a:ext>
+            </a:extLst>
+          </p:cNvPr>
+          <p:cNvCxnSpPr>
+            <a:cxnSpLocks/>
+            <a:stCxn id="3" idx="3"/>
+            <a:endCxn id="14" idx="1"/>
+          </p:cNvCxnSpPr>
+          <p:nvPr/>
+        </p:nvCxnSpPr>
+        <p:spPr>
+          <a:xfrm flipV="1">
+            <a:off x="7937679" y="3010007"/>
+            <a:ext cx="783491" cy="570320"/>
+          </a:xfrm>
+          <a:prstGeom prst="line">
+            <a:avLst/>
+          </a:prstGeom>
+          <a:ln/>
+        </p:spPr>
+        <p:style>
+          <a:lnRef idx="2">
+            <a:schemeClr val="accent5"/>
+          </a:lnRef>
+          <a:fillRef idx="0">
+            <a:schemeClr val="accent5"/>
+          </a:fillRef>
+          <a:effectRef idx="1">
+            <a:schemeClr val="accent5"/>
+          </a:effectRef>
+          <a:fontRef idx="minor">
+            <a:schemeClr val="tx1"/>
+          </a:fontRef>
+        </p:style>
+      </p:cxnSp>
+      <p:cxnSp>
+        <p:nvCxnSpPr>
+          <p:cNvPr id="21" name="Conector reto 20">
+            <a:extLst>
+              <a:ext uri="{FF2B5EF4-FFF2-40B4-BE49-F238E27FC236}">
+                <a16:creationId xmlns:a16="http://schemas.microsoft.com/office/drawing/2014/main" id="{9E4B04D7-F4E6-4233-B9A9-46C4D8902AC7}"/>
+              </a:ext>
+            </a:extLst>
+          </p:cNvPr>
+          <p:cNvCxnSpPr>
+            <a:cxnSpLocks/>
+            <a:stCxn id="3" idx="3"/>
+            <a:endCxn id="16" idx="1"/>
+          </p:cNvCxnSpPr>
+          <p:nvPr/>
+        </p:nvCxnSpPr>
+        <p:spPr>
+          <a:xfrm>
+            <a:off x="7937679" y="3580327"/>
+            <a:ext cx="783491" cy="647166"/>
+          </a:xfrm>
+          <a:prstGeom prst="line">
+            <a:avLst/>
+          </a:prstGeom>
+          <a:ln/>
+        </p:spPr>
+        <p:style>
+          <a:lnRef idx="2">
+            <a:schemeClr val="accent5"/>
+          </a:lnRef>
+          <a:fillRef idx="0">
+            <a:schemeClr val="accent5"/>
+          </a:fillRef>
+          <a:effectRef idx="1">
+            <a:schemeClr val="accent5"/>
+          </a:effectRef>
+          <a:fontRef idx="minor">
+            <a:schemeClr val="tx1"/>
+          </a:fontRef>
+        </p:style>
+      </p:cxnSp>
+      <p:cxnSp>
+        <p:nvCxnSpPr>
+          <p:cNvPr id="22" name="Conector reto 21">
+            <a:extLst>
+              <a:ext uri="{FF2B5EF4-FFF2-40B4-BE49-F238E27FC236}">
+                <a16:creationId xmlns:a16="http://schemas.microsoft.com/office/drawing/2014/main" id="{A5C72321-D2F0-4703-B243-A46405125B0D}"/>
+              </a:ext>
+            </a:extLst>
+          </p:cNvPr>
+          <p:cNvCxnSpPr>
+            <a:cxnSpLocks/>
+            <a:stCxn id="12" idx="3"/>
+            <a:endCxn id="3" idx="1"/>
+          </p:cNvCxnSpPr>
+          <p:nvPr/>
+        </p:nvCxnSpPr>
+        <p:spPr>
+          <a:xfrm>
+            <a:off x="3619894" y="3577519"/>
+            <a:ext cx="634427" cy="2808"/>
+          </a:xfrm>
+          <a:prstGeom prst="line">
+            <a:avLst/>
+          </a:prstGeom>
+          <a:ln/>
+        </p:spPr>
+        <p:style>
+          <a:lnRef idx="2">
+            <a:schemeClr val="accent5"/>
+          </a:lnRef>
+          <a:fillRef idx="0">
+            <a:schemeClr val="accent5"/>
+          </a:fillRef>
+          <a:effectRef idx="1">
+            <a:schemeClr val="accent5"/>
+          </a:effectRef>
+          <a:fontRef idx="minor">
+            <a:schemeClr val="tx1"/>
+          </a:fontRef>
+        </p:style>
+      </p:cxnSp>
+      <p:cxnSp>
+        <p:nvCxnSpPr>
+          <p:cNvPr id="23" name="Conector reto 22">
+            <a:extLst>
+              <a:ext uri="{FF2B5EF4-FFF2-40B4-BE49-F238E27FC236}">
+                <a16:creationId xmlns:a16="http://schemas.microsoft.com/office/drawing/2014/main" id="{E6440B57-93C9-48D0-84F6-3AAE33E874BA}"/>
+              </a:ext>
+            </a:extLst>
+          </p:cNvPr>
+          <p:cNvCxnSpPr>
+            <a:cxnSpLocks/>
+            <a:stCxn id="3" idx="3"/>
+            <a:endCxn id="15" idx="1"/>
+          </p:cNvCxnSpPr>
+          <p:nvPr/>
+        </p:nvCxnSpPr>
+        <p:spPr>
+          <a:xfrm>
+            <a:off x="7937679" y="3580327"/>
+            <a:ext cx="783491" cy="38423"/>
+          </a:xfrm>
+          <a:prstGeom prst="line">
+            <a:avLst/>
+          </a:prstGeom>
+          <a:ln/>
+        </p:spPr>
+        <p:style>
+          <a:lnRef idx="2">
+            <a:schemeClr val="accent5"/>
+          </a:lnRef>
+          <a:fillRef idx="0">
+            <a:schemeClr val="accent5"/>
+          </a:fillRef>
+          <a:effectRef idx="1">
+            <a:schemeClr val="accent5"/>
+          </a:effectRef>
+          <a:fontRef idx="minor">
+            <a:schemeClr val="tx1"/>
+          </a:fontRef>
+        </p:style>
+      </p:cxnSp>
     </p:spTree>
     <p:extLst>
       <p:ext uri="{BB962C8B-B14F-4D97-AF65-F5344CB8AC3E}">
-        <p14:creationId xmlns:p14="http://schemas.microsoft.com/office/powerpoint/2010/main" val="1667084639"/>
+        <p14:creationId xmlns:p14="http://schemas.microsoft.com/office/powerpoint/2010/main" val="3359639430"/>
       </p:ext>
     </p:extLst>
   </p:cSld>
@@ -21306,8 +20623,8 @@
         </p:nvSpPr>
         <p:spPr>
           <a:xfrm>
-            <a:off x="914400" y="1856286"/>
-            <a:ext cx="6261315" cy="3293209"/>
+            <a:off x="1171980" y="1688859"/>
+            <a:ext cx="6448926" cy="4093428"/>
           </a:xfrm>
           <a:prstGeom prst="rect">
             <a:avLst/>
@@ -21320,9 +20637,30 @@
           </a:bodyPr>
           <a:lstStyle/>
           <a:p>
-            <a:pPr marL="285750" indent="-285750">
-              <a:buFont typeface="Wingdings" panose="05000000000000000000" pitchFamily="2" charset="2"/>
-              <a:buChar char="§"/>
+            <a:pPr marL="457200" indent="-457200">
+              <a:buFont typeface="Arial" panose="020B0604020202020204" pitchFamily="34" charset="0"/>
+              <a:buChar char="•"/>
+            </a:pPr>
+            <a:r>
+              <a:rPr lang="pt-BR" sz="2600" dirty="0">
+                <a:latin typeface="Arial Narrow" panose="020B0606020202030204" pitchFamily="34" charset="0"/>
+              </a:rPr>
+              <a:t>Estudo de artigos científicos</a:t>
+            </a:r>
+          </a:p>
+          <a:p>
+            <a:pPr marL="457200" indent="-457200">
+              <a:buFont typeface="Arial" panose="020B0604020202020204" pitchFamily="34" charset="0"/>
+              <a:buChar char="•"/>
+            </a:pPr>
+            <a:endParaRPr lang="pt-BR" sz="2600" dirty="0">
+              <a:latin typeface="Arial Narrow" panose="020B0606020202030204" pitchFamily="34" charset="0"/>
+            </a:endParaRPr>
+          </a:p>
+          <a:p>
+            <a:pPr marL="457200" indent="-457200">
+              <a:buFont typeface="Arial" panose="020B0604020202020204" pitchFamily="34" charset="0"/>
+              <a:buChar char="•"/>
             </a:pPr>
             <a:r>
               <a:rPr lang="pt-BR" sz="2600" dirty="0">
@@ -21332,93 +20670,72 @@
             </a:r>
           </a:p>
           <a:p>
+            <a:pPr marL="457200" indent="-457200">
+              <a:buFont typeface="Arial" panose="020B0604020202020204" pitchFamily="34" charset="0"/>
+              <a:buChar char="•"/>
+            </a:pPr>
             <a:endParaRPr lang="pt-BR" sz="2600" dirty="0">
               <a:latin typeface="Arial Narrow" panose="020B0606020202030204" pitchFamily="34" charset="0"/>
             </a:endParaRPr>
           </a:p>
           <a:p>
-            <a:pPr marL="285750" indent="-285750">
-              <a:buFont typeface="Wingdings" panose="05000000000000000000" pitchFamily="2" charset="2"/>
-              <a:buChar char="§"/>
+            <a:pPr marL="457200" indent="-457200">
+              <a:buFont typeface="Arial" panose="020B0604020202020204" pitchFamily="34" charset="0"/>
+              <a:buChar char="•"/>
             </a:pPr>
             <a:r>
               <a:rPr lang="pt-BR" sz="2600" dirty="0">
-                <a:solidFill>
-                  <a:schemeClr val="bg1">
-                    <a:lumMod val="75000"/>
-                  </a:schemeClr>
-                </a:solidFill>
                 <a:latin typeface="Arial Narrow" panose="020B0606020202030204" pitchFamily="34" charset="0"/>
               </a:rPr>
-              <a:t>Estudo de artigos científicos</a:t>
-            </a:r>
-          </a:p>
-          <a:p>
-            <a:pPr marL="285750" indent="-285750">
-              <a:buFont typeface="Wingdings" panose="05000000000000000000" pitchFamily="2" charset="2"/>
-              <a:buChar char="§"/>
+              <a:t>Elaboração de um aplicativo teste</a:t>
+            </a:r>
+          </a:p>
+          <a:p>
+            <a:pPr marL="457200" indent="-457200">
+              <a:buFont typeface="Arial" panose="020B0604020202020204" pitchFamily="34" charset="0"/>
+              <a:buChar char="•"/>
             </a:pPr>
             <a:endParaRPr lang="pt-BR" sz="2600" dirty="0">
-              <a:solidFill>
-                <a:schemeClr val="bg1">
-                  <a:lumMod val="75000"/>
-                </a:schemeClr>
-              </a:solidFill>
               <a:latin typeface="Arial Narrow" panose="020B0606020202030204" pitchFamily="34" charset="0"/>
             </a:endParaRPr>
           </a:p>
           <a:p>
-            <a:pPr marL="285750" indent="-285750">
-              <a:buFont typeface="Wingdings" panose="05000000000000000000" pitchFamily="2" charset="2"/>
-              <a:buChar char="§"/>
+            <a:pPr marL="457200" indent="-457200">
+              <a:buFont typeface="Arial" panose="020B0604020202020204" pitchFamily="34" charset="0"/>
+              <a:buChar char="•"/>
             </a:pPr>
             <a:r>
               <a:rPr lang="pt-BR" sz="2600" dirty="0">
-                <a:solidFill>
-                  <a:schemeClr val="bg1">
-                    <a:lumMod val="75000"/>
-                  </a:schemeClr>
-                </a:solidFill>
                 <a:latin typeface="Arial Narrow" panose="020B0606020202030204" pitchFamily="34" charset="0"/>
               </a:rPr>
               <a:t>Estudo de técnicas de aprendizado de máquina</a:t>
             </a:r>
           </a:p>
           <a:p>
-            <a:pPr marL="285750" indent="-285750">
-              <a:buFont typeface="Wingdings" panose="05000000000000000000" pitchFamily="2" charset="2"/>
-              <a:buChar char="§"/>
+            <a:pPr marL="457200" indent="-457200">
+              <a:buFont typeface="Arial" panose="020B0604020202020204" pitchFamily="34" charset="0"/>
+              <a:buChar char="•"/>
             </a:pPr>
             <a:endParaRPr lang="pt-BR" sz="2600" dirty="0">
-              <a:solidFill>
-                <a:schemeClr val="bg1">
-                  <a:lumMod val="75000"/>
-                </a:schemeClr>
-              </a:solidFill>
               <a:latin typeface="Arial Narrow" panose="020B0606020202030204" pitchFamily="34" charset="0"/>
             </a:endParaRPr>
           </a:p>
           <a:p>
-            <a:pPr marL="285750" indent="-285750">
-              <a:buFont typeface="Wingdings" panose="05000000000000000000" pitchFamily="2" charset="2"/>
-              <a:buChar char="§"/>
+            <a:pPr marL="457200" indent="-457200">
+              <a:buFont typeface="Arial" panose="020B0604020202020204" pitchFamily="34" charset="0"/>
+              <a:buChar char="•"/>
             </a:pPr>
             <a:r>
               <a:rPr lang="pt-BR" sz="2600" dirty="0">
-                <a:solidFill>
-                  <a:schemeClr val="bg1">
-                    <a:lumMod val="75000"/>
-                  </a:schemeClr>
-                </a:solidFill>
                 <a:latin typeface="Arial Narrow" panose="020B0606020202030204" pitchFamily="34" charset="0"/>
               </a:rPr>
               <a:t>Elaboração de uma Web API</a:t>
             </a:r>
           </a:p>
           <a:p>
-            <a:pPr marL="285750" indent="-285750">
-              <a:buFont typeface="Wingdings" panose="05000000000000000000" pitchFamily="2" charset="2"/>
-              <a:buChar char="§"/>
+            <a:pPr marL="457200" indent="-457200">
+              <a:buFont typeface="Arial" panose="020B0604020202020204" pitchFamily="34" charset="0"/>
+              <a:buChar char="•"/>
             </a:pPr>
             <a:endParaRPr lang="pt-BR" sz="2600" dirty="0">
               <a:latin typeface="Arial Narrow" panose="020B0606020202030204" pitchFamily="34" charset="0"/>
@@ -21569,75 +20886,10 @@
           </a:prstGeom>
         </p:spPr>
       </p:pic>
-      <p:pic>
-        <p:nvPicPr>
-          <p:cNvPr id="8" name="Imagem 7" descr="C:\Users\USUARIO\Dropbox\Projeto Final\Jupyter\eixosAcelerometro.jpg">
-            <a:extLst>
-              <a:ext uri="{FF2B5EF4-FFF2-40B4-BE49-F238E27FC236}">
-                <a16:creationId xmlns:a16="http://schemas.microsoft.com/office/drawing/2014/main" id="{3A626D1E-A140-4096-98BE-1EFA6C229CCE}"/>
-              </a:ext>
-            </a:extLst>
-          </p:cNvPr>
-          <p:cNvPicPr/>
-          <p:nvPr/>
-        </p:nvPicPr>
-        <p:blipFill>
-          <a:blip r:embed="rId4">
-            <a:extLst>
-              <a:ext uri="{28A0092B-C50C-407E-A947-70E740481C1C}">
-                <a14:useLocalDpi xmlns:a14="http://schemas.microsoft.com/office/drawing/2010/main" val="0"/>
-              </a:ext>
-            </a:extLst>
-          </a:blip>
-          <a:srcRect/>
-          <a:stretch>
-            <a:fillRect/>
-          </a:stretch>
-        </p:blipFill>
-        <p:spPr bwMode="auto">
-          <a:xfrm>
-            <a:off x="7563173" y="2022527"/>
-            <a:ext cx="3582138" cy="3772203"/>
-          </a:xfrm>
-          <a:prstGeom prst="rect">
-            <a:avLst/>
-          </a:prstGeom>
-          <a:solidFill>
-            <a:srgbClr val="FFFFFF">
-              <a:shade val="85000"/>
-            </a:srgbClr>
-          </a:solidFill>
-          <a:ln w="88900" cap="sq">
-            <a:solidFill>
-              <a:srgbClr val="FFFFFF"/>
-            </a:solidFill>
-            <a:miter lim="800000"/>
-          </a:ln>
-          <a:effectLst>
-            <a:outerShdw blurRad="55000" dist="18000" dir="5400000" algn="tl" rotWithShape="0">
-              <a:srgbClr val="000000">
-                <a:alpha val="40000"/>
-              </a:srgbClr>
-            </a:outerShdw>
-          </a:effectLst>
-          <a:scene3d>
-            <a:camera prst="orthographicFront"/>
-            <a:lightRig rig="twoPt" dir="t">
-              <a:rot lat="0" lon="0" rev="7200000"/>
-            </a:lightRig>
-          </a:scene3d>
-          <a:sp3d>
-            <a:bevelT w="25400" h="19050"/>
-            <a:contourClr>
-              <a:srgbClr val="FFFFFF"/>
-            </a:contourClr>
-          </a:sp3d>
-        </p:spPr>
-      </p:pic>
     </p:spTree>
     <p:extLst>
       <p:ext uri="{BB962C8B-B14F-4D97-AF65-F5344CB8AC3E}">
-        <p14:creationId xmlns:p14="http://schemas.microsoft.com/office/powerpoint/2010/main" val="838819274"/>
+        <p14:creationId xmlns:p14="http://schemas.microsoft.com/office/powerpoint/2010/main" val="1667084639"/>
       </p:ext>
     </p:extLst>
   </p:cSld>
